--- a/BallFall.pptx
+++ b/BallFall.pptx
@@ -13,9 +13,9 @@
     <p:sldId id="257" r:id="rId4"/>
     <p:sldId id="263" r:id="rId5"/>
     <p:sldId id="258" r:id="rId6"/>
-    <p:sldId id="262" r:id="rId7"/>
-    <p:sldId id="259" r:id="rId8"/>
-    <p:sldId id="260" r:id="rId9"/>
+    <p:sldId id="265" r:id="rId7"/>
+    <p:sldId id="262" r:id="rId8"/>
+    <p:sldId id="259" r:id="rId9"/>
   </p:sldIdLst>
   <p:sldSz cx="12192000" cy="6858000"/>
   <p:notesSz cx="6858000" cy="9144000"/>
@@ -204,7 +204,7 @@
           <a:p>
             <a:fld id="{1388073F-2889-421D-8CA9-381C175A6760}" type="datetimeFigureOut">
               <a:rPr lang="de-DE" smtClean="0"/>
-              <a:t>14.05.2016</a:t>
+              <a:t>16.05.2016</a:t>
             </a:fld>
             <a:endParaRPr lang="de-DE"/>
           </a:p>
@@ -299,7 +299,6 @@
               <a:rPr lang="de-DE"/>
               <a:t>Fünfte Ebene</a:t>
             </a:r>
-            <a:endParaRPr lang="de-DE"/>
           </a:p>
         </p:txBody>
       </p:sp>
@@ -518,7 +517,362 @@
           <a:p>
             <a:r>
               <a:rPr lang="de-DE" dirty="0"/>
-              <a:t>Klassen mit Variablen und Funktionen</a:t>
+              <a:t>-</a:t>
+            </a:r>
+            <a:r>
+              <a:rPr lang="de-DE" dirty="0" err="1"/>
+              <a:t>einzelen</a:t>
+            </a:r>
+            <a:r>
+              <a:rPr lang="de-DE" dirty="0"/>
+              <a:t> Layout Beispiele</a:t>
+            </a:r>
+          </a:p>
+          <a:p>
+            <a:endParaRPr lang="de-DE" dirty="0"/>
+          </a:p>
+          <a:p>
+            <a:r>
+              <a:rPr lang="de-DE" dirty="0"/>
+              <a:t>-</a:t>
+            </a:r>
+            <a:r>
+              <a:rPr lang="de-DE" dirty="0" err="1"/>
+              <a:t>links:z.B</a:t>
+            </a:r>
+            <a:r>
+              <a:rPr lang="de-DE" dirty="0"/>
+              <a:t>.</a:t>
+            </a:r>
+            <a:r>
+              <a:rPr lang="de-DE" baseline="0" dirty="0"/>
+              <a:t> so könnte </a:t>
+            </a:r>
+            <a:r>
+              <a:rPr lang="de-DE" baseline="0" dirty="0" err="1"/>
+              <a:t>startmenü</a:t>
+            </a:r>
+            <a:r>
+              <a:rPr lang="de-DE" baseline="0" dirty="0"/>
+              <a:t> aussehen, </a:t>
+            </a:r>
+            <a:r>
+              <a:rPr lang="de-DE" baseline="0" dirty="0" err="1"/>
+              <a:t>mitte</a:t>
+            </a:r>
+            <a:r>
+              <a:rPr lang="de-DE" baseline="0" dirty="0"/>
+              <a:t> </a:t>
+            </a:r>
+            <a:r>
+              <a:rPr lang="de-DE" baseline="0" dirty="0" err="1"/>
+              <a:t>Levelauswahl</a:t>
+            </a:r>
+            <a:r>
+              <a:rPr lang="de-DE" baseline="0" dirty="0"/>
+              <a:t> und rechts ein Beispiel wie ein Level aussehnen könnte</a:t>
+            </a:r>
+            <a:endParaRPr lang="de-DE" dirty="0"/>
+          </a:p>
+        </p:txBody>
+      </p:sp>
+      <p:sp>
+        <p:nvSpPr>
+          <p:cNvPr id="4" name="Foliennummernplatzhalter 3"/>
+          <p:cNvSpPr>
+            <a:spLocks noGrp="1"/>
+          </p:cNvSpPr>
+          <p:nvPr>
+            <p:ph type="sldNum" sz="quarter" idx="10"/>
+          </p:nvPr>
+        </p:nvSpPr>
+        <p:spPr/>
+        <p:txBody>
+          <a:bodyPr/>
+          <a:lstStyle/>
+          <a:p>
+            <a:fld id="{B3718980-F47B-4107-9E31-BBEAA60D0300}" type="slidenum">
+              <a:rPr lang="de-DE" smtClean="0"/>
+              <a:t>3</a:t>
+            </a:fld>
+            <a:endParaRPr lang="de-DE"/>
+          </a:p>
+        </p:txBody>
+      </p:sp>
+    </p:spTree>
+    <p:extLst>
+      <p:ext uri="{BB962C8B-B14F-4D97-AF65-F5344CB8AC3E}">
+        <p14:creationId xmlns:p14="http://schemas.microsoft.com/office/powerpoint/2010/main" val="3895936960"/>
+      </p:ext>
+    </p:extLst>
+  </p:cSld>
+  <p:clrMapOvr>
+    <a:masterClrMapping/>
+  </p:clrMapOvr>
+</p:notes>
+</file>
+
+<file path=ppt/notesSlides/notesSlide2.xml><?xml version="1.0" encoding="utf-8"?>
+<p:notes xmlns:a="http://schemas.openxmlformats.org/drawingml/2006/main" xmlns:r="http://schemas.openxmlformats.org/officeDocument/2006/relationships" xmlns:p="http://schemas.openxmlformats.org/presentationml/2006/main">
+  <p:cSld>
+    <p:spTree>
+      <p:nvGrpSpPr>
+        <p:cNvPr id="1" name=""/>
+        <p:cNvGrpSpPr/>
+        <p:nvPr/>
+      </p:nvGrpSpPr>
+      <p:grpSpPr>
+        <a:xfrm>
+          <a:off x="0" y="0"/>
+          <a:ext cx="0" cy="0"/>
+          <a:chOff x="0" y="0"/>
+          <a:chExt cx="0" cy="0"/>
+        </a:xfrm>
+      </p:grpSpPr>
+      <p:sp>
+        <p:nvSpPr>
+          <p:cNvPr id="2" name="Folienbildplatzhalter 1"/>
+          <p:cNvSpPr>
+            <a:spLocks noGrp="1" noRot="1" noChangeAspect="1"/>
+          </p:cNvSpPr>
+          <p:nvPr>
+            <p:ph type="sldImg"/>
+          </p:nvPr>
+        </p:nvSpPr>
+        <p:spPr/>
+      </p:sp>
+      <p:sp>
+        <p:nvSpPr>
+          <p:cNvPr id="3" name="Notizenplatzhalter 2"/>
+          <p:cNvSpPr>
+            <a:spLocks noGrp="1"/>
+          </p:cNvSpPr>
+          <p:nvPr>
+            <p:ph type="body" idx="1"/>
+          </p:nvPr>
+        </p:nvSpPr>
+        <p:spPr/>
+        <p:txBody>
+          <a:bodyPr/>
+          <a:lstStyle/>
+          <a:p>
+            <a:r>
+              <a:rPr lang="de-DE" dirty="0"/>
+              <a:t>-Bildschirm ist die Oberklasse</a:t>
+            </a:r>
+          </a:p>
+          <a:p>
+            <a:endParaRPr lang="de-DE" dirty="0"/>
+          </a:p>
+          <a:p>
+            <a:r>
+              <a:rPr lang="de-DE" dirty="0"/>
+              <a:t>-Startbildschirm/</a:t>
+            </a:r>
+            <a:r>
+              <a:rPr lang="de-DE" dirty="0" err="1"/>
+              <a:t>Levelmenu</a:t>
+            </a:r>
+            <a:r>
+              <a:rPr lang="de-DE" dirty="0"/>
+              <a:t>/</a:t>
+            </a:r>
+            <a:r>
+              <a:rPr lang="de-DE" dirty="0" err="1"/>
+              <a:t>Level_X</a:t>
+            </a:r>
+            <a:r>
+              <a:rPr lang="de-DE" baseline="0" dirty="0"/>
+              <a:t> und </a:t>
+            </a:r>
+            <a:r>
+              <a:rPr lang="de-DE" baseline="0" dirty="0" err="1"/>
+              <a:t>Highscore</a:t>
+            </a:r>
+            <a:r>
+              <a:rPr lang="de-DE" baseline="0" dirty="0"/>
+              <a:t> sind Kompositionen von Bildschirm, d.h. ohne Bildschirm gibt es keine weiteren Klassen</a:t>
+            </a:r>
+          </a:p>
+          <a:p>
+            <a:endParaRPr lang="de-DE" baseline="0" dirty="0"/>
+          </a:p>
+          <a:p>
+            <a:r>
+              <a:rPr lang="de-DE" baseline="0" dirty="0"/>
+              <a:t>-Button ist eine Aggregation von </a:t>
+            </a:r>
+            <a:r>
+              <a:rPr lang="de-DE" baseline="0" dirty="0" err="1"/>
+              <a:t>Startbildschrim</a:t>
+            </a:r>
+            <a:r>
+              <a:rPr lang="de-DE" baseline="0" dirty="0"/>
+              <a:t>, </a:t>
+            </a:r>
+            <a:r>
+              <a:rPr lang="de-DE" baseline="0" dirty="0" err="1"/>
+              <a:t>Levelmenu</a:t>
+            </a:r>
+            <a:r>
+              <a:rPr lang="de-DE" baseline="0" dirty="0"/>
+              <a:t>, </a:t>
+            </a:r>
+            <a:r>
+              <a:rPr lang="de-DE" baseline="0" dirty="0" err="1"/>
+              <a:t>Level_X</a:t>
+            </a:r>
+            <a:r>
+              <a:rPr lang="de-DE" baseline="0" dirty="0"/>
+              <a:t> und </a:t>
+            </a:r>
+            <a:r>
+              <a:rPr lang="de-DE" baseline="0" dirty="0" err="1"/>
+              <a:t>Highscore</a:t>
+            </a:r>
+            <a:r>
+              <a:rPr lang="de-DE" baseline="0" dirty="0"/>
+              <a:t>-&gt; Klassen können auch alleine existieren aber normalerweise ist Button    in die jeweiligen Klassen eingebunden</a:t>
+            </a:r>
+          </a:p>
+          <a:p>
+            <a:endParaRPr lang="de-DE" baseline="0" dirty="0"/>
+          </a:p>
+          <a:p>
+            <a:r>
+              <a:rPr lang="de-DE" baseline="0" dirty="0"/>
+              <a:t>-Physik interagiert mit Objekten ist allerdings nicht immer vorhanden???</a:t>
+            </a:r>
+            <a:endParaRPr lang="de-DE" dirty="0"/>
+          </a:p>
+        </p:txBody>
+      </p:sp>
+      <p:sp>
+        <p:nvSpPr>
+          <p:cNvPr id="4" name="Foliennummernplatzhalter 3"/>
+          <p:cNvSpPr>
+            <a:spLocks noGrp="1"/>
+          </p:cNvSpPr>
+          <p:nvPr>
+            <p:ph type="sldNum" sz="quarter" idx="10"/>
+          </p:nvPr>
+        </p:nvSpPr>
+        <p:spPr/>
+        <p:txBody>
+          <a:bodyPr/>
+          <a:lstStyle/>
+          <a:p>
+            <a:fld id="{B3718980-F47B-4107-9E31-BBEAA60D0300}" type="slidenum">
+              <a:rPr lang="de-DE" smtClean="0"/>
+              <a:t>4</a:t>
+            </a:fld>
+            <a:endParaRPr lang="de-DE"/>
+          </a:p>
+        </p:txBody>
+      </p:sp>
+    </p:spTree>
+    <p:extLst>
+      <p:ext uri="{BB962C8B-B14F-4D97-AF65-F5344CB8AC3E}">
+        <p14:creationId xmlns:p14="http://schemas.microsoft.com/office/powerpoint/2010/main" val="3261876811"/>
+      </p:ext>
+    </p:extLst>
+  </p:cSld>
+  <p:clrMapOvr>
+    <a:masterClrMapping/>
+  </p:clrMapOvr>
+</p:notes>
+</file>
+
+<file path=ppt/notesSlides/notesSlide3.xml><?xml version="1.0" encoding="utf-8"?>
+<p:notes xmlns:a="http://schemas.openxmlformats.org/drawingml/2006/main" xmlns:r="http://schemas.openxmlformats.org/officeDocument/2006/relationships" xmlns:p="http://schemas.openxmlformats.org/presentationml/2006/main">
+  <p:cSld>
+    <p:spTree>
+      <p:nvGrpSpPr>
+        <p:cNvPr id="1" name=""/>
+        <p:cNvGrpSpPr/>
+        <p:nvPr/>
+      </p:nvGrpSpPr>
+      <p:grpSpPr>
+        <a:xfrm>
+          <a:off x="0" y="0"/>
+          <a:ext cx="0" cy="0"/>
+          <a:chOff x="0" y="0"/>
+          <a:chExt cx="0" cy="0"/>
+        </a:xfrm>
+      </p:grpSpPr>
+      <p:sp>
+        <p:nvSpPr>
+          <p:cNvPr id="2" name="Folienbildplatzhalter 1"/>
+          <p:cNvSpPr>
+            <a:spLocks noGrp="1" noRot="1" noChangeAspect="1"/>
+          </p:cNvSpPr>
+          <p:nvPr>
+            <p:ph type="sldImg"/>
+          </p:nvPr>
+        </p:nvSpPr>
+        <p:spPr/>
+      </p:sp>
+      <p:sp>
+        <p:nvSpPr>
+          <p:cNvPr id="3" name="Notizenplatzhalter 2"/>
+          <p:cNvSpPr>
+            <a:spLocks noGrp="1"/>
+          </p:cNvSpPr>
+          <p:nvPr>
+            <p:ph type="body" idx="1"/>
+          </p:nvPr>
+        </p:nvSpPr>
+        <p:spPr/>
+        <p:txBody>
+          <a:bodyPr/>
+          <a:lstStyle/>
+          <a:p>
+            <a:r>
+              <a:rPr lang="de-DE" dirty="0"/>
+              <a:t>-Klassen von eben</a:t>
+            </a:r>
+            <a:r>
+              <a:rPr lang="de-DE" baseline="0" dirty="0"/>
+              <a:t> mit </a:t>
+            </a:r>
+            <a:r>
+              <a:rPr lang="de-DE" baseline="0" dirty="0" err="1"/>
+              <a:t>Beispielvariblen</a:t>
+            </a:r>
+            <a:r>
+              <a:rPr lang="de-DE" baseline="0" dirty="0"/>
+              <a:t> und –</a:t>
+            </a:r>
+            <a:r>
+              <a:rPr lang="de-DE" baseline="0" dirty="0" err="1"/>
+              <a:t>funktionen</a:t>
+            </a:r>
+            <a:endParaRPr lang="de-DE" baseline="0" dirty="0"/>
+          </a:p>
+          <a:p>
+            <a:endParaRPr lang="de-DE" baseline="0" dirty="0"/>
+          </a:p>
+          <a:p>
+            <a:r>
+              <a:rPr lang="de-DE" baseline="0" dirty="0"/>
+              <a:t>-wie man hier sieht gibt die Oberklasse Bildschirm den Klassen darunter die Breite und Länge für den Bildschirm</a:t>
+            </a:r>
+          </a:p>
+          <a:p>
+            <a:r>
+              <a:rPr lang="de-DE" baseline="0" dirty="0"/>
+              <a:t>-“+“ </a:t>
+            </a:r>
+            <a:r>
+              <a:rPr lang="de-DE" baseline="0" dirty="0" err="1"/>
+              <a:t>public</a:t>
+            </a:r>
+            <a:endParaRPr lang="de-DE" baseline="0" dirty="0"/>
+          </a:p>
+          <a:p>
+            <a:r>
+              <a:rPr lang="de-DE" baseline="0" dirty="0"/>
+              <a:t>-“-“private</a:t>
             </a:r>
           </a:p>
         </p:txBody>
@@ -550,6 +904,219 @@
     <p:extLst>
       <p:ext uri="{BB962C8B-B14F-4D97-AF65-F5344CB8AC3E}">
         <p14:creationId xmlns:p14="http://schemas.microsoft.com/office/powerpoint/2010/main" val="2390111728"/>
+      </p:ext>
+    </p:extLst>
+  </p:cSld>
+  <p:clrMapOvr>
+    <a:masterClrMapping/>
+  </p:clrMapOvr>
+</p:notes>
+</file>
+
+<file path=ppt/notesSlides/notesSlide4.xml><?xml version="1.0" encoding="utf-8"?>
+<p:notes xmlns:a="http://schemas.openxmlformats.org/drawingml/2006/main" xmlns:r="http://schemas.openxmlformats.org/officeDocument/2006/relationships" xmlns:p="http://schemas.openxmlformats.org/presentationml/2006/main">
+  <p:cSld>
+    <p:spTree>
+      <p:nvGrpSpPr>
+        <p:cNvPr id="1" name=""/>
+        <p:cNvGrpSpPr/>
+        <p:nvPr/>
+      </p:nvGrpSpPr>
+      <p:grpSpPr>
+        <a:xfrm>
+          <a:off x="0" y="0"/>
+          <a:ext cx="0" cy="0"/>
+          <a:chOff x="0" y="0"/>
+          <a:chExt cx="0" cy="0"/>
+        </a:xfrm>
+      </p:grpSpPr>
+      <p:sp>
+        <p:nvSpPr>
+          <p:cNvPr id="2" name="Folienbildplatzhalter 1"/>
+          <p:cNvSpPr>
+            <a:spLocks noGrp="1" noRot="1" noChangeAspect="1"/>
+          </p:cNvSpPr>
+          <p:nvPr>
+            <p:ph type="sldImg"/>
+          </p:nvPr>
+        </p:nvSpPr>
+        <p:spPr/>
+      </p:sp>
+      <p:sp>
+        <p:nvSpPr>
+          <p:cNvPr id="3" name="Notizenplatzhalter 2"/>
+          <p:cNvSpPr>
+            <a:spLocks noGrp="1"/>
+          </p:cNvSpPr>
+          <p:nvPr>
+            <p:ph type="body" idx="1"/>
+          </p:nvPr>
+        </p:nvSpPr>
+        <p:spPr/>
+        <p:txBody>
+          <a:bodyPr/>
+          <a:lstStyle/>
+          <a:p>
+            <a:r>
+              <a:rPr lang="de-DE" baseline="0" dirty="0"/>
+              <a:t>-“+“ </a:t>
+            </a:r>
+            <a:r>
+              <a:rPr lang="de-DE" baseline="0" dirty="0" err="1"/>
+              <a:t>public</a:t>
+            </a:r>
+            <a:endParaRPr lang="de-DE" baseline="0" dirty="0"/>
+          </a:p>
+          <a:p>
+            <a:r>
+              <a:rPr lang="de-DE" baseline="0" dirty="0"/>
+              <a:t>-“-“private</a:t>
+            </a:r>
+          </a:p>
+          <a:p>
+            <a:r>
+              <a:rPr lang="de-DE" dirty="0"/>
+              <a:t>-“#“ </a:t>
+            </a:r>
+            <a:r>
+              <a:rPr lang="de-DE" dirty="0" err="1"/>
+              <a:t>protected</a:t>
+            </a:r>
+            <a:endParaRPr lang="de-DE" dirty="0"/>
+          </a:p>
+        </p:txBody>
+      </p:sp>
+      <p:sp>
+        <p:nvSpPr>
+          <p:cNvPr id="4" name="Foliennummernplatzhalter 3"/>
+          <p:cNvSpPr>
+            <a:spLocks noGrp="1"/>
+          </p:cNvSpPr>
+          <p:nvPr>
+            <p:ph type="sldNum" sz="quarter" idx="10"/>
+          </p:nvPr>
+        </p:nvSpPr>
+        <p:spPr/>
+        <p:txBody>
+          <a:bodyPr/>
+          <a:lstStyle/>
+          <a:p>
+            <a:fld id="{B3718980-F47B-4107-9E31-BBEAA60D0300}" type="slidenum">
+              <a:rPr lang="de-DE" smtClean="0"/>
+              <a:t>6</a:t>
+            </a:fld>
+            <a:endParaRPr lang="de-DE"/>
+          </a:p>
+        </p:txBody>
+      </p:sp>
+    </p:spTree>
+    <p:extLst>
+      <p:ext uri="{BB962C8B-B14F-4D97-AF65-F5344CB8AC3E}">
+        <p14:creationId xmlns:p14="http://schemas.microsoft.com/office/powerpoint/2010/main" val="1459809751"/>
+      </p:ext>
+    </p:extLst>
+  </p:cSld>
+  <p:clrMapOvr>
+    <a:masterClrMapping/>
+  </p:clrMapOvr>
+</p:notes>
+</file>
+
+<file path=ppt/notesSlides/notesSlide5.xml><?xml version="1.0" encoding="utf-8"?>
+<p:notes xmlns:a="http://schemas.openxmlformats.org/drawingml/2006/main" xmlns:r="http://schemas.openxmlformats.org/officeDocument/2006/relationships" xmlns:p="http://schemas.openxmlformats.org/presentationml/2006/main">
+  <p:cSld>
+    <p:spTree>
+      <p:nvGrpSpPr>
+        <p:cNvPr id="1" name=""/>
+        <p:cNvGrpSpPr/>
+        <p:nvPr/>
+      </p:nvGrpSpPr>
+      <p:grpSpPr>
+        <a:xfrm>
+          <a:off x="0" y="0"/>
+          <a:ext cx="0" cy="0"/>
+          <a:chOff x="0" y="0"/>
+          <a:chExt cx="0" cy="0"/>
+        </a:xfrm>
+      </p:grpSpPr>
+      <p:sp>
+        <p:nvSpPr>
+          <p:cNvPr id="2" name="Folienbildplatzhalter 1"/>
+          <p:cNvSpPr>
+            <a:spLocks noGrp="1" noRot="1" noChangeAspect="1"/>
+          </p:cNvSpPr>
+          <p:nvPr>
+            <p:ph type="sldImg"/>
+          </p:nvPr>
+        </p:nvSpPr>
+        <p:spPr/>
+      </p:sp>
+      <p:sp>
+        <p:nvSpPr>
+          <p:cNvPr id="3" name="Notizenplatzhalter 2"/>
+          <p:cNvSpPr>
+            <a:spLocks noGrp="1"/>
+          </p:cNvSpPr>
+          <p:nvPr>
+            <p:ph type="body" idx="1"/>
+          </p:nvPr>
+        </p:nvSpPr>
+        <p:spPr/>
+        <p:txBody>
+          <a:bodyPr/>
+          <a:lstStyle/>
+          <a:p>
+            <a:r>
+              <a:rPr lang="de-DE" baseline="0" dirty="0"/>
+              <a:t>-“+“ </a:t>
+            </a:r>
+            <a:r>
+              <a:rPr lang="de-DE" baseline="0" dirty="0" err="1"/>
+              <a:t>public</a:t>
+            </a:r>
+            <a:endParaRPr lang="de-DE" baseline="0" dirty="0"/>
+          </a:p>
+          <a:p>
+            <a:r>
+              <a:rPr lang="de-DE" baseline="0" dirty="0"/>
+              <a:t>-“-“private</a:t>
+            </a:r>
+          </a:p>
+          <a:p>
+            <a:endParaRPr lang="de-DE" dirty="0"/>
+          </a:p>
+          <a:p>
+            <a:endParaRPr lang="de-DE" dirty="0"/>
+          </a:p>
+        </p:txBody>
+      </p:sp>
+      <p:sp>
+        <p:nvSpPr>
+          <p:cNvPr id="4" name="Foliennummernplatzhalter 3"/>
+          <p:cNvSpPr>
+            <a:spLocks noGrp="1"/>
+          </p:cNvSpPr>
+          <p:nvPr>
+            <p:ph type="sldNum" sz="quarter" idx="10"/>
+          </p:nvPr>
+        </p:nvSpPr>
+        <p:spPr/>
+        <p:txBody>
+          <a:bodyPr/>
+          <a:lstStyle/>
+          <a:p>
+            <a:fld id="{B3718980-F47B-4107-9E31-BBEAA60D0300}" type="slidenum">
+              <a:rPr lang="de-DE" smtClean="0"/>
+              <a:t>7</a:t>
+            </a:fld>
+            <a:endParaRPr lang="de-DE"/>
+          </a:p>
+        </p:txBody>
+      </p:sp>
+    </p:spTree>
+    <p:extLst>
+      <p:ext uri="{BB962C8B-B14F-4D97-AF65-F5344CB8AC3E}">
+        <p14:creationId xmlns:p14="http://schemas.microsoft.com/office/powerpoint/2010/main" val="1487791384"/>
       </p:ext>
     </p:extLst>
   </p:cSld>
@@ -688,7 +1255,7 @@
           <a:p>
             <a:fld id="{648E4D05-418B-44D2-941C-DB8366AFC4DF}" type="datetimeFigureOut">
               <a:rPr lang="de-DE" smtClean="0"/>
-              <a:t>14.05.2016</a:t>
+              <a:t>16.05.2016</a:t>
             </a:fld>
             <a:endParaRPr lang="de-DE"/>
           </a:p>
@@ -856,7 +1423,7 @@
           <a:p>
             <a:fld id="{648E4D05-418B-44D2-941C-DB8366AFC4DF}" type="datetimeFigureOut">
               <a:rPr lang="de-DE" smtClean="0"/>
-              <a:t>14.05.2016</a:t>
+              <a:t>16.05.2016</a:t>
             </a:fld>
             <a:endParaRPr lang="de-DE"/>
           </a:p>
@@ -1034,7 +1601,7 @@
           <a:p>
             <a:fld id="{648E4D05-418B-44D2-941C-DB8366AFC4DF}" type="datetimeFigureOut">
               <a:rPr lang="de-DE" smtClean="0"/>
-              <a:t>14.05.2016</a:t>
+              <a:t>16.05.2016</a:t>
             </a:fld>
             <a:endParaRPr lang="de-DE"/>
           </a:p>
@@ -1202,7 +1769,7 @@
           <a:p>
             <a:fld id="{648E4D05-418B-44D2-941C-DB8366AFC4DF}" type="datetimeFigureOut">
               <a:rPr lang="de-DE" smtClean="0"/>
-              <a:t>14.05.2016</a:t>
+              <a:t>16.05.2016</a:t>
             </a:fld>
             <a:endParaRPr lang="de-DE"/>
           </a:p>
@@ -1447,7 +2014,7 @@
           <a:p>
             <a:fld id="{648E4D05-418B-44D2-941C-DB8366AFC4DF}" type="datetimeFigureOut">
               <a:rPr lang="de-DE" smtClean="0"/>
-              <a:t>14.05.2016</a:t>
+              <a:t>16.05.2016</a:t>
             </a:fld>
             <a:endParaRPr lang="de-DE"/>
           </a:p>
@@ -1676,7 +2243,7 @@
           <a:p>
             <a:fld id="{648E4D05-418B-44D2-941C-DB8366AFC4DF}" type="datetimeFigureOut">
               <a:rPr lang="de-DE" smtClean="0"/>
-              <a:t>14.05.2016</a:t>
+              <a:t>16.05.2016</a:t>
             </a:fld>
             <a:endParaRPr lang="de-DE"/>
           </a:p>
@@ -2040,7 +2607,7 @@
           <a:p>
             <a:fld id="{648E4D05-418B-44D2-941C-DB8366AFC4DF}" type="datetimeFigureOut">
               <a:rPr lang="de-DE" smtClean="0"/>
-              <a:t>14.05.2016</a:t>
+              <a:t>16.05.2016</a:t>
             </a:fld>
             <a:endParaRPr lang="de-DE"/>
           </a:p>
@@ -2157,7 +2724,7 @@
           <a:p>
             <a:fld id="{648E4D05-418B-44D2-941C-DB8366AFC4DF}" type="datetimeFigureOut">
               <a:rPr lang="de-DE" smtClean="0"/>
-              <a:t>14.05.2016</a:t>
+              <a:t>16.05.2016</a:t>
             </a:fld>
             <a:endParaRPr lang="de-DE"/>
           </a:p>
@@ -2252,7 +2819,7 @@
           <a:p>
             <a:fld id="{648E4D05-418B-44D2-941C-DB8366AFC4DF}" type="datetimeFigureOut">
               <a:rPr lang="de-DE" smtClean="0"/>
-              <a:t>14.05.2016</a:t>
+              <a:t>16.05.2016</a:t>
             </a:fld>
             <a:endParaRPr lang="de-DE"/>
           </a:p>
@@ -2527,7 +3094,7 @@
           <a:p>
             <a:fld id="{648E4D05-418B-44D2-941C-DB8366AFC4DF}" type="datetimeFigureOut">
               <a:rPr lang="de-DE" smtClean="0"/>
-              <a:t>14.05.2016</a:t>
+              <a:t>16.05.2016</a:t>
             </a:fld>
             <a:endParaRPr lang="de-DE"/>
           </a:p>
@@ -2779,7 +3346,7 @@
           <a:p>
             <a:fld id="{648E4D05-418B-44D2-941C-DB8366AFC4DF}" type="datetimeFigureOut">
               <a:rPr lang="de-DE" smtClean="0"/>
-              <a:t>14.05.2016</a:t>
+              <a:t>16.05.2016</a:t>
             </a:fld>
             <a:endParaRPr lang="de-DE"/>
           </a:p>
@@ -2990,7 +3557,7 @@
           <a:p>
             <a:fld id="{648E4D05-418B-44D2-941C-DB8366AFC4DF}" type="datetimeFigureOut">
               <a:rPr lang="de-DE" smtClean="0"/>
-              <a:t>14.05.2016</a:t>
+              <a:t>16.05.2016</a:t>
             </a:fld>
             <a:endParaRPr lang="de-DE"/>
           </a:p>
@@ -3395,6 +3962,30 @@
           <a:chExt cx="0" cy="0"/>
         </a:xfrm>
       </p:grpSpPr>
+      <p:pic>
+        <p:nvPicPr>
+          <p:cNvPr id="4" name="Grafik 3"/>
+          <p:cNvPicPr>
+            <a:picLocks noChangeAspect="1"/>
+          </p:cNvPicPr>
+          <p:nvPr/>
+        </p:nvPicPr>
+        <p:blipFill>
+          <a:blip r:embed="rId2"/>
+          <a:stretch>
+            <a:fillRect/>
+          </a:stretch>
+        </p:blipFill>
+        <p:spPr>
+          <a:xfrm>
+            <a:off x="0" y="0"/>
+            <a:ext cx="12192000" cy="6841607"/>
+          </a:xfrm>
+          <a:prstGeom prst="rect">
+            <a:avLst/>
+          </a:prstGeom>
+        </p:spPr>
+      </p:pic>
       <p:sp>
         <p:nvSpPr>
           <p:cNvPr id="2" name="Titel 1"/>
@@ -3411,10 +4002,18 @@
           <a:lstStyle/>
           <a:p>
             <a:r>
-              <a:rPr lang="de-DE" dirty="0" err="1"/>
+              <a:rPr lang="de-DE" dirty="0" err="1">
+                <a:solidFill>
+                  <a:schemeClr val="bg1"/>
+                </a:solidFill>
+              </a:rPr>
               <a:t>Ball&amp;Fall</a:t>
             </a:r>
-            <a:endParaRPr lang="de-DE" dirty="0"/>
+            <a:endParaRPr lang="de-DE" dirty="0">
+              <a:solidFill>
+                <a:schemeClr val="bg1"/>
+              </a:solidFill>
+            </a:endParaRPr>
           </a:p>
         </p:txBody>
       </p:sp>
@@ -3434,7 +4033,11 @@
           <a:lstStyle/>
           <a:p>
             <a:r>
-              <a:rPr lang="de-DE" dirty="0"/>
+              <a:rPr lang="de-DE" dirty="0">
+                <a:solidFill>
+                  <a:schemeClr val="bg1"/>
+                </a:solidFill>
+              </a:rPr>
               <a:t>Von Viktoria, Florian, Alexander, Jonas und Maximilian</a:t>
             </a:r>
           </a:p>
@@ -3674,19 +4277,20 @@
           <p:nvPr/>
         </p:nvPicPr>
         <p:blipFill>
-          <a:blip r:embed="rId2"/>
+          <a:blip r:embed="rId3"/>
           <a:stretch>
             <a:fillRect/>
           </a:stretch>
         </p:blipFill>
         <p:spPr>
           <a:xfrm>
-            <a:off x="4069639" y="1591709"/>
+            <a:off x="4069639" y="2061186"/>
             <a:ext cx="1848507" cy="2058969"/>
           </a:xfrm>
           <a:prstGeom prst="rect">
             <a:avLst/>
           </a:prstGeom>
+          <a:noFill/>
         </p:spPr>
       </p:pic>
       <p:pic>
@@ -3698,7 +4302,7 @@
           <p:nvPr/>
         </p:nvPicPr>
         <p:blipFill>
-          <a:blip r:embed="rId3"/>
+          <a:blip r:embed="rId4"/>
           <a:stretch>
             <a:fillRect/>
           </a:stretch>
@@ -3722,7 +4326,7 @@
           <p:nvPr/>
         </p:nvPicPr>
         <p:blipFill>
-          <a:blip r:embed="rId4"/>
+          <a:blip r:embed="rId5"/>
           <a:stretch>
             <a:fillRect/>
           </a:stretch>
@@ -3784,7 +4388,7 @@
           <a:p>
             <a:r>
               <a:rPr lang="de-DE" dirty="0"/>
-              <a:t>Klassen</a:t>
+              <a:t>Klassenbeziehungen</a:t>
             </a:r>
           </a:p>
         </p:txBody>
@@ -3798,13 +4402,13 @@
           <p:nvPr>
             <p:extLst>
               <p:ext uri="{D42A27DB-BD31-4B8C-83A1-F6EECF244321}">
-                <p14:modId xmlns:p14="http://schemas.microsoft.com/office/powerpoint/2010/main" val="1443807349"/>
+                <p14:modId xmlns:p14="http://schemas.microsoft.com/office/powerpoint/2010/main" val="912706329"/>
               </p:ext>
             </p:extLst>
           </p:nvPr>
         </p:nvGraphicFramePr>
         <p:xfrm>
-          <a:off x="5764882" y="4627712"/>
+          <a:off x="7207975" y="3841315"/>
           <a:ext cx="1566606" cy="370840"/>
         </p:xfrm>
         <a:graphic>
@@ -3912,13 +4516,13 @@
           <p:nvPr>
             <p:extLst>
               <p:ext uri="{D42A27DB-BD31-4B8C-83A1-F6EECF244321}">
-                <p14:modId xmlns:p14="http://schemas.microsoft.com/office/powerpoint/2010/main" val="625349903"/>
+                <p14:modId xmlns:p14="http://schemas.microsoft.com/office/powerpoint/2010/main" val="576470355"/>
               </p:ext>
             </p:extLst>
           </p:nvPr>
         </p:nvGraphicFramePr>
         <p:xfrm>
-          <a:off x="1879501" y="4627712"/>
+          <a:off x="7211825" y="4696598"/>
           <a:ext cx="1566606" cy="370840"/>
         </p:xfrm>
         <a:graphic>
@@ -4191,25 +4795,677 @@
           </a:graphicData>
         </a:graphic>
       </p:graphicFrame>
+      <p:sp>
+        <p:nvSpPr>
+          <p:cNvPr id="20" name="Textfeld 19"/>
+          <p:cNvSpPr txBox="1"/>
+          <p:nvPr/>
+        </p:nvSpPr>
+        <p:spPr>
+          <a:xfrm>
+            <a:off x="8177048" y="2198773"/>
+            <a:ext cx="2590261" cy="369332"/>
+          </a:xfrm>
+          <a:prstGeom prst="rect">
+            <a:avLst/>
+          </a:prstGeom>
+          <a:noFill/>
+        </p:spPr>
+        <p:txBody>
+          <a:bodyPr wrap="none" rtlCol="0">
+            <a:spAutoFit/>
+          </a:bodyPr>
+          <a:lstStyle/>
+          <a:p>
+            <a:r>
+              <a:rPr lang="de-DE" dirty="0"/>
+              <a:t>Komposition „ist Teil von“</a:t>
+            </a:r>
+          </a:p>
+        </p:txBody>
+      </p:sp>
+      <p:graphicFrame>
+        <p:nvGraphicFramePr>
+          <p:cNvPr id="21" name="Tabelle 20"/>
+          <p:cNvGraphicFramePr>
+            <a:graphicFrameLocks noGrp="1"/>
+          </p:cNvGraphicFramePr>
+          <p:nvPr>
+            <p:extLst>
+              <p:ext uri="{D42A27DB-BD31-4B8C-83A1-F6EECF244321}">
+                <p14:modId xmlns:p14="http://schemas.microsoft.com/office/powerpoint/2010/main" val="3271905009"/>
+              </p:ext>
+            </p:extLst>
+          </p:nvPr>
+        </p:nvGraphicFramePr>
+        <p:xfrm>
+          <a:off x="5287755" y="3873741"/>
+          <a:ext cx="1566606" cy="370840"/>
+        </p:xfrm>
+        <a:graphic>
+          <a:graphicData uri="http://schemas.openxmlformats.org/drawingml/2006/table">
+            <a:tbl>
+              <a:tblPr firstRow="1" bandRow="1">
+                <a:tableStyleId>{5940675A-B579-460E-94D1-54222C63F5DA}</a:tableStyleId>
+              </a:tblPr>
+              <a:tblGrid>
+                <a:gridCol w="1566606">
+                  <a:extLst>
+                    <a:ext uri="{9D8B030D-6E8A-4147-A177-3AD203B41FA5}">
+                      <a16:colId xmlns:a16="http://schemas.microsoft.com/office/drawing/2014/main" val="4012790367"/>
+                    </a:ext>
+                  </a:extLst>
+                </a:gridCol>
+              </a:tblGrid>
+              <a:tr h="370840">
+                <a:tc>
+                  <a:txBody>
+                    <a:bodyPr/>
+                    <a:lstStyle/>
+                    <a:p>
+                      <a:r>
+                        <a:rPr lang="de-DE" dirty="0"/>
+                        <a:t>Button</a:t>
+                      </a:r>
+                    </a:p>
+                  </a:txBody>
+                  <a:tcPr/>
+                </a:tc>
+                <a:extLst>
+                  <a:ext uri="{0D108BD9-81ED-4DB2-BD59-A6C34878D82A}">
+                    <a16:rowId xmlns:a16="http://schemas.microsoft.com/office/drawing/2014/main" val="3413682267"/>
+                  </a:ext>
+                </a:extLst>
+              </a:tr>
+            </a:tbl>
+          </a:graphicData>
+        </a:graphic>
+      </p:graphicFrame>
       <p:cxnSp>
         <p:nvCxnSpPr>
-          <p:cNvPr id="11" name="Gerade Verbindung mit Pfeil 10"/>
+          <p:cNvPr id="38" name="Gerader Verbinder 37"/>
           <p:cNvCxnSpPr>
-            <a:stCxn id="7" idx="2"/>
-            <a:endCxn id="5" idx="0"/>
+            <a:endCxn id="39" idx="1"/>
           </p:cNvCxnSpPr>
           <p:nvPr/>
         </p:nvCxnSpPr>
         <p:spPr>
-          <a:xfrm flipH="1">
-            <a:off x="1792649" y="2106613"/>
-            <a:ext cx="3506839" cy="605883"/>
+          <a:xfrm flipV="1">
+            <a:off x="6071058" y="3171452"/>
+            <a:ext cx="3410714" cy="702290"/>
           </a:xfrm>
-          <a:prstGeom prst="straightConnector1">
+          <a:prstGeom prst="line">
             <a:avLst/>
           </a:prstGeom>
           <a:ln>
-            <a:tailEnd type="triangle"/>
+            <a:solidFill>
+              <a:schemeClr val="tx1"/>
+            </a:solidFill>
+          </a:ln>
+        </p:spPr>
+        <p:style>
+          <a:lnRef idx="1">
+            <a:schemeClr val="accent1"/>
+          </a:lnRef>
+          <a:fillRef idx="0">
+            <a:schemeClr val="accent1"/>
+          </a:fillRef>
+          <a:effectRef idx="0">
+            <a:schemeClr val="accent1"/>
+          </a:effectRef>
+          <a:fontRef idx="minor">
+            <a:schemeClr val="tx1"/>
+          </a:fontRef>
+        </p:style>
+      </p:cxnSp>
+      <p:sp>
+        <p:nvSpPr>
+          <p:cNvPr id="39" name="Flussdiagramm: Verzweigung 38"/>
+          <p:cNvSpPr/>
+          <p:nvPr/>
+        </p:nvSpPr>
+        <p:spPr>
+          <a:xfrm rot="21040903">
+            <a:off x="9480719" y="3117784"/>
+            <a:ext cx="159601" cy="81494"/>
+          </a:xfrm>
+          <a:prstGeom prst="flowChartDecision">
+            <a:avLst/>
+          </a:prstGeom>
+          <a:solidFill>
+            <a:schemeClr val="bg1"/>
+          </a:solidFill>
+          <a:ln>
+            <a:solidFill>
+              <a:schemeClr val="tx1"/>
+            </a:solidFill>
+          </a:ln>
+        </p:spPr>
+        <p:style>
+          <a:lnRef idx="2">
+            <a:schemeClr val="accent1">
+              <a:shade val="50000"/>
+            </a:schemeClr>
+          </a:lnRef>
+          <a:fillRef idx="1">
+            <a:schemeClr val="accent1"/>
+          </a:fillRef>
+          <a:effectRef idx="0">
+            <a:schemeClr val="accent1"/>
+          </a:effectRef>
+          <a:fontRef idx="minor">
+            <a:schemeClr val="lt1"/>
+          </a:fontRef>
+        </p:style>
+        <p:txBody>
+          <a:bodyPr rtlCol="0" anchor="ctr"/>
+          <a:lstStyle/>
+          <a:p>
+            <a:pPr algn="ctr"/>
+            <a:endParaRPr lang="de-DE"/>
+          </a:p>
+        </p:txBody>
+      </p:sp>
+      <p:cxnSp>
+        <p:nvCxnSpPr>
+          <p:cNvPr id="40" name="Gerader Verbinder 39"/>
+          <p:cNvCxnSpPr>
+            <a:stCxn id="21" idx="0"/>
+            <a:endCxn id="41" idx="1"/>
+          </p:cNvCxnSpPr>
+          <p:nvPr/>
+        </p:nvCxnSpPr>
+        <p:spPr>
+          <a:xfrm flipV="1">
+            <a:off x="6071058" y="3172803"/>
+            <a:ext cx="932829" cy="700938"/>
+          </a:xfrm>
+          <a:prstGeom prst="line">
+            <a:avLst/>
+          </a:prstGeom>
+          <a:ln>
+            <a:solidFill>
+              <a:schemeClr val="tx1"/>
+            </a:solidFill>
+          </a:ln>
+        </p:spPr>
+        <p:style>
+          <a:lnRef idx="1">
+            <a:schemeClr val="accent1"/>
+          </a:lnRef>
+          <a:fillRef idx="0">
+            <a:schemeClr val="accent1"/>
+          </a:fillRef>
+          <a:effectRef idx="0">
+            <a:schemeClr val="accent1"/>
+          </a:effectRef>
+          <a:fontRef idx="minor">
+            <a:schemeClr val="tx1"/>
+          </a:fontRef>
+        </p:style>
+      </p:cxnSp>
+      <p:sp>
+        <p:nvSpPr>
+          <p:cNvPr id="41" name="Flussdiagramm: Verzweigung 40"/>
+          <p:cNvSpPr/>
+          <p:nvPr/>
+        </p:nvSpPr>
+        <p:spPr>
+          <a:xfrm rot="19392904">
+            <a:off x="6987998" y="3084270"/>
+            <a:ext cx="159601" cy="81494"/>
+          </a:xfrm>
+          <a:prstGeom prst="flowChartDecision">
+            <a:avLst/>
+          </a:prstGeom>
+          <a:solidFill>
+            <a:schemeClr val="bg1"/>
+          </a:solidFill>
+          <a:ln>
+            <a:solidFill>
+              <a:schemeClr val="tx1"/>
+            </a:solidFill>
+          </a:ln>
+        </p:spPr>
+        <p:style>
+          <a:lnRef idx="2">
+            <a:schemeClr val="accent1">
+              <a:shade val="50000"/>
+            </a:schemeClr>
+          </a:lnRef>
+          <a:fillRef idx="1">
+            <a:schemeClr val="accent1"/>
+          </a:fillRef>
+          <a:effectRef idx="0">
+            <a:schemeClr val="accent1"/>
+          </a:effectRef>
+          <a:fontRef idx="minor">
+            <a:schemeClr val="lt1"/>
+          </a:fontRef>
+        </p:style>
+        <p:txBody>
+          <a:bodyPr rtlCol="0" anchor="ctr"/>
+          <a:lstStyle/>
+          <a:p>
+            <a:pPr algn="ctr"/>
+            <a:endParaRPr lang="de-DE"/>
+          </a:p>
+        </p:txBody>
+      </p:sp>
+      <p:cxnSp>
+        <p:nvCxnSpPr>
+          <p:cNvPr id="47" name="Gerader Verbinder 46"/>
+          <p:cNvCxnSpPr>
+            <a:stCxn id="21" idx="0"/>
+            <a:endCxn id="48" idx="1"/>
+          </p:cNvCxnSpPr>
+          <p:nvPr/>
+        </p:nvCxnSpPr>
+        <p:spPr>
+          <a:xfrm flipH="1" flipV="1">
+            <a:off x="4442134" y="3196555"/>
+            <a:ext cx="1628924" cy="677186"/>
+          </a:xfrm>
+          <a:prstGeom prst="line">
+            <a:avLst/>
+          </a:prstGeom>
+          <a:ln>
+            <a:solidFill>
+              <a:schemeClr val="tx1"/>
+            </a:solidFill>
+          </a:ln>
+        </p:spPr>
+        <p:style>
+          <a:lnRef idx="1">
+            <a:schemeClr val="accent1"/>
+          </a:lnRef>
+          <a:fillRef idx="0">
+            <a:schemeClr val="accent1"/>
+          </a:fillRef>
+          <a:effectRef idx="0">
+            <a:schemeClr val="accent1"/>
+          </a:effectRef>
+          <a:fontRef idx="minor">
+            <a:schemeClr val="tx1"/>
+          </a:fontRef>
+        </p:style>
+      </p:cxnSp>
+      <p:sp>
+        <p:nvSpPr>
+          <p:cNvPr id="48" name="Flussdiagramm: Verzweigung 47"/>
+          <p:cNvSpPr/>
+          <p:nvPr/>
+        </p:nvSpPr>
+        <p:spPr>
+          <a:xfrm rot="12507375">
+            <a:off x="4292174" y="3117784"/>
+            <a:ext cx="159601" cy="81494"/>
+          </a:xfrm>
+          <a:prstGeom prst="flowChartDecision">
+            <a:avLst/>
+          </a:prstGeom>
+          <a:solidFill>
+            <a:schemeClr val="bg1"/>
+          </a:solidFill>
+          <a:ln>
+            <a:solidFill>
+              <a:schemeClr val="tx1"/>
+            </a:solidFill>
+          </a:ln>
+        </p:spPr>
+        <p:style>
+          <a:lnRef idx="2">
+            <a:schemeClr val="accent1">
+              <a:shade val="50000"/>
+            </a:schemeClr>
+          </a:lnRef>
+          <a:fillRef idx="1">
+            <a:schemeClr val="accent1"/>
+          </a:fillRef>
+          <a:effectRef idx="0">
+            <a:schemeClr val="accent1"/>
+          </a:effectRef>
+          <a:fontRef idx="minor">
+            <a:schemeClr val="lt1"/>
+          </a:fontRef>
+        </p:style>
+        <p:txBody>
+          <a:bodyPr rtlCol="0" anchor="ctr"/>
+          <a:lstStyle/>
+          <a:p>
+            <a:pPr algn="ctr"/>
+            <a:endParaRPr lang="de-DE"/>
+          </a:p>
+        </p:txBody>
+      </p:sp>
+      <p:cxnSp>
+        <p:nvCxnSpPr>
+          <p:cNvPr id="49" name="Gerader Verbinder 48"/>
+          <p:cNvCxnSpPr>
+            <a:stCxn id="21" idx="0"/>
+            <a:endCxn id="50" idx="3"/>
+          </p:cNvCxnSpPr>
+          <p:nvPr/>
+        </p:nvCxnSpPr>
+        <p:spPr>
+          <a:xfrm flipH="1" flipV="1">
+            <a:off x="2016083" y="3191873"/>
+            <a:ext cx="4054975" cy="681868"/>
+          </a:xfrm>
+          <a:prstGeom prst="line">
+            <a:avLst/>
+          </a:prstGeom>
+          <a:ln>
+            <a:solidFill>
+              <a:schemeClr val="tx1"/>
+            </a:solidFill>
+          </a:ln>
+        </p:spPr>
+        <p:style>
+          <a:lnRef idx="1">
+            <a:schemeClr val="accent1"/>
+          </a:lnRef>
+          <a:fillRef idx="0">
+            <a:schemeClr val="accent1"/>
+          </a:fillRef>
+          <a:effectRef idx="0">
+            <a:schemeClr val="accent1"/>
+          </a:effectRef>
+          <a:fontRef idx="minor">
+            <a:schemeClr val="tx1"/>
+          </a:fontRef>
+        </p:style>
+      </p:cxnSp>
+      <p:sp>
+        <p:nvSpPr>
+          <p:cNvPr id="50" name="Flussdiagramm: Verzweigung 49"/>
+          <p:cNvSpPr/>
+          <p:nvPr/>
+        </p:nvSpPr>
+        <p:spPr>
+          <a:xfrm rot="798425">
+            <a:off x="1858625" y="3132758"/>
+            <a:ext cx="159601" cy="81494"/>
+          </a:xfrm>
+          <a:prstGeom prst="flowChartDecision">
+            <a:avLst/>
+          </a:prstGeom>
+          <a:solidFill>
+            <a:schemeClr val="bg1"/>
+          </a:solidFill>
+          <a:ln>
+            <a:solidFill>
+              <a:schemeClr val="tx1"/>
+            </a:solidFill>
+          </a:ln>
+        </p:spPr>
+        <p:style>
+          <a:lnRef idx="2">
+            <a:schemeClr val="accent1">
+              <a:shade val="50000"/>
+            </a:schemeClr>
+          </a:lnRef>
+          <a:fillRef idx="1">
+            <a:schemeClr val="accent1"/>
+          </a:fillRef>
+          <a:effectRef idx="0">
+            <a:schemeClr val="accent1"/>
+          </a:effectRef>
+          <a:fontRef idx="minor">
+            <a:schemeClr val="lt1"/>
+          </a:fontRef>
+        </p:style>
+        <p:txBody>
+          <a:bodyPr rtlCol="0" anchor="ctr"/>
+          <a:lstStyle/>
+          <a:p>
+            <a:pPr algn="ctr"/>
+            <a:endParaRPr lang="de-DE"/>
+          </a:p>
+        </p:txBody>
+      </p:sp>
+      <p:sp>
+        <p:nvSpPr>
+          <p:cNvPr id="60" name="Textfeld 59"/>
+          <p:cNvSpPr txBox="1"/>
+          <p:nvPr/>
+        </p:nvSpPr>
+        <p:spPr>
+          <a:xfrm>
+            <a:off x="8613395" y="3315028"/>
+            <a:ext cx="2964851" cy="369332"/>
+          </a:xfrm>
+          <a:prstGeom prst="rect">
+            <a:avLst/>
+          </a:prstGeom>
+          <a:noFill/>
+        </p:spPr>
+        <p:txBody>
+          <a:bodyPr wrap="none" rtlCol="0">
+            <a:spAutoFit/>
+          </a:bodyPr>
+          <a:lstStyle/>
+          <a:p>
+            <a:r>
+              <a:rPr lang="de-DE" dirty="0"/>
+              <a:t>Aggregation „ist enthalten in“</a:t>
+            </a:r>
+          </a:p>
+        </p:txBody>
+      </p:sp>
+      <p:sp>
+        <p:nvSpPr>
+          <p:cNvPr id="61" name="Flussdiagramm: Verzweigung 60"/>
+          <p:cNvSpPr/>
+          <p:nvPr/>
+        </p:nvSpPr>
+        <p:spPr>
+          <a:xfrm rot="11549421">
+            <a:off x="5946724" y="2131470"/>
+            <a:ext cx="159601" cy="81494"/>
+          </a:xfrm>
+          <a:prstGeom prst="flowChartDecision">
+            <a:avLst/>
+          </a:prstGeom>
+          <a:solidFill>
+            <a:schemeClr val="tx1"/>
+          </a:solidFill>
+          <a:ln>
+            <a:solidFill>
+              <a:schemeClr val="tx1"/>
+            </a:solidFill>
+          </a:ln>
+        </p:spPr>
+        <p:style>
+          <a:lnRef idx="2">
+            <a:schemeClr val="accent1">
+              <a:shade val="50000"/>
+            </a:schemeClr>
+          </a:lnRef>
+          <a:fillRef idx="1">
+            <a:schemeClr val="accent1"/>
+          </a:fillRef>
+          <a:effectRef idx="0">
+            <a:schemeClr val="accent1"/>
+          </a:effectRef>
+          <a:fontRef idx="minor">
+            <a:schemeClr val="lt1"/>
+          </a:fontRef>
+        </p:style>
+        <p:txBody>
+          <a:bodyPr rtlCol="0" anchor="ctr"/>
+          <a:lstStyle/>
+          <a:p>
+            <a:pPr algn="ctr"/>
+            <a:endParaRPr lang="de-DE"/>
+          </a:p>
+        </p:txBody>
+      </p:sp>
+      <p:sp>
+        <p:nvSpPr>
+          <p:cNvPr id="62" name="Flussdiagramm: Verzweigung 61"/>
+          <p:cNvSpPr/>
+          <p:nvPr/>
+        </p:nvSpPr>
+        <p:spPr>
+          <a:xfrm rot="12075938">
+            <a:off x="5413678" y="2131595"/>
+            <a:ext cx="159601" cy="81494"/>
+          </a:xfrm>
+          <a:prstGeom prst="flowChartDecision">
+            <a:avLst/>
+          </a:prstGeom>
+          <a:solidFill>
+            <a:schemeClr val="tx1"/>
+          </a:solidFill>
+          <a:ln>
+            <a:solidFill>
+              <a:schemeClr val="tx1"/>
+            </a:solidFill>
+          </a:ln>
+        </p:spPr>
+        <p:style>
+          <a:lnRef idx="2">
+            <a:schemeClr val="accent1">
+              <a:shade val="50000"/>
+            </a:schemeClr>
+          </a:lnRef>
+          <a:fillRef idx="1">
+            <a:schemeClr val="accent1"/>
+          </a:fillRef>
+          <a:effectRef idx="0">
+            <a:schemeClr val="accent1"/>
+          </a:effectRef>
+          <a:fontRef idx="minor">
+            <a:schemeClr val="lt1"/>
+          </a:fontRef>
+        </p:style>
+        <p:txBody>
+          <a:bodyPr rtlCol="0" anchor="ctr"/>
+          <a:lstStyle/>
+          <a:p>
+            <a:pPr algn="ctr"/>
+            <a:endParaRPr lang="de-DE"/>
+          </a:p>
+        </p:txBody>
+      </p:sp>
+      <p:sp>
+        <p:nvSpPr>
+          <p:cNvPr id="63" name="Flussdiagramm: Verzweigung 62"/>
+          <p:cNvSpPr/>
+          <p:nvPr/>
+        </p:nvSpPr>
+        <p:spPr>
+          <a:xfrm rot="18848827">
+            <a:off x="4826674" y="2158187"/>
+            <a:ext cx="159601" cy="81494"/>
+          </a:xfrm>
+          <a:prstGeom prst="flowChartDecision">
+            <a:avLst/>
+          </a:prstGeom>
+          <a:solidFill>
+            <a:schemeClr val="tx1"/>
+          </a:solidFill>
+          <a:ln>
+            <a:solidFill>
+              <a:schemeClr val="tx1"/>
+            </a:solidFill>
+          </a:ln>
+        </p:spPr>
+        <p:style>
+          <a:lnRef idx="2">
+            <a:schemeClr val="accent1">
+              <a:shade val="50000"/>
+            </a:schemeClr>
+          </a:lnRef>
+          <a:fillRef idx="1">
+            <a:schemeClr val="accent1"/>
+          </a:fillRef>
+          <a:effectRef idx="0">
+            <a:schemeClr val="accent1"/>
+          </a:effectRef>
+          <a:fontRef idx="minor">
+            <a:schemeClr val="lt1"/>
+          </a:fontRef>
+        </p:style>
+        <p:txBody>
+          <a:bodyPr rtlCol="0" anchor="ctr"/>
+          <a:lstStyle/>
+          <a:p>
+            <a:pPr algn="ctr"/>
+            <a:endParaRPr lang="de-DE"/>
+          </a:p>
+        </p:txBody>
+      </p:sp>
+      <p:sp>
+        <p:nvSpPr>
+          <p:cNvPr id="64" name="Flussdiagramm: Verzweigung 63"/>
+          <p:cNvSpPr/>
+          <p:nvPr/>
+        </p:nvSpPr>
+        <p:spPr>
+          <a:xfrm rot="20813842">
+            <a:off x="4421075" y="2135592"/>
+            <a:ext cx="159601" cy="81494"/>
+          </a:xfrm>
+          <a:prstGeom prst="flowChartDecision">
+            <a:avLst/>
+          </a:prstGeom>
+          <a:solidFill>
+            <a:schemeClr val="tx1"/>
+          </a:solidFill>
+          <a:ln>
+            <a:solidFill>
+              <a:schemeClr val="tx1"/>
+            </a:solidFill>
+          </a:ln>
+        </p:spPr>
+        <p:style>
+          <a:lnRef idx="2">
+            <a:schemeClr val="accent1">
+              <a:shade val="50000"/>
+            </a:schemeClr>
+          </a:lnRef>
+          <a:fillRef idx="1">
+            <a:schemeClr val="accent1"/>
+          </a:fillRef>
+          <a:effectRef idx="0">
+            <a:schemeClr val="accent1"/>
+          </a:effectRef>
+          <a:fontRef idx="minor">
+            <a:schemeClr val="lt1"/>
+          </a:fontRef>
+        </p:style>
+        <p:txBody>
+          <a:bodyPr rtlCol="0" anchor="ctr"/>
+          <a:lstStyle/>
+          <a:p>
+            <a:pPr algn="ctr"/>
+            <a:endParaRPr lang="de-DE"/>
+          </a:p>
+        </p:txBody>
+      </p:sp>
+      <p:cxnSp>
+        <p:nvCxnSpPr>
+          <p:cNvPr id="66" name="Gerader Verbinder 65"/>
+          <p:cNvCxnSpPr>
+            <a:stCxn id="61" idx="1"/>
+            <a:endCxn id="10" idx="0"/>
+          </p:cNvCxnSpPr>
+          <p:nvPr/>
+        </p:nvCxnSpPr>
+        <p:spPr>
+          <a:xfrm>
+            <a:off x="6104436" y="2189476"/>
+            <a:ext cx="3572045" cy="523020"/>
+          </a:xfrm>
+          <a:prstGeom prst="line">
+            <a:avLst/>
+          </a:prstGeom>
+          <a:ln>
+            <a:solidFill>
+              <a:schemeClr val="tx1"/>
+            </a:solidFill>
           </a:ln>
         </p:spPr>
         <p:style>
@@ -4229,23 +5485,25 @@
       </p:cxnSp>
       <p:cxnSp>
         <p:nvCxnSpPr>
-          <p:cNvPr id="12" name="Gerade Verbindung mit Pfeil 11"/>
+          <p:cNvPr id="68" name="Gerader Verbinder 67"/>
           <p:cNvCxnSpPr>
-            <a:stCxn id="7" idx="2"/>
-            <a:endCxn id="8" idx="0"/>
+            <a:stCxn id="62" idx="1"/>
+            <a:endCxn id="9" idx="0"/>
           </p:cNvCxnSpPr>
           <p:nvPr/>
         </p:nvCxnSpPr>
         <p:spPr>
-          <a:xfrm flipH="1">
-            <a:off x="4371975" y="2106613"/>
-            <a:ext cx="927513" cy="594245"/>
+          <a:xfrm>
+            <a:off x="5567845" y="2201285"/>
+            <a:ext cx="1582566" cy="495961"/>
           </a:xfrm>
-          <a:prstGeom prst="straightConnector1">
+          <a:prstGeom prst="line">
             <a:avLst/>
           </a:prstGeom>
           <a:ln>
-            <a:tailEnd type="triangle"/>
+            <a:solidFill>
+              <a:schemeClr val="tx1"/>
+            </a:solidFill>
           </a:ln>
         </p:spPr>
         <p:style>
@@ -4265,23 +5523,25 @@
       </p:cxnSp>
       <p:cxnSp>
         <p:nvCxnSpPr>
-          <p:cNvPr id="13" name="Gerade Verbindung mit Pfeil 12"/>
+          <p:cNvPr id="70" name="Gerader Verbinder 69"/>
           <p:cNvCxnSpPr>
-            <a:stCxn id="7" idx="2"/>
-            <a:endCxn id="10" idx="0"/>
+            <a:stCxn id="63" idx="1"/>
+            <a:endCxn id="8" idx="0"/>
           </p:cNvCxnSpPr>
           <p:nvPr/>
         </p:nvCxnSpPr>
         <p:spPr>
-          <a:xfrm>
-            <a:off x="5299488" y="2106613"/>
-            <a:ext cx="4376993" cy="605883"/>
+          <a:xfrm flipH="1">
+            <a:off x="4371975" y="2256195"/>
+            <a:ext cx="478918" cy="444663"/>
           </a:xfrm>
-          <a:prstGeom prst="straightConnector1">
+          <a:prstGeom prst="line">
             <a:avLst/>
           </a:prstGeom>
           <a:ln>
-            <a:tailEnd type="triangle"/>
+            <a:solidFill>
+              <a:schemeClr val="tx1"/>
+            </a:solidFill>
           </a:ln>
         </p:spPr>
         <p:style>
@@ -4301,23 +5561,25 @@
       </p:cxnSp>
       <p:cxnSp>
         <p:nvCxnSpPr>
-          <p:cNvPr id="14" name="Gerade Verbindung mit Pfeil 13"/>
+          <p:cNvPr id="72" name="Gerader Verbinder 71"/>
           <p:cNvCxnSpPr>
-            <a:stCxn id="7" idx="2"/>
-            <a:endCxn id="9" idx="0"/>
+            <a:stCxn id="64" idx="1"/>
+            <a:endCxn id="5" idx="0"/>
           </p:cNvCxnSpPr>
           <p:nvPr/>
         </p:nvCxnSpPr>
         <p:spPr>
-          <a:xfrm>
-            <a:off x="5299488" y="2106613"/>
-            <a:ext cx="1850923" cy="590633"/>
+          <a:xfrm flipH="1">
+            <a:off x="1792649" y="2194429"/>
+            <a:ext cx="2630504" cy="518067"/>
           </a:xfrm>
-          <a:prstGeom prst="straightConnector1">
+          <a:prstGeom prst="line">
             <a:avLst/>
           </a:prstGeom>
           <a:ln>
-            <a:tailEnd type="triangle"/>
+            <a:solidFill>
+              <a:schemeClr val="tx1"/>
+            </a:solidFill>
           </a:ln>
         </p:spPr>
         <p:style>
@@ -4335,6 +5597,158 @@
           </a:fontRef>
         </p:style>
       </p:cxnSp>
+      <p:sp>
+        <p:nvSpPr>
+          <p:cNvPr id="77" name="Flussdiagramm: Verzweigung 76"/>
+          <p:cNvSpPr/>
+          <p:nvPr/>
+        </p:nvSpPr>
+        <p:spPr>
+          <a:xfrm rot="14298224">
+            <a:off x="7387210" y="3145072"/>
+            <a:ext cx="159601" cy="81494"/>
+          </a:xfrm>
+          <a:prstGeom prst="flowChartDecision">
+            <a:avLst/>
+          </a:prstGeom>
+          <a:solidFill>
+            <a:schemeClr val="bg1"/>
+          </a:solidFill>
+          <a:ln>
+            <a:solidFill>
+              <a:schemeClr val="tx1"/>
+            </a:solidFill>
+          </a:ln>
+        </p:spPr>
+        <p:style>
+          <a:lnRef idx="2">
+            <a:schemeClr val="accent1">
+              <a:shade val="50000"/>
+            </a:schemeClr>
+          </a:lnRef>
+          <a:fillRef idx="1">
+            <a:schemeClr val="accent1"/>
+          </a:fillRef>
+          <a:effectRef idx="0">
+            <a:schemeClr val="accent1"/>
+          </a:effectRef>
+          <a:fontRef idx="minor">
+            <a:schemeClr val="lt1"/>
+          </a:fontRef>
+        </p:style>
+        <p:txBody>
+          <a:bodyPr rtlCol="0" anchor="ctr"/>
+          <a:lstStyle/>
+          <a:p>
+            <a:pPr algn="ctr"/>
+            <a:endParaRPr lang="de-DE"/>
+          </a:p>
+        </p:txBody>
+      </p:sp>
+      <p:cxnSp>
+        <p:nvCxnSpPr>
+          <p:cNvPr id="79" name="Gerader Verbinder 78"/>
+          <p:cNvCxnSpPr>
+            <a:stCxn id="77" idx="1"/>
+            <a:endCxn id="4" idx="0"/>
+          </p:cNvCxnSpPr>
+          <p:nvPr/>
+        </p:nvCxnSpPr>
+        <p:spPr>
+          <a:xfrm>
+            <a:off x="7508939" y="3253717"/>
+            <a:ext cx="482339" cy="587598"/>
+          </a:xfrm>
+          <a:prstGeom prst="line">
+            <a:avLst/>
+          </a:prstGeom>
+          <a:ln>
+            <a:solidFill>
+              <a:schemeClr val="tx1"/>
+            </a:solidFill>
+          </a:ln>
+        </p:spPr>
+        <p:style>
+          <a:lnRef idx="1">
+            <a:schemeClr val="accent1"/>
+          </a:lnRef>
+          <a:fillRef idx="0">
+            <a:schemeClr val="accent1"/>
+          </a:fillRef>
+          <a:effectRef idx="0">
+            <a:schemeClr val="accent1"/>
+          </a:effectRef>
+          <a:fontRef idx="minor">
+            <a:schemeClr val="tx1"/>
+          </a:fontRef>
+        </p:style>
+      </p:cxnSp>
+      <p:cxnSp>
+        <p:nvCxnSpPr>
+          <p:cNvPr id="81" name="Gerader Verbinder 80"/>
+          <p:cNvCxnSpPr>
+            <a:endCxn id="6" idx="0"/>
+          </p:cNvCxnSpPr>
+          <p:nvPr/>
+        </p:nvCxnSpPr>
+        <p:spPr>
+          <a:xfrm>
+            <a:off x="7991278" y="4212155"/>
+            <a:ext cx="3850" cy="484443"/>
+          </a:xfrm>
+          <a:prstGeom prst="line">
+            <a:avLst/>
+          </a:prstGeom>
+          <a:ln>
+            <a:solidFill>
+              <a:schemeClr val="tx1"/>
+            </a:solidFill>
+          </a:ln>
+        </p:spPr>
+        <p:style>
+          <a:lnRef idx="1">
+            <a:schemeClr val="accent1"/>
+          </a:lnRef>
+          <a:fillRef idx="0">
+            <a:schemeClr val="accent1"/>
+          </a:fillRef>
+          <a:effectRef idx="0">
+            <a:schemeClr val="accent1"/>
+          </a:effectRef>
+          <a:fontRef idx="minor">
+            <a:schemeClr val="tx1"/>
+          </a:fontRef>
+        </p:style>
+      </p:cxnSp>
+      <p:sp>
+        <p:nvSpPr>
+          <p:cNvPr id="82" name="Textfeld 81"/>
+          <p:cNvSpPr txBox="1"/>
+          <p:nvPr/>
+        </p:nvSpPr>
+        <p:spPr>
+          <a:xfrm>
+            <a:off x="8340345" y="4274729"/>
+            <a:ext cx="2838790" cy="369332"/>
+          </a:xfrm>
+          <a:prstGeom prst="rect">
+            <a:avLst/>
+          </a:prstGeom>
+          <a:noFill/>
+        </p:spPr>
+        <p:txBody>
+          <a:bodyPr wrap="none" rtlCol="0">
+            <a:spAutoFit/>
+          </a:bodyPr>
+          <a:lstStyle/>
+          <a:p>
+            <a:r>
+              <a:rPr lang="de-DE" dirty="0"/>
+              <a:t>Assoziation „interagiert mit“</a:t>
+            </a:r>
+          </a:p>
+        </p:txBody>
+      </p:sp>
     </p:spTree>
     <p:extLst>
       <p:ext uri="{BB962C8B-B14F-4D97-AF65-F5344CB8AC3E}">
@@ -4374,14 +5788,14 @@
           <p:nvPr>
             <p:extLst>
               <p:ext uri="{D42A27DB-BD31-4B8C-83A1-F6EECF244321}">
-                <p14:modId xmlns:p14="http://schemas.microsoft.com/office/powerpoint/2010/main" val="2931315280"/>
+                <p14:modId xmlns:p14="http://schemas.microsoft.com/office/powerpoint/2010/main" val="2196497816"/>
               </p:ext>
             </p:extLst>
           </p:nvPr>
         </p:nvGraphicFramePr>
         <p:xfrm>
-          <a:off x="6324598" y="3219002"/>
-          <a:ext cx="4940809" cy="2718448"/>
+          <a:off x="3125118" y="2366936"/>
+          <a:ext cx="6351392" cy="2757411"/>
         </p:xfrm>
         <a:graphic>
           <a:graphicData uri="http://schemas.openxmlformats.org/drawingml/2006/table">
@@ -4390,14 +5804,14 @@
                 <a:tableStyleId>{5940675A-B579-460E-94D1-54222C63F5DA}</a:tableStyleId>
               </a:tblPr>
               <a:tblGrid>
-                <a:gridCol w="2571791">
+                <a:gridCol w="1684446">
                   <a:extLst>
                     <a:ext uri="{9D8B030D-6E8A-4147-A177-3AD203B41FA5}">
                       <a16:colId xmlns:a16="http://schemas.microsoft.com/office/drawing/2014/main" val="4037705345"/>
                     </a:ext>
                   </a:extLst>
                 </a:gridCol>
-                <a:gridCol w="2369018">
+                <a:gridCol w="4666946">
                   <a:extLst>
                     <a:ext uri="{9D8B030D-6E8A-4147-A177-3AD203B41FA5}">
                       <a16:colId xmlns:a16="http://schemas.microsoft.com/office/drawing/2014/main" val="1560532427"/>
@@ -4463,7 +5877,11 @@
                       <a:endParaRPr lang="de-DE" dirty="0"/>
                     </a:p>
                   </a:txBody>
-                  <a:tcPr/>
+                  <a:tcPr>
+                    <a:solidFill>
+                      <a:schemeClr val="accent4"/>
+                    </a:solidFill>
+                  </a:tcPr>
                 </a:tc>
                 <a:tc hMerge="1">
                   <a:txBody>
@@ -4489,24 +5907,65 @@
                     <a:p>
                       <a:r>
                         <a:rPr lang="de-DE" dirty="0"/>
+                        <a:t>-</a:t>
+                      </a:r>
+                      <a:r>
+                        <a:rPr lang="de-DE" dirty="0" err="1"/>
+                        <a:t>setWidth</a:t>
+                      </a:r>
+                      <a:r>
+                        <a:rPr lang="de-DE" dirty="0"/>
+                        <a:t>(</a:t>
+                      </a:r>
+                      <a:r>
+                        <a:rPr lang="de-DE" dirty="0" err="1"/>
+                        <a:t>int</a:t>
+                      </a:r>
+                      <a:r>
+                        <a:rPr lang="de-DE" dirty="0"/>
+                        <a:t>)</a:t>
+                      </a:r>
+                    </a:p>
+                    <a:p>
+                      <a:r>
+                        <a:rPr lang="de-DE" dirty="0"/>
+                        <a:t>-</a:t>
+                      </a:r>
+                      <a:r>
+                        <a:rPr lang="de-DE" dirty="0" err="1"/>
+                        <a:t>setHeight</a:t>
+                      </a:r>
+                      <a:r>
+                        <a:rPr lang="de-DE" dirty="0"/>
+                        <a:t>(</a:t>
+                      </a:r>
+                      <a:r>
+                        <a:rPr lang="de-DE" dirty="0" err="1"/>
+                        <a:t>int</a:t>
+                      </a:r>
+                      <a:r>
+                        <a:rPr lang="de-DE" dirty="0"/>
+                        <a:t>)</a:t>
+                      </a:r>
+                    </a:p>
+                    <a:p>
+                      <a:r>
+                        <a:rPr lang="de-DE" dirty="0"/>
                         <a:t>+</a:t>
                       </a:r>
                       <a:r>
                         <a:rPr lang="de-DE" dirty="0" err="1"/>
-                        <a:t>setWidth</a:t>
-                      </a:r>
-                      <a:r>
-                        <a:rPr lang="de-DE" dirty="0"/>
-                        <a:t>(</a:t>
+                        <a:t>getWidth</a:t>
+                      </a:r>
+                      <a:r>
+                        <a:rPr lang="de-DE" dirty="0"/>
+                        <a:t>():</a:t>
                       </a:r>
                       <a:r>
                         <a:rPr lang="de-DE" dirty="0" err="1"/>
                         <a:t>int</a:t>
                       </a:r>
-                      <a:r>
-                        <a:rPr lang="de-DE" dirty="0"/>
-                        <a:t>)</a:t>
-                      </a:r>
+                      <a:endParaRPr lang="de-DE" dirty="0"/>
                     </a:p>
                     <a:p>
                       <a:r>
@@ -4515,37 +5974,87 @@
                       </a:r>
                       <a:r>
                         <a:rPr lang="de-DE" dirty="0" err="1"/>
-                        <a:t>setHeight</a:t>
-                      </a:r>
-                      <a:r>
-                        <a:rPr lang="de-DE" dirty="0"/>
-                        <a:t>(</a:t>
+                        <a:t>getHeight</a:t>
+                      </a:r>
+                      <a:r>
+                        <a:rPr lang="de-DE" dirty="0"/>
+                        <a:t>():</a:t>
                       </a:r>
                       <a:r>
                         <a:rPr lang="de-DE" dirty="0" err="1"/>
                         <a:t>int</a:t>
                       </a:r>
-                      <a:r>
-                        <a:rPr lang="de-DE" dirty="0"/>
-                        <a:t>)</a:t>
-                      </a:r>
+                      <a:endParaRPr lang="de-DE" dirty="0"/>
                     </a:p>
                   </a:txBody>
-                  <a:tcPr/>
+                  <a:tcPr>
+                    <a:solidFill>
+                      <a:schemeClr val="accent5"/>
+                    </a:solidFill>
+                  </a:tcPr>
                 </a:tc>
                 <a:tc>
                   <a:txBody>
                     <a:bodyPr/>
                     <a:lstStyle/>
                     <a:p>
+                      <a:endParaRPr lang="de-DE" dirty="0"/>
+                    </a:p>
+                    <a:p>
+                      <a:endParaRPr lang="de-DE" dirty="0"/>
+                    </a:p>
+                    <a:p>
                       <a:r>
                         <a:rPr lang="de-DE" dirty="0" err="1"/>
                         <a:t>Startbildschirm,Level_X</a:t>
                       </a:r>
+                      <a:r>
+                        <a:rPr lang="de-DE" dirty="0"/>
+                        <a:t>, </a:t>
+                      </a:r>
+                      <a:r>
+                        <a:rPr lang="de-DE" dirty="0" err="1"/>
+                        <a:t>Highscore</a:t>
+                      </a:r>
+                      <a:r>
+                        <a:rPr lang="de-DE" dirty="0"/>
+                        <a:t>, </a:t>
+                      </a:r>
+                      <a:r>
+                        <a:rPr lang="de-DE" dirty="0" err="1"/>
+                        <a:t>Levelmenu</a:t>
+                      </a:r>
                       <a:endParaRPr lang="de-DE" dirty="0"/>
                     </a:p>
+                    <a:p>
+                      <a:r>
+                        <a:rPr lang="de-DE" dirty="0" err="1"/>
+                        <a:t>Startbildschirm,Level_X</a:t>
+                      </a:r>
+                      <a:r>
+                        <a:rPr lang="de-DE" dirty="0"/>
+                        <a:t>, </a:t>
+                      </a:r>
+                      <a:r>
+                        <a:rPr lang="de-DE" dirty="0" err="1"/>
+                        <a:t>Highscore</a:t>
+                      </a:r>
+                      <a:r>
+                        <a:rPr lang="de-DE" dirty="0"/>
+                        <a:t>, </a:t>
+                      </a:r>
+                      <a:r>
+                        <a:rPr lang="de-DE" dirty="0" err="1"/>
+                        <a:t>Levelmenu</a:t>
+                      </a:r>
+                      <a:endParaRPr lang="de-DE" dirty="0"/>
+                    </a:p>
                   </a:txBody>
-                  <a:tcPr/>
+                  <a:tcPr>
+                    <a:solidFill>
+                      <a:schemeClr val="accent6"/>
+                    </a:solidFill>
+                  </a:tcPr>
                 </a:tc>
                 <a:extLst>
                   <a:ext uri="{0D108BD9-81ED-4DB2-BD59-A6C34878D82A}">
@@ -4557,521 +6066,33 @@
           </a:graphicData>
         </a:graphic>
       </p:graphicFrame>
-      <p:graphicFrame>
-        <p:nvGraphicFramePr>
-          <p:cNvPr id="13" name="Inhaltsplatzhalter 1"/>
-          <p:cNvGraphicFramePr>
-            <a:graphicFrameLocks/>
-          </p:cNvGraphicFramePr>
-          <p:nvPr>
-            <p:extLst>
-              <p:ext uri="{D42A27DB-BD31-4B8C-83A1-F6EECF244321}">
-                <p14:modId xmlns:p14="http://schemas.microsoft.com/office/powerpoint/2010/main" val="819134367"/>
-              </p:ext>
-            </p:extLst>
-          </p:nvPr>
-        </p:nvGraphicFramePr>
-        <p:xfrm>
-          <a:off x="351503" y="3219002"/>
-          <a:ext cx="4359282" cy="2874645"/>
-        </p:xfrm>
-        <a:graphic>
-          <a:graphicData uri="http://schemas.openxmlformats.org/drawingml/2006/table">
-            <a:tbl>
-              <a:tblPr firstRow="1" bandRow="1">
-                <a:tableStyleId>{5940675A-B579-460E-94D1-54222C63F5DA}</a:tableStyleId>
-              </a:tblPr>
-              <a:tblGrid>
-                <a:gridCol w="2239201">
-                  <a:extLst>
-                    <a:ext uri="{9D8B030D-6E8A-4147-A177-3AD203B41FA5}">
-                      <a16:colId xmlns:a16="http://schemas.microsoft.com/office/drawing/2014/main" val="1293918394"/>
-                    </a:ext>
-                  </a:extLst>
-                </a:gridCol>
-                <a:gridCol w="2120081">
-                  <a:extLst>
-                    <a:ext uri="{9D8B030D-6E8A-4147-A177-3AD203B41FA5}">
-                      <a16:colId xmlns:a16="http://schemas.microsoft.com/office/drawing/2014/main" val="679847264"/>
-                    </a:ext>
-                  </a:extLst>
-                </a:gridCol>
-              </a:tblGrid>
-              <a:tr h="392906">
-                <a:tc gridSpan="2">
-                  <a:txBody>
-                    <a:bodyPr/>
-                    <a:lstStyle/>
-                    <a:p>
-                      <a:r>
-                        <a:rPr lang="de-DE" dirty="0"/>
-                        <a:t>Objekte</a:t>
-                      </a:r>
-                    </a:p>
-                  </a:txBody>
-                  <a:tcPr/>
-                </a:tc>
-                <a:tc hMerge="1">
-                  <a:txBody>
-                    <a:bodyPr/>
-                    <a:lstStyle/>
-                    <a:p>
-                      <a:endParaRPr lang="de-DE"/>
-                    </a:p>
-                  </a:txBody>
-                  <a:tcPr/>
-                </a:tc>
-                <a:extLst>
-                  <a:ext uri="{0D108BD9-81ED-4DB2-BD59-A6C34878D82A}">
-                    <a16:rowId xmlns:a16="http://schemas.microsoft.com/office/drawing/2014/main" val="424887423"/>
-                  </a:ext>
-                </a:extLst>
-              </a:tr>
-              <a:tr h="1120474">
-                <a:tc gridSpan="2">
-                  <a:txBody>
-                    <a:bodyPr/>
-                    <a:lstStyle/>
-                    <a:p>
-                      <a:r>
-                        <a:rPr lang="de-DE" dirty="0"/>
-                        <a:t>-Form</a:t>
-                      </a:r>
-                    </a:p>
-                    <a:p>
-                      <a:r>
-                        <a:rPr lang="de-DE" dirty="0"/>
-                        <a:t>-</a:t>
-                      </a:r>
-                      <a:r>
-                        <a:rPr lang="de-DE" dirty="0" err="1"/>
-                        <a:t>size:int</a:t>
-                      </a:r>
-                      <a:endParaRPr lang="de-DE" dirty="0"/>
-                    </a:p>
-                    <a:p>
-                      <a:r>
-                        <a:rPr lang="de-DE" dirty="0"/>
-                        <a:t>-</a:t>
-                      </a:r>
-                      <a:r>
-                        <a:rPr lang="de-DE" dirty="0" err="1"/>
-                        <a:t>ObjektAttribute</a:t>
-                      </a:r>
-                      <a:endParaRPr lang="de-DE" dirty="0"/>
-                    </a:p>
-                    <a:p>
-                      <a:r>
-                        <a:rPr lang="de-DE" dirty="0"/>
-                        <a:t>-</a:t>
-                      </a:r>
-                      <a:r>
-                        <a:rPr lang="de-DE" dirty="0" err="1"/>
-                        <a:t>alignment</a:t>
-                      </a:r>
-                      <a:endParaRPr lang="de-DE" dirty="0"/>
-                    </a:p>
-                  </a:txBody>
-                  <a:tcPr/>
-                </a:tc>
-                <a:tc hMerge="1">
-                  <a:txBody>
-                    <a:bodyPr/>
-                    <a:lstStyle/>
-                    <a:p>
-                      <a:endParaRPr lang="de-DE"/>
-                    </a:p>
-                  </a:txBody>
-                  <a:tcPr/>
-                </a:tc>
-                <a:extLst>
-                  <a:ext uri="{0D108BD9-81ED-4DB2-BD59-A6C34878D82A}">
-                    <a16:rowId xmlns:a16="http://schemas.microsoft.com/office/drawing/2014/main" val="1445048750"/>
-                  </a:ext>
-                </a:extLst>
-              </a:tr>
-              <a:tr h="1293019">
-                <a:tc>
-                  <a:txBody>
-                    <a:bodyPr/>
-                    <a:lstStyle/>
-                    <a:p>
-                      <a:r>
-                        <a:rPr lang="de-DE" dirty="0"/>
-                        <a:t>+</a:t>
-                      </a:r>
-                      <a:r>
-                        <a:rPr lang="de-DE" dirty="0" err="1"/>
-                        <a:t>getLevelObjekte</a:t>
-                      </a:r>
-                      <a:r>
-                        <a:rPr lang="de-DE" dirty="0"/>
-                        <a:t>(</a:t>
-                      </a:r>
-                      <a:r>
-                        <a:rPr lang="de-DE" dirty="0" err="1"/>
-                        <a:t>int</a:t>
-                      </a:r>
-                      <a:r>
-                        <a:rPr lang="de-DE" dirty="0"/>
-                        <a:t>)</a:t>
-                      </a:r>
-                    </a:p>
-                    <a:p>
-                      <a:r>
-                        <a:rPr lang="de-DE" dirty="0"/>
-                        <a:t>+</a:t>
-                      </a:r>
-                      <a:r>
-                        <a:rPr lang="de-DE" dirty="0" err="1"/>
-                        <a:t>move</a:t>
-                      </a:r>
-                      <a:r>
-                        <a:rPr lang="de-DE" dirty="0"/>
-                        <a:t>()</a:t>
-                      </a:r>
-                    </a:p>
-                    <a:p>
-                      <a:r>
-                        <a:rPr lang="de-DE" dirty="0"/>
-                        <a:t>+</a:t>
-                      </a:r>
-                      <a:r>
-                        <a:rPr lang="de-DE" dirty="0" err="1"/>
-                        <a:t>delete</a:t>
-                      </a:r>
-                      <a:r>
-                        <a:rPr lang="de-DE" dirty="0"/>
-                        <a:t>()</a:t>
-                      </a:r>
-                    </a:p>
-                    <a:p>
-                      <a:r>
-                        <a:rPr lang="de-DE" dirty="0"/>
-                        <a:t>-</a:t>
-                      </a:r>
-                      <a:r>
-                        <a:rPr lang="de-DE" dirty="0" err="1"/>
-                        <a:t>orientation</a:t>
-                      </a:r>
-                      <a:r>
-                        <a:rPr lang="de-DE" dirty="0"/>
-                        <a:t>()</a:t>
-                      </a:r>
-                    </a:p>
-                  </a:txBody>
-                  <a:tcPr/>
-                </a:tc>
-                <a:tc>
-                  <a:txBody>
-                    <a:bodyPr/>
-                    <a:lstStyle/>
-                    <a:p>
-                      <a:r>
-                        <a:rPr lang="de-DE" dirty="0" err="1"/>
-                        <a:t>Level_X</a:t>
-                      </a:r>
-                      <a:endParaRPr lang="de-DE" dirty="0"/>
-                    </a:p>
-                    <a:p>
-                      <a:r>
-                        <a:rPr lang="de-DE" dirty="0" err="1"/>
-                        <a:t>Level_X</a:t>
-                      </a:r>
-                      <a:endParaRPr lang="de-DE" dirty="0"/>
-                    </a:p>
-                    <a:p>
-                      <a:r>
-                        <a:rPr lang="de-DE" dirty="0" err="1"/>
-                        <a:t>Level_X</a:t>
-                      </a:r>
-                      <a:endParaRPr lang="de-DE" dirty="0"/>
-                    </a:p>
-                    <a:p>
-                      <a:endParaRPr lang="de-DE" dirty="0"/>
-                    </a:p>
-                  </a:txBody>
-                  <a:tcPr/>
-                </a:tc>
-                <a:extLst>
-                  <a:ext uri="{0D108BD9-81ED-4DB2-BD59-A6C34878D82A}">
-                    <a16:rowId xmlns:a16="http://schemas.microsoft.com/office/drawing/2014/main" val="475748216"/>
-                  </a:ext>
-                </a:extLst>
-              </a:tr>
-            </a:tbl>
-          </a:graphicData>
-        </a:graphic>
-      </p:graphicFrame>
-      <p:graphicFrame>
-        <p:nvGraphicFramePr>
-          <p:cNvPr id="14" name="Inhaltsplatzhalter 1"/>
-          <p:cNvGraphicFramePr>
-            <a:graphicFrameLocks/>
-          </p:cNvGraphicFramePr>
-          <p:nvPr>
-            <p:extLst>
-              <p:ext uri="{D42A27DB-BD31-4B8C-83A1-F6EECF244321}">
-                <p14:modId xmlns:p14="http://schemas.microsoft.com/office/powerpoint/2010/main" val="3158987473"/>
-              </p:ext>
-            </p:extLst>
-          </p:nvPr>
-        </p:nvGraphicFramePr>
-        <p:xfrm>
-          <a:off x="351503" y="376391"/>
-          <a:ext cx="2147888" cy="2431733"/>
-        </p:xfrm>
-        <a:graphic>
-          <a:graphicData uri="http://schemas.openxmlformats.org/drawingml/2006/table">
-            <a:tbl>
-              <a:tblPr firstRow="1" bandRow="1">
-                <a:tableStyleId>{5940675A-B579-460E-94D1-54222C63F5DA}</a:tableStyleId>
-              </a:tblPr>
-              <a:tblGrid>
-                <a:gridCol w="2147888">
-                  <a:extLst>
-                    <a:ext uri="{9D8B030D-6E8A-4147-A177-3AD203B41FA5}">
-                      <a16:colId xmlns:a16="http://schemas.microsoft.com/office/drawing/2014/main" val="1293918394"/>
-                    </a:ext>
-                  </a:extLst>
-                </a:gridCol>
-              </a:tblGrid>
-              <a:tr h="336843">
-                <a:tc>
-                  <a:txBody>
-                    <a:bodyPr/>
-                    <a:lstStyle/>
-                    <a:p>
-                      <a:r>
-                        <a:rPr lang="de-DE" dirty="0"/>
-                        <a:t>Startbildschirm</a:t>
-                      </a:r>
-                    </a:p>
-                  </a:txBody>
-                  <a:tcPr/>
-                </a:tc>
-                <a:extLst>
-                  <a:ext uri="{0D108BD9-81ED-4DB2-BD59-A6C34878D82A}">
-                    <a16:rowId xmlns:a16="http://schemas.microsoft.com/office/drawing/2014/main" val="424887423"/>
-                  </a:ext>
-                </a:extLst>
-              </a:tr>
-              <a:tr h="957453">
-                <a:tc>
-                  <a:txBody>
-                    <a:bodyPr/>
-                    <a:lstStyle/>
-                    <a:p>
-                      <a:r>
-                        <a:rPr lang="de-DE" dirty="0"/>
-                        <a:t>-</a:t>
-                      </a:r>
-                      <a:r>
-                        <a:rPr lang="de-DE" dirty="0" err="1"/>
-                        <a:t>menu:QMenu</a:t>
-                      </a:r>
-                      <a:endParaRPr lang="de-DE" dirty="0"/>
-                    </a:p>
-                  </a:txBody>
-                  <a:tcPr/>
-                </a:tc>
-                <a:extLst>
-                  <a:ext uri="{0D108BD9-81ED-4DB2-BD59-A6C34878D82A}">
-                    <a16:rowId xmlns:a16="http://schemas.microsoft.com/office/drawing/2014/main" val="1445048750"/>
-                  </a:ext>
-                </a:extLst>
-              </a:tr>
-              <a:tr h="1108520">
-                <a:tc>
-                  <a:txBody>
-                    <a:bodyPr/>
-                    <a:lstStyle/>
-                    <a:p>
-                      <a:r>
-                        <a:rPr lang="de-DE" dirty="0"/>
-                        <a:t>-</a:t>
-                      </a:r>
-                      <a:r>
-                        <a:rPr lang="de-DE" dirty="0" err="1"/>
-                        <a:t>menulistener</a:t>
-                      </a:r>
-                      <a:endParaRPr lang="de-DE" dirty="0"/>
-                    </a:p>
-                  </a:txBody>
-                  <a:tcPr/>
-                </a:tc>
-                <a:extLst>
-                  <a:ext uri="{0D108BD9-81ED-4DB2-BD59-A6C34878D82A}">
-                    <a16:rowId xmlns:a16="http://schemas.microsoft.com/office/drawing/2014/main" val="4150623793"/>
-                  </a:ext>
-                </a:extLst>
-              </a:tr>
-            </a:tbl>
-          </a:graphicData>
-        </a:graphic>
-      </p:graphicFrame>
-      <p:graphicFrame>
-        <p:nvGraphicFramePr>
-          <p:cNvPr id="15" name="Inhaltsplatzhalter 1"/>
-          <p:cNvGraphicFramePr>
-            <a:graphicFrameLocks/>
-          </p:cNvGraphicFramePr>
-          <p:nvPr>
-            <p:extLst>
-              <p:ext uri="{D42A27DB-BD31-4B8C-83A1-F6EECF244321}">
-                <p14:modId xmlns:p14="http://schemas.microsoft.com/office/powerpoint/2010/main" val="3083683497"/>
-              </p:ext>
-            </p:extLst>
-          </p:nvPr>
-        </p:nvGraphicFramePr>
-        <p:xfrm>
-          <a:off x="3591230" y="376390"/>
-          <a:ext cx="4195917" cy="2431733"/>
-        </p:xfrm>
-        <a:graphic>
-          <a:graphicData uri="http://schemas.openxmlformats.org/drawingml/2006/table">
-            <a:tbl>
-              <a:tblPr firstRow="1" bandRow="1">
-                <a:tableStyleId>{5940675A-B579-460E-94D1-54222C63F5DA}</a:tableStyleId>
-              </a:tblPr>
-              <a:tblGrid>
-                <a:gridCol w="1762879">
-                  <a:extLst>
-                    <a:ext uri="{9D8B030D-6E8A-4147-A177-3AD203B41FA5}">
-                      <a16:colId xmlns:a16="http://schemas.microsoft.com/office/drawing/2014/main" val="1293918394"/>
-                    </a:ext>
-                  </a:extLst>
-                </a:gridCol>
-                <a:gridCol w="2433038">
-                  <a:extLst>
-                    <a:ext uri="{9D8B030D-6E8A-4147-A177-3AD203B41FA5}">
-                      <a16:colId xmlns:a16="http://schemas.microsoft.com/office/drawing/2014/main" val="3701879910"/>
-                    </a:ext>
-                  </a:extLst>
-                </a:gridCol>
-              </a:tblGrid>
-              <a:tr h="336843">
-                <a:tc gridSpan="2">
-                  <a:txBody>
-                    <a:bodyPr/>
-                    <a:lstStyle/>
-                    <a:p>
-                      <a:r>
-                        <a:rPr lang="de-DE" dirty="0"/>
-                        <a:t>Button</a:t>
-                      </a:r>
-                    </a:p>
-                  </a:txBody>
-                  <a:tcPr/>
-                </a:tc>
-                <a:tc hMerge="1">
-                  <a:txBody>
-                    <a:bodyPr/>
-                    <a:lstStyle/>
-                    <a:p>
-                      <a:endParaRPr lang="de-DE"/>
-                    </a:p>
-                  </a:txBody>
-                  <a:tcPr/>
-                </a:tc>
-                <a:extLst>
-                  <a:ext uri="{0D108BD9-81ED-4DB2-BD59-A6C34878D82A}">
-                    <a16:rowId xmlns:a16="http://schemas.microsoft.com/office/drawing/2014/main" val="424887423"/>
-                  </a:ext>
-                </a:extLst>
-              </a:tr>
-              <a:tr h="957453">
-                <a:tc gridSpan="2">
-                  <a:txBody>
-                    <a:bodyPr/>
-                    <a:lstStyle/>
-                    <a:p>
-                      <a:r>
-                        <a:rPr lang="de-DE" dirty="0"/>
-                        <a:t>-</a:t>
-                      </a:r>
-                      <a:r>
-                        <a:rPr lang="de-DE" dirty="0" err="1"/>
-                        <a:t>size:int</a:t>
-                      </a:r>
-                      <a:endParaRPr lang="de-DE" dirty="0"/>
-                    </a:p>
-                    <a:p>
-                      <a:r>
-                        <a:rPr lang="de-DE" dirty="0"/>
-                        <a:t>-</a:t>
-                      </a:r>
-                      <a:r>
-                        <a:rPr lang="de-DE" dirty="0" err="1"/>
-                        <a:t>text:Qstring</a:t>
-                      </a:r>
-                      <a:endParaRPr lang="de-DE" dirty="0"/>
-                    </a:p>
-                  </a:txBody>
-                  <a:tcPr/>
-                </a:tc>
-                <a:tc hMerge="1">
-                  <a:txBody>
-                    <a:bodyPr/>
-                    <a:lstStyle/>
-                    <a:p>
-                      <a:endParaRPr lang="de-DE"/>
-                    </a:p>
-                  </a:txBody>
-                  <a:tcPr/>
-                </a:tc>
-                <a:extLst>
-                  <a:ext uri="{0D108BD9-81ED-4DB2-BD59-A6C34878D82A}">
-                    <a16:rowId xmlns:a16="http://schemas.microsoft.com/office/drawing/2014/main" val="1445048750"/>
-                  </a:ext>
-                </a:extLst>
-              </a:tr>
-              <a:tr h="1108520">
-                <a:tc>
-                  <a:txBody>
-                    <a:bodyPr/>
-                    <a:lstStyle/>
-                    <a:p>
-                      <a:r>
-                        <a:rPr lang="de-DE" dirty="0"/>
-                        <a:t>+</a:t>
-                      </a:r>
-                      <a:r>
-                        <a:rPr lang="de-DE" dirty="0" err="1"/>
-                        <a:t>clickListener</a:t>
-                      </a:r>
-                      <a:r>
-                        <a:rPr lang="de-DE" dirty="0"/>
-                        <a:t>()</a:t>
-                      </a:r>
-                    </a:p>
-                  </a:txBody>
-                  <a:tcPr/>
-                </a:tc>
-                <a:tc>
-                  <a:txBody>
-                    <a:bodyPr/>
-                    <a:lstStyle/>
-                    <a:p>
-                      <a:r>
-                        <a:rPr lang="de-DE" dirty="0" err="1"/>
-                        <a:t>Startbildschirm,Level_X,Highscore,Levelmenu</a:t>
-                      </a:r>
-                      <a:endParaRPr lang="de-DE" dirty="0"/>
-                    </a:p>
-                  </a:txBody>
-                  <a:tcPr/>
-                </a:tc>
-                <a:extLst>
-                  <a:ext uri="{0D108BD9-81ED-4DB2-BD59-A6C34878D82A}">
-                    <a16:rowId xmlns:a16="http://schemas.microsoft.com/office/drawing/2014/main" val="4150623793"/>
-                  </a:ext>
-                </a:extLst>
-              </a:tr>
-            </a:tbl>
-          </a:graphicData>
-        </a:graphic>
-      </p:graphicFrame>
+      <p:sp>
+        <p:nvSpPr>
+          <p:cNvPr id="8" name="Titel 1"/>
+          <p:cNvSpPr>
+            <a:spLocks noGrp="1"/>
+          </p:cNvSpPr>
+          <p:nvPr>
+            <p:ph type="title"/>
+          </p:nvPr>
+        </p:nvSpPr>
+        <p:spPr>
+          <a:xfrm>
+            <a:off x="838200" y="365125"/>
+            <a:ext cx="10515600" cy="1325563"/>
+          </a:xfrm>
+        </p:spPr>
+        <p:txBody>
+          <a:bodyPr/>
+          <a:lstStyle/>
+          <a:p>
+            <a:r>
+              <a:rPr lang="de-DE" dirty="0"/>
+              <a:t>Klassendiagramme</a:t>
+            </a:r>
+          </a:p>
+        </p:txBody>
+      </p:sp>
     </p:spTree>
     <p:extLst>
       <p:ext uri="{BB962C8B-B14F-4D97-AF65-F5344CB8AC3E}">
@@ -5111,13 +6132,13 @@
           <p:nvPr>
             <p:extLst>
               <p:ext uri="{D42A27DB-BD31-4B8C-83A1-F6EECF244321}">
-                <p14:modId xmlns:p14="http://schemas.microsoft.com/office/powerpoint/2010/main" val="1355743489"/>
+                <p14:modId xmlns:p14="http://schemas.microsoft.com/office/powerpoint/2010/main" val="2570991445"/>
               </p:ext>
             </p:extLst>
           </p:nvPr>
         </p:nvGraphicFramePr>
         <p:xfrm>
-          <a:off x="800509" y="3181683"/>
+          <a:off x="3050275" y="1045668"/>
           <a:ext cx="4056626" cy="2514601"/>
         </p:xfrm>
         <a:graphic>
@@ -5209,7 +6230,11 @@
                       <a:endParaRPr lang="de-DE" dirty="0"/>
                     </a:p>
                   </a:txBody>
-                  <a:tcPr/>
+                  <a:tcPr>
+                    <a:solidFill>
+                      <a:schemeClr val="accent4"/>
+                    </a:solidFill>
+                  </a:tcPr>
                 </a:tc>
                 <a:tc hMerge="1">
                   <a:txBody>
@@ -5277,7 +6302,11 @@
                       <a:endParaRPr lang="de-DE" dirty="0"/>
                     </a:p>
                   </a:txBody>
-                  <a:tcPr/>
+                  <a:tcPr>
+                    <a:solidFill>
+                      <a:schemeClr val="accent5"/>
+                    </a:solidFill>
+                  </a:tcPr>
                 </a:tc>
                 <a:tc>
                   <a:txBody>
@@ -5298,7 +6327,11 @@
                       <a:endParaRPr lang="de-DE" dirty="0"/>
                     </a:p>
                   </a:txBody>
-                  <a:tcPr/>
+                  <a:tcPr>
+                    <a:solidFill>
+                      <a:schemeClr val="accent6"/>
+                    </a:solidFill>
+                  </a:tcPr>
                 </a:tc>
                 <a:extLst>
                   <a:ext uri="{0D108BD9-81ED-4DB2-BD59-A6C34878D82A}">
@@ -5319,14 +6352,14 @@
           <p:nvPr>
             <p:extLst>
               <p:ext uri="{D42A27DB-BD31-4B8C-83A1-F6EECF244321}">
-                <p14:modId xmlns:p14="http://schemas.microsoft.com/office/powerpoint/2010/main" val="4200841698"/>
+                <p14:modId xmlns:p14="http://schemas.microsoft.com/office/powerpoint/2010/main" val="2197930269"/>
               </p:ext>
             </p:extLst>
           </p:nvPr>
         </p:nvGraphicFramePr>
         <p:xfrm>
-          <a:off x="791495" y="316663"/>
-          <a:ext cx="5122607" cy="2528478"/>
+          <a:off x="399313" y="1045668"/>
+          <a:ext cx="2147888" cy="2431733"/>
         </p:xfrm>
         <a:graphic>
           <a:graphicData uri="http://schemas.openxmlformats.org/drawingml/2006/table">
@@ -5335,42 +6368,24 @@
                 <a:tableStyleId>{5940675A-B579-460E-94D1-54222C63F5DA}</a:tableStyleId>
               </a:tblPr>
               <a:tblGrid>
-                <a:gridCol w="2231925">
+                <a:gridCol w="2147888">
                   <a:extLst>
                     <a:ext uri="{9D8B030D-6E8A-4147-A177-3AD203B41FA5}">
                       <a16:colId xmlns:a16="http://schemas.microsoft.com/office/drawing/2014/main" val="1293918394"/>
                     </a:ext>
                   </a:extLst>
                 </a:gridCol>
-                <a:gridCol w="2890682">
-                  <a:extLst>
-                    <a:ext uri="{9D8B030D-6E8A-4147-A177-3AD203B41FA5}">
-                      <a16:colId xmlns:a16="http://schemas.microsoft.com/office/drawing/2014/main" val="262414454"/>
-                    </a:ext>
-                  </a:extLst>
-                </a:gridCol>
               </a:tblGrid>
-              <a:tr h="450033">
-                <a:tc gridSpan="2">
+              <a:tr h="336843">
+                <a:tc>
                   <a:txBody>
                     <a:bodyPr/>
                     <a:lstStyle/>
                     <a:p>
                       <a:r>
-                        <a:rPr lang="de-DE" dirty="0" err="1"/>
-                        <a:t>Highscore</a:t>
-                      </a:r>
-                      <a:endParaRPr lang="de-DE" dirty="0"/>
-                    </a:p>
-                  </a:txBody>
-                  <a:tcPr/>
-                </a:tc>
-                <a:tc hMerge="1">
-                  <a:txBody>
-                    <a:bodyPr/>
-                    <a:lstStyle/>
-                    <a:p>
-                      <a:endParaRPr lang="de-DE"/>
+                        <a:rPr lang="de-DE" dirty="0"/>
+                        <a:t>Startbildschirm</a:t>
+                      </a:r>
                     </a:p>
                   </a:txBody>
                   <a:tcPr/>
@@ -5381,8 +6396,8 @@
                   </a:ext>
                 </a:extLst>
               </a:tr>
-              <a:tr h="835963">
-                <a:tc gridSpan="2">
+              <a:tr h="957453">
+                <a:tc>
                   <a:txBody>
                     <a:bodyPr/>
                     <a:lstStyle/>
@@ -5393,55 +6408,16 @@
                       </a:r>
                       <a:r>
                         <a:rPr lang="de-DE" dirty="0" err="1"/>
-                        <a:t>maxPunkte:QList</a:t>
-                      </a:r>
-                      <a:r>
-                        <a:rPr lang="de-DE" dirty="0"/>
-                        <a:t>&lt;</a:t>
-                      </a:r>
-                      <a:r>
-                        <a:rPr lang="de-DE" dirty="0" err="1"/>
-                        <a:t>int</a:t>
-                      </a:r>
-                      <a:r>
-                        <a:rPr lang="de-DE" dirty="0"/>
-                        <a:t>&gt;</a:t>
-                      </a:r>
-                    </a:p>
-                    <a:p>
-                      <a:r>
-                        <a:rPr lang="de-DE" dirty="0"/>
-                        <a:t>-</a:t>
-                      </a:r>
-                      <a:r>
-                        <a:rPr lang="de-DE" dirty="0" err="1"/>
-                        <a:t>name:QList</a:t>
-                      </a:r>
-                      <a:r>
-                        <a:rPr lang="de-DE" dirty="0"/>
-                        <a:t>&lt;</a:t>
-                      </a:r>
-                      <a:r>
-                        <a:rPr lang="de-DE" dirty="0" err="1"/>
-                        <a:t>QString</a:t>
-                      </a:r>
-                      <a:r>
-                        <a:rPr lang="de-DE" dirty="0"/>
-                        <a:t>&gt;</a:t>
-                      </a:r>
+                        <a:t>menu:QMenu</a:t>
+                      </a:r>
+                      <a:endParaRPr lang="de-DE" dirty="0"/>
                     </a:p>
                   </a:txBody>
-                  <a:tcPr/>
-                </a:tc>
-                <a:tc hMerge="1">
-                  <a:txBody>
-                    <a:bodyPr/>
-                    <a:lstStyle/>
-                    <a:p>
-                      <a:endParaRPr lang="de-DE"/>
-                    </a:p>
-                  </a:txBody>
-                  <a:tcPr/>
+                  <a:tcPr>
+                    <a:solidFill>
+                      <a:schemeClr val="accent4"/>
+                    </a:solidFill>
+                  </a:tcPr>
                 </a:tc>
                 <a:extLst>
                   <a:ext uri="{0D108BD9-81ED-4DB2-BD59-A6C34878D82A}">
@@ -5449,7 +6425,7 @@
                   </a:ext>
                 </a:extLst>
               </a:tr>
-              <a:tr h="1242482">
+              <a:tr h="1108520">
                 <a:tc>
                   <a:txBody>
                     <a:bodyPr/>
@@ -5457,100 +6433,24 @@
                     <a:p>
                       <a:r>
                         <a:rPr lang="de-DE" dirty="0"/>
-                        <a:t>+</a:t>
-                      </a:r>
-                      <a:r>
-                        <a:rPr lang="de-DE" dirty="0" err="1"/>
-                        <a:t>setPunkte</a:t>
-                      </a:r>
-                      <a:r>
-                        <a:rPr lang="de-DE" dirty="0"/>
-                        <a:t>(</a:t>
-                      </a:r>
-                      <a:r>
-                        <a:rPr lang="de-DE" dirty="0" err="1"/>
-                        <a:t>int</a:t>
-                      </a:r>
-                      <a:r>
-                        <a:rPr lang="de-DE" dirty="0"/>
-                        <a:t>)</a:t>
-                      </a:r>
-                    </a:p>
-                    <a:p>
-                      <a:r>
-                        <a:rPr lang="de-DE" dirty="0"/>
-                        <a:t>+</a:t>
-                      </a:r>
-                      <a:r>
-                        <a:rPr lang="de-DE" dirty="0" err="1"/>
-                        <a:t>getMaxPunkte</a:t>
-                      </a:r>
-                      <a:r>
-                        <a:rPr lang="de-DE" dirty="0"/>
-                        <a:t>():</a:t>
-                      </a:r>
-                      <a:r>
-                        <a:rPr lang="de-DE" dirty="0" err="1"/>
-                        <a:t>int</a:t>
+                        <a:t>-</a:t>
+                      </a:r>
+                      <a:r>
+                        <a:rPr lang="de-DE" dirty="0" err="1"/>
+                        <a:t>menulistener</a:t>
                       </a:r>
                       <a:endParaRPr lang="de-DE" dirty="0"/>
                     </a:p>
-                    <a:p>
-                      <a:r>
-                        <a:rPr lang="de-DE" dirty="0"/>
-                        <a:t>+</a:t>
-                      </a:r>
-                      <a:r>
-                        <a:rPr lang="de-DE" dirty="0" err="1"/>
-                        <a:t>setName</a:t>
-                      </a:r>
-                      <a:r>
-                        <a:rPr lang="de-DE" dirty="0"/>
-                        <a:t>(</a:t>
-                      </a:r>
-                      <a:r>
-                        <a:rPr lang="de-DE" dirty="0" err="1"/>
-                        <a:t>QString</a:t>
-                      </a:r>
-                      <a:r>
-                        <a:rPr lang="de-DE" dirty="0"/>
-                        <a:t>)</a:t>
-                      </a:r>
-                    </a:p>
                   </a:txBody>
-                  <a:tcPr/>
-                </a:tc>
-                <a:tc>
-                  <a:txBody>
-                    <a:bodyPr/>
-                    <a:lstStyle/>
-                    <a:p>
-                      <a:r>
-                        <a:rPr lang="de-DE" dirty="0" err="1"/>
-                        <a:t>Level_X</a:t>
-                      </a:r>
-                      <a:endParaRPr lang="de-DE" dirty="0"/>
-                    </a:p>
-                    <a:p>
-                      <a:r>
-                        <a:rPr lang="de-DE" dirty="0" err="1"/>
-                        <a:t>Level_X</a:t>
-                      </a:r>
-                      <a:endParaRPr lang="de-DE" dirty="0"/>
-                    </a:p>
-                    <a:p>
-                      <a:r>
-                        <a:rPr lang="de-DE" dirty="0" err="1"/>
-                        <a:t>Level_X</a:t>
-                      </a:r>
-                      <a:endParaRPr lang="de-DE" dirty="0"/>
-                    </a:p>
-                  </a:txBody>
-                  <a:tcPr/>
+                  <a:tcPr>
+                    <a:solidFill>
+                      <a:schemeClr val="accent5"/>
+                    </a:solidFill>
+                  </a:tcPr>
                 </a:tc>
                 <a:extLst>
                   <a:ext uri="{0D108BD9-81ED-4DB2-BD59-A6C34878D82A}">
-                    <a16:rowId xmlns:a16="http://schemas.microsoft.com/office/drawing/2014/main" val="3336207327"/>
+                    <a16:rowId xmlns:a16="http://schemas.microsoft.com/office/drawing/2014/main" val="4150623793"/>
                   </a:ext>
                 </a:extLst>
               </a:tr>
@@ -5567,13 +6467,13 @@
           <p:nvPr>
             <p:extLst>
               <p:ext uri="{D42A27DB-BD31-4B8C-83A1-F6EECF244321}">
-                <p14:modId xmlns:p14="http://schemas.microsoft.com/office/powerpoint/2010/main" val="331404878"/>
+                <p14:modId xmlns:p14="http://schemas.microsoft.com/office/powerpoint/2010/main" val="1117938640"/>
               </p:ext>
             </p:extLst>
           </p:nvPr>
         </p:nvGraphicFramePr>
         <p:xfrm>
-          <a:off x="7006661" y="316663"/>
+          <a:off x="7473005" y="1045668"/>
           <a:ext cx="4369261" cy="3291840"/>
         </p:xfrm>
         <a:graphic>
@@ -5704,7 +6604,11 @@
                       <a:endParaRPr lang="de-DE" dirty="0"/>
                     </a:p>
                   </a:txBody>
-                  <a:tcPr/>
+                  <a:tcPr>
+                    <a:solidFill>
+                      <a:schemeClr val="accent4"/>
+                    </a:solidFill>
+                  </a:tcPr>
                 </a:tc>
                 <a:tc hMerge="1">
                   <a:txBody>
@@ -5778,7 +6682,11 @@
                       <a:endParaRPr lang="de-DE" dirty="0"/>
                     </a:p>
                   </a:txBody>
-                  <a:tcPr/>
+                  <a:tcPr>
+                    <a:solidFill>
+                      <a:schemeClr val="accent5"/>
+                    </a:solidFill>
+                  </a:tcPr>
                 </a:tc>
                 <a:tc>
                   <a:txBody>
@@ -5809,7 +6717,11 @@
                       <a:endParaRPr lang="de-DE" dirty="0"/>
                     </a:p>
                   </a:txBody>
-                  <a:tcPr/>
+                  <a:tcPr>
+                    <a:solidFill>
+                      <a:schemeClr val="accent6"/>
+                    </a:solidFill>
+                  </a:tcPr>
                 </a:tc>
                 <a:extLst>
                   <a:ext uri="{0D108BD9-81ED-4DB2-BD59-A6C34878D82A}">
@@ -5823,6 +6735,296 @@
       </p:graphicFrame>
       <p:graphicFrame>
         <p:nvGraphicFramePr>
+          <p:cNvPr id="7" name="Inhaltsplatzhalter 1"/>
+          <p:cNvGraphicFramePr>
+            <a:graphicFrameLocks/>
+          </p:cNvGraphicFramePr>
+          <p:nvPr>
+            <p:extLst>
+              <p:ext uri="{D42A27DB-BD31-4B8C-83A1-F6EECF244321}">
+                <p14:modId xmlns:p14="http://schemas.microsoft.com/office/powerpoint/2010/main" val="2652311228"/>
+              </p:ext>
+            </p:extLst>
+          </p:nvPr>
+        </p:nvGraphicFramePr>
+        <p:xfrm>
+          <a:off x="399313" y="3721608"/>
+          <a:ext cx="5122607" cy="2535645"/>
+        </p:xfrm>
+        <a:graphic>
+          <a:graphicData uri="http://schemas.openxmlformats.org/drawingml/2006/table">
+            <a:tbl>
+              <a:tblPr firstRow="1" bandRow="1">
+                <a:tableStyleId>{5940675A-B579-460E-94D1-54222C63F5DA}</a:tableStyleId>
+              </a:tblPr>
+              <a:tblGrid>
+                <a:gridCol w="2231925">
+                  <a:extLst>
+                    <a:ext uri="{9D8B030D-6E8A-4147-A177-3AD203B41FA5}">
+                      <a16:colId xmlns:a16="http://schemas.microsoft.com/office/drawing/2014/main" val="1293918394"/>
+                    </a:ext>
+                  </a:extLst>
+                </a:gridCol>
+                <a:gridCol w="2890682">
+                  <a:extLst>
+                    <a:ext uri="{9D8B030D-6E8A-4147-A177-3AD203B41FA5}">
+                      <a16:colId xmlns:a16="http://schemas.microsoft.com/office/drawing/2014/main" val="262414454"/>
+                    </a:ext>
+                  </a:extLst>
+                </a:gridCol>
+              </a:tblGrid>
+              <a:tr h="457200">
+                <a:tc gridSpan="2">
+                  <a:txBody>
+                    <a:bodyPr/>
+                    <a:lstStyle/>
+                    <a:p>
+                      <a:r>
+                        <a:rPr lang="de-DE" dirty="0" err="1"/>
+                        <a:t>Highscore</a:t>
+                      </a:r>
+                      <a:endParaRPr lang="de-DE" dirty="0"/>
+                    </a:p>
+                  </a:txBody>
+                  <a:tcPr/>
+                </a:tc>
+                <a:tc hMerge="1">
+                  <a:txBody>
+                    <a:bodyPr/>
+                    <a:lstStyle/>
+                    <a:p>
+                      <a:endParaRPr lang="de-DE"/>
+                    </a:p>
+                  </a:txBody>
+                  <a:tcPr/>
+                </a:tc>
+                <a:extLst>
+                  <a:ext uri="{0D108BD9-81ED-4DB2-BD59-A6C34878D82A}">
+                    <a16:rowId xmlns:a16="http://schemas.microsoft.com/office/drawing/2014/main" val="424887423"/>
+                  </a:ext>
+                </a:extLst>
+              </a:tr>
+              <a:tr h="835963">
+                <a:tc gridSpan="2">
+                  <a:txBody>
+                    <a:bodyPr/>
+                    <a:lstStyle/>
+                    <a:p>
+                      <a:r>
+                        <a:rPr lang="de-DE" dirty="0"/>
+                        <a:t>-</a:t>
+                      </a:r>
+                      <a:r>
+                        <a:rPr lang="de-DE" dirty="0" err="1"/>
+                        <a:t>maxPunkte:QList</a:t>
+                      </a:r>
+                      <a:r>
+                        <a:rPr lang="de-DE" dirty="0"/>
+                        <a:t>&lt;</a:t>
+                      </a:r>
+                      <a:r>
+                        <a:rPr lang="de-DE" dirty="0" err="1"/>
+                        <a:t>int</a:t>
+                      </a:r>
+                      <a:r>
+                        <a:rPr lang="de-DE" dirty="0"/>
+                        <a:t>&gt;</a:t>
+                      </a:r>
+                    </a:p>
+                    <a:p>
+                      <a:r>
+                        <a:rPr lang="de-DE" dirty="0"/>
+                        <a:t>-</a:t>
+                      </a:r>
+                      <a:r>
+                        <a:rPr lang="de-DE" dirty="0" err="1"/>
+                        <a:t>name:QList</a:t>
+                      </a:r>
+                      <a:r>
+                        <a:rPr lang="de-DE" dirty="0"/>
+                        <a:t>&lt;</a:t>
+                      </a:r>
+                      <a:r>
+                        <a:rPr lang="de-DE" dirty="0" err="1"/>
+                        <a:t>QString</a:t>
+                      </a:r>
+                      <a:r>
+                        <a:rPr lang="de-DE" dirty="0"/>
+                        <a:t>&gt;</a:t>
+                      </a:r>
+                    </a:p>
+                  </a:txBody>
+                  <a:tcPr>
+                    <a:solidFill>
+                      <a:schemeClr val="accent4"/>
+                    </a:solidFill>
+                  </a:tcPr>
+                </a:tc>
+                <a:tc hMerge="1">
+                  <a:txBody>
+                    <a:bodyPr/>
+                    <a:lstStyle/>
+                    <a:p>
+                      <a:endParaRPr lang="de-DE"/>
+                    </a:p>
+                  </a:txBody>
+                  <a:tcPr/>
+                </a:tc>
+                <a:extLst>
+                  <a:ext uri="{0D108BD9-81ED-4DB2-BD59-A6C34878D82A}">
+                    <a16:rowId xmlns:a16="http://schemas.microsoft.com/office/drawing/2014/main" val="1445048750"/>
+                  </a:ext>
+                </a:extLst>
+              </a:tr>
+              <a:tr h="1242482">
+                <a:tc>
+                  <a:txBody>
+                    <a:bodyPr/>
+                    <a:lstStyle/>
+                    <a:p>
+                      <a:r>
+                        <a:rPr lang="de-DE" dirty="0"/>
+                        <a:t>+</a:t>
+                      </a:r>
+                      <a:r>
+                        <a:rPr lang="de-DE" dirty="0" err="1"/>
+                        <a:t>setPunkte</a:t>
+                      </a:r>
+                      <a:r>
+                        <a:rPr lang="de-DE" dirty="0"/>
+                        <a:t>(</a:t>
+                      </a:r>
+                      <a:r>
+                        <a:rPr lang="de-DE" dirty="0" err="1"/>
+                        <a:t>int</a:t>
+                      </a:r>
+                      <a:r>
+                        <a:rPr lang="de-DE" dirty="0"/>
+                        <a:t>)</a:t>
+                      </a:r>
+                    </a:p>
+                    <a:p>
+                      <a:r>
+                        <a:rPr lang="de-DE" dirty="0"/>
+                        <a:t>+</a:t>
+                      </a:r>
+                      <a:r>
+                        <a:rPr lang="de-DE" dirty="0" err="1"/>
+                        <a:t>getMaxPunkte</a:t>
+                      </a:r>
+                      <a:r>
+                        <a:rPr lang="de-DE" dirty="0"/>
+                        <a:t>():</a:t>
+                      </a:r>
+                      <a:r>
+                        <a:rPr lang="de-DE" dirty="0" err="1"/>
+                        <a:t>int</a:t>
+                      </a:r>
+                      <a:endParaRPr lang="de-DE" dirty="0"/>
+                    </a:p>
+                    <a:p>
+                      <a:r>
+                        <a:rPr lang="de-DE" dirty="0"/>
+                        <a:t>+</a:t>
+                      </a:r>
+                      <a:r>
+                        <a:rPr lang="de-DE" dirty="0" err="1"/>
+                        <a:t>setName</a:t>
+                      </a:r>
+                      <a:r>
+                        <a:rPr lang="de-DE" dirty="0"/>
+                        <a:t>(</a:t>
+                      </a:r>
+                      <a:r>
+                        <a:rPr lang="de-DE" dirty="0" err="1"/>
+                        <a:t>QString</a:t>
+                      </a:r>
+                      <a:r>
+                        <a:rPr lang="de-DE" dirty="0"/>
+                        <a:t>)</a:t>
+                      </a:r>
+                    </a:p>
+                  </a:txBody>
+                  <a:tcPr>
+                    <a:solidFill>
+                      <a:schemeClr val="accent5"/>
+                    </a:solidFill>
+                  </a:tcPr>
+                </a:tc>
+                <a:tc>
+                  <a:txBody>
+                    <a:bodyPr/>
+                    <a:lstStyle/>
+                    <a:p>
+                      <a:r>
+                        <a:rPr lang="de-DE" dirty="0" err="1"/>
+                        <a:t>Level_X</a:t>
+                      </a:r>
+                      <a:endParaRPr lang="de-DE" dirty="0"/>
+                    </a:p>
+                    <a:p>
+                      <a:r>
+                        <a:rPr lang="de-DE" dirty="0" err="1"/>
+                        <a:t>Level_X</a:t>
+                      </a:r>
+                      <a:endParaRPr lang="de-DE" dirty="0"/>
+                    </a:p>
+                    <a:p>
+                      <a:r>
+                        <a:rPr lang="de-DE" dirty="0" err="1"/>
+                        <a:t>Level_X</a:t>
+                      </a:r>
+                      <a:endParaRPr lang="de-DE" dirty="0"/>
+                    </a:p>
+                  </a:txBody>
+                  <a:tcPr>
+                    <a:solidFill>
+                      <a:schemeClr val="accent6"/>
+                    </a:solidFill>
+                  </a:tcPr>
+                </a:tc>
+                <a:extLst>
+                  <a:ext uri="{0D108BD9-81ED-4DB2-BD59-A6C34878D82A}">
+                    <a16:rowId xmlns:a16="http://schemas.microsoft.com/office/drawing/2014/main" val="3336207327"/>
+                  </a:ext>
+                </a:extLst>
+              </a:tr>
+            </a:tbl>
+          </a:graphicData>
+        </a:graphic>
+      </p:graphicFrame>
+    </p:spTree>
+    <p:extLst>
+      <p:ext uri="{BB962C8B-B14F-4D97-AF65-F5344CB8AC3E}">
+        <p14:creationId xmlns:p14="http://schemas.microsoft.com/office/powerpoint/2010/main" val="1570220154"/>
+      </p:ext>
+    </p:extLst>
+  </p:cSld>
+  <p:clrMapOvr>
+    <a:masterClrMapping/>
+  </p:clrMapOvr>
+</p:sld>
+</file>
+
+<file path=ppt/slides/slide7.xml><?xml version="1.0" encoding="utf-8"?>
+<p:sld xmlns:a="http://schemas.openxmlformats.org/drawingml/2006/main" xmlns:r="http://schemas.openxmlformats.org/officeDocument/2006/relationships" xmlns:p="http://schemas.openxmlformats.org/presentationml/2006/main">
+  <p:cSld>
+    <p:spTree>
+      <p:nvGrpSpPr>
+        <p:cNvPr id="1" name=""/>
+        <p:cNvGrpSpPr/>
+        <p:nvPr/>
+      </p:nvGrpSpPr>
+      <p:grpSpPr>
+        <a:xfrm>
+          <a:off x="0" y="0"/>
+          <a:ext cx="0" cy="0"/>
+          <a:chOff x="0" y="0"/>
+          <a:chExt cx="0" cy="0"/>
+        </a:xfrm>
+      </p:grpSpPr>
+      <p:graphicFrame>
+        <p:nvGraphicFramePr>
           <p:cNvPr id="13" name="Inhaltsplatzhalter 1"/>
           <p:cNvGraphicFramePr>
             <a:graphicFrameLocks/>
@@ -5830,13 +7032,13 @@
           <p:nvPr>
             <p:extLst>
               <p:ext uri="{D42A27DB-BD31-4B8C-83A1-F6EECF244321}">
-                <p14:modId xmlns:p14="http://schemas.microsoft.com/office/powerpoint/2010/main" val="970113105"/>
+                <p14:modId xmlns:p14="http://schemas.microsoft.com/office/powerpoint/2010/main" val="2639663820"/>
               </p:ext>
             </p:extLst>
           </p:nvPr>
         </p:nvGraphicFramePr>
         <p:xfrm>
-          <a:off x="5988060" y="3760315"/>
+          <a:off x="5326286" y="3819692"/>
           <a:ext cx="5682830" cy="2945824"/>
         </p:xfrm>
         <a:graphic>
@@ -5947,7 +7149,11 @@
                       </a:r>
                     </a:p>
                   </a:txBody>
-                  <a:tcPr/>
+                  <a:tcPr>
+                    <a:solidFill>
+                      <a:schemeClr val="accent4"/>
+                    </a:solidFill>
+                  </a:tcPr>
                 </a:tc>
                 <a:tc hMerge="1">
                   <a:txBody>
@@ -6043,7 +7249,11 @@
                       </a:r>
                     </a:p>
                   </a:txBody>
-                  <a:tcPr/>
+                  <a:tcPr>
+                    <a:solidFill>
+                      <a:schemeClr val="accent5"/>
+                    </a:solidFill>
+                  </a:tcPr>
                 </a:tc>
                 <a:tc>
                   <a:txBody>
@@ -6074,11 +7284,447 @@
                       </a:r>
                     </a:p>
                   </a:txBody>
+                  <a:tcPr>
+                    <a:solidFill>
+                      <a:schemeClr val="accent6"/>
+                    </a:solidFill>
+                  </a:tcPr>
+                </a:tc>
+                <a:extLst>
+                  <a:ext uri="{0D108BD9-81ED-4DB2-BD59-A6C34878D82A}">
+                    <a16:rowId xmlns:a16="http://schemas.microsoft.com/office/drawing/2014/main" val="3336207327"/>
+                  </a:ext>
+                </a:extLst>
+              </a:tr>
+            </a:tbl>
+          </a:graphicData>
+        </a:graphic>
+      </p:graphicFrame>
+      <p:graphicFrame>
+        <p:nvGraphicFramePr>
+          <p:cNvPr id="7" name="Inhaltsplatzhalter 1"/>
+          <p:cNvGraphicFramePr>
+            <a:graphicFrameLocks/>
+          </p:cNvGraphicFramePr>
+          <p:nvPr>
+            <p:extLst>
+              <p:ext uri="{D42A27DB-BD31-4B8C-83A1-F6EECF244321}">
+                <p14:modId xmlns:p14="http://schemas.microsoft.com/office/powerpoint/2010/main" val="2066017401"/>
+              </p:ext>
+            </p:extLst>
+          </p:nvPr>
+        </p:nvGraphicFramePr>
+        <p:xfrm>
+          <a:off x="1399495" y="543165"/>
+          <a:ext cx="4195917" cy="2431733"/>
+        </p:xfrm>
+        <a:graphic>
+          <a:graphicData uri="http://schemas.openxmlformats.org/drawingml/2006/table">
+            <a:tbl>
+              <a:tblPr firstRow="1" bandRow="1">
+                <a:tableStyleId>{5940675A-B579-460E-94D1-54222C63F5DA}</a:tableStyleId>
+              </a:tblPr>
+              <a:tblGrid>
+                <a:gridCol w="1762879">
+                  <a:extLst>
+                    <a:ext uri="{9D8B030D-6E8A-4147-A177-3AD203B41FA5}">
+                      <a16:colId xmlns:a16="http://schemas.microsoft.com/office/drawing/2014/main" val="1293918394"/>
+                    </a:ext>
+                  </a:extLst>
+                </a:gridCol>
+                <a:gridCol w="2433038">
+                  <a:extLst>
+                    <a:ext uri="{9D8B030D-6E8A-4147-A177-3AD203B41FA5}">
+                      <a16:colId xmlns:a16="http://schemas.microsoft.com/office/drawing/2014/main" val="3701879910"/>
+                    </a:ext>
+                  </a:extLst>
+                </a:gridCol>
+              </a:tblGrid>
+              <a:tr h="336843">
+                <a:tc gridSpan="2">
+                  <a:txBody>
+                    <a:bodyPr/>
+                    <a:lstStyle/>
+                    <a:p>
+                      <a:r>
+                        <a:rPr lang="de-DE" dirty="0"/>
+                        <a:t>Button</a:t>
+                      </a:r>
+                    </a:p>
+                  </a:txBody>
+                  <a:tcPr/>
+                </a:tc>
+                <a:tc hMerge="1">
+                  <a:txBody>
+                    <a:bodyPr/>
+                    <a:lstStyle/>
+                    <a:p>
+                      <a:endParaRPr lang="de-DE"/>
+                    </a:p>
+                  </a:txBody>
                   <a:tcPr/>
                 </a:tc>
                 <a:extLst>
                   <a:ext uri="{0D108BD9-81ED-4DB2-BD59-A6C34878D82A}">
-                    <a16:rowId xmlns:a16="http://schemas.microsoft.com/office/drawing/2014/main" val="3336207327"/>
+                    <a16:rowId xmlns:a16="http://schemas.microsoft.com/office/drawing/2014/main" val="424887423"/>
+                  </a:ext>
+                </a:extLst>
+              </a:tr>
+              <a:tr h="957453">
+                <a:tc gridSpan="2">
+                  <a:txBody>
+                    <a:bodyPr/>
+                    <a:lstStyle/>
+                    <a:p>
+                      <a:r>
+                        <a:rPr lang="de-DE" dirty="0"/>
+                        <a:t>-</a:t>
+                      </a:r>
+                      <a:r>
+                        <a:rPr lang="de-DE" dirty="0" err="1"/>
+                        <a:t>size:int</a:t>
+                      </a:r>
+                      <a:endParaRPr lang="de-DE" dirty="0"/>
+                    </a:p>
+                    <a:p>
+                      <a:r>
+                        <a:rPr lang="de-DE" dirty="0"/>
+                        <a:t>-</a:t>
+                      </a:r>
+                      <a:r>
+                        <a:rPr lang="de-DE" dirty="0" err="1"/>
+                        <a:t>text:Qstring</a:t>
+                      </a:r>
+                      <a:endParaRPr lang="de-DE" dirty="0"/>
+                    </a:p>
+                  </a:txBody>
+                  <a:tcPr>
+                    <a:solidFill>
+                      <a:schemeClr val="accent4"/>
+                    </a:solidFill>
+                  </a:tcPr>
+                </a:tc>
+                <a:tc hMerge="1">
+                  <a:txBody>
+                    <a:bodyPr/>
+                    <a:lstStyle/>
+                    <a:p>
+                      <a:endParaRPr lang="de-DE"/>
+                    </a:p>
+                  </a:txBody>
+                  <a:tcPr/>
+                </a:tc>
+                <a:extLst>
+                  <a:ext uri="{0D108BD9-81ED-4DB2-BD59-A6C34878D82A}">
+                    <a16:rowId xmlns:a16="http://schemas.microsoft.com/office/drawing/2014/main" val="1445048750"/>
+                  </a:ext>
+                </a:extLst>
+              </a:tr>
+              <a:tr h="1108520">
+                <a:tc>
+                  <a:txBody>
+                    <a:bodyPr/>
+                    <a:lstStyle/>
+                    <a:p>
+                      <a:r>
+                        <a:rPr lang="de-DE" dirty="0"/>
+                        <a:t>+</a:t>
+                      </a:r>
+                      <a:r>
+                        <a:rPr lang="de-DE" dirty="0" err="1"/>
+                        <a:t>clickListener</a:t>
+                      </a:r>
+                      <a:r>
+                        <a:rPr lang="de-DE" dirty="0"/>
+                        <a:t>()</a:t>
+                      </a:r>
+                    </a:p>
+                  </a:txBody>
+                  <a:tcPr>
+                    <a:solidFill>
+                      <a:schemeClr val="accent5"/>
+                    </a:solidFill>
+                  </a:tcPr>
+                </a:tc>
+                <a:tc>
+                  <a:txBody>
+                    <a:bodyPr/>
+                    <a:lstStyle/>
+                    <a:p>
+                      <a:r>
+                        <a:rPr lang="de-DE" dirty="0" err="1"/>
+                        <a:t>Startbildschirm,Level_X,Highscore,Levelmenu</a:t>
+                      </a:r>
+                      <a:endParaRPr lang="de-DE" dirty="0"/>
+                    </a:p>
+                  </a:txBody>
+                  <a:tcPr>
+                    <a:solidFill>
+                      <a:schemeClr val="accent6"/>
+                    </a:solidFill>
+                  </a:tcPr>
+                </a:tc>
+                <a:extLst>
+                  <a:ext uri="{0D108BD9-81ED-4DB2-BD59-A6C34878D82A}">
+                    <a16:rowId xmlns:a16="http://schemas.microsoft.com/office/drawing/2014/main" val="4150623793"/>
+                  </a:ext>
+                </a:extLst>
+              </a:tr>
+            </a:tbl>
+          </a:graphicData>
+        </a:graphic>
+      </p:graphicFrame>
+      <p:graphicFrame>
+        <p:nvGraphicFramePr>
+          <p:cNvPr id="8" name="Inhaltsplatzhalter 1"/>
+          <p:cNvGraphicFramePr>
+            <a:graphicFrameLocks/>
+          </p:cNvGraphicFramePr>
+          <p:nvPr>
+            <p:extLst>
+              <p:ext uri="{D42A27DB-BD31-4B8C-83A1-F6EECF244321}">
+                <p14:modId xmlns:p14="http://schemas.microsoft.com/office/powerpoint/2010/main" val="854975008"/>
+              </p:ext>
+            </p:extLst>
+          </p:nvPr>
+        </p:nvGraphicFramePr>
+        <p:xfrm>
+          <a:off x="6649834" y="543165"/>
+          <a:ext cx="4359282" cy="2874645"/>
+        </p:xfrm>
+        <a:graphic>
+          <a:graphicData uri="http://schemas.openxmlformats.org/drawingml/2006/table">
+            <a:tbl>
+              <a:tblPr firstRow="1" bandRow="1">
+                <a:tableStyleId>{5940675A-B579-460E-94D1-54222C63F5DA}</a:tableStyleId>
+              </a:tblPr>
+              <a:tblGrid>
+                <a:gridCol w="2239201">
+                  <a:extLst>
+                    <a:ext uri="{9D8B030D-6E8A-4147-A177-3AD203B41FA5}">
+                      <a16:colId xmlns:a16="http://schemas.microsoft.com/office/drawing/2014/main" val="1293918394"/>
+                    </a:ext>
+                  </a:extLst>
+                </a:gridCol>
+                <a:gridCol w="2120081">
+                  <a:extLst>
+                    <a:ext uri="{9D8B030D-6E8A-4147-A177-3AD203B41FA5}">
+                      <a16:colId xmlns:a16="http://schemas.microsoft.com/office/drawing/2014/main" val="679847264"/>
+                    </a:ext>
+                  </a:extLst>
+                </a:gridCol>
+              </a:tblGrid>
+              <a:tr h="392906">
+                <a:tc gridSpan="2">
+                  <a:txBody>
+                    <a:bodyPr/>
+                    <a:lstStyle/>
+                    <a:p>
+                      <a:r>
+                        <a:rPr lang="de-DE" dirty="0"/>
+                        <a:t>Objekte</a:t>
+                      </a:r>
+                    </a:p>
+                  </a:txBody>
+                  <a:tcPr/>
+                </a:tc>
+                <a:tc hMerge="1">
+                  <a:txBody>
+                    <a:bodyPr/>
+                    <a:lstStyle/>
+                    <a:p>
+                      <a:endParaRPr lang="de-DE"/>
+                    </a:p>
+                  </a:txBody>
+                  <a:tcPr/>
+                </a:tc>
+                <a:extLst>
+                  <a:ext uri="{0D108BD9-81ED-4DB2-BD59-A6C34878D82A}">
+                    <a16:rowId xmlns:a16="http://schemas.microsoft.com/office/drawing/2014/main" val="424887423"/>
+                  </a:ext>
+                </a:extLst>
+              </a:tr>
+              <a:tr h="1120474">
+                <a:tc gridSpan="2">
+                  <a:txBody>
+                    <a:bodyPr/>
+                    <a:lstStyle/>
+                    <a:p>
+                      <a:r>
+                        <a:rPr lang="de-DE" dirty="0"/>
+                        <a:t>-Form</a:t>
+                      </a:r>
+                    </a:p>
+                    <a:p>
+                      <a:r>
+                        <a:rPr lang="de-DE" dirty="0"/>
+                        <a:t>-</a:t>
+                      </a:r>
+                      <a:r>
+                        <a:rPr lang="de-DE" dirty="0" err="1"/>
+                        <a:t>size:int</a:t>
+                      </a:r>
+                      <a:endParaRPr lang="de-DE" dirty="0"/>
+                    </a:p>
+                    <a:p>
+                      <a:r>
+                        <a:rPr lang="de-DE" dirty="0"/>
+                        <a:t>-</a:t>
+                      </a:r>
+                      <a:r>
+                        <a:rPr lang="de-DE" dirty="0" err="1"/>
+                        <a:t>ObjektAttribute</a:t>
+                      </a:r>
+                      <a:endParaRPr lang="de-DE" dirty="0"/>
+                    </a:p>
+                    <a:p>
+                      <a:r>
+                        <a:rPr lang="de-DE" dirty="0"/>
+                        <a:t>-</a:t>
+                      </a:r>
+                      <a:r>
+                        <a:rPr lang="de-DE" dirty="0" err="1"/>
+                        <a:t>alignment</a:t>
+                      </a:r>
+                      <a:endParaRPr lang="de-DE" dirty="0"/>
+                    </a:p>
+                  </a:txBody>
+                  <a:tcPr>
+                    <a:solidFill>
+                      <a:schemeClr val="accent4"/>
+                    </a:solidFill>
+                  </a:tcPr>
+                </a:tc>
+                <a:tc hMerge="1">
+                  <a:txBody>
+                    <a:bodyPr/>
+                    <a:lstStyle/>
+                    <a:p>
+                      <a:endParaRPr lang="de-DE"/>
+                    </a:p>
+                  </a:txBody>
+                  <a:tcPr/>
+                </a:tc>
+                <a:extLst>
+                  <a:ext uri="{0D108BD9-81ED-4DB2-BD59-A6C34878D82A}">
+                    <a16:rowId xmlns:a16="http://schemas.microsoft.com/office/drawing/2014/main" val="1445048750"/>
+                  </a:ext>
+                </a:extLst>
+              </a:tr>
+              <a:tr h="1293019">
+                <a:tc>
+                  <a:txBody>
+                    <a:bodyPr/>
+                    <a:lstStyle/>
+                    <a:p>
+                      <a:r>
+                        <a:rPr lang="de-DE" dirty="0"/>
+                        <a:t>+</a:t>
+                      </a:r>
+                      <a:r>
+                        <a:rPr lang="de-DE" dirty="0" err="1"/>
+                        <a:t>getLevelObjekte</a:t>
+                      </a:r>
+                      <a:r>
+                        <a:rPr lang="de-DE" dirty="0"/>
+                        <a:t>(</a:t>
+                      </a:r>
+                      <a:r>
+                        <a:rPr lang="de-DE" dirty="0" err="1"/>
+                        <a:t>int</a:t>
+                      </a:r>
+                      <a:r>
+                        <a:rPr lang="de-DE" dirty="0"/>
+                        <a:t>)</a:t>
+                      </a:r>
+                    </a:p>
+                    <a:p>
+                      <a:r>
+                        <a:rPr lang="de-DE" dirty="0"/>
+                        <a:t>+</a:t>
+                      </a:r>
+                      <a:r>
+                        <a:rPr lang="de-DE" dirty="0" err="1"/>
+                        <a:t>move</a:t>
+                      </a:r>
+                      <a:r>
+                        <a:rPr lang="de-DE" dirty="0"/>
+                        <a:t>()</a:t>
+                      </a:r>
+                    </a:p>
+                    <a:p>
+                      <a:r>
+                        <a:rPr lang="de-DE" dirty="0"/>
+                        <a:t>+</a:t>
+                      </a:r>
+                      <a:r>
+                        <a:rPr lang="de-DE" dirty="0" err="1"/>
+                        <a:t>delete</a:t>
+                      </a:r>
+                      <a:r>
+                        <a:rPr lang="de-DE" dirty="0"/>
+                        <a:t>()</a:t>
+                      </a:r>
+                    </a:p>
+                    <a:p>
+                      <a:r>
+                        <a:rPr lang="de-DE" dirty="0"/>
+                        <a:t>-</a:t>
+                      </a:r>
+                      <a:r>
+                        <a:rPr lang="de-DE" dirty="0" err="1"/>
+                        <a:t>orientation</a:t>
+                      </a:r>
+                      <a:r>
+                        <a:rPr lang="de-DE" dirty="0"/>
+                        <a:t>()</a:t>
+                      </a:r>
+                    </a:p>
+                  </a:txBody>
+                  <a:tcPr>
+                    <a:solidFill>
+                      <a:schemeClr val="accent5"/>
+                    </a:solidFill>
+                  </a:tcPr>
+                </a:tc>
+                <a:tc>
+                  <a:txBody>
+                    <a:bodyPr/>
+                    <a:lstStyle/>
+                    <a:p>
+                      <a:r>
+                        <a:rPr lang="de-DE" dirty="0" err="1"/>
+                        <a:t>Level_X</a:t>
+                      </a:r>
+                      <a:endParaRPr lang="de-DE" dirty="0"/>
+                    </a:p>
+                    <a:p>
+                      <a:r>
+                        <a:rPr lang="de-DE" dirty="0" err="1"/>
+                        <a:t>Level_X</a:t>
+                      </a:r>
+                      <a:endParaRPr lang="de-DE" dirty="0"/>
+                    </a:p>
+                    <a:p>
+                      <a:r>
+                        <a:rPr lang="de-DE" dirty="0" err="1"/>
+                        <a:t>Level_X</a:t>
+                      </a:r>
+                      <a:endParaRPr lang="de-DE" dirty="0"/>
+                    </a:p>
+                    <a:p>
+                      <a:endParaRPr lang="de-DE" dirty="0"/>
+                    </a:p>
+                  </a:txBody>
+                  <a:tcPr>
+                    <a:solidFill>
+                      <a:schemeClr val="accent6"/>
+                    </a:solidFill>
+                  </a:tcPr>
+                </a:tc>
+                <a:extLst>
+                  <a:ext uri="{0D108BD9-81ED-4DB2-BD59-A6C34878D82A}">
+                    <a16:rowId xmlns:a16="http://schemas.microsoft.com/office/drawing/2014/main" val="475748216"/>
                   </a:ext>
                 </a:extLst>
               </a:tr>
@@ -6099,7 +7745,7 @@
 </p:sld>
 </file>
 
-<file path=ppt/slides/slide7.xml><?xml version="1.0" encoding="utf-8"?>
+<file path=ppt/slides/slide8.xml><?xml version="1.0" encoding="utf-8"?>
 <p:sld xmlns:a="http://schemas.openxmlformats.org/drawingml/2006/main" xmlns:r="http://schemas.openxmlformats.org/officeDocument/2006/relationships" xmlns:p="http://schemas.openxmlformats.org/presentationml/2006/main" show="0">
   <p:cSld>
     <p:spTree>
@@ -6728,36 +8374,6 @@
     <p:extLst>
       <p:ext uri="{BB962C8B-B14F-4D97-AF65-F5344CB8AC3E}">
         <p14:creationId xmlns:p14="http://schemas.microsoft.com/office/powerpoint/2010/main" val="3150719221"/>
-      </p:ext>
-    </p:extLst>
-  </p:cSld>
-  <p:clrMapOvr>
-    <a:masterClrMapping/>
-  </p:clrMapOvr>
-</p:sld>
-</file>
-
-<file path=ppt/slides/slide8.xml><?xml version="1.0" encoding="utf-8"?>
-<p:sld xmlns:a="http://schemas.openxmlformats.org/drawingml/2006/main" xmlns:r="http://schemas.openxmlformats.org/officeDocument/2006/relationships" xmlns:p="http://schemas.openxmlformats.org/presentationml/2006/main">
-  <p:cSld>
-    <p:spTree>
-      <p:nvGrpSpPr>
-        <p:cNvPr id="1" name=""/>
-        <p:cNvGrpSpPr/>
-        <p:nvPr/>
-      </p:nvGrpSpPr>
-      <p:grpSpPr>
-        <a:xfrm>
-          <a:off x="0" y="0"/>
-          <a:ext cx="0" cy="0"/>
-          <a:chOff x="0" y="0"/>
-          <a:chExt cx="0" cy="0"/>
-        </a:xfrm>
-      </p:grpSpPr>
-    </p:spTree>
-    <p:extLst>
-      <p:ext uri="{BB962C8B-B14F-4D97-AF65-F5344CB8AC3E}">
-        <p14:creationId xmlns:p14="http://schemas.microsoft.com/office/powerpoint/2010/main" val="1229044979"/>
       </p:ext>
     </p:extLst>
   </p:cSld>

--- a/BallFall.pptx
+++ b/BallFall.pptx
@@ -5,17 +5,21 @@
     <p:sldMasterId id="2147483648" r:id="rId1"/>
   </p:sldMasterIdLst>
   <p:notesMasterIdLst>
-    <p:notesMasterId r:id="rId10"/>
+    <p:notesMasterId r:id="rId14"/>
   </p:notesMasterIdLst>
   <p:sldIdLst>
     <p:sldId id="256" r:id="rId2"/>
     <p:sldId id="264" r:id="rId3"/>
     <p:sldId id="257" r:id="rId4"/>
-    <p:sldId id="263" r:id="rId5"/>
-    <p:sldId id="258" r:id="rId6"/>
-    <p:sldId id="265" r:id="rId7"/>
-    <p:sldId id="262" r:id="rId8"/>
-    <p:sldId id="259" r:id="rId9"/>
+    <p:sldId id="269" r:id="rId5"/>
+    <p:sldId id="263" r:id="rId6"/>
+    <p:sldId id="258" r:id="rId7"/>
+    <p:sldId id="265" r:id="rId8"/>
+    <p:sldId id="262" r:id="rId9"/>
+    <p:sldId id="259" r:id="rId10"/>
+    <p:sldId id="266" r:id="rId11"/>
+    <p:sldId id="267" r:id="rId12"/>
+    <p:sldId id="268" r:id="rId13"/>
   </p:sldIdLst>
   <p:sldSz cx="12192000" cy="6858000"/>
   <p:notesSz cx="6858000" cy="9144000"/>
@@ -515,63 +519,6 @@
           <a:bodyPr/>
           <a:lstStyle/>
           <a:p>
-            <a:r>
-              <a:rPr lang="de-DE" dirty="0"/>
-              <a:t>-</a:t>
-            </a:r>
-            <a:r>
-              <a:rPr lang="de-DE" dirty="0" err="1"/>
-              <a:t>einzelen</a:t>
-            </a:r>
-            <a:r>
-              <a:rPr lang="de-DE" dirty="0"/>
-              <a:t> Layout Beispiele</a:t>
-            </a:r>
-          </a:p>
-          <a:p>
-            <a:endParaRPr lang="de-DE" dirty="0"/>
-          </a:p>
-          <a:p>
-            <a:r>
-              <a:rPr lang="de-DE" dirty="0"/>
-              <a:t>-</a:t>
-            </a:r>
-            <a:r>
-              <a:rPr lang="de-DE" dirty="0" err="1"/>
-              <a:t>links:z.B</a:t>
-            </a:r>
-            <a:r>
-              <a:rPr lang="de-DE" dirty="0"/>
-              <a:t>.</a:t>
-            </a:r>
-            <a:r>
-              <a:rPr lang="de-DE" baseline="0" dirty="0"/>
-              <a:t> so könnte </a:t>
-            </a:r>
-            <a:r>
-              <a:rPr lang="de-DE" baseline="0" dirty="0" err="1"/>
-              <a:t>startmenü</a:t>
-            </a:r>
-            <a:r>
-              <a:rPr lang="de-DE" baseline="0" dirty="0"/>
-              <a:t> aussehen, </a:t>
-            </a:r>
-            <a:r>
-              <a:rPr lang="de-DE" baseline="0" dirty="0" err="1"/>
-              <a:t>mitte</a:t>
-            </a:r>
-            <a:r>
-              <a:rPr lang="de-DE" baseline="0" dirty="0"/>
-              <a:t> </a:t>
-            </a:r>
-            <a:r>
-              <a:rPr lang="de-DE" baseline="0" dirty="0" err="1"/>
-              <a:t>Levelauswahl</a:t>
-            </a:r>
-            <a:r>
-              <a:rPr lang="de-DE" baseline="0" dirty="0"/>
-              <a:t> und rechts ein Beispiel wie ein Level aussehnen könnte</a:t>
-            </a:r>
             <a:endParaRPr lang="de-DE" dirty="0"/>
           </a:p>
         </p:txBody>
@@ -593,7 +540,7 @@
           <a:p>
             <a:fld id="{B3718980-F47B-4107-9E31-BBEAA60D0300}" type="slidenum">
               <a:rPr lang="de-DE" smtClean="0"/>
-              <a:t>3</a:t>
+              <a:t>1</a:t>
             </a:fld>
             <a:endParaRPr lang="de-DE"/>
           </a:p>
@@ -602,7 +549,7 @@
     </p:spTree>
     <p:extLst>
       <p:ext uri="{BB962C8B-B14F-4D97-AF65-F5344CB8AC3E}">
-        <p14:creationId xmlns:p14="http://schemas.microsoft.com/office/powerpoint/2010/main" val="3895936960"/>
+        <p14:creationId xmlns:p14="http://schemas.microsoft.com/office/powerpoint/2010/main" val="861521497"/>
       </p:ext>
     </p:extLst>
   </p:cSld>
@@ -656,93 +603,6 @@
           <a:bodyPr/>
           <a:lstStyle/>
           <a:p>
-            <a:r>
-              <a:rPr lang="de-DE" dirty="0"/>
-              <a:t>-Bildschirm ist die Oberklasse</a:t>
-            </a:r>
-          </a:p>
-          <a:p>
-            <a:endParaRPr lang="de-DE" dirty="0"/>
-          </a:p>
-          <a:p>
-            <a:r>
-              <a:rPr lang="de-DE" dirty="0"/>
-              <a:t>-Startbildschirm/</a:t>
-            </a:r>
-            <a:r>
-              <a:rPr lang="de-DE" dirty="0" err="1"/>
-              <a:t>Levelmenu</a:t>
-            </a:r>
-            <a:r>
-              <a:rPr lang="de-DE" dirty="0"/>
-              <a:t>/</a:t>
-            </a:r>
-            <a:r>
-              <a:rPr lang="de-DE" dirty="0" err="1"/>
-              <a:t>Level_X</a:t>
-            </a:r>
-            <a:r>
-              <a:rPr lang="de-DE" baseline="0" dirty="0"/>
-              <a:t> und </a:t>
-            </a:r>
-            <a:r>
-              <a:rPr lang="de-DE" baseline="0" dirty="0" err="1"/>
-              <a:t>Highscore</a:t>
-            </a:r>
-            <a:r>
-              <a:rPr lang="de-DE" baseline="0" dirty="0"/>
-              <a:t> sind Kompositionen von Bildschirm, d.h. ohne Bildschirm gibt es keine weiteren Klassen</a:t>
-            </a:r>
-          </a:p>
-          <a:p>
-            <a:endParaRPr lang="de-DE" baseline="0" dirty="0"/>
-          </a:p>
-          <a:p>
-            <a:r>
-              <a:rPr lang="de-DE" baseline="0" dirty="0"/>
-              <a:t>-Button ist eine Aggregation von </a:t>
-            </a:r>
-            <a:r>
-              <a:rPr lang="de-DE" baseline="0" dirty="0" err="1"/>
-              <a:t>Startbildschrim</a:t>
-            </a:r>
-            <a:r>
-              <a:rPr lang="de-DE" baseline="0" dirty="0"/>
-              <a:t>, </a:t>
-            </a:r>
-            <a:r>
-              <a:rPr lang="de-DE" baseline="0" dirty="0" err="1"/>
-              <a:t>Levelmenu</a:t>
-            </a:r>
-            <a:r>
-              <a:rPr lang="de-DE" baseline="0" dirty="0"/>
-              <a:t>, </a:t>
-            </a:r>
-            <a:r>
-              <a:rPr lang="de-DE" baseline="0" dirty="0" err="1"/>
-              <a:t>Level_X</a:t>
-            </a:r>
-            <a:r>
-              <a:rPr lang="de-DE" baseline="0" dirty="0"/>
-              <a:t> und </a:t>
-            </a:r>
-            <a:r>
-              <a:rPr lang="de-DE" baseline="0" dirty="0" err="1"/>
-              <a:t>Highscore</a:t>
-            </a:r>
-            <a:r>
-              <a:rPr lang="de-DE" baseline="0" dirty="0"/>
-              <a:t>-&gt; Klassen können auch alleine existieren aber normalerweise ist Button    in die jeweiligen Klassen eingebunden</a:t>
-            </a:r>
-          </a:p>
-          <a:p>
-            <a:endParaRPr lang="de-DE" baseline="0" dirty="0"/>
-          </a:p>
-          <a:p>
-            <a:r>
-              <a:rPr lang="de-DE" baseline="0" dirty="0"/>
-              <a:t>-Physik interagiert mit Objekten ist allerdings nicht immer vorhanden???</a:t>
-            </a:r>
             <a:endParaRPr lang="de-DE" dirty="0"/>
           </a:p>
         </p:txBody>
@@ -764,7 +624,7 @@
           <a:p>
             <a:fld id="{B3718980-F47B-4107-9E31-BBEAA60D0300}" type="slidenum">
               <a:rPr lang="de-DE" smtClean="0"/>
-              <a:t>4</a:t>
+              <a:t>2</a:t>
             </a:fld>
             <a:endParaRPr lang="de-DE"/>
           </a:p>
@@ -773,7 +633,7 @@
     </p:spTree>
     <p:extLst>
       <p:ext uri="{BB962C8B-B14F-4D97-AF65-F5344CB8AC3E}">
-        <p14:creationId xmlns:p14="http://schemas.microsoft.com/office/powerpoint/2010/main" val="3261876811"/>
+        <p14:creationId xmlns:p14="http://schemas.microsoft.com/office/powerpoint/2010/main" val="3335655886"/>
       </p:ext>
     </p:extLst>
   </p:cSld>
@@ -829,51 +689,62 @@
           <a:p>
             <a:r>
               <a:rPr lang="de-DE" dirty="0"/>
-              <a:t>-Klassen von eben</a:t>
+              <a:t>-</a:t>
+            </a:r>
+            <a:r>
+              <a:rPr lang="de-DE" dirty="0" err="1"/>
+              <a:t>einzelen</a:t>
+            </a:r>
+            <a:r>
+              <a:rPr lang="de-DE" dirty="0"/>
+              <a:t> Layout Beispiele</a:t>
+            </a:r>
+          </a:p>
+          <a:p>
+            <a:endParaRPr lang="de-DE" dirty="0"/>
+          </a:p>
+          <a:p>
+            <a:r>
+              <a:rPr lang="de-DE" dirty="0"/>
+              <a:t>-</a:t>
+            </a:r>
+            <a:r>
+              <a:rPr lang="de-DE" dirty="0" err="1"/>
+              <a:t>links:z.B</a:t>
+            </a:r>
+            <a:r>
+              <a:rPr lang="de-DE" dirty="0"/>
+              <a:t>.</a:t>
             </a:r>
             <a:r>
               <a:rPr lang="de-DE" baseline="0" dirty="0"/>
-              <a:t> mit </a:t>
+              <a:t> so könnte </a:t>
             </a:r>
             <a:r>
               <a:rPr lang="de-DE" baseline="0" dirty="0" err="1"/>
-              <a:t>Beispielvariblen</a:t>
+              <a:t>startmenü</a:t>
             </a:r>
             <a:r>
               <a:rPr lang="de-DE" baseline="0" dirty="0"/>
-              <a:t> und –</a:t>
+              <a:t> aussehen, </a:t>
             </a:r>
             <a:r>
               <a:rPr lang="de-DE" baseline="0" dirty="0" err="1"/>
-              <a:t>funktionen</a:t>
-            </a:r>
-            <a:endParaRPr lang="de-DE" baseline="0" dirty="0"/>
-          </a:p>
-          <a:p>
-            <a:endParaRPr lang="de-DE" baseline="0" dirty="0"/>
-          </a:p>
-          <a:p>
+              <a:t>mitte</a:t>
+            </a:r>
             <a:r>
               <a:rPr lang="de-DE" baseline="0" dirty="0"/>
-              <a:t>-wie man hier sieht gibt die Oberklasse Bildschirm den Klassen darunter die Breite und Länge für den Bildschirm</a:t>
-            </a:r>
-          </a:p>
-          <a:p>
+              <a:t> </a:t>
+            </a:r>
+            <a:r>
+              <a:rPr lang="de-DE" baseline="0" dirty="0" err="1"/>
+              <a:t>Levelauswahl</a:t>
+            </a:r>
             <a:r>
               <a:rPr lang="de-DE" baseline="0" dirty="0"/>
-              <a:t>-“+“ </a:t>
-            </a:r>
-            <a:r>
-              <a:rPr lang="de-DE" baseline="0" dirty="0" err="1"/>
-              <a:t>public</a:t>
-            </a:r>
-            <a:endParaRPr lang="de-DE" baseline="0" dirty="0"/>
-          </a:p>
-          <a:p>
-            <a:r>
-              <a:rPr lang="de-DE" baseline="0" dirty="0"/>
-              <a:t>-“-“private</a:t>
-            </a:r>
+              <a:t> und rechts ein Beispiel wie ein Level aussehnen könnte</a:t>
+            </a:r>
+            <a:endParaRPr lang="de-DE" dirty="0"/>
           </a:p>
         </p:txBody>
       </p:sp>
@@ -894,7 +765,7 @@
           <a:p>
             <a:fld id="{B3718980-F47B-4107-9E31-BBEAA60D0300}" type="slidenum">
               <a:rPr lang="de-DE" smtClean="0"/>
-              <a:t>5</a:t>
+              <a:t>3</a:t>
             </a:fld>
             <a:endParaRPr lang="de-DE"/>
           </a:p>
@@ -903,7 +774,7 @@
     </p:spTree>
     <p:extLst>
       <p:ext uri="{BB962C8B-B14F-4D97-AF65-F5344CB8AC3E}">
-        <p14:creationId xmlns:p14="http://schemas.microsoft.com/office/powerpoint/2010/main" val="2390111728"/>
+        <p14:creationId xmlns:p14="http://schemas.microsoft.com/office/powerpoint/2010/main" val="3895936960"/>
       </p:ext>
     </p:extLst>
   </p:cSld>
@@ -958,29 +829,91 @@
           <a:lstStyle/>
           <a:p>
             <a:r>
+              <a:rPr lang="de-DE" dirty="0"/>
+              <a:t>-Bildschirm ist die Oberklasse</a:t>
+            </a:r>
+          </a:p>
+          <a:p>
+            <a:endParaRPr lang="de-DE" dirty="0"/>
+          </a:p>
+          <a:p>
+            <a:r>
+              <a:rPr lang="de-DE" dirty="0"/>
+              <a:t>-Startbildschirm/</a:t>
+            </a:r>
+            <a:r>
+              <a:rPr lang="de-DE" dirty="0" err="1"/>
+              <a:t>Levelmenu</a:t>
+            </a:r>
+            <a:r>
+              <a:rPr lang="de-DE" dirty="0"/>
+              <a:t>/</a:t>
+            </a:r>
+            <a:r>
+              <a:rPr lang="de-DE" dirty="0" err="1"/>
+              <a:t>Level_X</a:t>
+            </a:r>
+            <a:r>
               <a:rPr lang="de-DE" baseline="0" dirty="0"/>
-              <a:t>-“+“ </a:t>
+              <a:t> und </a:t>
             </a:r>
             <a:r>
               <a:rPr lang="de-DE" baseline="0" dirty="0" err="1"/>
-              <a:t>public</a:t>
-            </a:r>
+              <a:t>Highscore</a:t>
+            </a:r>
+            <a:r>
+              <a:rPr lang="de-DE" baseline="0" dirty="0"/>
+              <a:t> sind Kompositionen von Bildschirm, d.h. ohne Bildschirm gibt es keine weiteren Klassen</a:t>
+            </a:r>
+          </a:p>
+          <a:p>
             <a:endParaRPr lang="de-DE" baseline="0" dirty="0"/>
           </a:p>
           <a:p>
             <a:r>
               <a:rPr lang="de-DE" baseline="0" dirty="0"/>
-              <a:t>-“-“private</a:t>
-            </a:r>
-          </a:p>
-          <a:p>
-            <a:r>
-              <a:rPr lang="de-DE" dirty="0"/>
-              <a:t>-“#“ </a:t>
-            </a:r>
-            <a:r>
-              <a:rPr lang="de-DE" dirty="0" err="1"/>
-              <a:t>protected</a:t>
+              <a:t>-Button ist eine Aggregation von </a:t>
+            </a:r>
+            <a:r>
+              <a:rPr lang="de-DE" baseline="0" dirty="0" err="1"/>
+              <a:t>Startbildschrim</a:t>
+            </a:r>
+            <a:r>
+              <a:rPr lang="de-DE" baseline="0" dirty="0"/>
+              <a:t>, </a:t>
+            </a:r>
+            <a:r>
+              <a:rPr lang="de-DE" baseline="0" dirty="0" err="1"/>
+              <a:t>Levelmenu</a:t>
+            </a:r>
+            <a:r>
+              <a:rPr lang="de-DE" baseline="0" dirty="0"/>
+              <a:t>, </a:t>
+            </a:r>
+            <a:r>
+              <a:rPr lang="de-DE" baseline="0" dirty="0" err="1"/>
+              <a:t>Level_X</a:t>
+            </a:r>
+            <a:r>
+              <a:rPr lang="de-DE" baseline="0" dirty="0"/>
+              <a:t> und </a:t>
+            </a:r>
+            <a:r>
+              <a:rPr lang="de-DE" baseline="0" dirty="0" err="1"/>
+              <a:t>Highscore</a:t>
+            </a:r>
+            <a:r>
+              <a:rPr lang="de-DE" baseline="0" dirty="0"/>
+              <a:t>-&gt; Klassen können auch alleine existieren aber normalerweise ist Button    in die jeweiligen Klassen eingebunden</a:t>
+            </a:r>
+          </a:p>
+          <a:p>
+            <a:endParaRPr lang="de-DE" baseline="0" dirty="0"/>
+          </a:p>
+          <a:p>
+            <a:r>
+              <a:rPr lang="de-DE" baseline="0" dirty="0"/>
+              <a:t>-Physik ist in Objekten enthalten</a:t>
             </a:r>
             <a:endParaRPr lang="de-DE" dirty="0"/>
           </a:p>
@@ -1003,7 +936,7 @@
           <a:p>
             <a:fld id="{B3718980-F47B-4107-9E31-BBEAA60D0300}" type="slidenum">
               <a:rPr lang="de-DE" smtClean="0"/>
-              <a:t>6</a:t>
+              <a:t>5</a:t>
             </a:fld>
             <a:endParaRPr lang="de-DE"/>
           </a:p>
@@ -1012,7 +945,7 @@
     </p:spTree>
     <p:extLst>
       <p:ext uri="{BB962C8B-B14F-4D97-AF65-F5344CB8AC3E}">
-        <p14:creationId xmlns:p14="http://schemas.microsoft.com/office/powerpoint/2010/main" val="1459809751"/>
+        <p14:creationId xmlns:p14="http://schemas.microsoft.com/office/powerpoint/2010/main" val="3261876811"/>
       </p:ext>
     </p:extLst>
   </p:cSld>
@@ -1067,6 +1000,38 @@
           <a:lstStyle/>
           <a:p>
             <a:r>
+              <a:rPr lang="de-DE" dirty="0"/>
+              <a:t>-Klassen von eben</a:t>
+            </a:r>
+            <a:r>
+              <a:rPr lang="de-DE" baseline="0" dirty="0"/>
+              <a:t> mit </a:t>
+            </a:r>
+            <a:r>
+              <a:rPr lang="de-DE" baseline="0" dirty="0" err="1"/>
+              <a:t>Beispielvariblen</a:t>
+            </a:r>
+            <a:r>
+              <a:rPr lang="de-DE" baseline="0" dirty="0"/>
+              <a:t> und –</a:t>
+            </a:r>
+            <a:r>
+              <a:rPr lang="de-DE" baseline="0" dirty="0" err="1"/>
+              <a:t>funktionen</a:t>
+            </a:r>
+            <a:endParaRPr lang="de-DE" baseline="0" dirty="0"/>
+          </a:p>
+          <a:p>
+            <a:endParaRPr lang="de-DE" baseline="0" dirty="0"/>
+          </a:p>
+          <a:p>
+            <a:r>
+              <a:rPr lang="de-DE" baseline="0" dirty="0"/>
+              <a:t>-wie man hier sieht gibt die Oberklasse Bildschirm den Klassen darunter die Breite und Länge für den Bildschirm</a:t>
+            </a:r>
+          </a:p>
+          <a:p>
+            <a:r>
               <a:rPr lang="de-DE" baseline="0" dirty="0"/>
               <a:t>-“+“ </a:t>
             </a:r>
@@ -1081,12 +1046,6 @@
               <a:rPr lang="de-DE" baseline="0" dirty="0"/>
               <a:t>-“-“private</a:t>
             </a:r>
-          </a:p>
-          <a:p>
-            <a:endParaRPr lang="de-DE" dirty="0"/>
-          </a:p>
-          <a:p>
-            <a:endParaRPr lang="de-DE" dirty="0"/>
           </a:p>
         </p:txBody>
       </p:sp>
@@ -1107,7 +1066,220 @@
           <a:p>
             <a:fld id="{B3718980-F47B-4107-9E31-BBEAA60D0300}" type="slidenum">
               <a:rPr lang="de-DE" smtClean="0"/>
+              <a:t>6</a:t>
+            </a:fld>
+            <a:endParaRPr lang="de-DE"/>
+          </a:p>
+        </p:txBody>
+      </p:sp>
+    </p:spTree>
+    <p:extLst>
+      <p:ext uri="{BB962C8B-B14F-4D97-AF65-F5344CB8AC3E}">
+        <p14:creationId xmlns:p14="http://schemas.microsoft.com/office/powerpoint/2010/main" val="2390111728"/>
+      </p:ext>
+    </p:extLst>
+  </p:cSld>
+  <p:clrMapOvr>
+    <a:masterClrMapping/>
+  </p:clrMapOvr>
+</p:notes>
+</file>
+
+<file path=ppt/notesSlides/notesSlide6.xml><?xml version="1.0" encoding="utf-8"?>
+<p:notes xmlns:a="http://schemas.openxmlformats.org/drawingml/2006/main" xmlns:r="http://schemas.openxmlformats.org/officeDocument/2006/relationships" xmlns:p="http://schemas.openxmlformats.org/presentationml/2006/main">
+  <p:cSld>
+    <p:spTree>
+      <p:nvGrpSpPr>
+        <p:cNvPr id="1" name=""/>
+        <p:cNvGrpSpPr/>
+        <p:nvPr/>
+      </p:nvGrpSpPr>
+      <p:grpSpPr>
+        <a:xfrm>
+          <a:off x="0" y="0"/>
+          <a:ext cx="0" cy="0"/>
+          <a:chOff x="0" y="0"/>
+          <a:chExt cx="0" cy="0"/>
+        </a:xfrm>
+      </p:grpSpPr>
+      <p:sp>
+        <p:nvSpPr>
+          <p:cNvPr id="2" name="Folienbildplatzhalter 1"/>
+          <p:cNvSpPr>
+            <a:spLocks noGrp="1" noRot="1" noChangeAspect="1"/>
+          </p:cNvSpPr>
+          <p:nvPr>
+            <p:ph type="sldImg"/>
+          </p:nvPr>
+        </p:nvSpPr>
+        <p:spPr/>
+      </p:sp>
+      <p:sp>
+        <p:nvSpPr>
+          <p:cNvPr id="3" name="Notizenplatzhalter 2"/>
+          <p:cNvSpPr>
+            <a:spLocks noGrp="1"/>
+          </p:cNvSpPr>
+          <p:nvPr>
+            <p:ph type="body" idx="1"/>
+          </p:nvPr>
+        </p:nvSpPr>
+        <p:spPr/>
+        <p:txBody>
+          <a:bodyPr/>
+          <a:lstStyle/>
+          <a:p>
+            <a:r>
+              <a:rPr lang="de-DE" baseline="0" dirty="0"/>
+              <a:t>-“+“ </a:t>
+            </a:r>
+            <a:r>
+              <a:rPr lang="de-DE" baseline="0" dirty="0" err="1"/>
+              <a:t>public</a:t>
+            </a:r>
+            <a:endParaRPr lang="de-DE" baseline="0" dirty="0"/>
+          </a:p>
+          <a:p>
+            <a:r>
+              <a:rPr lang="de-DE" baseline="0" dirty="0"/>
+              <a:t>-“-“private</a:t>
+            </a:r>
+          </a:p>
+          <a:p>
+            <a:r>
+              <a:rPr lang="de-DE" dirty="0"/>
+              <a:t>-“#“ </a:t>
+            </a:r>
+            <a:r>
+              <a:rPr lang="de-DE" dirty="0" err="1"/>
+              <a:t>protected</a:t>
+            </a:r>
+            <a:endParaRPr lang="de-DE" dirty="0"/>
+          </a:p>
+        </p:txBody>
+      </p:sp>
+      <p:sp>
+        <p:nvSpPr>
+          <p:cNvPr id="4" name="Foliennummernplatzhalter 3"/>
+          <p:cNvSpPr>
+            <a:spLocks noGrp="1"/>
+          </p:cNvSpPr>
+          <p:nvPr>
+            <p:ph type="sldNum" sz="quarter" idx="10"/>
+          </p:nvPr>
+        </p:nvSpPr>
+        <p:spPr/>
+        <p:txBody>
+          <a:bodyPr/>
+          <a:lstStyle/>
+          <a:p>
+            <a:fld id="{B3718980-F47B-4107-9E31-BBEAA60D0300}" type="slidenum">
+              <a:rPr lang="de-DE" smtClean="0"/>
               <a:t>7</a:t>
+            </a:fld>
+            <a:endParaRPr lang="de-DE"/>
+          </a:p>
+        </p:txBody>
+      </p:sp>
+    </p:spTree>
+    <p:extLst>
+      <p:ext uri="{BB962C8B-B14F-4D97-AF65-F5344CB8AC3E}">
+        <p14:creationId xmlns:p14="http://schemas.microsoft.com/office/powerpoint/2010/main" val="1459809751"/>
+      </p:ext>
+    </p:extLst>
+  </p:cSld>
+  <p:clrMapOvr>
+    <a:masterClrMapping/>
+  </p:clrMapOvr>
+</p:notes>
+</file>
+
+<file path=ppt/notesSlides/notesSlide7.xml><?xml version="1.0" encoding="utf-8"?>
+<p:notes xmlns:a="http://schemas.openxmlformats.org/drawingml/2006/main" xmlns:r="http://schemas.openxmlformats.org/officeDocument/2006/relationships" xmlns:p="http://schemas.openxmlformats.org/presentationml/2006/main">
+  <p:cSld>
+    <p:spTree>
+      <p:nvGrpSpPr>
+        <p:cNvPr id="1" name=""/>
+        <p:cNvGrpSpPr/>
+        <p:nvPr/>
+      </p:nvGrpSpPr>
+      <p:grpSpPr>
+        <a:xfrm>
+          <a:off x="0" y="0"/>
+          <a:ext cx="0" cy="0"/>
+          <a:chOff x="0" y="0"/>
+          <a:chExt cx="0" cy="0"/>
+        </a:xfrm>
+      </p:grpSpPr>
+      <p:sp>
+        <p:nvSpPr>
+          <p:cNvPr id="2" name="Folienbildplatzhalter 1"/>
+          <p:cNvSpPr>
+            <a:spLocks noGrp="1" noRot="1" noChangeAspect="1"/>
+          </p:cNvSpPr>
+          <p:nvPr>
+            <p:ph type="sldImg"/>
+          </p:nvPr>
+        </p:nvSpPr>
+        <p:spPr/>
+      </p:sp>
+      <p:sp>
+        <p:nvSpPr>
+          <p:cNvPr id="3" name="Notizenplatzhalter 2"/>
+          <p:cNvSpPr>
+            <a:spLocks noGrp="1"/>
+          </p:cNvSpPr>
+          <p:nvPr>
+            <p:ph type="body" idx="1"/>
+          </p:nvPr>
+        </p:nvSpPr>
+        <p:spPr/>
+        <p:txBody>
+          <a:bodyPr/>
+          <a:lstStyle/>
+          <a:p>
+            <a:r>
+              <a:rPr lang="de-DE" baseline="0" dirty="0"/>
+              <a:t>-“+“ </a:t>
+            </a:r>
+            <a:r>
+              <a:rPr lang="de-DE" baseline="0" dirty="0" err="1"/>
+              <a:t>public</a:t>
+            </a:r>
+            <a:endParaRPr lang="de-DE" baseline="0" dirty="0"/>
+          </a:p>
+          <a:p>
+            <a:r>
+              <a:rPr lang="de-DE" baseline="0" dirty="0"/>
+              <a:t>-“-“private</a:t>
+            </a:r>
+          </a:p>
+          <a:p>
+            <a:endParaRPr lang="de-DE" dirty="0"/>
+          </a:p>
+          <a:p>
+            <a:endParaRPr lang="de-DE" dirty="0"/>
+          </a:p>
+        </p:txBody>
+      </p:sp>
+      <p:sp>
+        <p:nvSpPr>
+          <p:cNvPr id="4" name="Foliennummernplatzhalter 3"/>
+          <p:cNvSpPr>
+            <a:spLocks noGrp="1"/>
+          </p:cNvSpPr>
+          <p:nvPr>
+            <p:ph type="sldNum" sz="quarter" idx="10"/>
+          </p:nvPr>
+        </p:nvSpPr>
+        <p:spPr/>
+        <p:txBody>
+          <a:bodyPr/>
+          <a:lstStyle/>
+          <a:p>
+            <a:fld id="{B3718980-F47B-4107-9E31-BBEAA60D0300}" type="slidenum">
+              <a:rPr lang="de-DE" smtClean="0"/>
+              <a:t>8</a:t>
             </a:fld>
             <a:endParaRPr lang="de-DE"/>
           </a:p>
@@ -3971,7 +4143,7 @@
           <p:nvPr/>
         </p:nvPicPr>
         <p:blipFill>
-          <a:blip r:embed="rId2"/>
+          <a:blip r:embed="rId3"/>
           <a:stretch>
             <a:fillRect/>
           </a:stretch>
@@ -4002,12 +4174,20 @@
           <a:lstStyle/>
           <a:p>
             <a:r>
+              <a:rPr lang="de-DE" dirty="0">
+                <a:solidFill>
+                  <a:schemeClr val="bg1"/>
+                </a:solidFill>
+              </a:rPr>
+              <a:t>Hole in </a:t>
+            </a:r>
+            <a:r>
               <a:rPr lang="de-DE" dirty="0" err="1">
                 <a:solidFill>
                   <a:schemeClr val="bg1"/>
                 </a:solidFill>
               </a:rPr>
-              <a:t>Ball&amp;Fall</a:t>
+              <a:t>One</a:t>
             </a:r>
             <a:endParaRPr lang="de-DE" dirty="0">
               <a:solidFill>
@@ -4038,7 +4218,7 @@
                   <a:schemeClr val="bg1"/>
                 </a:solidFill>
               </a:rPr>
-              <a:t>Von Viktoria, Florian, Alexander, Jonas und Maximilian</a:t>
+              <a:t>Von Victoria, Florian, Alexander, Jonas und Maximilian</a:t>
             </a:r>
           </a:p>
         </p:txBody>
@@ -4047,6 +4227,2212 @@
     <p:extLst>
       <p:ext uri="{BB962C8B-B14F-4D97-AF65-F5344CB8AC3E}">
         <p14:creationId xmlns:p14="http://schemas.microsoft.com/office/powerpoint/2010/main" val="1379654237"/>
+      </p:ext>
+    </p:extLst>
+  </p:cSld>
+  <p:clrMapOvr>
+    <a:masterClrMapping/>
+  </p:clrMapOvr>
+</p:sld>
+</file>
+
+<file path=ppt/slides/slide10.xml><?xml version="1.0" encoding="utf-8"?>
+<p:sld xmlns:a="http://schemas.openxmlformats.org/drawingml/2006/main" xmlns:r="http://schemas.openxmlformats.org/officeDocument/2006/relationships" xmlns:p="http://schemas.openxmlformats.org/presentationml/2006/main" show="0">
+  <p:cSld>
+    <p:spTree>
+      <p:nvGrpSpPr>
+        <p:cNvPr id="1" name=""/>
+        <p:cNvGrpSpPr/>
+        <p:nvPr/>
+      </p:nvGrpSpPr>
+      <p:grpSpPr>
+        <a:xfrm>
+          <a:off x="0" y="0"/>
+          <a:ext cx="0" cy="0"/>
+          <a:chOff x="0" y="0"/>
+          <a:chExt cx="0" cy="0"/>
+        </a:xfrm>
+      </p:grpSpPr>
+      <p:sp>
+        <p:nvSpPr>
+          <p:cNvPr id="2" name="Titel 1"/>
+          <p:cNvSpPr>
+            <a:spLocks noGrp="1"/>
+          </p:cNvSpPr>
+          <p:nvPr>
+            <p:ph type="ctrTitle"/>
+          </p:nvPr>
+        </p:nvSpPr>
+        <p:spPr/>
+        <p:txBody>
+          <a:bodyPr/>
+          <a:lstStyle/>
+          <a:p>
+            <a:endParaRPr lang="en-US"/>
+          </a:p>
+        </p:txBody>
+      </p:sp>
+      <p:sp>
+        <p:nvSpPr>
+          <p:cNvPr id="3" name="Untertitel 2"/>
+          <p:cNvSpPr>
+            <a:spLocks noGrp="1"/>
+          </p:cNvSpPr>
+          <p:nvPr>
+            <p:ph type="subTitle" idx="1"/>
+          </p:nvPr>
+        </p:nvSpPr>
+        <p:spPr/>
+        <p:txBody>
+          <a:bodyPr/>
+          <a:lstStyle/>
+          <a:p>
+            <a:endParaRPr lang="en-US"/>
+          </a:p>
+        </p:txBody>
+      </p:sp>
+      <p:pic>
+        <p:nvPicPr>
+          <p:cNvPr id="4" name="Grafik 3"/>
+          <p:cNvPicPr>
+            <a:picLocks noChangeAspect="1"/>
+          </p:cNvPicPr>
+          <p:nvPr/>
+        </p:nvPicPr>
+        <p:blipFill>
+          <a:blip r:embed="rId2">
+            <a:extLst>
+              <a:ext uri="{28A0092B-C50C-407E-A947-70E740481C1C}">
+                <a14:useLocalDpi xmlns:a14="http://schemas.microsoft.com/office/drawing/2010/main" val="0"/>
+              </a:ext>
+            </a:extLst>
+          </a:blip>
+          <a:stretch>
+            <a:fillRect/>
+          </a:stretch>
+        </p:blipFill>
+        <p:spPr>
+          <a:xfrm>
+            <a:off x="0" y="1097"/>
+            <a:ext cx="12192000" cy="6856903"/>
+          </a:xfrm>
+          <a:prstGeom prst="rect">
+            <a:avLst/>
+          </a:prstGeom>
+        </p:spPr>
+      </p:pic>
+      <p:sp>
+        <p:nvSpPr>
+          <p:cNvPr id="5" name="Rechteck 4"/>
+          <p:cNvSpPr/>
+          <p:nvPr/>
+        </p:nvSpPr>
+        <p:spPr>
+          <a:xfrm>
+            <a:off x="3775494" y="2233635"/>
+            <a:ext cx="4641011" cy="2398143"/>
+          </a:xfrm>
+          <a:prstGeom prst="rect">
+            <a:avLst/>
+          </a:prstGeom>
+          <a:solidFill>
+            <a:schemeClr val="accent3">
+              <a:alpha val="75000"/>
+            </a:schemeClr>
+          </a:solidFill>
+          <a:ln>
+            <a:noFill/>
+          </a:ln>
+        </p:spPr>
+        <p:style>
+          <a:lnRef idx="0">
+            <a:scrgbClr r="0" g="0" b="0"/>
+          </a:lnRef>
+          <a:fillRef idx="0">
+            <a:scrgbClr r="0" g="0" b="0"/>
+          </a:fillRef>
+          <a:effectRef idx="0">
+            <a:scrgbClr r="0" g="0" b="0"/>
+          </a:effectRef>
+          <a:fontRef idx="minor">
+            <a:schemeClr val="lt1"/>
+          </a:fontRef>
+        </p:style>
+        <p:txBody>
+          <a:bodyPr rtlCol="0" anchor="t"/>
+          <a:lstStyle/>
+          <a:p>
+            <a:r>
+              <a:rPr lang="de-DE" dirty="0"/>
+              <a:t>Menü</a:t>
+            </a:r>
+            <a:br>
+              <a:rPr lang="de-DE" dirty="0"/>
+            </a:br>
+            <a:br>
+              <a:rPr lang="de-DE" dirty="0"/>
+            </a:br>
+            <a:r>
+              <a:rPr lang="de-DE" dirty="0" err="1"/>
+              <a:t>Levelauswahl</a:t>
+            </a:r>
+            <a:endParaRPr lang="de-DE" dirty="0"/>
+          </a:p>
+          <a:p>
+            <a:r>
+              <a:rPr lang="de-DE" dirty="0"/>
+              <a:t>Spielstand speichern</a:t>
+            </a:r>
+          </a:p>
+          <a:p>
+            <a:r>
+              <a:rPr lang="de-DE" dirty="0"/>
+              <a:t>Spielstand laden</a:t>
+            </a:r>
+          </a:p>
+          <a:p>
+            <a:r>
+              <a:rPr lang="de-DE" dirty="0" err="1"/>
+              <a:t>Highscore</a:t>
+            </a:r>
+            <a:endParaRPr lang="de-DE" dirty="0"/>
+          </a:p>
+          <a:p>
+            <a:r>
+              <a:rPr lang="de-DE" dirty="0" err="1"/>
+              <a:t>Credits</a:t>
+            </a:r>
+            <a:endParaRPr lang="en-US" dirty="0"/>
+          </a:p>
+        </p:txBody>
+      </p:sp>
+      <p:sp>
+        <p:nvSpPr>
+          <p:cNvPr id="6" name="Interaktive Schaltfläche: Sound 5">
+            <a:hlinkClick r:id="" action="ppaction://noaction" highlightClick="1">
+              <a:snd r:embed="rId3" name="applause.wav"/>
+            </a:hlinkClick>
+          </p:cNvPr>
+          <p:cNvSpPr/>
+          <p:nvPr/>
+        </p:nvSpPr>
+        <p:spPr>
+          <a:xfrm>
+            <a:off x="8082952" y="4311178"/>
+            <a:ext cx="241538" cy="237481"/>
+          </a:xfrm>
+          <a:prstGeom prst="actionButtonSound">
+            <a:avLst/>
+          </a:prstGeom>
+          <a:solidFill>
+            <a:schemeClr val="bg1"/>
+          </a:solidFill>
+        </p:spPr>
+        <p:style>
+          <a:lnRef idx="2">
+            <a:schemeClr val="accent1">
+              <a:shade val="50000"/>
+            </a:schemeClr>
+          </a:lnRef>
+          <a:fillRef idx="1">
+            <a:schemeClr val="accent1"/>
+          </a:fillRef>
+          <a:effectRef idx="0">
+            <a:schemeClr val="accent1"/>
+          </a:effectRef>
+          <a:fontRef idx="minor">
+            <a:schemeClr val="lt1"/>
+          </a:fontRef>
+        </p:style>
+        <p:txBody>
+          <a:bodyPr rtlCol="0" anchor="ctr"/>
+          <a:lstStyle/>
+          <a:p>
+            <a:pPr algn="ctr"/>
+            <a:endParaRPr lang="en-US"/>
+          </a:p>
+        </p:txBody>
+      </p:sp>
+    </p:spTree>
+    <p:extLst>
+      <p:ext uri="{BB962C8B-B14F-4D97-AF65-F5344CB8AC3E}">
+        <p14:creationId xmlns:p14="http://schemas.microsoft.com/office/powerpoint/2010/main" val="1916738138"/>
+      </p:ext>
+    </p:extLst>
+  </p:cSld>
+  <p:clrMapOvr>
+    <a:masterClrMapping/>
+  </p:clrMapOvr>
+</p:sld>
+</file>
+
+<file path=ppt/slides/slide11.xml><?xml version="1.0" encoding="utf-8"?>
+<p:sld xmlns:a="http://schemas.openxmlformats.org/drawingml/2006/main" xmlns:r="http://schemas.openxmlformats.org/officeDocument/2006/relationships" xmlns:p="http://schemas.openxmlformats.org/presentationml/2006/main" show="0">
+  <p:cSld>
+    <p:spTree>
+      <p:nvGrpSpPr>
+        <p:cNvPr id="1" name=""/>
+        <p:cNvGrpSpPr/>
+        <p:nvPr/>
+      </p:nvGrpSpPr>
+      <p:grpSpPr>
+        <a:xfrm>
+          <a:off x="0" y="0"/>
+          <a:ext cx="0" cy="0"/>
+          <a:chOff x="0" y="0"/>
+          <a:chExt cx="0" cy="0"/>
+        </a:xfrm>
+      </p:grpSpPr>
+      <p:sp>
+        <p:nvSpPr>
+          <p:cNvPr id="2" name="Titel 1"/>
+          <p:cNvSpPr>
+            <a:spLocks noGrp="1"/>
+          </p:cNvSpPr>
+          <p:nvPr>
+            <p:ph type="ctrTitle"/>
+          </p:nvPr>
+        </p:nvSpPr>
+        <p:spPr/>
+        <p:txBody>
+          <a:bodyPr/>
+          <a:lstStyle/>
+          <a:p>
+            <a:endParaRPr lang="en-US"/>
+          </a:p>
+        </p:txBody>
+      </p:sp>
+      <p:sp>
+        <p:nvSpPr>
+          <p:cNvPr id="3" name="Untertitel 2"/>
+          <p:cNvSpPr>
+            <a:spLocks noGrp="1"/>
+          </p:cNvSpPr>
+          <p:nvPr>
+            <p:ph type="subTitle" idx="1"/>
+          </p:nvPr>
+        </p:nvSpPr>
+        <p:spPr/>
+        <p:txBody>
+          <a:bodyPr/>
+          <a:lstStyle/>
+          <a:p>
+            <a:endParaRPr lang="en-US"/>
+          </a:p>
+        </p:txBody>
+      </p:sp>
+      <p:pic>
+        <p:nvPicPr>
+          <p:cNvPr id="4" name="Grafik 3"/>
+          <p:cNvPicPr>
+            <a:picLocks noChangeAspect="1"/>
+          </p:cNvPicPr>
+          <p:nvPr/>
+        </p:nvPicPr>
+        <p:blipFill>
+          <a:blip r:embed="rId2">
+            <a:extLst>
+              <a:ext uri="{28A0092B-C50C-407E-A947-70E740481C1C}">
+                <a14:useLocalDpi xmlns:a14="http://schemas.microsoft.com/office/drawing/2010/main" val="0"/>
+              </a:ext>
+            </a:extLst>
+          </a:blip>
+          <a:stretch>
+            <a:fillRect/>
+          </a:stretch>
+        </p:blipFill>
+        <p:spPr>
+          <a:xfrm>
+            <a:off x="0" y="0"/>
+            <a:ext cx="12192000" cy="6856903"/>
+          </a:xfrm>
+          <a:prstGeom prst="rect">
+            <a:avLst/>
+          </a:prstGeom>
+        </p:spPr>
+      </p:pic>
+      <p:sp>
+        <p:nvSpPr>
+          <p:cNvPr id="5" name="Rechteck 4"/>
+          <p:cNvSpPr/>
+          <p:nvPr/>
+        </p:nvSpPr>
+        <p:spPr>
+          <a:xfrm>
+            <a:off x="2143664" y="1453247"/>
+            <a:ext cx="7904672" cy="3951504"/>
+          </a:xfrm>
+          <a:prstGeom prst="rect">
+            <a:avLst/>
+          </a:prstGeom>
+          <a:solidFill>
+            <a:schemeClr val="accent3">
+              <a:alpha val="75000"/>
+            </a:schemeClr>
+          </a:solidFill>
+          <a:ln>
+            <a:noFill/>
+          </a:ln>
+        </p:spPr>
+        <p:style>
+          <a:lnRef idx="0">
+            <a:scrgbClr r="0" g="0" b="0"/>
+          </a:lnRef>
+          <a:fillRef idx="0">
+            <a:scrgbClr r="0" g="0" b="0"/>
+          </a:fillRef>
+          <a:effectRef idx="0">
+            <a:scrgbClr r="0" g="0" b="0"/>
+          </a:effectRef>
+          <a:fontRef idx="minor">
+            <a:schemeClr val="lt1"/>
+          </a:fontRef>
+        </p:style>
+        <p:txBody>
+          <a:bodyPr rtlCol="0" anchor="t"/>
+          <a:lstStyle/>
+          <a:p>
+            <a:r>
+              <a:rPr lang="de-DE" dirty="0" err="1"/>
+              <a:t>Levelauswahl</a:t>
+            </a:r>
+            <a:endParaRPr lang="en-US" dirty="0"/>
+          </a:p>
+        </p:txBody>
+      </p:sp>
+      <p:sp>
+        <p:nvSpPr>
+          <p:cNvPr id="7" name="Abgerundetes Rechteck 6"/>
+          <p:cNvSpPr/>
+          <p:nvPr/>
+        </p:nvSpPr>
+        <p:spPr>
+          <a:xfrm>
+            <a:off x="2605178" y="1940944"/>
+            <a:ext cx="819509" cy="785003"/>
+          </a:xfrm>
+          <a:prstGeom prst="roundRect">
+            <a:avLst/>
+          </a:prstGeom>
+        </p:spPr>
+        <p:style>
+          <a:lnRef idx="2">
+            <a:schemeClr val="accent6">
+              <a:shade val="50000"/>
+            </a:schemeClr>
+          </a:lnRef>
+          <a:fillRef idx="1">
+            <a:schemeClr val="accent6"/>
+          </a:fillRef>
+          <a:effectRef idx="0">
+            <a:schemeClr val="accent6"/>
+          </a:effectRef>
+          <a:fontRef idx="minor">
+            <a:schemeClr val="lt1"/>
+          </a:fontRef>
+        </p:style>
+        <p:txBody>
+          <a:bodyPr rtlCol="0" anchor="ctr"/>
+          <a:lstStyle/>
+          <a:p>
+            <a:pPr algn="ctr"/>
+            <a:r>
+              <a:rPr lang="de-DE" sz="3200" dirty="0"/>
+              <a:t>1</a:t>
+            </a:r>
+            <a:endParaRPr lang="en-US" dirty="0"/>
+          </a:p>
+        </p:txBody>
+      </p:sp>
+      <p:sp>
+        <p:nvSpPr>
+          <p:cNvPr id="8" name="Abgerundetes Rechteck 7"/>
+          <p:cNvSpPr/>
+          <p:nvPr/>
+        </p:nvSpPr>
+        <p:spPr>
+          <a:xfrm>
+            <a:off x="4679829" y="1940943"/>
+            <a:ext cx="819509" cy="785003"/>
+          </a:xfrm>
+          <a:prstGeom prst="roundRect">
+            <a:avLst/>
+          </a:prstGeom>
+        </p:spPr>
+        <p:style>
+          <a:lnRef idx="2">
+            <a:schemeClr val="accent6">
+              <a:shade val="50000"/>
+            </a:schemeClr>
+          </a:lnRef>
+          <a:fillRef idx="1">
+            <a:schemeClr val="accent6"/>
+          </a:fillRef>
+          <a:effectRef idx="0">
+            <a:schemeClr val="accent6"/>
+          </a:effectRef>
+          <a:fontRef idx="minor">
+            <a:schemeClr val="lt1"/>
+          </a:fontRef>
+        </p:style>
+        <p:txBody>
+          <a:bodyPr rtlCol="0" anchor="ctr"/>
+          <a:lstStyle/>
+          <a:p>
+            <a:pPr algn="ctr"/>
+            <a:r>
+              <a:rPr lang="de-DE" sz="3200" dirty="0"/>
+              <a:t>3</a:t>
+            </a:r>
+            <a:endParaRPr lang="en-US" dirty="0"/>
+          </a:p>
+        </p:txBody>
+      </p:sp>
+      <p:sp>
+        <p:nvSpPr>
+          <p:cNvPr id="9" name="Abgerundetes Rechteck 8"/>
+          <p:cNvSpPr/>
+          <p:nvPr/>
+        </p:nvSpPr>
+        <p:spPr>
+          <a:xfrm>
+            <a:off x="5717154" y="1940942"/>
+            <a:ext cx="819509" cy="785003"/>
+          </a:xfrm>
+          <a:prstGeom prst="roundRect">
+            <a:avLst/>
+          </a:prstGeom>
+        </p:spPr>
+        <p:style>
+          <a:lnRef idx="2">
+            <a:schemeClr val="accent6">
+              <a:shade val="50000"/>
+            </a:schemeClr>
+          </a:lnRef>
+          <a:fillRef idx="1">
+            <a:schemeClr val="accent6"/>
+          </a:fillRef>
+          <a:effectRef idx="0">
+            <a:schemeClr val="accent6"/>
+          </a:effectRef>
+          <a:fontRef idx="minor">
+            <a:schemeClr val="lt1"/>
+          </a:fontRef>
+        </p:style>
+        <p:txBody>
+          <a:bodyPr rtlCol="0" anchor="ctr"/>
+          <a:lstStyle/>
+          <a:p>
+            <a:pPr algn="ctr"/>
+            <a:r>
+              <a:rPr lang="de-DE" sz="3200" dirty="0"/>
+              <a:t>4</a:t>
+            </a:r>
+            <a:endParaRPr lang="en-US" dirty="0"/>
+          </a:p>
+        </p:txBody>
+      </p:sp>
+      <p:sp>
+        <p:nvSpPr>
+          <p:cNvPr id="10" name="Abgerundetes Rechteck 9"/>
+          <p:cNvSpPr/>
+          <p:nvPr/>
+        </p:nvSpPr>
+        <p:spPr>
+          <a:xfrm>
+            <a:off x="3642503" y="1940942"/>
+            <a:ext cx="819509" cy="785003"/>
+          </a:xfrm>
+          <a:prstGeom prst="roundRect">
+            <a:avLst/>
+          </a:prstGeom>
+        </p:spPr>
+        <p:style>
+          <a:lnRef idx="2">
+            <a:schemeClr val="accent6">
+              <a:shade val="50000"/>
+            </a:schemeClr>
+          </a:lnRef>
+          <a:fillRef idx="1">
+            <a:schemeClr val="accent6"/>
+          </a:fillRef>
+          <a:effectRef idx="0">
+            <a:schemeClr val="accent6"/>
+          </a:effectRef>
+          <a:fontRef idx="minor">
+            <a:schemeClr val="lt1"/>
+          </a:fontRef>
+        </p:style>
+        <p:txBody>
+          <a:bodyPr rtlCol="0" anchor="ctr"/>
+          <a:lstStyle/>
+          <a:p>
+            <a:pPr algn="ctr"/>
+            <a:r>
+              <a:rPr lang="de-DE" sz="3200" dirty="0"/>
+              <a:t>2</a:t>
+            </a:r>
+            <a:endParaRPr lang="en-US" dirty="0"/>
+          </a:p>
+        </p:txBody>
+      </p:sp>
+    </p:spTree>
+    <p:extLst>
+      <p:ext uri="{BB962C8B-B14F-4D97-AF65-F5344CB8AC3E}">
+        <p14:creationId xmlns:p14="http://schemas.microsoft.com/office/powerpoint/2010/main" val="3093440210"/>
+      </p:ext>
+    </p:extLst>
+  </p:cSld>
+  <p:clrMapOvr>
+    <a:masterClrMapping/>
+  </p:clrMapOvr>
+</p:sld>
+</file>
+
+<file path=ppt/slides/slide12.xml><?xml version="1.0" encoding="utf-8"?>
+<p:sld xmlns:a="http://schemas.openxmlformats.org/drawingml/2006/main" xmlns:r="http://schemas.openxmlformats.org/officeDocument/2006/relationships" xmlns:p="http://schemas.openxmlformats.org/presentationml/2006/main" show="0">
+  <p:cSld>
+    <p:spTree>
+      <p:nvGrpSpPr>
+        <p:cNvPr id="1" name=""/>
+        <p:cNvGrpSpPr/>
+        <p:nvPr/>
+      </p:nvGrpSpPr>
+      <p:grpSpPr>
+        <a:xfrm>
+          <a:off x="0" y="0"/>
+          <a:ext cx="0" cy="0"/>
+          <a:chOff x="0" y="0"/>
+          <a:chExt cx="0" cy="0"/>
+        </a:xfrm>
+      </p:grpSpPr>
+      <p:sp>
+        <p:nvSpPr>
+          <p:cNvPr id="2" name="Titel 1"/>
+          <p:cNvSpPr>
+            <a:spLocks noGrp="1"/>
+          </p:cNvSpPr>
+          <p:nvPr>
+            <p:ph type="ctrTitle"/>
+          </p:nvPr>
+        </p:nvSpPr>
+        <p:spPr/>
+        <p:txBody>
+          <a:bodyPr/>
+          <a:lstStyle/>
+          <a:p>
+            <a:endParaRPr lang="en-US"/>
+          </a:p>
+        </p:txBody>
+      </p:sp>
+      <p:sp>
+        <p:nvSpPr>
+          <p:cNvPr id="3" name="Untertitel 2"/>
+          <p:cNvSpPr>
+            <a:spLocks noGrp="1"/>
+          </p:cNvSpPr>
+          <p:nvPr>
+            <p:ph type="subTitle" idx="1"/>
+          </p:nvPr>
+        </p:nvSpPr>
+        <p:spPr/>
+        <p:txBody>
+          <a:bodyPr/>
+          <a:lstStyle/>
+          <a:p>
+            <a:endParaRPr lang="en-US"/>
+          </a:p>
+        </p:txBody>
+      </p:sp>
+      <p:pic>
+        <p:nvPicPr>
+          <p:cNvPr id="4" name="Grafik 3"/>
+          <p:cNvPicPr>
+            <a:picLocks noChangeAspect="1"/>
+          </p:cNvPicPr>
+          <p:nvPr/>
+        </p:nvPicPr>
+        <p:blipFill rotWithShape="1">
+          <a:blip r:embed="rId2">
+            <a:extLst>
+              <a:ext uri="{28A0092B-C50C-407E-A947-70E740481C1C}">
+                <a14:useLocalDpi xmlns:a14="http://schemas.microsoft.com/office/drawing/2010/main" val="0"/>
+              </a:ext>
+            </a:extLst>
+          </a:blip>
+          <a:srcRect t="12214"/>
+          <a:stretch/>
+        </p:blipFill>
+        <p:spPr>
+          <a:xfrm>
+            <a:off x="0" y="-9525"/>
+            <a:ext cx="12192000" cy="6019342"/>
+          </a:xfrm>
+          <a:prstGeom prst="rect">
+            <a:avLst/>
+          </a:prstGeom>
+        </p:spPr>
+      </p:pic>
+      <p:sp>
+        <p:nvSpPr>
+          <p:cNvPr id="6" name="Rechteck 5"/>
+          <p:cNvSpPr/>
+          <p:nvPr/>
+        </p:nvSpPr>
+        <p:spPr>
+          <a:xfrm>
+            <a:off x="0" y="5255736"/>
+            <a:ext cx="12192000" cy="1599651"/>
+          </a:xfrm>
+          <a:prstGeom prst="rect">
+            <a:avLst/>
+          </a:prstGeom>
+          <a:solidFill>
+            <a:schemeClr val="accent3"/>
+          </a:solidFill>
+          <a:ln>
+            <a:noFill/>
+          </a:ln>
+        </p:spPr>
+        <p:style>
+          <a:lnRef idx="0">
+            <a:scrgbClr r="0" g="0" b="0"/>
+          </a:lnRef>
+          <a:fillRef idx="0">
+            <a:scrgbClr r="0" g="0" b="0"/>
+          </a:fillRef>
+          <a:effectRef idx="0">
+            <a:scrgbClr r="0" g="0" b="0"/>
+          </a:effectRef>
+          <a:fontRef idx="minor">
+            <a:schemeClr val="lt1"/>
+          </a:fontRef>
+        </p:style>
+        <p:txBody>
+          <a:bodyPr rtlCol="0" anchor="ctr"/>
+          <a:lstStyle/>
+          <a:p>
+            <a:pPr algn="ctr"/>
+            <a:endParaRPr lang="en-US" dirty="0"/>
+          </a:p>
+        </p:txBody>
+      </p:sp>
+      <p:sp>
+        <p:nvSpPr>
+          <p:cNvPr id="11" name="Rechteck 10"/>
+          <p:cNvSpPr/>
+          <p:nvPr/>
+        </p:nvSpPr>
+        <p:spPr>
+          <a:xfrm>
+            <a:off x="0" y="4875363"/>
+            <a:ext cx="12192000" cy="382438"/>
+          </a:xfrm>
+          <a:prstGeom prst="rect">
+            <a:avLst/>
+          </a:prstGeom>
+          <a:solidFill>
+            <a:schemeClr val="accent6"/>
+          </a:solidFill>
+          <a:ln>
+            <a:noFill/>
+          </a:ln>
+        </p:spPr>
+        <p:style>
+          <a:lnRef idx="0">
+            <a:scrgbClr r="0" g="0" b="0"/>
+          </a:lnRef>
+          <a:fillRef idx="0">
+            <a:scrgbClr r="0" g="0" b="0"/>
+          </a:fillRef>
+          <a:effectRef idx="0">
+            <a:scrgbClr r="0" g="0" b="0"/>
+          </a:effectRef>
+          <a:fontRef idx="minor">
+            <a:schemeClr val="lt1"/>
+          </a:fontRef>
+        </p:style>
+        <p:txBody>
+          <a:bodyPr rtlCol="0" anchor="ctr"/>
+          <a:lstStyle/>
+          <a:p>
+            <a:pPr algn="ctr"/>
+            <a:endParaRPr lang="en-US"/>
+          </a:p>
+        </p:txBody>
+      </p:sp>
+      <p:sp>
+        <p:nvSpPr>
+          <p:cNvPr id="12" name="Rechteck 11"/>
+          <p:cNvSpPr/>
+          <p:nvPr/>
+        </p:nvSpPr>
+        <p:spPr>
+          <a:xfrm>
+            <a:off x="8669547" y="4875363"/>
+            <a:ext cx="310551" cy="274608"/>
+          </a:xfrm>
+          <a:prstGeom prst="rect">
+            <a:avLst/>
+          </a:prstGeom>
+          <a:solidFill>
+            <a:schemeClr val="dk1">
+              <a:alpha val="77000"/>
+            </a:schemeClr>
+          </a:solidFill>
+        </p:spPr>
+        <p:style>
+          <a:lnRef idx="2">
+            <a:schemeClr val="dk1">
+              <a:shade val="50000"/>
+            </a:schemeClr>
+          </a:lnRef>
+          <a:fillRef idx="1">
+            <a:schemeClr val="dk1"/>
+          </a:fillRef>
+          <a:effectRef idx="0">
+            <a:schemeClr val="dk1"/>
+          </a:effectRef>
+          <a:fontRef idx="minor">
+            <a:schemeClr val="lt1"/>
+          </a:fontRef>
+        </p:style>
+        <p:txBody>
+          <a:bodyPr rtlCol="0" anchor="ctr"/>
+          <a:lstStyle/>
+          <a:p>
+            <a:pPr algn="ctr"/>
+            <a:endParaRPr lang="en-US"/>
+          </a:p>
+        </p:txBody>
+      </p:sp>
+      <p:sp>
+        <p:nvSpPr>
+          <p:cNvPr id="13" name="Rechteck 12"/>
+          <p:cNvSpPr/>
+          <p:nvPr/>
+        </p:nvSpPr>
+        <p:spPr>
+          <a:xfrm rot="1516148">
+            <a:off x="997620" y="2188489"/>
+            <a:ext cx="1866181" cy="73324"/>
+          </a:xfrm>
+          <a:prstGeom prst="rect">
+            <a:avLst/>
+          </a:prstGeom>
+          <a:solidFill>
+            <a:srgbClr val="95692F"/>
+          </a:solidFill>
+        </p:spPr>
+        <p:style>
+          <a:lnRef idx="2">
+            <a:schemeClr val="dk1">
+              <a:shade val="50000"/>
+            </a:schemeClr>
+          </a:lnRef>
+          <a:fillRef idx="1">
+            <a:schemeClr val="dk1"/>
+          </a:fillRef>
+          <a:effectRef idx="0">
+            <a:schemeClr val="dk1"/>
+          </a:effectRef>
+          <a:fontRef idx="minor">
+            <a:schemeClr val="lt1"/>
+          </a:fontRef>
+        </p:style>
+        <p:txBody>
+          <a:bodyPr rtlCol="0" anchor="ctr"/>
+          <a:lstStyle/>
+          <a:p>
+            <a:pPr algn="ctr"/>
+            <a:endParaRPr lang="en-US"/>
+          </a:p>
+        </p:txBody>
+      </p:sp>
+      <p:sp>
+        <p:nvSpPr>
+          <p:cNvPr id="15" name="Abgerundetes Rechteck 14"/>
+          <p:cNvSpPr/>
+          <p:nvPr/>
+        </p:nvSpPr>
+        <p:spPr>
+          <a:xfrm>
+            <a:off x="267419" y="5408762"/>
+            <a:ext cx="4095031" cy="1242204"/>
+          </a:xfrm>
+          <a:prstGeom prst="roundRect">
+            <a:avLst/>
+          </a:prstGeom>
+          <a:solidFill>
+            <a:srgbClr val="95692F">
+              <a:alpha val="74000"/>
+            </a:srgbClr>
+          </a:solidFill>
+          <a:ln>
+            <a:noFill/>
+          </a:ln>
+        </p:spPr>
+        <p:style>
+          <a:lnRef idx="2">
+            <a:schemeClr val="accent1">
+              <a:shade val="50000"/>
+            </a:schemeClr>
+          </a:lnRef>
+          <a:fillRef idx="1">
+            <a:schemeClr val="accent1"/>
+          </a:fillRef>
+          <a:effectRef idx="0">
+            <a:schemeClr val="accent1"/>
+          </a:effectRef>
+          <a:fontRef idx="minor">
+            <a:schemeClr val="lt1"/>
+          </a:fontRef>
+        </p:style>
+        <p:txBody>
+          <a:bodyPr rtlCol="0" anchor="t"/>
+          <a:lstStyle/>
+          <a:p>
+            <a:r>
+              <a:rPr lang="de-DE" dirty="0"/>
+              <a:t>Tools</a:t>
+            </a:r>
+            <a:endParaRPr lang="en-US" dirty="0"/>
+          </a:p>
+        </p:txBody>
+      </p:sp>
+      <p:sp>
+        <p:nvSpPr>
+          <p:cNvPr id="16" name="Gleichschenkliges Dreieck 15"/>
+          <p:cNvSpPr/>
+          <p:nvPr/>
+        </p:nvSpPr>
+        <p:spPr>
+          <a:xfrm rot="19663860">
+            <a:off x="4327067" y="3744411"/>
+            <a:ext cx="715992" cy="574245"/>
+          </a:xfrm>
+          <a:prstGeom prst="triangle">
+            <a:avLst/>
+          </a:prstGeom>
+          <a:solidFill>
+            <a:schemeClr val="accent4">
+              <a:lumMod val="50000"/>
+            </a:schemeClr>
+          </a:solidFill>
+          <a:ln>
+            <a:solidFill>
+              <a:schemeClr val="tx1"/>
+            </a:solidFill>
+          </a:ln>
+        </p:spPr>
+        <p:style>
+          <a:lnRef idx="2">
+            <a:schemeClr val="accent1">
+              <a:shade val="50000"/>
+            </a:schemeClr>
+          </a:lnRef>
+          <a:fillRef idx="1">
+            <a:schemeClr val="accent1"/>
+          </a:fillRef>
+          <a:effectRef idx="0">
+            <a:schemeClr val="accent1"/>
+          </a:effectRef>
+          <a:fontRef idx="minor">
+            <a:schemeClr val="lt1"/>
+          </a:fontRef>
+        </p:style>
+        <p:txBody>
+          <a:bodyPr rtlCol="0" anchor="ctr"/>
+          <a:lstStyle/>
+          <a:p>
+            <a:pPr algn="ctr"/>
+            <a:endParaRPr lang="en-US"/>
+          </a:p>
+        </p:txBody>
+      </p:sp>
+      <p:sp>
+        <p:nvSpPr>
+          <p:cNvPr id="17" name="Ellipse 16"/>
+          <p:cNvSpPr/>
+          <p:nvPr/>
+        </p:nvSpPr>
+        <p:spPr>
+          <a:xfrm>
+            <a:off x="1408712" y="5786192"/>
+            <a:ext cx="628291" cy="626641"/>
+          </a:xfrm>
+          <a:prstGeom prst="ellipse">
+            <a:avLst/>
+          </a:prstGeom>
+          <a:solidFill>
+            <a:schemeClr val="accent4">
+              <a:lumMod val="50000"/>
+            </a:schemeClr>
+          </a:solidFill>
+          <a:ln>
+            <a:solidFill>
+              <a:schemeClr val="tx1"/>
+            </a:solidFill>
+          </a:ln>
+        </p:spPr>
+        <p:style>
+          <a:lnRef idx="2">
+            <a:schemeClr val="accent1">
+              <a:shade val="50000"/>
+            </a:schemeClr>
+          </a:lnRef>
+          <a:fillRef idx="1">
+            <a:schemeClr val="accent1"/>
+          </a:fillRef>
+          <a:effectRef idx="0">
+            <a:schemeClr val="accent1"/>
+          </a:effectRef>
+          <a:fontRef idx="minor">
+            <a:schemeClr val="lt1"/>
+          </a:fontRef>
+        </p:style>
+        <p:txBody>
+          <a:bodyPr rtlCol="0" anchor="ctr"/>
+          <a:lstStyle/>
+          <a:p>
+            <a:pPr algn="ctr"/>
+            <a:endParaRPr lang="en-US"/>
+          </a:p>
+        </p:txBody>
+      </p:sp>
+      <p:sp>
+        <p:nvSpPr>
+          <p:cNvPr id="18" name="Rechteck 17"/>
+          <p:cNvSpPr/>
+          <p:nvPr/>
+        </p:nvSpPr>
+        <p:spPr>
+          <a:xfrm>
+            <a:off x="3801891" y="3766285"/>
+            <a:ext cx="681486" cy="600444"/>
+          </a:xfrm>
+          <a:prstGeom prst="rect">
+            <a:avLst/>
+          </a:prstGeom>
+          <a:solidFill>
+            <a:schemeClr val="accent4">
+              <a:lumMod val="50000"/>
+            </a:schemeClr>
+          </a:solidFill>
+          <a:ln>
+            <a:solidFill>
+              <a:schemeClr val="tx1"/>
+            </a:solidFill>
+          </a:ln>
+        </p:spPr>
+        <p:style>
+          <a:lnRef idx="2">
+            <a:schemeClr val="accent1">
+              <a:shade val="50000"/>
+            </a:schemeClr>
+          </a:lnRef>
+          <a:fillRef idx="1">
+            <a:schemeClr val="accent1"/>
+          </a:fillRef>
+          <a:effectRef idx="0">
+            <a:schemeClr val="accent1"/>
+          </a:effectRef>
+          <a:fontRef idx="minor">
+            <a:schemeClr val="lt1"/>
+          </a:fontRef>
+        </p:style>
+        <p:txBody>
+          <a:bodyPr rtlCol="0" anchor="ctr"/>
+          <a:lstStyle/>
+          <a:p>
+            <a:pPr algn="ctr"/>
+            <a:endParaRPr lang="en-US"/>
+          </a:p>
+        </p:txBody>
+      </p:sp>
+      <p:cxnSp>
+        <p:nvCxnSpPr>
+          <p:cNvPr id="20" name="Gerader Verbinder 19"/>
+          <p:cNvCxnSpPr/>
+          <p:nvPr/>
+        </p:nvCxnSpPr>
+        <p:spPr>
+          <a:xfrm>
+            <a:off x="3247352" y="5780141"/>
+            <a:ext cx="733246" cy="574245"/>
+          </a:xfrm>
+          <a:prstGeom prst="line">
+            <a:avLst/>
+          </a:prstGeom>
+          <a:ln w="19050" cap="rnd">
+            <a:solidFill>
+              <a:schemeClr val="tx1"/>
+            </a:solidFill>
+            <a:headEnd type="oval"/>
+            <a:tailEnd type="oval"/>
+          </a:ln>
+        </p:spPr>
+        <p:style>
+          <a:lnRef idx="1">
+            <a:schemeClr val="accent1"/>
+          </a:lnRef>
+          <a:fillRef idx="0">
+            <a:schemeClr val="accent1"/>
+          </a:fillRef>
+          <a:effectRef idx="0">
+            <a:schemeClr val="accent1"/>
+          </a:effectRef>
+          <a:fontRef idx="minor">
+            <a:schemeClr val="tx1"/>
+          </a:fontRef>
+        </p:style>
+      </p:cxnSp>
+      <p:sp>
+        <p:nvSpPr>
+          <p:cNvPr id="21" name="Rechteck 20"/>
+          <p:cNvSpPr/>
+          <p:nvPr/>
+        </p:nvSpPr>
+        <p:spPr>
+          <a:xfrm>
+            <a:off x="5895975" y="4874814"/>
+            <a:ext cx="1957207" cy="300222"/>
+          </a:xfrm>
+          <a:prstGeom prst="rect">
+            <a:avLst/>
+          </a:prstGeom>
+        </p:spPr>
+        <p:style>
+          <a:lnRef idx="2">
+            <a:schemeClr val="accent1">
+              <a:shade val="50000"/>
+            </a:schemeClr>
+          </a:lnRef>
+          <a:fillRef idx="1">
+            <a:schemeClr val="accent1"/>
+          </a:fillRef>
+          <a:effectRef idx="0">
+            <a:schemeClr val="accent1"/>
+          </a:effectRef>
+          <a:fontRef idx="minor">
+            <a:schemeClr val="lt1"/>
+          </a:fontRef>
+        </p:style>
+        <p:txBody>
+          <a:bodyPr rtlCol="0" anchor="ctr"/>
+          <a:lstStyle/>
+          <a:p>
+            <a:pPr algn="ctr"/>
+            <a:endParaRPr lang="en-US"/>
+          </a:p>
+        </p:txBody>
+      </p:sp>
+      <p:sp>
+        <p:nvSpPr>
+          <p:cNvPr id="19" name="Ellipse 18"/>
+          <p:cNvSpPr/>
+          <p:nvPr/>
+        </p:nvSpPr>
+        <p:spPr>
+          <a:xfrm>
+            <a:off x="7484673" y="4900733"/>
+            <a:ext cx="250166" cy="249238"/>
+          </a:xfrm>
+          <a:prstGeom prst="ellipse">
+            <a:avLst/>
+          </a:prstGeom>
+          <a:pattFill prst="pct80">
+            <a:fgClr>
+              <a:schemeClr val="lt1"/>
+            </a:fgClr>
+            <a:bgClr>
+              <a:schemeClr val="tx1"/>
+            </a:bgClr>
+          </a:pattFill>
+        </p:spPr>
+        <p:style>
+          <a:lnRef idx="2">
+            <a:schemeClr val="dk1"/>
+          </a:lnRef>
+          <a:fillRef idx="1">
+            <a:schemeClr val="lt1"/>
+          </a:fillRef>
+          <a:effectRef idx="0">
+            <a:schemeClr val="dk1"/>
+          </a:effectRef>
+          <a:fontRef idx="minor">
+            <a:schemeClr val="dk1"/>
+          </a:fontRef>
+        </p:style>
+        <p:txBody>
+          <a:bodyPr rtlCol="0" anchor="ctr"/>
+          <a:lstStyle/>
+          <a:p>
+            <a:pPr algn="ctr"/>
+            <a:endParaRPr lang="en-US"/>
+          </a:p>
+        </p:txBody>
+      </p:sp>
+      <p:sp>
+        <p:nvSpPr>
+          <p:cNvPr id="22" name="Rechteck 21"/>
+          <p:cNvSpPr/>
+          <p:nvPr/>
+        </p:nvSpPr>
+        <p:spPr>
+          <a:xfrm>
+            <a:off x="289527" y="4862556"/>
+            <a:ext cx="2768675" cy="176088"/>
+          </a:xfrm>
+          <a:prstGeom prst="rect">
+            <a:avLst/>
+          </a:prstGeom>
+          <a:solidFill>
+            <a:schemeClr val="accent4">
+              <a:lumMod val="40000"/>
+              <a:lumOff val="60000"/>
+            </a:schemeClr>
+          </a:solidFill>
+        </p:spPr>
+        <p:style>
+          <a:lnRef idx="2">
+            <a:schemeClr val="accent1">
+              <a:shade val="50000"/>
+            </a:schemeClr>
+          </a:lnRef>
+          <a:fillRef idx="1">
+            <a:schemeClr val="accent1"/>
+          </a:fillRef>
+          <a:effectRef idx="0">
+            <a:schemeClr val="accent1"/>
+          </a:effectRef>
+          <a:fontRef idx="minor">
+            <a:schemeClr val="lt1"/>
+          </a:fontRef>
+        </p:style>
+        <p:txBody>
+          <a:bodyPr rtlCol="0" anchor="ctr"/>
+          <a:lstStyle/>
+          <a:p>
+            <a:pPr algn="ctr"/>
+            <a:endParaRPr lang="en-US"/>
+          </a:p>
+        </p:txBody>
+      </p:sp>
+      <p:sp>
+        <p:nvSpPr>
+          <p:cNvPr id="25" name="Textfeld 24"/>
+          <p:cNvSpPr txBox="1"/>
+          <p:nvPr/>
+        </p:nvSpPr>
+        <p:spPr>
+          <a:xfrm>
+            <a:off x="505246" y="4556880"/>
+            <a:ext cx="2732736" cy="377026"/>
+          </a:xfrm>
+          <a:prstGeom prst="rect">
+            <a:avLst/>
+          </a:prstGeom>
+          <a:noFill/>
+        </p:spPr>
+        <p:txBody>
+          <a:bodyPr wrap="none" rtlCol="0">
+            <a:spAutoFit/>
+          </a:bodyPr>
+          <a:lstStyle/>
+          <a:p>
+            <a:r>
+              <a:rPr lang="de-DE" dirty="0" err="1">
+                <a:solidFill>
+                  <a:schemeClr val="bg1"/>
+                </a:solidFill>
+              </a:rPr>
+              <a:t>Sandbox</a:t>
+            </a:r>
+            <a:r>
+              <a:rPr lang="de-DE" dirty="0">
+                <a:solidFill>
+                  <a:schemeClr val="bg1"/>
+                </a:solidFill>
+              </a:rPr>
+              <a:t> (höhere Reibung)</a:t>
+            </a:r>
+            <a:endParaRPr lang="en-US" dirty="0">
+              <a:solidFill>
+                <a:schemeClr val="bg1"/>
+              </a:solidFill>
+            </a:endParaRPr>
+          </a:p>
+        </p:txBody>
+      </p:sp>
+      <p:sp>
+        <p:nvSpPr>
+          <p:cNvPr id="24" name="Textfeld 23"/>
+          <p:cNvSpPr txBox="1"/>
+          <p:nvPr/>
+        </p:nvSpPr>
+        <p:spPr>
+          <a:xfrm>
+            <a:off x="5909617" y="4561439"/>
+            <a:ext cx="1897443" cy="377026"/>
+          </a:xfrm>
+          <a:prstGeom prst="rect">
+            <a:avLst/>
+          </a:prstGeom>
+          <a:noFill/>
+          <a:ln w="31750">
+            <a:noFill/>
+          </a:ln>
+        </p:spPr>
+        <p:txBody>
+          <a:bodyPr wrap="none" rtlCol="0">
+            <a:spAutoFit/>
+          </a:bodyPr>
+          <a:lstStyle/>
+          <a:p>
+            <a:r>
+              <a:rPr lang="de-DE" sz="1850" dirty="0">
+                <a:solidFill>
+                  <a:schemeClr val="bg1"/>
+                </a:solidFill>
+              </a:rPr>
+              <a:t>Wasser (verloren)</a:t>
+            </a:r>
+            <a:endParaRPr lang="en-US" sz="1850" dirty="0">
+              <a:solidFill>
+                <a:schemeClr val="bg1"/>
+              </a:solidFill>
+            </a:endParaRPr>
+          </a:p>
+        </p:txBody>
+      </p:sp>
+      <p:sp>
+        <p:nvSpPr>
+          <p:cNvPr id="23" name="Textfeld 22"/>
+          <p:cNvSpPr txBox="1"/>
+          <p:nvPr/>
+        </p:nvSpPr>
+        <p:spPr>
+          <a:xfrm>
+            <a:off x="5938066" y="4577080"/>
+            <a:ext cx="1848135" cy="369332"/>
+          </a:xfrm>
+          <a:prstGeom prst="rect">
+            <a:avLst/>
+          </a:prstGeom>
+          <a:noFill/>
+          <a:ln w="31750">
+            <a:noFill/>
+          </a:ln>
+        </p:spPr>
+        <p:txBody>
+          <a:bodyPr wrap="none" rtlCol="0">
+            <a:spAutoFit/>
+          </a:bodyPr>
+          <a:lstStyle/>
+          <a:p>
+            <a:r>
+              <a:rPr lang="de-DE" dirty="0"/>
+              <a:t>Wasser (verloren)</a:t>
+            </a:r>
+            <a:endParaRPr lang="en-US" dirty="0"/>
+          </a:p>
+        </p:txBody>
+      </p:sp>
+      <p:sp>
+        <p:nvSpPr>
+          <p:cNvPr id="5" name="Textfeld 4"/>
+          <p:cNvSpPr txBox="1"/>
+          <p:nvPr/>
+        </p:nvSpPr>
+        <p:spPr>
+          <a:xfrm>
+            <a:off x="507326" y="4560477"/>
+            <a:ext cx="2667397" cy="369332"/>
+          </a:xfrm>
+          <a:prstGeom prst="rect">
+            <a:avLst/>
+          </a:prstGeom>
+          <a:noFill/>
+        </p:spPr>
+        <p:txBody>
+          <a:bodyPr wrap="none" rtlCol="0">
+            <a:spAutoFit/>
+          </a:bodyPr>
+          <a:lstStyle/>
+          <a:p>
+            <a:r>
+              <a:rPr lang="de-DE" dirty="0" err="1"/>
+              <a:t>Sandbox</a:t>
+            </a:r>
+            <a:r>
+              <a:rPr lang="de-DE" dirty="0"/>
+              <a:t> (höhere Reibung)</a:t>
+            </a:r>
+            <a:endParaRPr lang="en-US" dirty="0"/>
+          </a:p>
+        </p:txBody>
+      </p:sp>
+      <p:sp>
+        <p:nvSpPr>
+          <p:cNvPr id="26" name="Ellipse 25"/>
+          <p:cNvSpPr/>
+          <p:nvPr/>
+        </p:nvSpPr>
+        <p:spPr>
+          <a:xfrm>
+            <a:off x="1283629" y="865666"/>
+            <a:ext cx="250166" cy="249238"/>
+          </a:xfrm>
+          <a:prstGeom prst="ellipse">
+            <a:avLst/>
+          </a:prstGeom>
+          <a:pattFill prst="pct80">
+            <a:fgClr>
+              <a:schemeClr val="lt1"/>
+            </a:fgClr>
+            <a:bgClr>
+              <a:schemeClr val="tx1"/>
+            </a:bgClr>
+          </a:pattFill>
+        </p:spPr>
+        <p:style>
+          <a:lnRef idx="2">
+            <a:schemeClr val="dk1"/>
+          </a:lnRef>
+          <a:fillRef idx="1">
+            <a:schemeClr val="lt1"/>
+          </a:fillRef>
+          <a:effectRef idx="0">
+            <a:schemeClr val="dk1"/>
+          </a:effectRef>
+          <a:fontRef idx="minor">
+            <a:schemeClr val="dk1"/>
+          </a:fontRef>
+        </p:style>
+        <p:txBody>
+          <a:bodyPr rtlCol="0" anchor="ctr"/>
+          <a:lstStyle/>
+          <a:p>
+            <a:pPr algn="ctr"/>
+            <a:endParaRPr lang="en-US"/>
+          </a:p>
+        </p:txBody>
+      </p:sp>
+      <p:sp>
+        <p:nvSpPr>
+          <p:cNvPr id="27" name="Abgerundetes Rechteck 26"/>
+          <p:cNvSpPr/>
+          <p:nvPr/>
+        </p:nvSpPr>
+        <p:spPr>
+          <a:xfrm>
+            <a:off x="10925176" y="5342087"/>
+            <a:ext cx="962026" cy="422057"/>
+          </a:xfrm>
+          <a:prstGeom prst="roundRect">
+            <a:avLst/>
+          </a:prstGeom>
+          <a:solidFill>
+            <a:srgbClr val="95692F"/>
+          </a:solidFill>
+        </p:spPr>
+        <p:style>
+          <a:lnRef idx="2">
+            <a:schemeClr val="accent1">
+              <a:shade val="50000"/>
+            </a:schemeClr>
+          </a:lnRef>
+          <a:fillRef idx="1">
+            <a:schemeClr val="accent1"/>
+          </a:fillRef>
+          <a:effectRef idx="0">
+            <a:schemeClr val="accent1"/>
+          </a:effectRef>
+          <a:fontRef idx="minor">
+            <a:schemeClr val="lt1"/>
+          </a:fontRef>
+        </p:style>
+        <p:txBody>
+          <a:bodyPr rtlCol="0" anchor="t"/>
+          <a:lstStyle/>
+          <a:p>
+            <a:pPr algn="ctr"/>
+            <a:r>
+              <a:rPr lang="de-DE" dirty="0"/>
+              <a:t>GO</a:t>
+            </a:r>
+            <a:endParaRPr lang="en-US" dirty="0"/>
+          </a:p>
+        </p:txBody>
+      </p:sp>
+      <p:sp>
+        <p:nvSpPr>
+          <p:cNvPr id="28" name="Abgerundetes Rechteck 27"/>
+          <p:cNvSpPr/>
+          <p:nvPr/>
+        </p:nvSpPr>
+        <p:spPr>
+          <a:xfrm>
+            <a:off x="10925177" y="5825074"/>
+            <a:ext cx="990600" cy="422057"/>
+          </a:xfrm>
+          <a:prstGeom prst="roundRect">
+            <a:avLst/>
+          </a:prstGeom>
+          <a:solidFill>
+            <a:srgbClr val="95692F"/>
+          </a:solidFill>
+        </p:spPr>
+        <p:style>
+          <a:lnRef idx="2">
+            <a:schemeClr val="accent1">
+              <a:shade val="50000"/>
+            </a:schemeClr>
+          </a:lnRef>
+          <a:fillRef idx="1">
+            <a:schemeClr val="accent1"/>
+          </a:fillRef>
+          <a:effectRef idx="0">
+            <a:schemeClr val="accent1"/>
+          </a:effectRef>
+          <a:fontRef idx="minor">
+            <a:schemeClr val="lt1"/>
+          </a:fontRef>
+        </p:style>
+        <p:txBody>
+          <a:bodyPr rtlCol="0" anchor="t"/>
+          <a:lstStyle/>
+          <a:p>
+            <a:pPr algn="ctr"/>
+            <a:r>
+              <a:rPr lang="de-DE" dirty="0"/>
+              <a:t>  Pause</a:t>
+            </a:r>
+            <a:endParaRPr lang="en-US" dirty="0"/>
+          </a:p>
+        </p:txBody>
+      </p:sp>
+      <p:sp>
+        <p:nvSpPr>
+          <p:cNvPr id="29" name="Abgerundetes Rechteck 28"/>
+          <p:cNvSpPr/>
+          <p:nvPr/>
+        </p:nvSpPr>
+        <p:spPr>
+          <a:xfrm>
+            <a:off x="10925176" y="6314330"/>
+            <a:ext cx="990601" cy="422057"/>
+          </a:xfrm>
+          <a:prstGeom prst="roundRect">
+            <a:avLst/>
+          </a:prstGeom>
+          <a:solidFill>
+            <a:srgbClr val="95692F"/>
+          </a:solidFill>
+        </p:spPr>
+        <p:style>
+          <a:lnRef idx="2">
+            <a:schemeClr val="accent1">
+              <a:shade val="50000"/>
+            </a:schemeClr>
+          </a:lnRef>
+          <a:fillRef idx="1">
+            <a:schemeClr val="accent1"/>
+          </a:fillRef>
+          <a:effectRef idx="0">
+            <a:schemeClr val="accent1"/>
+          </a:effectRef>
+          <a:fontRef idx="minor">
+            <a:schemeClr val="lt1"/>
+          </a:fontRef>
+        </p:style>
+        <p:txBody>
+          <a:bodyPr rtlCol="0" anchor="t"/>
+          <a:lstStyle/>
+          <a:p>
+            <a:pPr algn="ctr"/>
+            <a:r>
+              <a:rPr lang="de-DE" dirty="0"/>
+              <a:t>  Replay</a:t>
+            </a:r>
+            <a:endParaRPr lang="en-US" dirty="0"/>
+          </a:p>
+        </p:txBody>
+      </p:sp>
+      <p:cxnSp>
+        <p:nvCxnSpPr>
+          <p:cNvPr id="30" name="Gerader Verbinder 29"/>
+          <p:cNvCxnSpPr/>
+          <p:nvPr/>
+        </p:nvCxnSpPr>
+        <p:spPr>
+          <a:xfrm>
+            <a:off x="1713062" y="3299959"/>
+            <a:ext cx="2058059" cy="439078"/>
+          </a:xfrm>
+          <a:prstGeom prst="line">
+            <a:avLst/>
+          </a:prstGeom>
+          <a:ln w="19050" cap="rnd">
+            <a:solidFill>
+              <a:schemeClr val="tx1"/>
+            </a:solidFill>
+            <a:headEnd type="oval"/>
+            <a:tailEnd type="oval"/>
+          </a:ln>
+          <a:effectLst/>
+        </p:spPr>
+        <p:style>
+          <a:lnRef idx="1">
+            <a:schemeClr val="accent1"/>
+          </a:lnRef>
+          <a:fillRef idx="0">
+            <a:schemeClr val="accent1"/>
+          </a:fillRef>
+          <a:effectRef idx="0">
+            <a:schemeClr val="accent1"/>
+          </a:effectRef>
+          <a:fontRef idx="minor">
+            <a:schemeClr val="tx1"/>
+          </a:fontRef>
+        </p:style>
+      </p:cxnSp>
+      <p:sp>
+        <p:nvSpPr>
+          <p:cNvPr id="31" name="Abgerundetes Rechteck 30"/>
+          <p:cNvSpPr/>
+          <p:nvPr/>
+        </p:nvSpPr>
+        <p:spPr>
+          <a:xfrm>
+            <a:off x="11058524" y="136058"/>
+            <a:ext cx="962026" cy="644992"/>
+          </a:xfrm>
+          <a:prstGeom prst="roundRect">
+            <a:avLst/>
+          </a:prstGeom>
+          <a:solidFill>
+            <a:srgbClr val="95692F"/>
+          </a:solidFill>
+        </p:spPr>
+        <p:style>
+          <a:lnRef idx="2">
+            <a:schemeClr val="accent1">
+              <a:shade val="50000"/>
+            </a:schemeClr>
+          </a:lnRef>
+          <a:fillRef idx="1">
+            <a:schemeClr val="accent1"/>
+          </a:fillRef>
+          <a:effectRef idx="0">
+            <a:schemeClr val="accent1"/>
+          </a:effectRef>
+          <a:fontRef idx="minor">
+            <a:schemeClr val="lt1"/>
+          </a:fontRef>
+        </p:style>
+        <p:txBody>
+          <a:bodyPr rtlCol="0" anchor="t"/>
+          <a:lstStyle/>
+          <a:p>
+            <a:pPr algn="ctr"/>
+            <a:r>
+              <a:rPr lang="de-DE" dirty="0" err="1"/>
+              <a:t>Timer</a:t>
+            </a:r>
+            <a:br>
+              <a:rPr lang="de-DE" dirty="0"/>
+            </a:br>
+            <a:r>
+              <a:rPr lang="de-DE" dirty="0"/>
+              <a:t>00:00</a:t>
+            </a:r>
+            <a:endParaRPr lang="en-US" dirty="0"/>
+          </a:p>
+        </p:txBody>
+      </p:sp>
+      <p:sp>
+        <p:nvSpPr>
+          <p:cNvPr id="32" name="Abgerundetes Rechteck 31"/>
+          <p:cNvSpPr/>
+          <p:nvPr/>
+        </p:nvSpPr>
+        <p:spPr>
+          <a:xfrm>
+            <a:off x="4543424" y="136058"/>
+            <a:ext cx="2809875" cy="1873717"/>
+          </a:xfrm>
+          <a:prstGeom prst="roundRect">
+            <a:avLst/>
+          </a:prstGeom>
+          <a:solidFill>
+            <a:schemeClr val="bg1">
+              <a:alpha val="41000"/>
+            </a:schemeClr>
+          </a:solidFill>
+          <a:ln>
+            <a:prstDash val="lgDash"/>
+          </a:ln>
+        </p:spPr>
+        <p:style>
+          <a:lnRef idx="2">
+            <a:schemeClr val="accent1">
+              <a:shade val="50000"/>
+            </a:schemeClr>
+          </a:lnRef>
+          <a:fillRef idx="1">
+            <a:schemeClr val="accent1"/>
+          </a:fillRef>
+          <a:effectRef idx="0">
+            <a:schemeClr val="accent1"/>
+          </a:effectRef>
+          <a:fontRef idx="minor">
+            <a:schemeClr val="lt1"/>
+          </a:fontRef>
+        </p:style>
+        <p:txBody>
+          <a:bodyPr rtlCol="0" anchor="t"/>
+          <a:lstStyle/>
+          <a:p>
+            <a:r>
+              <a:rPr lang="de-DE" dirty="0" err="1"/>
+              <a:t>Spawnarea</a:t>
+            </a:r>
+            <a:endParaRPr lang="en-US" dirty="0"/>
+          </a:p>
+        </p:txBody>
+      </p:sp>
+      <p:sp>
+        <p:nvSpPr>
+          <p:cNvPr id="8" name="Abgerundetes Rechteck 7"/>
+          <p:cNvSpPr/>
+          <p:nvPr/>
+        </p:nvSpPr>
+        <p:spPr>
+          <a:xfrm>
+            <a:off x="5181601" y="4124802"/>
+            <a:ext cx="1666875" cy="245191"/>
+          </a:xfrm>
+          <a:prstGeom prst="roundRect">
+            <a:avLst/>
+          </a:prstGeom>
+          <a:solidFill>
+            <a:schemeClr val="bg1">
+              <a:lumMod val="75000"/>
+              <a:alpha val="90000"/>
+            </a:schemeClr>
+          </a:solidFill>
+          <a:ln w="38100">
+            <a:solidFill>
+              <a:schemeClr val="tx1"/>
+            </a:solidFill>
+          </a:ln>
+        </p:spPr>
+        <p:style>
+          <a:lnRef idx="2">
+            <a:schemeClr val="accent1">
+              <a:shade val="50000"/>
+            </a:schemeClr>
+          </a:lnRef>
+          <a:fillRef idx="1">
+            <a:schemeClr val="accent1"/>
+          </a:fillRef>
+          <a:effectRef idx="0">
+            <a:schemeClr val="accent1"/>
+          </a:effectRef>
+          <a:fontRef idx="minor">
+            <a:schemeClr val="lt1"/>
+          </a:fontRef>
+        </p:style>
+        <p:txBody>
+          <a:bodyPr rtlCol="0" anchor="ctr"/>
+          <a:lstStyle/>
+          <a:p>
+            <a:pPr algn="ctr"/>
+            <a:r>
+              <a:rPr lang="de-DE" dirty="0"/>
+              <a:t>-&gt;</a:t>
+            </a:r>
+            <a:endParaRPr lang="en-US" dirty="0"/>
+          </a:p>
+        </p:txBody>
+      </p:sp>
+      <p:sp>
+        <p:nvSpPr>
+          <p:cNvPr id="33" name="Abgerundetes Rechteck 32"/>
+          <p:cNvSpPr/>
+          <p:nvPr/>
+        </p:nvSpPr>
+        <p:spPr>
+          <a:xfrm>
+            <a:off x="2672354" y="2962693"/>
+            <a:ext cx="1666875" cy="245191"/>
+          </a:xfrm>
+          <a:prstGeom prst="roundRect">
+            <a:avLst/>
+          </a:prstGeom>
+          <a:solidFill>
+            <a:schemeClr val="bg1">
+              <a:lumMod val="75000"/>
+              <a:alpha val="90000"/>
+            </a:schemeClr>
+          </a:solidFill>
+          <a:ln w="38100">
+            <a:solidFill>
+              <a:schemeClr val="tx1"/>
+            </a:solidFill>
+          </a:ln>
+        </p:spPr>
+        <p:style>
+          <a:lnRef idx="2">
+            <a:schemeClr val="accent1">
+              <a:shade val="50000"/>
+            </a:schemeClr>
+          </a:lnRef>
+          <a:fillRef idx="1">
+            <a:schemeClr val="accent1"/>
+          </a:fillRef>
+          <a:effectRef idx="0">
+            <a:schemeClr val="accent1"/>
+          </a:effectRef>
+          <a:fontRef idx="minor">
+            <a:schemeClr val="lt1"/>
+          </a:fontRef>
+        </p:style>
+        <p:txBody>
+          <a:bodyPr rtlCol="0" anchor="ctr"/>
+          <a:lstStyle/>
+          <a:p>
+            <a:pPr algn="ctr"/>
+            <a:r>
+              <a:rPr lang="de-DE" dirty="0"/>
+              <a:t>&lt;-</a:t>
+            </a:r>
+            <a:endParaRPr lang="en-US" dirty="0"/>
+          </a:p>
+        </p:txBody>
+      </p:sp>
+      <p:sp>
+        <p:nvSpPr>
+          <p:cNvPr id="9" name="Textfeld 8"/>
+          <p:cNvSpPr txBox="1"/>
+          <p:nvPr/>
+        </p:nvSpPr>
+        <p:spPr>
+          <a:xfrm>
+            <a:off x="664786" y="6338809"/>
+            <a:ext cx="401072" cy="369332"/>
+          </a:xfrm>
+          <a:prstGeom prst="rect">
+            <a:avLst/>
+          </a:prstGeom>
+          <a:noFill/>
+        </p:spPr>
+        <p:txBody>
+          <a:bodyPr wrap="none" rtlCol="0">
+            <a:spAutoFit/>
+          </a:bodyPr>
+          <a:lstStyle/>
+          <a:p>
+            <a:r>
+              <a:rPr lang="de-DE" dirty="0">
+                <a:solidFill>
+                  <a:schemeClr val="bg1"/>
+                </a:solidFill>
+              </a:rPr>
+              <a:t>2x</a:t>
+            </a:r>
+            <a:endParaRPr lang="en-US" dirty="0">
+              <a:solidFill>
+                <a:schemeClr val="bg1"/>
+              </a:solidFill>
+            </a:endParaRPr>
+          </a:p>
+        </p:txBody>
+      </p:sp>
+      <p:sp>
+        <p:nvSpPr>
+          <p:cNvPr id="34" name="Textfeld 33"/>
+          <p:cNvSpPr txBox="1"/>
+          <p:nvPr/>
+        </p:nvSpPr>
+        <p:spPr>
+          <a:xfrm>
+            <a:off x="1529638" y="6347234"/>
+            <a:ext cx="401072" cy="369332"/>
+          </a:xfrm>
+          <a:prstGeom prst="rect">
+            <a:avLst/>
+          </a:prstGeom>
+          <a:noFill/>
+        </p:spPr>
+        <p:txBody>
+          <a:bodyPr wrap="none" rtlCol="0">
+            <a:spAutoFit/>
+          </a:bodyPr>
+          <a:lstStyle/>
+          <a:p>
+            <a:r>
+              <a:rPr lang="de-DE" dirty="0">
+                <a:solidFill>
+                  <a:schemeClr val="bg1"/>
+                </a:solidFill>
+              </a:rPr>
+              <a:t>0x</a:t>
+            </a:r>
+            <a:endParaRPr lang="en-US" dirty="0">
+              <a:solidFill>
+                <a:schemeClr val="bg1"/>
+              </a:solidFill>
+            </a:endParaRPr>
+          </a:p>
+        </p:txBody>
+      </p:sp>
+      <p:sp>
+        <p:nvSpPr>
+          <p:cNvPr id="35" name="Textfeld 34"/>
+          <p:cNvSpPr txBox="1"/>
+          <p:nvPr/>
+        </p:nvSpPr>
+        <p:spPr>
+          <a:xfrm>
+            <a:off x="2428364" y="6332357"/>
+            <a:ext cx="401072" cy="369332"/>
+          </a:xfrm>
+          <a:prstGeom prst="rect">
+            <a:avLst/>
+          </a:prstGeom>
+          <a:noFill/>
+        </p:spPr>
+        <p:txBody>
+          <a:bodyPr wrap="none" rtlCol="0">
+            <a:spAutoFit/>
+          </a:bodyPr>
+          <a:lstStyle/>
+          <a:p>
+            <a:r>
+              <a:rPr lang="de-DE" dirty="0">
+                <a:solidFill>
+                  <a:schemeClr val="bg1"/>
+                </a:solidFill>
+              </a:rPr>
+              <a:t>1x</a:t>
+            </a:r>
+            <a:endParaRPr lang="en-US" dirty="0">
+              <a:solidFill>
+                <a:schemeClr val="bg1"/>
+              </a:solidFill>
+            </a:endParaRPr>
+          </a:p>
+        </p:txBody>
+      </p:sp>
+      <p:sp>
+        <p:nvSpPr>
+          <p:cNvPr id="36" name="Textfeld 35"/>
+          <p:cNvSpPr txBox="1"/>
+          <p:nvPr/>
+        </p:nvSpPr>
+        <p:spPr>
+          <a:xfrm>
+            <a:off x="3460348" y="6324643"/>
+            <a:ext cx="401072" cy="369332"/>
+          </a:xfrm>
+          <a:prstGeom prst="rect">
+            <a:avLst/>
+          </a:prstGeom>
+          <a:noFill/>
+        </p:spPr>
+        <p:txBody>
+          <a:bodyPr wrap="none" rtlCol="0">
+            <a:spAutoFit/>
+          </a:bodyPr>
+          <a:lstStyle/>
+          <a:p>
+            <a:r>
+              <a:rPr lang="de-DE" dirty="0">
+                <a:solidFill>
+                  <a:schemeClr val="bg1"/>
+                </a:solidFill>
+              </a:rPr>
+              <a:t>2x</a:t>
+            </a:r>
+            <a:endParaRPr lang="en-US" dirty="0">
+              <a:solidFill>
+                <a:schemeClr val="bg1"/>
+              </a:solidFill>
+            </a:endParaRPr>
+          </a:p>
+        </p:txBody>
+      </p:sp>
+      <p:sp>
+        <p:nvSpPr>
+          <p:cNvPr id="37" name="Abgerundetes Rechteck 36"/>
+          <p:cNvSpPr/>
+          <p:nvPr/>
+        </p:nvSpPr>
+        <p:spPr>
+          <a:xfrm>
+            <a:off x="4483377" y="5401248"/>
+            <a:ext cx="564873" cy="608569"/>
+          </a:xfrm>
+          <a:prstGeom prst="roundRect">
+            <a:avLst/>
+          </a:prstGeom>
+          <a:solidFill>
+            <a:srgbClr val="95692F">
+              <a:alpha val="74000"/>
+            </a:srgbClr>
+          </a:solidFill>
+          <a:ln>
+            <a:noFill/>
+          </a:ln>
+        </p:spPr>
+        <p:style>
+          <a:lnRef idx="2">
+            <a:schemeClr val="accent1">
+              <a:shade val="50000"/>
+            </a:schemeClr>
+          </a:lnRef>
+          <a:fillRef idx="1">
+            <a:schemeClr val="accent1"/>
+          </a:fillRef>
+          <a:effectRef idx="0">
+            <a:schemeClr val="accent1"/>
+          </a:effectRef>
+          <a:fontRef idx="minor">
+            <a:schemeClr val="lt1"/>
+          </a:fontRef>
+        </p:style>
+        <p:txBody>
+          <a:bodyPr rtlCol="0" anchor="t"/>
+          <a:lstStyle/>
+          <a:p>
+            <a:endParaRPr lang="en-US" dirty="0"/>
+          </a:p>
+        </p:txBody>
+      </p:sp>
+      <p:sp>
+        <p:nvSpPr>
+          <p:cNvPr id="38" name="Rechteck 37"/>
+          <p:cNvSpPr/>
+          <p:nvPr/>
+        </p:nvSpPr>
+        <p:spPr>
+          <a:xfrm>
+            <a:off x="505246" y="5766435"/>
+            <a:ext cx="681486" cy="600444"/>
+          </a:xfrm>
+          <a:prstGeom prst="rect">
+            <a:avLst/>
+          </a:prstGeom>
+          <a:solidFill>
+            <a:schemeClr val="accent4">
+              <a:lumMod val="50000"/>
+            </a:schemeClr>
+          </a:solidFill>
+          <a:ln>
+            <a:solidFill>
+              <a:schemeClr val="tx1"/>
+            </a:solidFill>
+          </a:ln>
+        </p:spPr>
+        <p:style>
+          <a:lnRef idx="2">
+            <a:schemeClr val="accent1">
+              <a:shade val="50000"/>
+            </a:schemeClr>
+          </a:lnRef>
+          <a:fillRef idx="1">
+            <a:schemeClr val="accent1"/>
+          </a:fillRef>
+          <a:effectRef idx="0">
+            <a:schemeClr val="accent1"/>
+          </a:effectRef>
+          <a:fontRef idx="minor">
+            <a:schemeClr val="lt1"/>
+          </a:fontRef>
+        </p:style>
+        <p:txBody>
+          <a:bodyPr rtlCol="0" anchor="ctr"/>
+          <a:lstStyle/>
+          <a:p>
+            <a:pPr algn="ctr"/>
+            <a:endParaRPr lang="en-US"/>
+          </a:p>
+        </p:txBody>
+      </p:sp>
+      <p:sp>
+        <p:nvSpPr>
+          <p:cNvPr id="39" name="Gleichschenkliges Dreieck 38"/>
+          <p:cNvSpPr/>
+          <p:nvPr/>
+        </p:nvSpPr>
+        <p:spPr>
+          <a:xfrm>
+            <a:off x="2256408" y="5758112"/>
+            <a:ext cx="715992" cy="574245"/>
+          </a:xfrm>
+          <a:prstGeom prst="triangle">
+            <a:avLst/>
+          </a:prstGeom>
+          <a:solidFill>
+            <a:schemeClr val="accent4">
+              <a:lumMod val="50000"/>
+            </a:schemeClr>
+          </a:solidFill>
+          <a:ln>
+            <a:solidFill>
+              <a:schemeClr val="tx1"/>
+            </a:solidFill>
+          </a:ln>
+        </p:spPr>
+        <p:style>
+          <a:lnRef idx="2">
+            <a:schemeClr val="accent1">
+              <a:shade val="50000"/>
+            </a:schemeClr>
+          </a:lnRef>
+          <a:fillRef idx="1">
+            <a:schemeClr val="accent1"/>
+          </a:fillRef>
+          <a:effectRef idx="0">
+            <a:schemeClr val="accent1"/>
+          </a:effectRef>
+          <a:fontRef idx="minor">
+            <a:schemeClr val="lt1"/>
+          </a:fontRef>
+        </p:style>
+        <p:txBody>
+          <a:bodyPr rtlCol="0" anchor="ctr"/>
+          <a:lstStyle/>
+          <a:p>
+            <a:pPr algn="ctr"/>
+            <a:endParaRPr lang="en-US"/>
+          </a:p>
+        </p:txBody>
+      </p:sp>
+      <p:pic>
+        <p:nvPicPr>
+          <p:cNvPr id="10" name="Grafik 9"/>
+          <p:cNvPicPr>
+            <a:picLocks noChangeAspect="1"/>
+          </p:cNvPicPr>
+          <p:nvPr/>
+        </p:nvPicPr>
+        <p:blipFill>
+          <a:blip r:embed="rId3" cstate="print">
+            <a:extLst>
+              <a:ext uri="{28A0092B-C50C-407E-A947-70E740481C1C}">
+                <a14:useLocalDpi xmlns:a14="http://schemas.microsoft.com/office/drawing/2010/main" val="0"/>
+              </a:ext>
+            </a:extLst>
+          </a:blip>
+          <a:stretch>
+            <a:fillRect/>
+          </a:stretch>
+        </p:blipFill>
+        <p:spPr>
+          <a:xfrm>
+            <a:off x="4551268" y="5486494"/>
+            <a:ext cx="427987" cy="427987"/>
+          </a:xfrm>
+          <a:prstGeom prst="rect">
+            <a:avLst/>
+          </a:prstGeom>
+        </p:spPr>
+      </p:pic>
+      <p:cxnSp>
+        <p:nvCxnSpPr>
+          <p:cNvPr id="40" name="Gerader Verbinder 39"/>
+          <p:cNvCxnSpPr/>
+          <p:nvPr/>
+        </p:nvCxnSpPr>
+        <p:spPr>
+          <a:xfrm>
+            <a:off x="6796112" y="4446034"/>
+            <a:ext cx="1442191" cy="303918"/>
+          </a:xfrm>
+          <a:prstGeom prst="line">
+            <a:avLst/>
+          </a:prstGeom>
+          <a:ln w="19050" cap="rnd">
+            <a:solidFill>
+              <a:schemeClr val="tx1"/>
+            </a:solidFill>
+            <a:headEnd type="oval"/>
+            <a:tailEnd type="oval"/>
+          </a:ln>
+        </p:spPr>
+        <p:style>
+          <a:lnRef idx="1">
+            <a:schemeClr val="accent1"/>
+          </a:lnRef>
+          <a:fillRef idx="0">
+            <a:schemeClr val="accent1"/>
+          </a:fillRef>
+          <a:effectRef idx="0">
+            <a:schemeClr val="accent1"/>
+          </a:effectRef>
+          <a:fontRef idx="minor">
+            <a:schemeClr val="tx1"/>
+          </a:fontRef>
+        </p:style>
+      </p:cxnSp>
+      <p:sp>
+        <p:nvSpPr>
+          <p:cNvPr id="42" name="Rechteck 41"/>
+          <p:cNvSpPr/>
+          <p:nvPr/>
+        </p:nvSpPr>
+        <p:spPr>
+          <a:xfrm>
+            <a:off x="9002780" y="4271545"/>
+            <a:ext cx="681486" cy="600444"/>
+          </a:xfrm>
+          <a:prstGeom prst="rect">
+            <a:avLst/>
+          </a:prstGeom>
+          <a:solidFill>
+            <a:schemeClr val="accent4">
+              <a:lumMod val="50000"/>
+            </a:schemeClr>
+          </a:solidFill>
+          <a:ln>
+            <a:solidFill>
+              <a:schemeClr val="tx1"/>
+            </a:solidFill>
+          </a:ln>
+        </p:spPr>
+        <p:style>
+          <a:lnRef idx="2">
+            <a:schemeClr val="accent1">
+              <a:shade val="50000"/>
+            </a:schemeClr>
+          </a:lnRef>
+          <a:fillRef idx="1">
+            <a:schemeClr val="accent1"/>
+          </a:fillRef>
+          <a:effectRef idx="0">
+            <a:schemeClr val="accent1"/>
+          </a:effectRef>
+          <a:fontRef idx="minor">
+            <a:schemeClr val="lt1"/>
+          </a:fontRef>
+        </p:style>
+        <p:txBody>
+          <a:bodyPr rtlCol="0" anchor="ctr"/>
+          <a:lstStyle/>
+          <a:p>
+            <a:pPr algn="ctr"/>
+            <a:endParaRPr lang="en-US"/>
+          </a:p>
+        </p:txBody>
+      </p:sp>
+    </p:spTree>
+    <p:extLst>
+      <p:ext uri="{BB962C8B-B14F-4D97-AF65-F5344CB8AC3E}">
+        <p14:creationId xmlns:p14="http://schemas.microsoft.com/office/powerpoint/2010/main" val="793028569"/>
       </p:ext>
     </p:extLst>
   </p:cSld>
@@ -4114,6 +6500,10 @@
             <a:avLst/>
           </a:prstGeom>
           <a:noFill/>
+          <a:ln>
+            <a:noFill/>
+          </a:ln>
+          <a:effectLst/>
         </p:spPr>
         <p:txBody>
           <a:bodyPr wrap="square" rtlCol="0">
@@ -4166,21 +6556,21 @@
             <a:pPr lvl="1"/>
             <a:r>
               <a:rPr lang="de-DE" sz="2000" dirty="0"/>
-              <a:t>	bestimmte Anzahl an Hilfsmitteln zur Auswahl (z.B. 1 Dreieck und 1 Stab)</a:t>
+              <a:t>	festgesetzte Anzahl von Hilfsmitteln je Level</a:t>
             </a:r>
           </a:p>
           <a:p>
             <a:pPr lvl="1"/>
             <a:r>
               <a:rPr lang="de-DE" sz="2000" dirty="0"/>
-              <a:t>	mit Hilfsmitteln die Bahn zum Zielbereich festlegen</a:t>
+              <a:t>	durch Hilfsmittel soll der Ball „selbständig“ ins Ziel finden</a:t>
             </a:r>
           </a:p>
           <a:p>
             <a:pPr lvl="1"/>
             <a:r>
               <a:rPr lang="de-DE" sz="2000" dirty="0"/>
-              <a:t>	Ball rollen lassen</a:t>
+              <a:t>	auf „Go“ geht’s los-&gt;Ball bewegt sich je nach physikalischen Beschaffenheit</a:t>
             </a:r>
           </a:p>
           <a:p>
@@ -4333,7 +6723,7 @@
         </p:blipFill>
         <p:spPr>
           <a:xfrm>
-            <a:off x="6103401" y="1941931"/>
+            <a:off x="6027201" y="1981009"/>
             <a:ext cx="5435654" cy="3993696"/>
           </a:xfrm>
           <a:prstGeom prst="rect">
@@ -4371,6 +6761,60 @@
           <a:chExt cx="0" cy="0"/>
         </a:xfrm>
       </p:grpSpPr>
+      <p:pic>
+        <p:nvPicPr>
+          <p:cNvPr id="4" name="Grafik 3"/>
+          <p:cNvPicPr>
+            <a:picLocks noChangeAspect="1"/>
+          </p:cNvPicPr>
+          <p:nvPr/>
+        </p:nvPicPr>
+        <p:blipFill>
+          <a:blip r:embed="rId2"/>
+          <a:stretch>
+            <a:fillRect/>
+          </a:stretch>
+        </p:blipFill>
+        <p:spPr>
+          <a:xfrm>
+            <a:off x="375063" y="581890"/>
+            <a:ext cx="7654804" cy="4298867"/>
+          </a:xfrm>
+          <a:prstGeom prst="rect">
+            <a:avLst/>
+          </a:prstGeom>
+        </p:spPr>
+      </p:pic>
+    </p:spTree>
+    <p:extLst>
+      <p:ext uri="{BB962C8B-B14F-4D97-AF65-F5344CB8AC3E}">
+        <p14:creationId xmlns:p14="http://schemas.microsoft.com/office/powerpoint/2010/main" val="2526040597"/>
+      </p:ext>
+    </p:extLst>
+  </p:cSld>
+  <p:clrMapOvr>
+    <a:masterClrMapping/>
+  </p:clrMapOvr>
+</p:sld>
+</file>
+
+<file path=ppt/slides/slide5.xml><?xml version="1.0" encoding="utf-8"?>
+<p:sld xmlns:a="http://schemas.openxmlformats.org/drawingml/2006/main" xmlns:r="http://schemas.openxmlformats.org/officeDocument/2006/relationships" xmlns:p="http://schemas.openxmlformats.org/presentationml/2006/main">
+  <p:cSld>
+    <p:spTree>
+      <p:nvGrpSpPr>
+        <p:cNvPr id="1" name=""/>
+        <p:cNvGrpSpPr/>
+        <p:nvPr/>
+      </p:nvGrpSpPr>
+      <p:grpSpPr>
+        <a:xfrm>
+          <a:off x="0" y="0"/>
+          <a:ext cx="0" cy="0"/>
+          <a:chOff x="0" y="0"/>
+          <a:chExt cx="0" cy="0"/>
+        </a:xfrm>
+      </p:grpSpPr>
       <p:sp>
         <p:nvSpPr>
           <p:cNvPr id="2" name="Titel 1"/>
@@ -4573,7 +7017,7 @@
           <p:nvPr>
             <p:extLst>
               <p:ext uri="{D42A27DB-BD31-4B8C-83A1-F6EECF244321}">
-                <p14:modId xmlns:p14="http://schemas.microsoft.com/office/powerpoint/2010/main" val="2846493709"/>
+                <p14:modId xmlns:p14="http://schemas.microsoft.com/office/powerpoint/2010/main" val="187833689"/>
               </p:ext>
             </p:extLst>
           </p:nvPr>
@@ -4605,7 +7049,7 @@
                     <a:p>
                       <a:r>
                         <a:rPr lang="de-DE" dirty="0"/>
-                        <a:t>Bildschirm</a:t>
+                        <a:t>Hauptfenster</a:t>
                       </a:r>
                     </a:p>
                   </a:txBody>
@@ -5687,14 +8131,15 @@
         <p:nvCxnSpPr>
           <p:cNvPr id="81" name="Gerader Verbinder 80"/>
           <p:cNvCxnSpPr>
+            <a:stCxn id="84" idx="1"/>
             <a:endCxn id="6" idx="0"/>
           </p:cNvCxnSpPr>
           <p:nvPr/>
         </p:nvCxnSpPr>
         <p:spPr>
           <a:xfrm>
-            <a:off x="7991278" y="4212155"/>
-            <a:ext cx="3850" cy="484443"/>
+            <a:off x="7991279" y="4387553"/>
+            <a:ext cx="3849" cy="309045"/>
           </a:xfrm>
           <a:prstGeom prst="line">
             <a:avLst/>
@@ -5722,14 +8167,62 @@
       </p:cxnSp>
       <p:sp>
         <p:nvSpPr>
-          <p:cNvPr id="82" name="Textfeld 81"/>
+          <p:cNvPr id="84" name="Flussdiagramm: Verzweigung 83"/>
+          <p:cNvSpPr/>
+          <p:nvPr/>
+        </p:nvSpPr>
+        <p:spPr>
+          <a:xfrm rot="16200000">
+            <a:off x="7911478" y="4267005"/>
+            <a:ext cx="159601" cy="81494"/>
+          </a:xfrm>
+          <a:prstGeom prst="flowChartDecision">
+            <a:avLst/>
+          </a:prstGeom>
+          <a:solidFill>
+            <a:schemeClr val="bg1"/>
+          </a:solidFill>
+          <a:ln>
+            <a:solidFill>
+              <a:schemeClr val="tx1"/>
+            </a:solidFill>
+          </a:ln>
+        </p:spPr>
+        <p:style>
+          <a:lnRef idx="2">
+            <a:schemeClr val="accent1">
+              <a:shade val="50000"/>
+            </a:schemeClr>
+          </a:lnRef>
+          <a:fillRef idx="1">
+            <a:schemeClr val="accent1"/>
+          </a:fillRef>
+          <a:effectRef idx="0">
+            <a:schemeClr val="accent1"/>
+          </a:effectRef>
+          <a:fontRef idx="minor">
+            <a:schemeClr val="lt1"/>
+          </a:fontRef>
+        </p:style>
+        <p:txBody>
+          <a:bodyPr rtlCol="0" anchor="ctr"/>
+          <a:lstStyle/>
+          <a:p>
+            <a:pPr algn="ctr"/>
+            <a:endParaRPr lang="de-DE"/>
+          </a:p>
+        </p:txBody>
+      </p:sp>
+      <p:sp>
+        <p:nvSpPr>
+          <p:cNvPr id="86" name="Textfeld 85"/>
           <p:cNvSpPr txBox="1"/>
           <p:nvPr/>
         </p:nvSpPr>
         <p:spPr>
           <a:xfrm>
-            <a:off x="8340345" y="4274729"/>
-            <a:ext cx="2838790" cy="369332"/>
+            <a:off x="8755357" y="4347948"/>
+            <a:ext cx="2964851" cy="369332"/>
           </a:xfrm>
           <a:prstGeom prst="rect">
             <a:avLst/>
@@ -5744,7 +8237,7 @@
           <a:p>
             <a:r>
               <a:rPr lang="de-DE" dirty="0"/>
-              <a:t>Assoziation „interagiert mit“</a:t>
+              <a:t>Aggregation „ist enthalten in“</a:t>
             </a:r>
           </a:p>
         </p:txBody>
@@ -5762,7 +8255,7 @@
 </p:sld>
 </file>
 
-<file path=ppt/slides/slide5.xml><?xml version="1.0" encoding="utf-8"?>
+<file path=ppt/slides/slide6.xml><?xml version="1.0" encoding="utf-8"?>
 <p:sld xmlns:a="http://schemas.openxmlformats.org/drawingml/2006/main" xmlns:r="http://schemas.openxmlformats.org/officeDocument/2006/relationships" xmlns:p="http://schemas.openxmlformats.org/presentationml/2006/main">
   <p:cSld>
     <p:spTree>
@@ -5788,7 +8281,7 @@
           <p:nvPr>
             <p:extLst>
               <p:ext uri="{D42A27DB-BD31-4B8C-83A1-F6EECF244321}">
-                <p14:modId xmlns:p14="http://schemas.microsoft.com/office/powerpoint/2010/main" val="2196497816"/>
+                <p14:modId xmlns:p14="http://schemas.microsoft.com/office/powerpoint/2010/main" val="1765981806"/>
               </p:ext>
             </p:extLst>
           </p:nvPr>
@@ -5827,7 +8320,7 @@
                     <a:p>
                       <a:r>
                         <a:rPr lang="de-DE" dirty="0"/>
-                        <a:t>Bildschirm</a:t>
+                        <a:t>Hauptfenster</a:t>
                       </a:r>
                     </a:p>
                   </a:txBody>
@@ -6106,7 +8599,7 @@
 </p:sld>
 </file>
 
-<file path=ppt/slides/slide6.xml><?xml version="1.0" encoding="utf-8"?>
+<file path=ppt/slides/slide7.xml><?xml version="1.0" encoding="utf-8"?>
 <p:sld xmlns:a="http://schemas.openxmlformats.org/drawingml/2006/main" xmlns:r="http://schemas.openxmlformats.org/officeDocument/2006/relationships" xmlns:p="http://schemas.openxmlformats.org/presentationml/2006/main">
   <p:cSld>
     <p:spTree>
@@ -7006,7 +9499,7 @@
 </p:sld>
 </file>
 
-<file path=ppt/slides/slide7.xml><?xml version="1.0" encoding="utf-8"?>
+<file path=ppt/slides/slide8.xml><?xml version="1.0" encoding="utf-8"?>
 <p:sld xmlns:a="http://schemas.openxmlformats.org/drawingml/2006/main" xmlns:r="http://schemas.openxmlformats.org/officeDocument/2006/relationships" xmlns:p="http://schemas.openxmlformats.org/presentationml/2006/main">
   <p:cSld>
     <p:spTree>
@@ -7745,8 +10238,8 @@
 </p:sld>
 </file>
 
-<file path=ppt/slides/slide8.xml><?xml version="1.0" encoding="utf-8"?>
-<p:sld xmlns:a="http://schemas.openxmlformats.org/drawingml/2006/main" xmlns:r="http://schemas.openxmlformats.org/officeDocument/2006/relationships" xmlns:p="http://schemas.openxmlformats.org/presentationml/2006/main" show="0">
+<file path=ppt/slides/slide9.xml><?xml version="1.0" encoding="utf-8"?>
+<p:sld xmlns:a="http://schemas.openxmlformats.org/drawingml/2006/main" xmlns:r="http://schemas.openxmlformats.org/officeDocument/2006/relationships" xmlns:p="http://schemas.openxmlformats.org/presentationml/2006/main">
   <p:cSld>
     <p:spTree>
       <p:nvGrpSpPr>
@@ -7771,13 +10264,13 @@
           <p:nvPr>
             <p:extLst>
               <p:ext uri="{D42A27DB-BD31-4B8C-83A1-F6EECF244321}">
-                <p14:modId xmlns:p14="http://schemas.microsoft.com/office/powerpoint/2010/main" val="2138900371"/>
+                <p14:modId xmlns:p14="http://schemas.microsoft.com/office/powerpoint/2010/main" val="531914168"/>
               </p:ext>
             </p:extLst>
           </p:nvPr>
         </p:nvGraphicFramePr>
         <p:xfrm>
-          <a:off x="5038723" y="3271838"/>
+          <a:off x="2470407" y="3077022"/>
           <a:ext cx="2469357" cy="2464594"/>
         </p:xfrm>
         <a:graphic>
@@ -7960,13 +10453,13 @@
           <p:nvPr>
             <p:extLst>
               <p:ext uri="{D42A27DB-BD31-4B8C-83A1-F6EECF244321}">
-                <p14:modId xmlns:p14="http://schemas.microsoft.com/office/powerpoint/2010/main" val="3780485301"/>
+                <p14:modId xmlns:p14="http://schemas.microsoft.com/office/powerpoint/2010/main" val="3900777798"/>
               </p:ext>
             </p:extLst>
           </p:nvPr>
         </p:nvGraphicFramePr>
         <p:xfrm>
-          <a:off x="8103393" y="3221831"/>
+          <a:off x="9469056" y="2611891"/>
           <a:ext cx="2447926" cy="2514601"/>
         </p:xfrm>
         <a:graphic>
@@ -8098,14 +10591,15 @@
         <p:nvCxnSpPr>
           <p:cNvPr id="7" name="Gerade Verbindung mit Pfeil 6"/>
           <p:cNvCxnSpPr>
-            <a:endCxn id="5" idx="2"/>
+            <a:stCxn id="4" idx="0"/>
+            <a:endCxn id="25" idx="1"/>
           </p:cNvCxnSpPr>
           <p:nvPr/>
         </p:nvCxnSpPr>
         <p:spPr>
           <a:xfrm flipV="1">
-            <a:off x="5922169" y="889634"/>
-            <a:ext cx="866775" cy="2382206"/>
+            <a:off x="3705085" y="2360932"/>
+            <a:ext cx="1957396" cy="716090"/>
           </a:xfrm>
           <a:prstGeom prst="straightConnector1">
             <a:avLst/>
@@ -8133,14 +10627,15 @@
         <p:nvCxnSpPr>
           <p:cNvPr id="8" name="Gerade Verbindung mit Pfeil 7"/>
           <p:cNvCxnSpPr>
-            <a:endCxn id="5" idx="2"/>
+            <a:stCxn id="6" idx="0"/>
+            <a:endCxn id="25" idx="3"/>
           </p:cNvCxnSpPr>
           <p:nvPr/>
         </p:nvCxnSpPr>
         <p:spPr>
           <a:xfrm flipH="1" flipV="1">
-            <a:off x="6788944" y="889634"/>
-            <a:ext cx="2305050" cy="2332198"/>
+            <a:off x="8023623" y="2360932"/>
+            <a:ext cx="2669396" cy="250959"/>
           </a:xfrm>
           <a:prstGeom prst="straightConnector1">
             <a:avLst/>
@@ -8173,14 +10668,14 @@
           <p:nvPr>
             <p:extLst>
               <p:ext uri="{D42A27DB-BD31-4B8C-83A1-F6EECF244321}">
-                <p14:modId xmlns:p14="http://schemas.microsoft.com/office/powerpoint/2010/main" val="177358024"/>
+                <p14:modId xmlns:p14="http://schemas.microsoft.com/office/powerpoint/2010/main" val="257435255"/>
               </p:ext>
             </p:extLst>
           </p:nvPr>
         </p:nvGraphicFramePr>
         <p:xfrm>
-          <a:off x="677333" y="2488406"/>
-          <a:ext cx="2361142" cy="2514601"/>
+          <a:off x="6385198" y="4592277"/>
+          <a:ext cx="2361142" cy="2265723"/>
         </p:xfrm>
         <a:graphic>
           <a:graphicData uri="http://schemas.openxmlformats.org/drawingml/2006/table">
@@ -8197,7 +10692,7 @@
                   </a:extLst>
                 </a:gridCol>
               </a:tblGrid>
-              <a:tr h="386321">
+              <a:tr h="320642">
                 <a:tc>
                   <a:txBody>
                     <a:bodyPr/>
@@ -8217,13 +10712,16 @@
                   </a:ext>
                 </a:extLst>
               </a:tr>
-              <a:tr h="856931">
+              <a:tr h="711243">
                 <a:tc>
                   <a:txBody>
                     <a:bodyPr/>
                     <a:lstStyle/>
                     <a:p>
-                      <a:endParaRPr lang="de-DE" dirty="0"/>
+                      <a:r>
+                        <a:rPr lang="de-DE" dirty="0"/>
+                        <a:t>-size</a:t>
+                      </a:r>
                     </a:p>
                   </a:txBody>
                   <a:tcPr/>
@@ -8234,7 +10732,7 @@
                   </a:ext>
                 </a:extLst>
               </a:tr>
-              <a:tr h="1271349">
+              <a:tr h="1055205">
                 <a:tc>
                   <a:txBody>
                     <a:bodyPr/>
@@ -8274,7 +10772,7 @@
                       </a:r>
                       <a:r>
                         <a:rPr lang="de-DE" dirty="0" err="1"/>
-                        <a:t>getWasAuchImmer</a:t>
+                        <a:t>getXXX</a:t>
                       </a:r>
                       <a:r>
                         <a:rPr lang="de-DE" dirty="0"/>
@@ -8301,14 +10799,15 @@
         <p:nvCxnSpPr>
           <p:cNvPr id="11" name="Gerade Verbindung mit Pfeil 10"/>
           <p:cNvCxnSpPr>
-            <a:endCxn id="4" idx="1"/>
+            <a:stCxn id="14" idx="3"/>
+            <a:endCxn id="25" idx="1"/>
           </p:cNvCxnSpPr>
           <p:nvPr/>
         </p:nvCxnSpPr>
         <p:spPr>
           <a:xfrm>
-            <a:off x="3038475" y="3421856"/>
-            <a:ext cx="2000248" cy="1082279"/>
+            <a:off x="2880846" y="1919161"/>
+            <a:ext cx="2781635" cy="441771"/>
           </a:xfrm>
           <a:prstGeom prst="straightConnector1">
             <a:avLst/>
@@ -8336,20 +10835,331 @@
         <p:nvCxnSpPr>
           <p:cNvPr id="13" name="Gewinkelter Verbinder 12"/>
           <p:cNvCxnSpPr>
+            <a:stCxn id="9" idx="3"/>
             <a:endCxn id="6" idx="2"/>
           </p:cNvCxnSpPr>
           <p:nvPr/>
         </p:nvCxnSpPr>
         <p:spPr>
-          <a:xfrm>
-            <a:off x="1800225" y="5003007"/>
-            <a:ext cx="7527131" cy="733425"/>
+          <a:xfrm flipV="1">
+            <a:off x="8746340" y="5126492"/>
+            <a:ext cx="1946679" cy="598646"/>
           </a:xfrm>
-          <a:prstGeom prst="bentConnector4">
-            <a:avLst>
-              <a:gd name="adj1" fmla="val 41870"/>
-              <a:gd name="adj2" fmla="val 131169"/>
-            </a:avLst>
+          <a:prstGeom prst="bentConnector2">
+            <a:avLst/>
+          </a:prstGeom>
+          <a:ln>
+            <a:tailEnd type="triangle"/>
+          </a:ln>
+        </p:spPr>
+        <p:style>
+          <a:lnRef idx="1">
+            <a:schemeClr val="accent1"/>
+          </a:lnRef>
+          <a:fillRef idx="0">
+            <a:schemeClr val="accent1"/>
+          </a:fillRef>
+          <a:effectRef idx="0">
+            <a:schemeClr val="accent1"/>
+          </a:effectRef>
+          <a:fontRef idx="minor">
+            <a:schemeClr val="tx1"/>
+          </a:fontRef>
+        </p:style>
+      </p:cxnSp>
+      <p:graphicFrame>
+        <p:nvGraphicFramePr>
+          <p:cNvPr id="14" name="Inhaltsplatzhalter 1"/>
+          <p:cNvGraphicFramePr>
+            <a:graphicFrameLocks/>
+          </p:cNvGraphicFramePr>
+          <p:nvPr>
+            <p:extLst>
+              <p:ext uri="{D42A27DB-BD31-4B8C-83A1-F6EECF244321}">
+                <p14:modId xmlns:p14="http://schemas.microsoft.com/office/powerpoint/2010/main" val="1876979290"/>
+              </p:ext>
+            </p:extLst>
+          </p:nvPr>
+        </p:nvGraphicFramePr>
+        <p:xfrm>
+          <a:off x="519704" y="1035620"/>
+          <a:ext cx="2361142" cy="1767082"/>
+        </p:xfrm>
+        <a:graphic>
+          <a:graphicData uri="http://schemas.openxmlformats.org/drawingml/2006/table">
+            <a:tbl>
+              <a:tblPr firstRow="1" bandRow="1">
+                <a:tableStyleId>{5940675A-B579-460E-94D1-54222C63F5DA}</a:tableStyleId>
+              </a:tblPr>
+              <a:tblGrid>
+                <a:gridCol w="2361142">
+                  <a:extLst>
+                    <a:ext uri="{9D8B030D-6E8A-4147-A177-3AD203B41FA5}">
+                      <a16:colId xmlns:a16="http://schemas.microsoft.com/office/drawing/2014/main" val="1293918394"/>
+                    </a:ext>
+                  </a:extLst>
+                </a:gridCol>
+              </a:tblGrid>
+              <a:tr h="256152">
+                <a:tc>
+                  <a:txBody>
+                    <a:bodyPr/>
+                    <a:lstStyle/>
+                    <a:p>
+                      <a:r>
+                        <a:rPr lang="de-DE" dirty="0"/>
+                        <a:t>Ball</a:t>
+                      </a:r>
+                    </a:p>
+                  </a:txBody>
+                  <a:tcPr/>
+                </a:tc>
+                <a:extLst>
+                  <a:ext uri="{0D108BD9-81ED-4DB2-BD59-A6C34878D82A}">
+                    <a16:rowId xmlns:a16="http://schemas.microsoft.com/office/drawing/2014/main" val="424887423"/>
+                  </a:ext>
+                </a:extLst>
+              </a:tr>
+              <a:tr h="448266">
+                <a:tc>
+                  <a:txBody>
+                    <a:bodyPr/>
+                    <a:lstStyle/>
+                    <a:p>
+                      <a:r>
+                        <a:rPr lang="de-DE" dirty="0"/>
+                        <a:t>-size</a:t>
+                      </a:r>
+                    </a:p>
+                    <a:p>
+                      <a:endParaRPr lang="de-DE" dirty="0"/>
+                    </a:p>
+                  </a:txBody>
+                  <a:tcPr/>
+                </a:tc>
+                <a:extLst>
+                  <a:ext uri="{0D108BD9-81ED-4DB2-BD59-A6C34878D82A}">
+                    <a16:rowId xmlns:a16="http://schemas.microsoft.com/office/drawing/2014/main" val="1445048750"/>
+                  </a:ext>
+                </a:extLst>
+              </a:tr>
+              <a:tr h="761242">
+                <a:tc>
+                  <a:txBody>
+                    <a:bodyPr/>
+                    <a:lstStyle/>
+                    <a:p>
+                      <a:r>
+                        <a:rPr lang="de-DE" dirty="0"/>
+                        <a:t>+</a:t>
+                      </a:r>
+                      <a:r>
+                        <a:rPr lang="de-DE" dirty="0" err="1"/>
+                        <a:t>getBall</a:t>
+                      </a:r>
+                      <a:r>
+                        <a:rPr lang="de-DE" dirty="0"/>
+                        <a:t>()</a:t>
+                      </a:r>
+                    </a:p>
+                    <a:p>
+                      <a:endParaRPr lang="de-DE" dirty="0"/>
+                    </a:p>
+                  </a:txBody>
+                  <a:tcPr/>
+                </a:tc>
+                <a:extLst>
+                  <a:ext uri="{0D108BD9-81ED-4DB2-BD59-A6C34878D82A}">
+                    <a16:rowId xmlns:a16="http://schemas.microsoft.com/office/drawing/2014/main" val="916365280"/>
+                  </a:ext>
+                </a:extLst>
+              </a:tr>
+            </a:tbl>
+          </a:graphicData>
+        </a:graphic>
+      </p:graphicFrame>
+      <p:cxnSp>
+        <p:nvCxnSpPr>
+          <p:cNvPr id="20" name="Gerade Verbindung mit Pfeil 19"/>
+          <p:cNvCxnSpPr>
+            <a:stCxn id="9" idx="1"/>
+            <a:endCxn id="4" idx="2"/>
+          </p:cNvCxnSpPr>
+          <p:nvPr/>
+        </p:nvCxnSpPr>
+        <p:spPr>
+          <a:xfrm flipH="1" flipV="1">
+            <a:off x="3705085" y="5541616"/>
+            <a:ext cx="2680113" cy="183522"/>
+          </a:xfrm>
+          <a:prstGeom prst="straightConnector1">
+            <a:avLst/>
+          </a:prstGeom>
+          <a:ln>
+            <a:tailEnd type="triangle"/>
+          </a:ln>
+        </p:spPr>
+        <p:style>
+          <a:lnRef idx="1">
+            <a:schemeClr val="accent1"/>
+          </a:lnRef>
+          <a:fillRef idx="0">
+            <a:schemeClr val="accent1"/>
+          </a:fillRef>
+          <a:effectRef idx="0">
+            <a:schemeClr val="accent1"/>
+          </a:effectRef>
+          <a:fontRef idx="minor">
+            <a:schemeClr val="tx1"/>
+          </a:fontRef>
+        </p:style>
+      </p:cxnSp>
+      <p:graphicFrame>
+        <p:nvGraphicFramePr>
+          <p:cNvPr id="25" name="Inhaltsplatzhalter 1"/>
+          <p:cNvGraphicFramePr>
+            <a:graphicFrameLocks/>
+          </p:cNvGraphicFramePr>
+          <p:nvPr>
+            <p:extLst>
+              <p:ext uri="{D42A27DB-BD31-4B8C-83A1-F6EECF244321}">
+                <p14:modId xmlns:p14="http://schemas.microsoft.com/office/powerpoint/2010/main" val="550897886"/>
+              </p:ext>
+            </p:extLst>
+          </p:nvPr>
+        </p:nvGraphicFramePr>
+        <p:xfrm>
+          <a:off x="5662481" y="1203071"/>
+          <a:ext cx="2361142" cy="2315722"/>
+        </p:xfrm>
+        <a:graphic>
+          <a:graphicData uri="http://schemas.openxmlformats.org/drawingml/2006/table">
+            <a:tbl>
+              <a:tblPr firstRow="1" bandRow="1">
+                <a:tableStyleId>{5940675A-B579-460E-94D1-54222C63F5DA}</a:tableStyleId>
+              </a:tblPr>
+              <a:tblGrid>
+                <a:gridCol w="2361142">
+                  <a:extLst>
+                    <a:ext uri="{9D8B030D-6E8A-4147-A177-3AD203B41FA5}">
+                      <a16:colId xmlns:a16="http://schemas.microsoft.com/office/drawing/2014/main" val="1293918394"/>
+                    </a:ext>
+                  </a:extLst>
+                </a:gridCol>
+              </a:tblGrid>
+              <a:tr h="256152">
+                <a:tc>
+                  <a:txBody>
+                    <a:bodyPr/>
+                    <a:lstStyle/>
+                    <a:p>
+                      <a:r>
+                        <a:rPr lang="de-DE" dirty="0"/>
+                        <a:t>Physik</a:t>
+                      </a:r>
+                    </a:p>
+                  </a:txBody>
+                  <a:tcPr/>
+                </a:tc>
+                <a:extLst>
+                  <a:ext uri="{0D108BD9-81ED-4DB2-BD59-A6C34878D82A}">
+                    <a16:rowId xmlns:a16="http://schemas.microsoft.com/office/drawing/2014/main" val="424887423"/>
+                  </a:ext>
+                </a:extLst>
+              </a:tr>
+              <a:tr h="448266">
+                <a:tc>
+                  <a:txBody>
+                    <a:bodyPr/>
+                    <a:lstStyle/>
+                    <a:p>
+                      <a:r>
+                        <a:rPr lang="de-DE" dirty="0"/>
+                        <a:t>-reibung</a:t>
+                      </a:r>
+                    </a:p>
+                    <a:p>
+                      <a:r>
+                        <a:rPr lang="de-DE" dirty="0"/>
+                        <a:t>-schwerkraft</a:t>
+                      </a:r>
+                    </a:p>
+                    <a:p>
+                      <a:endParaRPr lang="de-DE" dirty="0"/>
+                    </a:p>
+                    <a:p>
+                      <a:endParaRPr lang="de-DE" dirty="0"/>
+                    </a:p>
+                  </a:txBody>
+                  <a:tcPr/>
+                </a:tc>
+                <a:extLst>
+                  <a:ext uri="{0D108BD9-81ED-4DB2-BD59-A6C34878D82A}">
+                    <a16:rowId xmlns:a16="http://schemas.microsoft.com/office/drawing/2014/main" val="1445048750"/>
+                  </a:ext>
+                </a:extLst>
+              </a:tr>
+              <a:tr h="761242">
+                <a:tc>
+                  <a:txBody>
+                    <a:bodyPr/>
+                    <a:lstStyle/>
+                    <a:p>
+                      <a:r>
+                        <a:rPr lang="de-DE" dirty="0"/>
+                        <a:t>+</a:t>
+                      </a:r>
+                      <a:r>
+                        <a:rPr lang="de-DE" dirty="0" err="1"/>
+                        <a:t>getSpeed</a:t>
+                      </a:r>
+                      <a:r>
+                        <a:rPr lang="de-DE" dirty="0"/>
+                        <a:t>()</a:t>
+                      </a:r>
+                    </a:p>
+                    <a:p>
+                      <a:r>
+                        <a:rPr lang="de-DE" dirty="0"/>
+                        <a:t>+</a:t>
+                      </a:r>
+                      <a:r>
+                        <a:rPr lang="de-DE" dirty="0" err="1"/>
+                        <a:t>getGravity</a:t>
+                      </a:r>
+                      <a:r>
+                        <a:rPr lang="de-DE" dirty="0"/>
+                        <a:t>()</a:t>
+                      </a:r>
+                    </a:p>
+                  </a:txBody>
+                  <a:tcPr/>
+                </a:tc>
+                <a:extLst>
+                  <a:ext uri="{0D108BD9-81ED-4DB2-BD59-A6C34878D82A}">
+                    <a16:rowId xmlns:a16="http://schemas.microsoft.com/office/drawing/2014/main" val="916365280"/>
+                  </a:ext>
+                </a:extLst>
+              </a:tr>
+            </a:tbl>
+          </a:graphicData>
+        </a:graphic>
+      </p:graphicFrame>
+      <p:cxnSp>
+        <p:nvCxnSpPr>
+          <p:cNvPr id="39" name="Gerade Verbindung mit Pfeil 38"/>
+          <p:cNvCxnSpPr>
+            <a:endCxn id="5" idx="2"/>
+          </p:cNvCxnSpPr>
+          <p:nvPr/>
+        </p:nvCxnSpPr>
+        <p:spPr>
+          <a:xfrm flipV="1">
+            <a:off x="6788944" y="889634"/>
+            <a:ext cx="0" cy="313437"/>
+          </a:xfrm>
+          <a:prstGeom prst="straightConnector1">
+            <a:avLst/>
           </a:prstGeom>
           <a:ln>
             <a:tailEnd type="triangle"/>

--- a/BallFall.pptx
+++ b/BallFall.pptx
@@ -208,7 +208,7 @@
           <a:p>
             <a:fld id="{1388073F-2889-421D-8CA9-381C175A6760}" type="datetimeFigureOut">
               <a:rPr lang="de-DE" smtClean="0"/>
-              <a:t>16.05.2016</a:t>
+              <a:t>18.05.2016</a:t>
             </a:fld>
             <a:endParaRPr lang="de-DE"/>
           </a:p>
@@ -1427,7 +1427,7 @@
           <a:p>
             <a:fld id="{648E4D05-418B-44D2-941C-DB8366AFC4DF}" type="datetimeFigureOut">
               <a:rPr lang="de-DE" smtClean="0"/>
-              <a:t>16.05.2016</a:t>
+              <a:t>18.05.2016</a:t>
             </a:fld>
             <a:endParaRPr lang="de-DE"/>
           </a:p>
@@ -1595,7 +1595,7 @@
           <a:p>
             <a:fld id="{648E4D05-418B-44D2-941C-DB8366AFC4DF}" type="datetimeFigureOut">
               <a:rPr lang="de-DE" smtClean="0"/>
-              <a:t>16.05.2016</a:t>
+              <a:t>18.05.2016</a:t>
             </a:fld>
             <a:endParaRPr lang="de-DE"/>
           </a:p>
@@ -1773,7 +1773,7 @@
           <a:p>
             <a:fld id="{648E4D05-418B-44D2-941C-DB8366AFC4DF}" type="datetimeFigureOut">
               <a:rPr lang="de-DE" smtClean="0"/>
-              <a:t>16.05.2016</a:t>
+              <a:t>18.05.2016</a:t>
             </a:fld>
             <a:endParaRPr lang="de-DE"/>
           </a:p>
@@ -1941,7 +1941,7 @@
           <a:p>
             <a:fld id="{648E4D05-418B-44D2-941C-DB8366AFC4DF}" type="datetimeFigureOut">
               <a:rPr lang="de-DE" smtClean="0"/>
-              <a:t>16.05.2016</a:t>
+              <a:t>18.05.2016</a:t>
             </a:fld>
             <a:endParaRPr lang="de-DE"/>
           </a:p>
@@ -2186,7 +2186,7 @@
           <a:p>
             <a:fld id="{648E4D05-418B-44D2-941C-DB8366AFC4DF}" type="datetimeFigureOut">
               <a:rPr lang="de-DE" smtClean="0"/>
-              <a:t>16.05.2016</a:t>
+              <a:t>18.05.2016</a:t>
             </a:fld>
             <a:endParaRPr lang="de-DE"/>
           </a:p>
@@ -2415,7 +2415,7 @@
           <a:p>
             <a:fld id="{648E4D05-418B-44D2-941C-DB8366AFC4DF}" type="datetimeFigureOut">
               <a:rPr lang="de-DE" smtClean="0"/>
-              <a:t>16.05.2016</a:t>
+              <a:t>18.05.2016</a:t>
             </a:fld>
             <a:endParaRPr lang="de-DE"/>
           </a:p>
@@ -2779,7 +2779,7 @@
           <a:p>
             <a:fld id="{648E4D05-418B-44D2-941C-DB8366AFC4DF}" type="datetimeFigureOut">
               <a:rPr lang="de-DE" smtClean="0"/>
-              <a:t>16.05.2016</a:t>
+              <a:t>18.05.2016</a:t>
             </a:fld>
             <a:endParaRPr lang="de-DE"/>
           </a:p>
@@ -2896,7 +2896,7 @@
           <a:p>
             <a:fld id="{648E4D05-418B-44D2-941C-DB8366AFC4DF}" type="datetimeFigureOut">
               <a:rPr lang="de-DE" smtClean="0"/>
-              <a:t>16.05.2016</a:t>
+              <a:t>18.05.2016</a:t>
             </a:fld>
             <a:endParaRPr lang="de-DE"/>
           </a:p>
@@ -2991,7 +2991,7 @@
           <a:p>
             <a:fld id="{648E4D05-418B-44D2-941C-DB8366AFC4DF}" type="datetimeFigureOut">
               <a:rPr lang="de-DE" smtClean="0"/>
-              <a:t>16.05.2016</a:t>
+              <a:t>18.05.2016</a:t>
             </a:fld>
             <a:endParaRPr lang="de-DE"/>
           </a:p>
@@ -3266,7 +3266,7 @@
           <a:p>
             <a:fld id="{648E4D05-418B-44D2-941C-DB8366AFC4DF}" type="datetimeFigureOut">
               <a:rPr lang="de-DE" smtClean="0"/>
-              <a:t>16.05.2016</a:t>
+              <a:t>18.05.2016</a:t>
             </a:fld>
             <a:endParaRPr lang="de-DE"/>
           </a:p>
@@ -3518,7 +3518,7 @@
           <a:p>
             <a:fld id="{648E4D05-418B-44D2-941C-DB8366AFC4DF}" type="datetimeFigureOut">
               <a:rPr lang="de-DE" smtClean="0"/>
-              <a:t>16.05.2016</a:t>
+              <a:t>18.05.2016</a:t>
             </a:fld>
             <a:endParaRPr lang="de-DE"/>
           </a:p>
@@ -3729,7 +3729,7 @@
           <a:p>
             <a:fld id="{648E4D05-418B-44D2-941C-DB8366AFC4DF}" type="datetimeFigureOut">
               <a:rPr lang="de-DE" smtClean="0"/>
-              <a:t>16.05.2016</a:t>
+              <a:t>18.05.2016</a:t>
             </a:fld>
             <a:endParaRPr lang="de-DE"/>
           </a:p>
@@ -4134,24 +4134,55 @@
           <a:chExt cx="0" cy="0"/>
         </a:xfrm>
       </p:grpSpPr>
+      <p:sp>
+        <p:nvSpPr>
+          <p:cNvPr id="3" name="Untertitel 2"/>
+          <p:cNvSpPr>
+            <a:spLocks noGrp="1"/>
+          </p:cNvSpPr>
+          <p:nvPr>
+            <p:ph type="subTitle" idx="1"/>
+          </p:nvPr>
+        </p:nvSpPr>
+        <p:spPr/>
+        <p:txBody>
+          <a:bodyPr/>
+          <a:lstStyle/>
+          <a:p>
+            <a:r>
+              <a:rPr lang="de-DE" dirty="0">
+                <a:solidFill>
+                  <a:schemeClr val="bg1"/>
+                </a:solidFill>
+              </a:rPr>
+              <a:t>Von Victoria, Florian, Alexander, Jonas und Maximilian</a:t>
+            </a:r>
+          </a:p>
+        </p:txBody>
+      </p:sp>
       <p:pic>
         <p:nvPicPr>
-          <p:cNvPr id="4" name="Grafik 3"/>
+          <p:cNvPr id="6" name="Grafik 5"/>
           <p:cNvPicPr>
             <a:picLocks noChangeAspect="1"/>
           </p:cNvPicPr>
           <p:nvPr/>
         </p:nvPicPr>
-        <p:blipFill>
-          <a:blip r:embed="rId3"/>
-          <a:stretch>
-            <a:fillRect/>
-          </a:stretch>
+        <p:blipFill rotWithShape="1">
+          <a:blip r:embed="rId3">
+            <a:extLst>
+              <a:ext uri="{28A0092B-C50C-407E-A947-70E740481C1C}">
+                <a14:useLocalDpi xmlns:a14="http://schemas.microsoft.com/office/drawing/2010/main" val="0"/>
+              </a:ext>
+            </a:extLst>
+          </a:blip>
+          <a:srcRect l="9295" t="268" r="11859" b="33013"/>
+          <a:stretch/>
         </p:blipFill>
         <p:spPr>
           <a:xfrm>
             <a:off x="0" y="0"/>
-            <a:ext cx="12192000" cy="6841607"/>
+            <a:ext cx="12192000" cy="6884677"/>
           </a:xfrm>
           <a:prstGeom prst="rect">
             <a:avLst/>
@@ -4160,66 +4191,43 @@
       </p:pic>
       <p:sp>
         <p:nvSpPr>
-          <p:cNvPr id="2" name="Titel 1"/>
-          <p:cNvSpPr>
-            <a:spLocks noGrp="1"/>
-          </p:cNvSpPr>
-          <p:nvPr>
-            <p:ph type="ctrTitle"/>
-          </p:nvPr>
-        </p:nvSpPr>
-        <p:spPr/>
-        <p:txBody>
-          <a:bodyPr/>
-          <a:lstStyle/>
-          <a:p>
-            <a:r>
-              <a:rPr lang="de-DE" dirty="0">
-                <a:solidFill>
-                  <a:schemeClr val="bg1"/>
-                </a:solidFill>
-              </a:rPr>
-              <a:t>Hole in </a:t>
-            </a:r>
-            <a:r>
-              <a:rPr lang="de-DE" dirty="0" err="1">
-                <a:solidFill>
-                  <a:schemeClr val="bg1"/>
-                </a:solidFill>
-              </a:rPr>
-              <a:t>One</a:t>
-            </a:r>
-            <a:endParaRPr lang="de-DE" dirty="0">
-              <a:solidFill>
-                <a:schemeClr val="bg1"/>
-              </a:solidFill>
-            </a:endParaRPr>
-          </a:p>
-        </p:txBody>
-      </p:sp>
-      <p:sp>
-        <p:nvSpPr>
-          <p:cNvPr id="3" name="Untertitel 2"/>
-          <p:cNvSpPr>
-            <a:spLocks noGrp="1"/>
-          </p:cNvSpPr>
-          <p:nvPr>
-            <p:ph type="subTitle" idx="1"/>
-          </p:nvPr>
-        </p:nvSpPr>
-        <p:spPr/>
-        <p:txBody>
-          <a:bodyPr/>
-          <a:lstStyle/>
-          <a:p>
-            <a:r>
-              <a:rPr lang="de-DE" dirty="0">
-                <a:solidFill>
-                  <a:schemeClr val="bg1"/>
-                </a:solidFill>
-              </a:rPr>
-              <a:t>Von Victoria, Florian, Alexander, Jonas und Maximilian</a:t>
-            </a:r>
+          <p:cNvPr id="7" name="Textfeld 6"/>
+          <p:cNvSpPr txBox="1"/>
+          <p:nvPr/>
+        </p:nvSpPr>
+        <p:spPr>
+          <a:xfrm>
+            <a:off x="3837048" y="6312876"/>
+            <a:ext cx="4517903" cy="369332"/>
+          </a:xfrm>
+          <a:prstGeom prst="rect">
+            <a:avLst/>
+          </a:prstGeom>
+          <a:noFill/>
+        </p:spPr>
+        <p:txBody>
+          <a:bodyPr wrap="none" rtlCol="0">
+            <a:spAutoFit/>
+          </a:bodyPr>
+          <a:lstStyle/>
+          <a:p>
+            <a:r>
+              <a:rPr lang="de-DE" dirty="0" err="1" smtClean="0"/>
+              <a:t>Maximilain</a:t>
+            </a:r>
+            <a:r>
+              <a:rPr lang="de-DE" dirty="0" smtClean="0"/>
+              <a:t>, Jonas, Alexander, </a:t>
+            </a:r>
+            <a:r>
+              <a:rPr lang="de-DE" dirty="0" err="1" smtClean="0"/>
+              <a:t>Florain</a:t>
+            </a:r>
+            <a:r>
+              <a:rPr lang="de-DE" dirty="0" smtClean="0"/>
+              <a:t>, Victoria </a:t>
+            </a:r>
+            <a:endParaRPr lang="de-DE" dirty="0"/>
           </a:p>
         </p:txBody>
       </p:sp>
@@ -4369,6 +4377,10 @@
             <a:br>
               <a:rPr lang="de-DE" dirty="0"/>
             </a:br>
+            <a:r>
+              <a:rPr lang="de-DE" dirty="0"/>
+              <a:t/>
+            </a:r>
             <a:br>
               <a:rPr lang="de-DE" dirty="0"/>
             </a:br>
@@ -4463,6 +4475,14 @@
   <p:clrMapOvr>
     <a:masterClrMapping/>
   </p:clrMapOvr>
+  <mc:AlternateContent xmlns:mc="http://schemas.openxmlformats.org/markup-compatibility/2006">
+    <mc:Choice xmlns:p14="http://schemas.microsoft.com/office/powerpoint/2010/main" Requires="p14">
+      <p:transition spd="slow" p14:dur="2000"/>
+    </mc:Choice>
+    <mc:Fallback>
+      <p:transition spd="slow"/>
+    </mc:Fallback>
+  </mc:AlternateContent>
 </p:sld>
 </file>
 
@@ -4786,6 +4806,14 @@
   <p:clrMapOvr>
     <a:masterClrMapping/>
   </p:clrMapOvr>
+  <mc:AlternateContent xmlns:mc="http://schemas.openxmlformats.org/markup-compatibility/2006">
+    <mc:Choice xmlns:p14="http://schemas.microsoft.com/office/powerpoint/2010/main" Requires="p14">
+      <p:transition spd="slow" p14:dur="2000"/>
+    </mc:Choice>
+    <mc:Fallback>
+      <p:transition spd="slow"/>
+    </mc:Fallback>
+  </mc:AlternateContent>
 </p:sld>
 </file>
 
@@ -5840,6 +5868,10 @@
             <a:r>
               <a:rPr lang="de-DE" dirty="0" err="1"/>
               <a:t>Timer</a:t>
+            </a:r>
+            <a:r>
+              <a:rPr lang="de-DE" dirty="0"/>
+              <a:t/>
             </a:r>
             <a:br>
               <a:rPr lang="de-DE" dirty="0"/>
@@ -6439,6 +6471,14 @@
   <p:clrMapOvr>
     <a:masterClrMapping/>
   </p:clrMapOvr>
+  <mc:AlternateContent xmlns:mc="http://schemas.openxmlformats.org/markup-compatibility/2006">
+    <mc:Choice xmlns:p14="http://schemas.microsoft.com/office/powerpoint/2010/main" Requires="p14">
+      <p:transition spd="slow" p14:dur="2000"/>
+    </mc:Choice>
+    <mc:Fallback>
+      <p:transition spd="slow"/>
+    </mc:Fallback>
+  </mc:AlternateContent>
 </p:sld>
 </file>
 
@@ -6660,47 +6700,28 @@
       </p:sp>
       <p:pic>
         <p:nvPicPr>
-          <p:cNvPr id="11" name="Grafik 10"/>
+          <p:cNvPr id="4" name="Grafik 3"/>
           <p:cNvPicPr>
             <a:picLocks noChangeAspect="1"/>
           </p:cNvPicPr>
           <p:nvPr/>
         </p:nvPicPr>
         <p:blipFill>
-          <a:blip r:embed="rId3"/>
+          <a:blip r:embed="rId3">
+            <a:extLst>
+              <a:ext uri="{28A0092B-C50C-407E-A947-70E740481C1C}">
+                <a14:useLocalDpi xmlns:a14="http://schemas.microsoft.com/office/drawing/2010/main" val="0"/>
+              </a:ext>
+            </a:extLst>
+          </a:blip>
           <a:stretch>
             <a:fillRect/>
           </a:stretch>
         </p:blipFill>
         <p:spPr>
           <a:xfrm>
-            <a:off x="4069639" y="2061186"/>
-            <a:ext cx="1848507" cy="2058969"/>
-          </a:xfrm>
-          <a:prstGeom prst="rect">
-            <a:avLst/>
-          </a:prstGeom>
-          <a:noFill/>
-        </p:spPr>
-      </p:pic>
-      <p:pic>
-        <p:nvPicPr>
-          <p:cNvPr id="15" name="Grafik 14"/>
-          <p:cNvPicPr>
-            <a:picLocks noChangeAspect="1"/>
-          </p:cNvPicPr>
-          <p:nvPr/>
-        </p:nvPicPr>
-        <p:blipFill>
-          <a:blip r:embed="rId4"/>
-          <a:stretch>
-            <a:fillRect/>
-          </a:stretch>
-        </p:blipFill>
-        <p:spPr>
-          <a:xfrm>
-            <a:off x="1013079" y="1981009"/>
-            <a:ext cx="2686050" cy="2219325"/>
+            <a:off x="-1448" y="1886046"/>
+            <a:ext cx="4208585" cy="3020536"/>
           </a:xfrm>
           <a:prstGeom prst="rect">
             <a:avLst/>
@@ -6709,22 +6730,58 @@
       </p:pic>
       <p:pic>
         <p:nvPicPr>
-          <p:cNvPr id="22" name="Grafik 21"/>
+          <p:cNvPr id="5" name="Grafik 4"/>
           <p:cNvPicPr>
             <a:picLocks noChangeAspect="1"/>
           </p:cNvPicPr>
           <p:nvPr/>
         </p:nvPicPr>
         <p:blipFill>
-          <a:blip r:embed="rId5"/>
+          <a:blip r:embed="rId4">
+            <a:extLst>
+              <a:ext uri="{28A0092B-C50C-407E-A947-70E740481C1C}">
+                <a14:useLocalDpi xmlns:a14="http://schemas.microsoft.com/office/drawing/2010/main" val="0"/>
+              </a:ext>
+            </a:extLst>
+          </a:blip>
           <a:stretch>
             <a:fillRect/>
           </a:stretch>
         </p:blipFill>
         <p:spPr>
           <a:xfrm>
-            <a:off x="6027201" y="1981009"/>
-            <a:ext cx="5435654" cy="3993696"/>
+            <a:off x="7838581" y="1886046"/>
+            <a:ext cx="4354867" cy="3111915"/>
+          </a:xfrm>
+          <a:prstGeom prst="rect">
+            <a:avLst/>
+          </a:prstGeom>
+        </p:spPr>
+      </p:pic>
+      <p:pic>
+        <p:nvPicPr>
+          <p:cNvPr id="6" name="Grafik 5"/>
+          <p:cNvPicPr>
+            <a:picLocks noChangeAspect="1"/>
+          </p:cNvPicPr>
+          <p:nvPr/>
+        </p:nvPicPr>
+        <p:blipFill>
+          <a:blip r:embed="rId5" cstate="hqprint">
+            <a:extLst>
+              <a:ext uri="{28A0092B-C50C-407E-A947-70E740481C1C}">
+                <a14:useLocalDpi xmlns:a14="http://schemas.microsoft.com/office/drawing/2010/main" val="0"/>
+              </a:ext>
+            </a:extLst>
+          </a:blip>
+          <a:stretch>
+            <a:fillRect/>
+          </a:stretch>
+        </p:blipFill>
+        <p:spPr>
+          <a:xfrm>
+            <a:off x="4344415" y="1502269"/>
+            <a:ext cx="3400883" cy="3788089"/>
           </a:xfrm>
           <a:prstGeom prst="rect">
             <a:avLst/>
@@ -6745,7 +6802,7 @@
 </file>
 
 <file path=ppt/slides/slide4.xml><?xml version="1.0" encoding="utf-8"?>
-<p:sld xmlns:a="http://schemas.openxmlformats.org/drawingml/2006/main" xmlns:r="http://schemas.openxmlformats.org/officeDocument/2006/relationships" xmlns:p="http://schemas.openxmlformats.org/presentationml/2006/main">
+<p:sld xmlns:a="http://schemas.openxmlformats.org/drawingml/2006/main" xmlns:r="http://schemas.openxmlformats.org/officeDocument/2006/relationships" xmlns:p="http://schemas.openxmlformats.org/presentationml/2006/main" show="0">
   <p:cSld>
     <p:spTree>
       <p:nvGrpSpPr>
@@ -6795,6 +6852,14 @@
   <p:clrMapOvr>
     <a:masterClrMapping/>
   </p:clrMapOvr>
+  <mc:AlternateContent xmlns:mc="http://schemas.openxmlformats.org/markup-compatibility/2006">
+    <mc:Choice xmlns:p14="http://schemas.microsoft.com/office/powerpoint/2010/main" Requires="p14">
+      <p:transition spd="slow" p14:dur="2000"/>
+    </mc:Choice>
+    <mc:Fallback>
+      <p:transition spd="slow"/>
+    </mc:Fallback>
+  </mc:AlternateContent>
 </p:sld>
 </file>
 
@@ -10876,7 +10941,7 @@
           <p:nvPr>
             <p:extLst>
               <p:ext uri="{D42A27DB-BD31-4B8C-83A1-F6EECF244321}">
-                <p14:modId xmlns:p14="http://schemas.microsoft.com/office/powerpoint/2010/main" val="1876979290"/>
+                <p14:modId xmlns:p14="http://schemas.microsoft.com/office/powerpoint/2010/main" val="2247966361"/>
               </p:ext>
             </p:extLst>
           </p:nvPr>
@@ -10907,9 +10972,10 @@
                     <a:lstStyle/>
                     <a:p>
                       <a:r>
-                        <a:rPr lang="de-DE" dirty="0"/>
-                        <a:t>Ball</a:t>
-                      </a:r>
+                        <a:rPr lang="de-DE" dirty="0" err="1" smtClean="0"/>
+                        <a:t>Papierkneul</a:t>
+                      </a:r>
+                      <a:endParaRPr lang="de-DE" dirty="0"/>
                     </a:p>
                   </a:txBody>
                   <a:tcPr/>

--- a/BallFall.pptx
+++ b/BallFall.pptx
@@ -5,21 +5,22 @@
     <p:sldMasterId id="2147483648" r:id="rId1"/>
   </p:sldMasterIdLst>
   <p:notesMasterIdLst>
-    <p:notesMasterId r:id="rId14"/>
+    <p:notesMasterId r:id="rId15"/>
   </p:notesMasterIdLst>
   <p:sldIdLst>
     <p:sldId id="256" r:id="rId2"/>
     <p:sldId id="264" r:id="rId3"/>
-    <p:sldId id="257" r:id="rId4"/>
-    <p:sldId id="269" r:id="rId5"/>
-    <p:sldId id="263" r:id="rId6"/>
-    <p:sldId id="258" r:id="rId7"/>
-    <p:sldId id="265" r:id="rId8"/>
-    <p:sldId id="262" r:id="rId9"/>
-    <p:sldId id="259" r:id="rId10"/>
-    <p:sldId id="266" r:id="rId11"/>
-    <p:sldId id="267" r:id="rId12"/>
-    <p:sldId id="268" r:id="rId13"/>
+    <p:sldId id="270" r:id="rId4"/>
+    <p:sldId id="257" r:id="rId5"/>
+    <p:sldId id="269" r:id="rId6"/>
+    <p:sldId id="263" r:id="rId7"/>
+    <p:sldId id="258" r:id="rId8"/>
+    <p:sldId id="265" r:id="rId9"/>
+    <p:sldId id="262" r:id="rId10"/>
+    <p:sldId id="259" r:id="rId11"/>
+    <p:sldId id="266" r:id="rId12"/>
+    <p:sldId id="267" r:id="rId13"/>
+    <p:sldId id="268" r:id="rId14"/>
   </p:sldIdLst>
   <p:sldSz cx="12192000" cy="6858000"/>
   <p:notesSz cx="6858000" cy="9144000"/>
@@ -687,63 +688,6 @@
           <a:bodyPr/>
           <a:lstStyle/>
           <a:p>
-            <a:r>
-              <a:rPr lang="de-DE" dirty="0"/>
-              <a:t>-</a:t>
-            </a:r>
-            <a:r>
-              <a:rPr lang="de-DE" dirty="0" err="1"/>
-              <a:t>einzelen</a:t>
-            </a:r>
-            <a:r>
-              <a:rPr lang="de-DE" dirty="0"/>
-              <a:t> Layout Beispiele</a:t>
-            </a:r>
-          </a:p>
-          <a:p>
-            <a:endParaRPr lang="de-DE" dirty="0"/>
-          </a:p>
-          <a:p>
-            <a:r>
-              <a:rPr lang="de-DE" dirty="0"/>
-              <a:t>-</a:t>
-            </a:r>
-            <a:r>
-              <a:rPr lang="de-DE" dirty="0" err="1"/>
-              <a:t>links:z.B</a:t>
-            </a:r>
-            <a:r>
-              <a:rPr lang="de-DE" dirty="0"/>
-              <a:t>.</a:t>
-            </a:r>
-            <a:r>
-              <a:rPr lang="de-DE" baseline="0" dirty="0"/>
-              <a:t> so könnte </a:t>
-            </a:r>
-            <a:r>
-              <a:rPr lang="de-DE" baseline="0" dirty="0" err="1"/>
-              <a:t>startmenü</a:t>
-            </a:r>
-            <a:r>
-              <a:rPr lang="de-DE" baseline="0" dirty="0"/>
-              <a:t> aussehen, </a:t>
-            </a:r>
-            <a:r>
-              <a:rPr lang="de-DE" baseline="0" dirty="0" err="1"/>
-              <a:t>mitte</a:t>
-            </a:r>
-            <a:r>
-              <a:rPr lang="de-DE" baseline="0" dirty="0"/>
-              <a:t> </a:t>
-            </a:r>
-            <a:r>
-              <a:rPr lang="de-DE" baseline="0" dirty="0" err="1"/>
-              <a:t>Levelauswahl</a:t>
-            </a:r>
-            <a:r>
-              <a:rPr lang="de-DE" baseline="0" dirty="0"/>
-              <a:t> und rechts ein Beispiel wie ein Level aussehnen könnte</a:t>
-            </a:r>
             <a:endParaRPr lang="de-DE" dirty="0"/>
           </a:p>
         </p:txBody>
@@ -774,7 +718,7 @@
     </p:spTree>
     <p:extLst>
       <p:ext uri="{BB962C8B-B14F-4D97-AF65-F5344CB8AC3E}">
-        <p14:creationId xmlns:p14="http://schemas.microsoft.com/office/powerpoint/2010/main" val="3895936960"/>
+        <p14:creationId xmlns:p14="http://schemas.microsoft.com/office/powerpoint/2010/main" val="2436650324"/>
       </p:ext>
     </p:extLst>
   </p:cSld>
@@ -830,7 +774,15 @@
           <a:p>
             <a:r>
               <a:rPr lang="de-DE" dirty="0"/>
-              <a:t>-Bildschirm ist die Oberklasse</a:t>
+              <a:t>-</a:t>
+            </a:r>
+            <a:r>
+              <a:rPr lang="de-DE" dirty="0" err="1"/>
+              <a:t>einzelen</a:t>
+            </a:r>
+            <a:r>
+              <a:rPr lang="de-DE" dirty="0"/>
+              <a:t> Layout Beispiele</a:t>
             </a:r>
           </a:p>
           <a:p>
@@ -839,81 +791,43 @@
           <a:p>
             <a:r>
               <a:rPr lang="de-DE" dirty="0"/>
-              <a:t>-Startbildschirm/</a:t>
+              <a:t>-</a:t>
             </a:r>
             <a:r>
               <a:rPr lang="de-DE" dirty="0" err="1"/>
-              <a:t>Levelmenu</a:t>
+              <a:t>links:z.B</a:t>
             </a:r>
             <a:r>
               <a:rPr lang="de-DE" dirty="0"/>
-              <a:t>/</a:t>
-            </a:r>
-            <a:r>
-              <a:rPr lang="de-DE" dirty="0" err="1"/>
-              <a:t>Level_X</a:t>
+              <a:t>.</a:t>
             </a:r>
             <a:r>
               <a:rPr lang="de-DE" baseline="0" dirty="0"/>
-              <a:t> und </a:t>
+              <a:t> so könnte </a:t>
             </a:r>
             <a:r>
               <a:rPr lang="de-DE" baseline="0" dirty="0" err="1"/>
-              <a:t>Highscore</a:t>
+              <a:t>startmenü</a:t>
             </a:r>
             <a:r>
               <a:rPr lang="de-DE" baseline="0" dirty="0"/>
-              <a:t> sind Kompositionen von Bildschirm, d.h. ohne Bildschirm gibt es keine weiteren Klassen</a:t>
-            </a:r>
-          </a:p>
-          <a:p>
-            <a:endParaRPr lang="de-DE" baseline="0" dirty="0"/>
-          </a:p>
-          <a:p>
+              <a:t> aussehen, </a:t>
+            </a:r>
+            <a:r>
+              <a:rPr lang="de-DE" baseline="0" dirty="0" err="1"/>
+              <a:t>mitte</a:t>
+            </a:r>
             <a:r>
               <a:rPr lang="de-DE" baseline="0" dirty="0"/>
-              <a:t>-Button ist eine Aggregation von </a:t>
+              <a:t> </a:t>
             </a:r>
             <a:r>
               <a:rPr lang="de-DE" baseline="0" dirty="0" err="1"/>
-              <a:t>Startbildschrim</a:t>
+              <a:t>Levelauswahl</a:t>
             </a:r>
             <a:r>
               <a:rPr lang="de-DE" baseline="0" dirty="0"/>
-              <a:t>, </a:t>
-            </a:r>
-            <a:r>
-              <a:rPr lang="de-DE" baseline="0" dirty="0" err="1"/>
-              <a:t>Levelmenu</a:t>
-            </a:r>
-            <a:r>
-              <a:rPr lang="de-DE" baseline="0" dirty="0"/>
-              <a:t>, </a:t>
-            </a:r>
-            <a:r>
-              <a:rPr lang="de-DE" baseline="0" dirty="0" err="1"/>
-              <a:t>Level_X</a:t>
-            </a:r>
-            <a:r>
-              <a:rPr lang="de-DE" baseline="0" dirty="0"/>
-              <a:t> und </a:t>
-            </a:r>
-            <a:r>
-              <a:rPr lang="de-DE" baseline="0" dirty="0" err="1"/>
-              <a:t>Highscore</a:t>
-            </a:r>
-            <a:r>
-              <a:rPr lang="de-DE" baseline="0" dirty="0"/>
-              <a:t>-&gt; Klassen können auch alleine existieren aber normalerweise ist Button    in die jeweiligen Klassen eingebunden</a:t>
-            </a:r>
-          </a:p>
-          <a:p>
-            <a:endParaRPr lang="de-DE" baseline="0" dirty="0"/>
-          </a:p>
-          <a:p>
-            <a:r>
-              <a:rPr lang="de-DE" baseline="0" dirty="0"/>
-              <a:t>-Physik ist in Objekten enthalten</a:t>
+              <a:t> und rechts ein Beispiel wie ein Level aussehnen könnte</a:t>
             </a:r>
             <a:endParaRPr lang="de-DE" dirty="0"/>
           </a:p>
@@ -936,7 +850,7 @@
           <a:p>
             <a:fld id="{B3718980-F47B-4107-9E31-BBEAA60D0300}" type="slidenum">
               <a:rPr lang="de-DE" smtClean="0"/>
-              <a:t>5</a:t>
+              <a:t>4</a:t>
             </a:fld>
             <a:endParaRPr lang="de-DE"/>
           </a:p>
@@ -945,7 +859,7 @@
     </p:spTree>
     <p:extLst>
       <p:ext uri="{BB962C8B-B14F-4D97-AF65-F5344CB8AC3E}">
-        <p14:creationId xmlns:p14="http://schemas.microsoft.com/office/powerpoint/2010/main" val="3261876811"/>
+        <p14:creationId xmlns:p14="http://schemas.microsoft.com/office/powerpoint/2010/main" val="3895936960"/>
       </p:ext>
     </p:extLst>
   </p:cSld>
@@ -1001,51 +915,92 @@
           <a:p>
             <a:r>
               <a:rPr lang="de-DE" dirty="0"/>
-              <a:t>-Klassen von eben</a:t>
+              <a:t>-Bildschirm ist die Oberklasse</a:t>
+            </a:r>
+          </a:p>
+          <a:p>
+            <a:endParaRPr lang="de-DE" dirty="0"/>
+          </a:p>
+          <a:p>
+            <a:r>
+              <a:rPr lang="de-DE" dirty="0"/>
+              <a:t>-Startbildschirm/</a:t>
+            </a:r>
+            <a:r>
+              <a:rPr lang="de-DE" dirty="0" err="1"/>
+              <a:t>Levelmenu</a:t>
+            </a:r>
+            <a:r>
+              <a:rPr lang="de-DE" dirty="0"/>
+              <a:t>/</a:t>
+            </a:r>
+            <a:r>
+              <a:rPr lang="de-DE" dirty="0" err="1"/>
+              <a:t>Level_X</a:t>
             </a:r>
             <a:r>
               <a:rPr lang="de-DE" baseline="0" dirty="0"/>
-              <a:t> mit </a:t>
+              <a:t> und </a:t>
             </a:r>
             <a:r>
               <a:rPr lang="de-DE" baseline="0" dirty="0" err="1"/>
-              <a:t>Beispielvariblen</a:t>
+              <a:t>Highscore</a:t>
             </a:r>
             <a:r>
               <a:rPr lang="de-DE" baseline="0" dirty="0"/>
-              <a:t> und –</a:t>
+              <a:t> sind Kompositionen von Bildschirm, d.h. ohne Bildschirm gibt es keine weiteren Klassen</a:t>
+            </a:r>
+          </a:p>
+          <a:p>
+            <a:endParaRPr lang="de-DE" baseline="0" dirty="0"/>
+          </a:p>
+          <a:p>
+            <a:r>
+              <a:rPr lang="de-DE" baseline="0" dirty="0"/>
+              <a:t>-Button ist eine Aggregation von </a:t>
             </a:r>
             <a:r>
               <a:rPr lang="de-DE" baseline="0" dirty="0" err="1"/>
-              <a:t>funktionen</a:t>
-            </a:r>
+              <a:t>Startbildschrim</a:t>
+            </a:r>
+            <a:r>
+              <a:rPr lang="de-DE" baseline="0" dirty="0"/>
+              <a:t>, </a:t>
+            </a:r>
+            <a:r>
+              <a:rPr lang="de-DE" baseline="0" dirty="0" err="1"/>
+              <a:t>Levelmenu</a:t>
+            </a:r>
+            <a:r>
+              <a:rPr lang="de-DE" baseline="0" dirty="0"/>
+              <a:t>, </a:t>
+            </a:r>
+            <a:r>
+              <a:rPr lang="de-DE" baseline="0" dirty="0" err="1"/>
+              <a:t>Level_X</a:t>
+            </a:r>
+            <a:r>
+              <a:rPr lang="de-DE" baseline="0" dirty="0"/>
+              <a:t> und </a:t>
+            </a:r>
+            <a:r>
+              <a:rPr lang="de-DE" baseline="0" dirty="0" err="1"/>
+              <a:t>Highscore</a:t>
+            </a:r>
+            <a:r>
+              <a:rPr lang="de-DE" baseline="0" dirty="0"/>
+              <a:t>-&gt; Klassen können auch alleine existieren aber normalerweise ist Button    in die jeweiligen Klassen eingebunden</a:t>
+            </a:r>
+          </a:p>
+          <a:p>
             <a:endParaRPr lang="de-DE" baseline="0" dirty="0"/>
           </a:p>
           <a:p>
-            <a:endParaRPr lang="de-DE" baseline="0" dirty="0"/>
-          </a:p>
-          <a:p>
             <a:r>
               <a:rPr lang="de-DE" baseline="0" dirty="0"/>
-              <a:t>-wie man hier sieht gibt die Oberklasse Bildschirm den Klassen darunter die Breite und Länge für den Bildschirm</a:t>
-            </a:r>
-          </a:p>
-          <a:p>
-            <a:r>
-              <a:rPr lang="de-DE" baseline="0" dirty="0"/>
-              <a:t>-“+“ </a:t>
-            </a:r>
-            <a:r>
-              <a:rPr lang="de-DE" baseline="0" dirty="0" err="1"/>
-              <a:t>public</a:t>
-            </a:r>
-            <a:endParaRPr lang="de-DE" baseline="0" dirty="0"/>
-          </a:p>
-          <a:p>
-            <a:r>
-              <a:rPr lang="de-DE" baseline="0" dirty="0"/>
-              <a:t>-“-“private</a:t>
-            </a:r>
+              <a:t>-Physik ist in Objekten enthalten</a:t>
+            </a:r>
+            <a:endParaRPr lang="de-DE" dirty="0"/>
           </a:p>
         </p:txBody>
       </p:sp>
@@ -1075,7 +1030,7 @@
     </p:spTree>
     <p:extLst>
       <p:ext uri="{BB962C8B-B14F-4D97-AF65-F5344CB8AC3E}">
-        <p14:creationId xmlns:p14="http://schemas.microsoft.com/office/powerpoint/2010/main" val="2390111728"/>
+        <p14:creationId xmlns:p14="http://schemas.microsoft.com/office/powerpoint/2010/main" val="3261876811"/>
       </p:ext>
     </p:extLst>
   </p:cSld>
@@ -1130,6 +1085,38 @@
           <a:lstStyle/>
           <a:p>
             <a:r>
+              <a:rPr lang="de-DE" dirty="0"/>
+              <a:t>-Klassen von eben</a:t>
+            </a:r>
+            <a:r>
+              <a:rPr lang="de-DE" baseline="0" dirty="0"/>
+              <a:t> mit </a:t>
+            </a:r>
+            <a:r>
+              <a:rPr lang="de-DE" baseline="0" dirty="0" err="1"/>
+              <a:t>Beispielvariblen</a:t>
+            </a:r>
+            <a:r>
+              <a:rPr lang="de-DE" baseline="0" dirty="0"/>
+              <a:t> und –</a:t>
+            </a:r>
+            <a:r>
+              <a:rPr lang="de-DE" baseline="0" dirty="0" err="1"/>
+              <a:t>funktionen</a:t>
+            </a:r>
+            <a:endParaRPr lang="de-DE" baseline="0" dirty="0"/>
+          </a:p>
+          <a:p>
+            <a:endParaRPr lang="de-DE" baseline="0" dirty="0"/>
+          </a:p>
+          <a:p>
+            <a:r>
+              <a:rPr lang="de-DE" baseline="0" dirty="0"/>
+              <a:t>-wie man hier sieht gibt die Oberklasse Bildschirm den Klassen darunter die Breite und Länge für den Bildschirm</a:t>
+            </a:r>
+          </a:p>
+          <a:p>
+            <a:r>
               <a:rPr lang="de-DE" baseline="0" dirty="0"/>
               <a:t>-“+“ </a:t>
             </a:r>
@@ -1144,17 +1131,6 @@
               <a:rPr lang="de-DE" baseline="0" dirty="0"/>
               <a:t>-“-“private</a:t>
             </a:r>
-          </a:p>
-          <a:p>
-            <a:r>
-              <a:rPr lang="de-DE" dirty="0"/>
-              <a:t>-“#“ </a:t>
-            </a:r>
-            <a:r>
-              <a:rPr lang="de-DE" dirty="0" err="1"/>
-              <a:t>protected</a:t>
-            </a:r>
-            <a:endParaRPr lang="de-DE" dirty="0"/>
           </a:p>
         </p:txBody>
       </p:sp>
@@ -1184,7 +1160,7 @@
     </p:spTree>
     <p:extLst>
       <p:ext uri="{BB962C8B-B14F-4D97-AF65-F5344CB8AC3E}">
-        <p14:creationId xmlns:p14="http://schemas.microsoft.com/office/powerpoint/2010/main" val="1459809751"/>
+        <p14:creationId xmlns:p14="http://schemas.microsoft.com/office/powerpoint/2010/main" val="2390111728"/>
       </p:ext>
     </p:extLst>
   </p:cSld>
@@ -1255,9 +1231,14 @@
             </a:r>
           </a:p>
           <a:p>
-            <a:endParaRPr lang="de-DE" dirty="0"/>
-          </a:p>
-          <a:p>
+            <a:r>
+              <a:rPr lang="de-DE" dirty="0"/>
+              <a:t>-“#“ </a:t>
+            </a:r>
+            <a:r>
+              <a:rPr lang="de-DE" dirty="0" err="1"/>
+              <a:t>protected</a:t>
+            </a:r>
             <a:endParaRPr lang="de-DE" dirty="0"/>
           </a:p>
         </p:txBody>
@@ -1280,6 +1261,110 @@
             <a:fld id="{B3718980-F47B-4107-9E31-BBEAA60D0300}" type="slidenum">
               <a:rPr lang="de-DE" smtClean="0"/>
               <a:t>8</a:t>
+            </a:fld>
+            <a:endParaRPr lang="de-DE"/>
+          </a:p>
+        </p:txBody>
+      </p:sp>
+    </p:spTree>
+    <p:extLst>
+      <p:ext uri="{BB962C8B-B14F-4D97-AF65-F5344CB8AC3E}">
+        <p14:creationId xmlns:p14="http://schemas.microsoft.com/office/powerpoint/2010/main" val="1459809751"/>
+      </p:ext>
+    </p:extLst>
+  </p:cSld>
+  <p:clrMapOvr>
+    <a:masterClrMapping/>
+  </p:clrMapOvr>
+</p:notes>
+</file>
+
+<file path=ppt/notesSlides/notesSlide8.xml><?xml version="1.0" encoding="utf-8"?>
+<p:notes xmlns:a="http://schemas.openxmlformats.org/drawingml/2006/main" xmlns:r="http://schemas.openxmlformats.org/officeDocument/2006/relationships" xmlns:p="http://schemas.openxmlformats.org/presentationml/2006/main">
+  <p:cSld>
+    <p:spTree>
+      <p:nvGrpSpPr>
+        <p:cNvPr id="1" name=""/>
+        <p:cNvGrpSpPr/>
+        <p:nvPr/>
+      </p:nvGrpSpPr>
+      <p:grpSpPr>
+        <a:xfrm>
+          <a:off x="0" y="0"/>
+          <a:ext cx="0" cy="0"/>
+          <a:chOff x="0" y="0"/>
+          <a:chExt cx="0" cy="0"/>
+        </a:xfrm>
+      </p:grpSpPr>
+      <p:sp>
+        <p:nvSpPr>
+          <p:cNvPr id="2" name="Folienbildplatzhalter 1"/>
+          <p:cNvSpPr>
+            <a:spLocks noGrp="1" noRot="1" noChangeAspect="1"/>
+          </p:cNvSpPr>
+          <p:nvPr>
+            <p:ph type="sldImg"/>
+          </p:nvPr>
+        </p:nvSpPr>
+        <p:spPr/>
+      </p:sp>
+      <p:sp>
+        <p:nvSpPr>
+          <p:cNvPr id="3" name="Notizenplatzhalter 2"/>
+          <p:cNvSpPr>
+            <a:spLocks noGrp="1"/>
+          </p:cNvSpPr>
+          <p:nvPr>
+            <p:ph type="body" idx="1"/>
+          </p:nvPr>
+        </p:nvSpPr>
+        <p:spPr/>
+        <p:txBody>
+          <a:bodyPr/>
+          <a:lstStyle/>
+          <a:p>
+            <a:r>
+              <a:rPr lang="de-DE" baseline="0" dirty="0"/>
+              <a:t>-“+“ </a:t>
+            </a:r>
+            <a:r>
+              <a:rPr lang="de-DE" baseline="0" dirty="0" err="1"/>
+              <a:t>public</a:t>
+            </a:r>
+            <a:endParaRPr lang="de-DE" baseline="0" dirty="0"/>
+          </a:p>
+          <a:p>
+            <a:r>
+              <a:rPr lang="de-DE" baseline="0" dirty="0"/>
+              <a:t>-“-“private</a:t>
+            </a:r>
+          </a:p>
+          <a:p>
+            <a:endParaRPr lang="de-DE" dirty="0"/>
+          </a:p>
+          <a:p>
+            <a:endParaRPr lang="de-DE" dirty="0"/>
+          </a:p>
+        </p:txBody>
+      </p:sp>
+      <p:sp>
+        <p:nvSpPr>
+          <p:cNvPr id="4" name="Foliennummernplatzhalter 3"/>
+          <p:cNvSpPr>
+            <a:spLocks noGrp="1"/>
+          </p:cNvSpPr>
+          <p:nvPr>
+            <p:ph type="sldNum" sz="quarter" idx="10"/>
+          </p:nvPr>
+        </p:nvSpPr>
+        <p:spPr/>
+        <p:txBody>
+          <a:bodyPr/>
+          <a:lstStyle/>
+          <a:p>
+            <a:fld id="{B3718980-F47B-4107-9E31-BBEAA60D0300}" type="slidenum">
+              <a:rPr lang="de-DE" smtClean="0"/>
+              <a:t>9</a:t>
             </a:fld>
             <a:endParaRPr lang="de-DE"/>
           </a:p>
@@ -4136,69 +4221,14 @@
       </p:grpSpPr>
       <p:sp>
         <p:nvSpPr>
-          <p:cNvPr id="3" name="Untertitel 2"/>
-          <p:cNvSpPr>
-            <a:spLocks noGrp="1"/>
-          </p:cNvSpPr>
-          <p:nvPr>
-            <p:ph type="subTitle" idx="1"/>
-          </p:nvPr>
-        </p:nvSpPr>
-        <p:spPr/>
-        <p:txBody>
-          <a:bodyPr/>
-          <a:lstStyle/>
-          <a:p>
-            <a:r>
-              <a:rPr lang="de-DE" dirty="0">
-                <a:solidFill>
-                  <a:schemeClr val="bg1"/>
-                </a:solidFill>
-              </a:rPr>
-              <a:t>Von Victoria, Florian, Alexander, Jonas und Maximilian</a:t>
-            </a:r>
-          </a:p>
-        </p:txBody>
-      </p:sp>
-      <p:pic>
-        <p:nvPicPr>
-          <p:cNvPr id="6" name="Grafik 5"/>
-          <p:cNvPicPr>
-            <a:picLocks noChangeAspect="1"/>
-          </p:cNvPicPr>
+          <p:cNvPr id="2" name="Textfeld 1"/>
+          <p:cNvSpPr txBox="1"/>
           <p:nvPr/>
-        </p:nvPicPr>
-        <p:blipFill rotWithShape="1">
-          <a:blip r:embed="rId3">
-            <a:extLst>
-              <a:ext uri="{28A0092B-C50C-407E-A947-70E740481C1C}">
-                <a14:useLocalDpi xmlns:a14="http://schemas.microsoft.com/office/drawing/2010/main" val="0"/>
-              </a:ext>
-            </a:extLst>
-          </a:blip>
-          <a:srcRect l="9295" t="268" r="11859" b="33013"/>
-          <a:stretch/>
-        </p:blipFill>
+        </p:nvSpPr>
         <p:spPr>
           <a:xfrm>
-            <a:off x="0" y="0"/>
-            <a:ext cx="12192000" cy="6884677"/>
-          </a:xfrm>
-          <a:prstGeom prst="rect">
-            <a:avLst/>
-          </a:prstGeom>
-        </p:spPr>
-      </p:pic>
-      <p:sp>
-        <p:nvSpPr>
-          <p:cNvPr id="7" name="Textfeld 6"/>
-          <p:cNvSpPr txBox="1"/>
-          <p:nvPr/>
-        </p:nvSpPr>
-        <p:spPr>
-          <a:xfrm>
-            <a:off x="3837048" y="6312876"/>
-            <a:ext cx="4517903" cy="369332"/>
+            <a:off x="2977375" y="2018371"/>
+            <a:ext cx="6394251" cy="2831544"/>
           </a:xfrm>
           <a:prstGeom prst="rect">
             <a:avLst/>
@@ -4212,21 +4242,32 @@
           <a:lstStyle/>
           <a:p>
             <a:r>
-              <a:rPr lang="de-DE" dirty="0" err="1" smtClean="0"/>
-              <a:t>Maximilain</a:t>
-            </a:r>
-            <a:r>
-              <a:rPr lang="de-DE" dirty="0" smtClean="0"/>
-              <a:t>, Jonas, Alexander, </a:t>
-            </a:r>
-            <a:r>
-              <a:rPr lang="de-DE" dirty="0" err="1" smtClean="0"/>
-              <a:t>Florain</a:t>
-            </a:r>
-            <a:r>
-              <a:rPr lang="de-DE" dirty="0" smtClean="0"/>
-              <a:t>, Victoria </a:t>
-            </a:r>
+              <a:rPr lang="de-DE" sz="4400" dirty="0" smtClean="0"/>
+              <a:t>Gruppe 4 </a:t>
+            </a:r>
+          </a:p>
+          <a:p>
+            <a:r>
+              <a:rPr lang="de-DE" sz="4400" dirty="0" smtClean="0"/>
+              <a:t>Analyse und Design Modell</a:t>
+            </a:r>
+          </a:p>
+          <a:p>
+            <a:endParaRPr lang="de-DE" dirty="0"/>
+          </a:p>
+          <a:p>
+            <a:r>
+              <a:rPr lang="de-DE" dirty="0"/>
+              <a:t>Maximilian, Jonas, Alexander, Florian, Victoria </a:t>
+            </a:r>
+          </a:p>
+          <a:p>
+            <a:endParaRPr lang="de-DE" dirty="0" smtClean="0"/>
+          </a:p>
+          <a:p>
+            <a:endParaRPr lang="de-DE" dirty="0"/>
+          </a:p>
+          <a:p>
             <a:endParaRPr lang="de-DE" dirty="0"/>
           </a:p>
         </p:txBody>
@@ -4241,10 +4282,980 @@
   <p:clrMapOvr>
     <a:masterClrMapping/>
   </p:clrMapOvr>
+  <p:timing>
+    <p:tnLst>
+      <p:par>
+        <p:cTn id="1" dur="indefinite" restart="never" nodeType="tmRoot"/>
+      </p:par>
+    </p:tnLst>
+  </p:timing>
 </p:sld>
 </file>
 
 <file path=ppt/slides/slide10.xml><?xml version="1.0" encoding="utf-8"?>
+<p:sld xmlns:a="http://schemas.openxmlformats.org/drawingml/2006/main" xmlns:r="http://schemas.openxmlformats.org/officeDocument/2006/relationships" xmlns:p="http://schemas.openxmlformats.org/presentationml/2006/main">
+  <p:cSld>
+    <p:spTree>
+      <p:nvGrpSpPr>
+        <p:cNvPr id="1" name=""/>
+        <p:cNvGrpSpPr/>
+        <p:nvPr/>
+      </p:nvGrpSpPr>
+      <p:grpSpPr>
+        <a:xfrm>
+          <a:off x="0" y="0"/>
+          <a:ext cx="0" cy="0"/>
+          <a:chOff x="0" y="0"/>
+          <a:chExt cx="0" cy="0"/>
+        </a:xfrm>
+      </p:grpSpPr>
+      <p:graphicFrame>
+        <p:nvGraphicFramePr>
+          <p:cNvPr id="4" name="Inhaltsplatzhalter 1"/>
+          <p:cNvGraphicFramePr>
+            <a:graphicFrameLocks/>
+          </p:cNvGraphicFramePr>
+          <p:nvPr>
+            <p:extLst>
+              <p:ext uri="{D42A27DB-BD31-4B8C-83A1-F6EECF244321}">
+                <p14:modId xmlns:p14="http://schemas.microsoft.com/office/powerpoint/2010/main" val="531914168"/>
+              </p:ext>
+            </p:extLst>
+          </p:nvPr>
+        </p:nvGraphicFramePr>
+        <p:xfrm>
+          <a:off x="2470407" y="3077022"/>
+          <a:ext cx="2469357" cy="2464594"/>
+        </p:xfrm>
+        <a:graphic>
+          <a:graphicData uri="http://schemas.openxmlformats.org/drawingml/2006/table">
+            <a:tbl>
+              <a:tblPr firstRow="1" bandRow="1">
+                <a:tableStyleId>{5940675A-B579-460E-94D1-54222C63F5DA}</a:tableStyleId>
+              </a:tblPr>
+              <a:tblGrid>
+                <a:gridCol w="2469357">
+                  <a:extLst>
+                    <a:ext uri="{9D8B030D-6E8A-4147-A177-3AD203B41FA5}">
+                      <a16:colId xmlns:a16="http://schemas.microsoft.com/office/drawing/2014/main" val="1293918394"/>
+                    </a:ext>
+                  </a:extLst>
+                </a:gridCol>
+              </a:tblGrid>
+              <a:tr h="392906">
+                <a:tc>
+                  <a:txBody>
+                    <a:bodyPr/>
+                    <a:lstStyle/>
+                    <a:p>
+                      <a:r>
+                        <a:rPr lang="de-DE" dirty="0"/>
+                        <a:t>Hindernisse</a:t>
+                      </a:r>
+                    </a:p>
+                  </a:txBody>
+                  <a:tcPr/>
+                </a:tc>
+                <a:extLst>
+                  <a:ext uri="{0D108BD9-81ED-4DB2-BD59-A6C34878D82A}">
+                    <a16:rowId xmlns:a16="http://schemas.microsoft.com/office/drawing/2014/main" val="424887423"/>
+                  </a:ext>
+                </a:extLst>
+              </a:tr>
+              <a:tr h="778669">
+                <a:tc>
+                  <a:txBody>
+                    <a:bodyPr/>
+                    <a:lstStyle/>
+                    <a:p>
+                      <a:endParaRPr lang="de-DE" dirty="0"/>
+                    </a:p>
+                  </a:txBody>
+                  <a:tcPr/>
+                </a:tc>
+                <a:extLst>
+                  <a:ext uri="{0D108BD9-81ED-4DB2-BD59-A6C34878D82A}">
+                    <a16:rowId xmlns:a16="http://schemas.microsoft.com/office/drawing/2014/main" val="1445048750"/>
+                  </a:ext>
+                </a:extLst>
+              </a:tr>
+              <a:tr h="1293019">
+                <a:tc>
+                  <a:txBody>
+                    <a:bodyPr/>
+                    <a:lstStyle/>
+                    <a:p>
+                      <a:r>
+                        <a:rPr lang="de-DE" dirty="0"/>
+                        <a:t>-</a:t>
+                      </a:r>
+                      <a:r>
+                        <a:rPr lang="de-DE" dirty="0" err="1"/>
+                        <a:t>setHindernisse</a:t>
+                      </a:r>
+                      <a:r>
+                        <a:rPr lang="de-DE" dirty="0"/>
+                        <a:t>(</a:t>
+                      </a:r>
+                      <a:r>
+                        <a:rPr lang="de-DE" dirty="0" err="1"/>
+                        <a:t>object</a:t>
+                      </a:r>
+                      <a:r>
+                        <a:rPr lang="de-DE" dirty="0"/>
+                        <a:t>)</a:t>
+                      </a:r>
+                    </a:p>
+                    <a:p>
+                      <a:r>
+                        <a:rPr lang="de-DE" dirty="0"/>
+                        <a:t>-</a:t>
+                      </a:r>
+                      <a:r>
+                        <a:rPr lang="de-DE" dirty="0" err="1"/>
+                        <a:t>getHindernisse</a:t>
+                      </a:r>
+                      <a:r>
+                        <a:rPr lang="de-DE" dirty="0"/>
+                        <a:t>(</a:t>
+                      </a:r>
+                      <a:r>
+                        <a:rPr lang="de-DE" dirty="0" err="1"/>
+                        <a:t>void</a:t>
+                      </a:r>
+                      <a:r>
+                        <a:rPr lang="de-DE" dirty="0"/>
+                        <a:t>)</a:t>
+                      </a:r>
+                    </a:p>
+                  </a:txBody>
+                  <a:tcPr/>
+                </a:tc>
+                <a:extLst>
+                  <a:ext uri="{0D108BD9-81ED-4DB2-BD59-A6C34878D82A}">
+                    <a16:rowId xmlns:a16="http://schemas.microsoft.com/office/drawing/2014/main" val="475748216"/>
+                  </a:ext>
+                </a:extLst>
+              </a:tr>
+            </a:tbl>
+          </a:graphicData>
+        </a:graphic>
+      </p:graphicFrame>
+      <p:graphicFrame>
+        <p:nvGraphicFramePr>
+          <p:cNvPr id="5" name="Inhaltsplatzhalter 1"/>
+          <p:cNvGraphicFramePr>
+            <a:graphicFrameLocks/>
+          </p:cNvGraphicFramePr>
+          <p:nvPr>
+            <p:extLst>
+              <p:ext uri="{D42A27DB-BD31-4B8C-83A1-F6EECF244321}">
+                <p14:modId xmlns:p14="http://schemas.microsoft.com/office/powerpoint/2010/main" val="4188968316"/>
+              </p:ext>
+            </p:extLst>
+          </p:nvPr>
+        </p:nvGraphicFramePr>
+        <p:xfrm>
+          <a:off x="5715000" y="523874"/>
+          <a:ext cx="2147888" cy="365760"/>
+        </p:xfrm>
+        <a:graphic>
+          <a:graphicData uri="http://schemas.openxmlformats.org/drawingml/2006/table">
+            <a:tbl>
+              <a:tblPr firstRow="1" bandRow="1">
+                <a:tableStyleId>{5940675A-B579-460E-94D1-54222C63F5DA}</a:tableStyleId>
+              </a:tblPr>
+              <a:tblGrid>
+                <a:gridCol w="2147888">
+                  <a:extLst>
+                    <a:ext uri="{9D8B030D-6E8A-4147-A177-3AD203B41FA5}">
+                      <a16:colId xmlns:a16="http://schemas.microsoft.com/office/drawing/2014/main" val="1293918394"/>
+                    </a:ext>
+                  </a:extLst>
+                </a:gridCol>
+              </a:tblGrid>
+              <a:tr h="306850">
+                <a:tc>
+                  <a:txBody>
+                    <a:bodyPr/>
+                    <a:lstStyle/>
+                    <a:p>
+                      <a:r>
+                        <a:rPr lang="de-DE" dirty="0"/>
+                        <a:t>Objekte</a:t>
+                      </a:r>
+                    </a:p>
+                  </a:txBody>
+                  <a:tcPr/>
+                </a:tc>
+                <a:extLst>
+                  <a:ext uri="{0D108BD9-81ED-4DB2-BD59-A6C34878D82A}">
+                    <a16:rowId xmlns:a16="http://schemas.microsoft.com/office/drawing/2014/main" val="424887423"/>
+                  </a:ext>
+                </a:extLst>
+              </a:tr>
+            </a:tbl>
+          </a:graphicData>
+        </a:graphic>
+      </p:graphicFrame>
+      <p:graphicFrame>
+        <p:nvGraphicFramePr>
+          <p:cNvPr id="6" name="Inhaltsplatzhalter 1"/>
+          <p:cNvGraphicFramePr>
+            <a:graphicFrameLocks/>
+          </p:cNvGraphicFramePr>
+          <p:nvPr>
+            <p:extLst>
+              <p:ext uri="{D42A27DB-BD31-4B8C-83A1-F6EECF244321}">
+                <p14:modId xmlns:p14="http://schemas.microsoft.com/office/powerpoint/2010/main" val="3900777798"/>
+              </p:ext>
+            </p:extLst>
+          </p:nvPr>
+        </p:nvGraphicFramePr>
+        <p:xfrm>
+          <a:off x="9469056" y="2611891"/>
+          <a:ext cx="2447926" cy="2514601"/>
+        </p:xfrm>
+        <a:graphic>
+          <a:graphicData uri="http://schemas.openxmlformats.org/drawingml/2006/table">
+            <a:tbl>
+              <a:tblPr firstRow="1" bandRow="1">
+                <a:tableStyleId>{5940675A-B579-460E-94D1-54222C63F5DA}</a:tableStyleId>
+              </a:tblPr>
+              <a:tblGrid>
+                <a:gridCol w="2447926">
+                  <a:extLst>
+                    <a:ext uri="{9D8B030D-6E8A-4147-A177-3AD203B41FA5}">
+                      <a16:colId xmlns:a16="http://schemas.microsoft.com/office/drawing/2014/main" val="1293918394"/>
+                    </a:ext>
+                  </a:extLst>
+                </a:gridCol>
+              </a:tblGrid>
+              <a:tr h="386321">
+                <a:tc>
+                  <a:txBody>
+                    <a:bodyPr/>
+                    <a:lstStyle/>
+                    <a:p>
+                      <a:r>
+                        <a:rPr lang="de-DE" dirty="0"/>
+                        <a:t>Tools</a:t>
+                      </a:r>
+                    </a:p>
+                  </a:txBody>
+                  <a:tcPr/>
+                </a:tc>
+                <a:extLst>
+                  <a:ext uri="{0D108BD9-81ED-4DB2-BD59-A6C34878D82A}">
+                    <a16:rowId xmlns:a16="http://schemas.microsoft.com/office/drawing/2014/main" val="424887423"/>
+                  </a:ext>
+                </a:extLst>
+              </a:tr>
+              <a:tr h="856931">
+                <a:tc>
+                  <a:txBody>
+                    <a:bodyPr/>
+                    <a:lstStyle/>
+                    <a:p>
+                      <a:r>
+                        <a:rPr lang="de-DE" dirty="0"/>
+                        <a:t>-</a:t>
+                      </a:r>
+                      <a:r>
+                        <a:rPr lang="de-DE" dirty="0" err="1"/>
+                        <a:t>availible:bool</a:t>
+                      </a:r>
+                      <a:endParaRPr lang="de-DE" dirty="0"/>
+                    </a:p>
+                  </a:txBody>
+                  <a:tcPr/>
+                </a:tc>
+                <a:extLst>
+                  <a:ext uri="{0D108BD9-81ED-4DB2-BD59-A6C34878D82A}">
+                    <a16:rowId xmlns:a16="http://schemas.microsoft.com/office/drawing/2014/main" val="1445048750"/>
+                  </a:ext>
+                </a:extLst>
+              </a:tr>
+              <a:tr h="1271349">
+                <a:tc>
+                  <a:txBody>
+                    <a:bodyPr/>
+                    <a:lstStyle/>
+                    <a:p>
+                      <a:r>
+                        <a:rPr lang="de-DE" dirty="0"/>
+                        <a:t>-</a:t>
+                      </a:r>
+                      <a:r>
+                        <a:rPr lang="de-DE" dirty="0" err="1"/>
+                        <a:t>setWegObjekte</a:t>
+                      </a:r>
+                      <a:r>
+                        <a:rPr lang="de-DE" dirty="0"/>
+                        <a:t>(</a:t>
+                      </a:r>
+                      <a:r>
+                        <a:rPr lang="de-DE" dirty="0" err="1"/>
+                        <a:t>object</a:t>
+                      </a:r>
+                      <a:r>
+                        <a:rPr lang="de-DE" dirty="0"/>
+                        <a:t>)</a:t>
+                      </a:r>
+                    </a:p>
+                    <a:p>
+                      <a:r>
+                        <a:rPr lang="de-DE" dirty="0"/>
+                        <a:t>-</a:t>
+                      </a:r>
+                      <a:r>
+                        <a:rPr lang="de-DE" dirty="0" err="1"/>
+                        <a:t>getWegObjekte</a:t>
+                      </a:r>
+                      <a:r>
+                        <a:rPr lang="de-DE" dirty="0"/>
+                        <a:t>(</a:t>
+                      </a:r>
+                      <a:r>
+                        <a:rPr lang="de-DE" dirty="0" err="1"/>
+                        <a:t>void</a:t>
+                      </a:r>
+                      <a:r>
+                        <a:rPr lang="de-DE" dirty="0"/>
+                        <a:t>)</a:t>
+                      </a:r>
+                    </a:p>
+                    <a:p>
+                      <a:endParaRPr lang="de-DE" dirty="0"/>
+                    </a:p>
+                  </a:txBody>
+                  <a:tcPr/>
+                </a:tc>
+                <a:extLst>
+                  <a:ext uri="{0D108BD9-81ED-4DB2-BD59-A6C34878D82A}">
+                    <a16:rowId xmlns:a16="http://schemas.microsoft.com/office/drawing/2014/main" val="916365280"/>
+                  </a:ext>
+                </a:extLst>
+              </a:tr>
+            </a:tbl>
+          </a:graphicData>
+        </a:graphic>
+      </p:graphicFrame>
+      <p:cxnSp>
+        <p:nvCxnSpPr>
+          <p:cNvPr id="7" name="Gerade Verbindung mit Pfeil 6"/>
+          <p:cNvCxnSpPr>
+            <a:stCxn id="4" idx="0"/>
+            <a:endCxn id="25" idx="1"/>
+          </p:cNvCxnSpPr>
+          <p:nvPr/>
+        </p:nvCxnSpPr>
+        <p:spPr>
+          <a:xfrm flipV="1">
+            <a:off x="3705085" y="2360932"/>
+            <a:ext cx="1957396" cy="716090"/>
+          </a:xfrm>
+          <a:prstGeom prst="straightConnector1">
+            <a:avLst/>
+          </a:prstGeom>
+          <a:ln>
+            <a:tailEnd type="triangle"/>
+          </a:ln>
+        </p:spPr>
+        <p:style>
+          <a:lnRef idx="1">
+            <a:schemeClr val="accent1"/>
+          </a:lnRef>
+          <a:fillRef idx="0">
+            <a:schemeClr val="accent1"/>
+          </a:fillRef>
+          <a:effectRef idx="0">
+            <a:schemeClr val="accent1"/>
+          </a:effectRef>
+          <a:fontRef idx="minor">
+            <a:schemeClr val="tx1"/>
+          </a:fontRef>
+        </p:style>
+      </p:cxnSp>
+      <p:cxnSp>
+        <p:nvCxnSpPr>
+          <p:cNvPr id="8" name="Gerade Verbindung mit Pfeil 7"/>
+          <p:cNvCxnSpPr>
+            <a:stCxn id="6" idx="0"/>
+            <a:endCxn id="25" idx="3"/>
+          </p:cNvCxnSpPr>
+          <p:nvPr/>
+        </p:nvCxnSpPr>
+        <p:spPr>
+          <a:xfrm flipH="1" flipV="1">
+            <a:off x="8023623" y="2360932"/>
+            <a:ext cx="2669396" cy="250959"/>
+          </a:xfrm>
+          <a:prstGeom prst="straightConnector1">
+            <a:avLst/>
+          </a:prstGeom>
+          <a:ln>
+            <a:tailEnd type="triangle"/>
+          </a:ln>
+        </p:spPr>
+        <p:style>
+          <a:lnRef idx="1">
+            <a:schemeClr val="accent1"/>
+          </a:lnRef>
+          <a:fillRef idx="0">
+            <a:schemeClr val="accent1"/>
+          </a:fillRef>
+          <a:effectRef idx="0">
+            <a:schemeClr val="accent1"/>
+          </a:effectRef>
+          <a:fontRef idx="minor">
+            <a:schemeClr val="tx1"/>
+          </a:fontRef>
+        </p:style>
+      </p:cxnSp>
+      <p:graphicFrame>
+        <p:nvGraphicFramePr>
+          <p:cNvPr id="9" name="Inhaltsplatzhalter 1"/>
+          <p:cNvGraphicFramePr>
+            <a:graphicFrameLocks/>
+          </p:cNvGraphicFramePr>
+          <p:nvPr>
+            <p:extLst>
+              <p:ext uri="{D42A27DB-BD31-4B8C-83A1-F6EECF244321}">
+                <p14:modId xmlns:p14="http://schemas.microsoft.com/office/powerpoint/2010/main" val="257435255"/>
+              </p:ext>
+            </p:extLst>
+          </p:nvPr>
+        </p:nvGraphicFramePr>
+        <p:xfrm>
+          <a:off x="6385198" y="4592277"/>
+          <a:ext cx="2361142" cy="2265723"/>
+        </p:xfrm>
+        <a:graphic>
+          <a:graphicData uri="http://schemas.openxmlformats.org/drawingml/2006/table">
+            <a:tbl>
+              <a:tblPr firstRow="1" bandRow="1">
+                <a:tableStyleId>{5940675A-B579-460E-94D1-54222C63F5DA}</a:tableStyleId>
+              </a:tblPr>
+              <a:tblGrid>
+                <a:gridCol w="2361142">
+                  <a:extLst>
+                    <a:ext uri="{9D8B030D-6E8A-4147-A177-3AD203B41FA5}">
+                      <a16:colId xmlns:a16="http://schemas.microsoft.com/office/drawing/2014/main" val="1293918394"/>
+                    </a:ext>
+                  </a:extLst>
+                </a:gridCol>
+              </a:tblGrid>
+              <a:tr h="320642">
+                <a:tc>
+                  <a:txBody>
+                    <a:bodyPr/>
+                    <a:lstStyle/>
+                    <a:p>
+                      <a:r>
+                        <a:rPr lang="de-DE" dirty="0"/>
+                        <a:t>Form</a:t>
+                      </a:r>
+                    </a:p>
+                  </a:txBody>
+                  <a:tcPr/>
+                </a:tc>
+                <a:extLst>
+                  <a:ext uri="{0D108BD9-81ED-4DB2-BD59-A6C34878D82A}">
+                    <a16:rowId xmlns:a16="http://schemas.microsoft.com/office/drawing/2014/main" val="424887423"/>
+                  </a:ext>
+                </a:extLst>
+              </a:tr>
+              <a:tr h="711243">
+                <a:tc>
+                  <a:txBody>
+                    <a:bodyPr/>
+                    <a:lstStyle/>
+                    <a:p>
+                      <a:r>
+                        <a:rPr lang="de-DE" dirty="0"/>
+                        <a:t>-size</a:t>
+                      </a:r>
+                    </a:p>
+                  </a:txBody>
+                  <a:tcPr/>
+                </a:tc>
+                <a:extLst>
+                  <a:ext uri="{0D108BD9-81ED-4DB2-BD59-A6C34878D82A}">
+                    <a16:rowId xmlns:a16="http://schemas.microsoft.com/office/drawing/2014/main" val="1445048750"/>
+                  </a:ext>
+                </a:extLst>
+              </a:tr>
+              <a:tr h="1055205">
+                <a:tc>
+                  <a:txBody>
+                    <a:bodyPr/>
+                    <a:lstStyle/>
+                    <a:p>
+                      <a:r>
+                        <a:rPr lang="de-DE" dirty="0"/>
+                        <a:t>-</a:t>
+                      </a:r>
+                      <a:r>
+                        <a:rPr lang="de-DE" dirty="0" err="1"/>
+                        <a:t>getKugel</a:t>
+                      </a:r>
+                      <a:r>
+                        <a:rPr lang="de-DE" dirty="0"/>
+                        <a:t>()</a:t>
+                      </a:r>
+                    </a:p>
+                    <a:p>
+                      <a:r>
+                        <a:rPr lang="de-DE" dirty="0"/>
+                        <a:t>-</a:t>
+                      </a:r>
+                      <a:r>
+                        <a:rPr lang="de-DE" dirty="0" err="1"/>
+                        <a:t>getLaufband</a:t>
+                      </a:r>
+                      <a:r>
+                        <a:rPr lang="de-DE" dirty="0"/>
+                        <a:t>()</a:t>
+                      </a:r>
+                    </a:p>
+                    <a:p>
+                      <a:r>
+                        <a:rPr lang="de-DE" dirty="0"/>
+                        <a:t>-</a:t>
+                      </a:r>
+                      <a:r>
+                        <a:rPr lang="de-DE" dirty="0" err="1"/>
+                        <a:t>getXXX</a:t>
+                      </a:r>
+                      <a:r>
+                        <a:rPr lang="de-DE" dirty="0"/>
+                        <a:t>()</a:t>
+                      </a:r>
+                    </a:p>
+                    <a:p>
+                      <a:endParaRPr lang="de-DE" dirty="0"/>
+                    </a:p>
+                  </a:txBody>
+                  <a:tcPr/>
+                </a:tc>
+                <a:extLst>
+                  <a:ext uri="{0D108BD9-81ED-4DB2-BD59-A6C34878D82A}">
+                    <a16:rowId xmlns:a16="http://schemas.microsoft.com/office/drawing/2014/main" val="916365280"/>
+                  </a:ext>
+                </a:extLst>
+              </a:tr>
+            </a:tbl>
+          </a:graphicData>
+        </a:graphic>
+      </p:graphicFrame>
+      <p:cxnSp>
+        <p:nvCxnSpPr>
+          <p:cNvPr id="11" name="Gerade Verbindung mit Pfeil 10"/>
+          <p:cNvCxnSpPr>
+            <a:stCxn id="14" idx="3"/>
+            <a:endCxn id="25" idx="1"/>
+          </p:cNvCxnSpPr>
+          <p:nvPr/>
+        </p:nvCxnSpPr>
+        <p:spPr>
+          <a:xfrm>
+            <a:off x="2880846" y="1919161"/>
+            <a:ext cx="2781635" cy="441771"/>
+          </a:xfrm>
+          <a:prstGeom prst="straightConnector1">
+            <a:avLst/>
+          </a:prstGeom>
+          <a:ln>
+            <a:tailEnd type="triangle"/>
+          </a:ln>
+        </p:spPr>
+        <p:style>
+          <a:lnRef idx="1">
+            <a:schemeClr val="accent1"/>
+          </a:lnRef>
+          <a:fillRef idx="0">
+            <a:schemeClr val="accent1"/>
+          </a:fillRef>
+          <a:effectRef idx="0">
+            <a:schemeClr val="accent1"/>
+          </a:effectRef>
+          <a:fontRef idx="minor">
+            <a:schemeClr val="tx1"/>
+          </a:fontRef>
+        </p:style>
+      </p:cxnSp>
+      <p:cxnSp>
+        <p:nvCxnSpPr>
+          <p:cNvPr id="13" name="Gewinkelter Verbinder 12"/>
+          <p:cNvCxnSpPr>
+            <a:stCxn id="9" idx="3"/>
+            <a:endCxn id="6" idx="2"/>
+          </p:cNvCxnSpPr>
+          <p:nvPr/>
+        </p:nvCxnSpPr>
+        <p:spPr>
+          <a:xfrm flipV="1">
+            <a:off x="8746340" y="5126492"/>
+            <a:ext cx="1946679" cy="598646"/>
+          </a:xfrm>
+          <a:prstGeom prst="bentConnector2">
+            <a:avLst/>
+          </a:prstGeom>
+          <a:ln>
+            <a:tailEnd type="triangle"/>
+          </a:ln>
+        </p:spPr>
+        <p:style>
+          <a:lnRef idx="1">
+            <a:schemeClr val="accent1"/>
+          </a:lnRef>
+          <a:fillRef idx="0">
+            <a:schemeClr val="accent1"/>
+          </a:fillRef>
+          <a:effectRef idx="0">
+            <a:schemeClr val="accent1"/>
+          </a:effectRef>
+          <a:fontRef idx="minor">
+            <a:schemeClr val="tx1"/>
+          </a:fontRef>
+        </p:style>
+      </p:cxnSp>
+      <p:graphicFrame>
+        <p:nvGraphicFramePr>
+          <p:cNvPr id="14" name="Inhaltsplatzhalter 1"/>
+          <p:cNvGraphicFramePr>
+            <a:graphicFrameLocks/>
+          </p:cNvGraphicFramePr>
+          <p:nvPr>
+            <p:extLst>
+              <p:ext uri="{D42A27DB-BD31-4B8C-83A1-F6EECF244321}">
+                <p14:modId xmlns:p14="http://schemas.microsoft.com/office/powerpoint/2010/main" val="2247966361"/>
+              </p:ext>
+            </p:extLst>
+          </p:nvPr>
+        </p:nvGraphicFramePr>
+        <p:xfrm>
+          <a:off x="519704" y="1035620"/>
+          <a:ext cx="2361142" cy="1767082"/>
+        </p:xfrm>
+        <a:graphic>
+          <a:graphicData uri="http://schemas.openxmlformats.org/drawingml/2006/table">
+            <a:tbl>
+              <a:tblPr firstRow="1" bandRow="1">
+                <a:tableStyleId>{5940675A-B579-460E-94D1-54222C63F5DA}</a:tableStyleId>
+              </a:tblPr>
+              <a:tblGrid>
+                <a:gridCol w="2361142">
+                  <a:extLst>
+                    <a:ext uri="{9D8B030D-6E8A-4147-A177-3AD203B41FA5}">
+                      <a16:colId xmlns:a16="http://schemas.microsoft.com/office/drawing/2014/main" val="1293918394"/>
+                    </a:ext>
+                  </a:extLst>
+                </a:gridCol>
+              </a:tblGrid>
+              <a:tr h="256152">
+                <a:tc>
+                  <a:txBody>
+                    <a:bodyPr/>
+                    <a:lstStyle/>
+                    <a:p>
+                      <a:r>
+                        <a:rPr lang="de-DE" dirty="0" err="1" smtClean="0"/>
+                        <a:t>Papierkneul</a:t>
+                      </a:r>
+                      <a:endParaRPr lang="de-DE" dirty="0"/>
+                    </a:p>
+                  </a:txBody>
+                  <a:tcPr/>
+                </a:tc>
+                <a:extLst>
+                  <a:ext uri="{0D108BD9-81ED-4DB2-BD59-A6C34878D82A}">
+                    <a16:rowId xmlns:a16="http://schemas.microsoft.com/office/drawing/2014/main" val="424887423"/>
+                  </a:ext>
+                </a:extLst>
+              </a:tr>
+              <a:tr h="448266">
+                <a:tc>
+                  <a:txBody>
+                    <a:bodyPr/>
+                    <a:lstStyle/>
+                    <a:p>
+                      <a:r>
+                        <a:rPr lang="de-DE" dirty="0"/>
+                        <a:t>-size</a:t>
+                      </a:r>
+                    </a:p>
+                    <a:p>
+                      <a:endParaRPr lang="de-DE" dirty="0"/>
+                    </a:p>
+                  </a:txBody>
+                  <a:tcPr/>
+                </a:tc>
+                <a:extLst>
+                  <a:ext uri="{0D108BD9-81ED-4DB2-BD59-A6C34878D82A}">
+                    <a16:rowId xmlns:a16="http://schemas.microsoft.com/office/drawing/2014/main" val="1445048750"/>
+                  </a:ext>
+                </a:extLst>
+              </a:tr>
+              <a:tr h="761242">
+                <a:tc>
+                  <a:txBody>
+                    <a:bodyPr/>
+                    <a:lstStyle/>
+                    <a:p>
+                      <a:r>
+                        <a:rPr lang="de-DE" dirty="0"/>
+                        <a:t>+</a:t>
+                      </a:r>
+                      <a:r>
+                        <a:rPr lang="de-DE" dirty="0" err="1"/>
+                        <a:t>getBall</a:t>
+                      </a:r>
+                      <a:r>
+                        <a:rPr lang="de-DE" dirty="0"/>
+                        <a:t>()</a:t>
+                      </a:r>
+                    </a:p>
+                    <a:p>
+                      <a:endParaRPr lang="de-DE" dirty="0"/>
+                    </a:p>
+                  </a:txBody>
+                  <a:tcPr/>
+                </a:tc>
+                <a:extLst>
+                  <a:ext uri="{0D108BD9-81ED-4DB2-BD59-A6C34878D82A}">
+                    <a16:rowId xmlns:a16="http://schemas.microsoft.com/office/drawing/2014/main" val="916365280"/>
+                  </a:ext>
+                </a:extLst>
+              </a:tr>
+            </a:tbl>
+          </a:graphicData>
+        </a:graphic>
+      </p:graphicFrame>
+      <p:cxnSp>
+        <p:nvCxnSpPr>
+          <p:cNvPr id="20" name="Gerade Verbindung mit Pfeil 19"/>
+          <p:cNvCxnSpPr>
+            <a:stCxn id="9" idx="1"/>
+            <a:endCxn id="4" idx="2"/>
+          </p:cNvCxnSpPr>
+          <p:nvPr/>
+        </p:nvCxnSpPr>
+        <p:spPr>
+          <a:xfrm flipH="1" flipV="1">
+            <a:off x="3705085" y="5541616"/>
+            <a:ext cx="2680113" cy="183522"/>
+          </a:xfrm>
+          <a:prstGeom prst="straightConnector1">
+            <a:avLst/>
+          </a:prstGeom>
+          <a:ln>
+            <a:tailEnd type="triangle"/>
+          </a:ln>
+        </p:spPr>
+        <p:style>
+          <a:lnRef idx="1">
+            <a:schemeClr val="accent1"/>
+          </a:lnRef>
+          <a:fillRef idx="0">
+            <a:schemeClr val="accent1"/>
+          </a:fillRef>
+          <a:effectRef idx="0">
+            <a:schemeClr val="accent1"/>
+          </a:effectRef>
+          <a:fontRef idx="minor">
+            <a:schemeClr val="tx1"/>
+          </a:fontRef>
+        </p:style>
+      </p:cxnSp>
+      <p:graphicFrame>
+        <p:nvGraphicFramePr>
+          <p:cNvPr id="25" name="Inhaltsplatzhalter 1"/>
+          <p:cNvGraphicFramePr>
+            <a:graphicFrameLocks/>
+          </p:cNvGraphicFramePr>
+          <p:nvPr>
+            <p:extLst>
+              <p:ext uri="{D42A27DB-BD31-4B8C-83A1-F6EECF244321}">
+                <p14:modId xmlns:p14="http://schemas.microsoft.com/office/powerpoint/2010/main" val="550897886"/>
+              </p:ext>
+            </p:extLst>
+          </p:nvPr>
+        </p:nvGraphicFramePr>
+        <p:xfrm>
+          <a:off x="5662481" y="1203071"/>
+          <a:ext cx="2361142" cy="2315722"/>
+        </p:xfrm>
+        <a:graphic>
+          <a:graphicData uri="http://schemas.openxmlformats.org/drawingml/2006/table">
+            <a:tbl>
+              <a:tblPr firstRow="1" bandRow="1">
+                <a:tableStyleId>{5940675A-B579-460E-94D1-54222C63F5DA}</a:tableStyleId>
+              </a:tblPr>
+              <a:tblGrid>
+                <a:gridCol w="2361142">
+                  <a:extLst>
+                    <a:ext uri="{9D8B030D-6E8A-4147-A177-3AD203B41FA5}">
+                      <a16:colId xmlns:a16="http://schemas.microsoft.com/office/drawing/2014/main" val="1293918394"/>
+                    </a:ext>
+                  </a:extLst>
+                </a:gridCol>
+              </a:tblGrid>
+              <a:tr h="256152">
+                <a:tc>
+                  <a:txBody>
+                    <a:bodyPr/>
+                    <a:lstStyle/>
+                    <a:p>
+                      <a:r>
+                        <a:rPr lang="de-DE" dirty="0"/>
+                        <a:t>Physik</a:t>
+                      </a:r>
+                    </a:p>
+                  </a:txBody>
+                  <a:tcPr/>
+                </a:tc>
+                <a:extLst>
+                  <a:ext uri="{0D108BD9-81ED-4DB2-BD59-A6C34878D82A}">
+                    <a16:rowId xmlns:a16="http://schemas.microsoft.com/office/drawing/2014/main" val="424887423"/>
+                  </a:ext>
+                </a:extLst>
+              </a:tr>
+              <a:tr h="448266">
+                <a:tc>
+                  <a:txBody>
+                    <a:bodyPr/>
+                    <a:lstStyle/>
+                    <a:p>
+                      <a:r>
+                        <a:rPr lang="de-DE" dirty="0"/>
+                        <a:t>-reibung</a:t>
+                      </a:r>
+                    </a:p>
+                    <a:p>
+                      <a:r>
+                        <a:rPr lang="de-DE" dirty="0"/>
+                        <a:t>-schwerkraft</a:t>
+                      </a:r>
+                    </a:p>
+                    <a:p>
+                      <a:endParaRPr lang="de-DE" dirty="0"/>
+                    </a:p>
+                    <a:p>
+                      <a:endParaRPr lang="de-DE" dirty="0"/>
+                    </a:p>
+                  </a:txBody>
+                  <a:tcPr/>
+                </a:tc>
+                <a:extLst>
+                  <a:ext uri="{0D108BD9-81ED-4DB2-BD59-A6C34878D82A}">
+                    <a16:rowId xmlns:a16="http://schemas.microsoft.com/office/drawing/2014/main" val="1445048750"/>
+                  </a:ext>
+                </a:extLst>
+              </a:tr>
+              <a:tr h="761242">
+                <a:tc>
+                  <a:txBody>
+                    <a:bodyPr/>
+                    <a:lstStyle/>
+                    <a:p>
+                      <a:r>
+                        <a:rPr lang="de-DE" dirty="0"/>
+                        <a:t>+</a:t>
+                      </a:r>
+                      <a:r>
+                        <a:rPr lang="de-DE" dirty="0" err="1"/>
+                        <a:t>getSpeed</a:t>
+                      </a:r>
+                      <a:r>
+                        <a:rPr lang="de-DE" dirty="0"/>
+                        <a:t>()</a:t>
+                      </a:r>
+                    </a:p>
+                    <a:p>
+                      <a:r>
+                        <a:rPr lang="de-DE" dirty="0"/>
+                        <a:t>+</a:t>
+                      </a:r>
+                      <a:r>
+                        <a:rPr lang="de-DE" dirty="0" err="1"/>
+                        <a:t>getGravity</a:t>
+                      </a:r>
+                      <a:r>
+                        <a:rPr lang="de-DE" dirty="0"/>
+                        <a:t>()</a:t>
+                      </a:r>
+                    </a:p>
+                  </a:txBody>
+                  <a:tcPr/>
+                </a:tc>
+                <a:extLst>
+                  <a:ext uri="{0D108BD9-81ED-4DB2-BD59-A6C34878D82A}">
+                    <a16:rowId xmlns:a16="http://schemas.microsoft.com/office/drawing/2014/main" val="916365280"/>
+                  </a:ext>
+                </a:extLst>
+              </a:tr>
+            </a:tbl>
+          </a:graphicData>
+        </a:graphic>
+      </p:graphicFrame>
+      <p:cxnSp>
+        <p:nvCxnSpPr>
+          <p:cNvPr id="39" name="Gerade Verbindung mit Pfeil 38"/>
+          <p:cNvCxnSpPr>
+            <a:endCxn id="5" idx="2"/>
+          </p:cNvCxnSpPr>
+          <p:nvPr/>
+        </p:nvCxnSpPr>
+        <p:spPr>
+          <a:xfrm flipV="1">
+            <a:off x="6788944" y="889634"/>
+            <a:ext cx="0" cy="313437"/>
+          </a:xfrm>
+          <a:prstGeom prst="straightConnector1">
+            <a:avLst/>
+          </a:prstGeom>
+          <a:ln>
+            <a:tailEnd type="triangle"/>
+          </a:ln>
+        </p:spPr>
+        <p:style>
+          <a:lnRef idx="1">
+            <a:schemeClr val="accent1"/>
+          </a:lnRef>
+          <a:fillRef idx="0">
+            <a:schemeClr val="accent1"/>
+          </a:fillRef>
+          <a:effectRef idx="0">
+            <a:schemeClr val="accent1"/>
+          </a:effectRef>
+          <a:fontRef idx="minor">
+            <a:schemeClr val="tx1"/>
+          </a:fontRef>
+        </p:style>
+      </p:cxnSp>
+    </p:spTree>
+    <p:extLst>
+      <p:ext uri="{BB962C8B-B14F-4D97-AF65-F5344CB8AC3E}">
+        <p14:creationId xmlns:p14="http://schemas.microsoft.com/office/powerpoint/2010/main" val="3150719221"/>
+      </p:ext>
+    </p:extLst>
+  </p:cSld>
+  <p:clrMapOvr>
+    <a:masterClrMapping/>
+  </p:clrMapOvr>
+  <p:timing>
+    <p:tnLst>
+      <p:par>
+        <p:cTn id="1" dur="indefinite" restart="never" nodeType="tmRoot"/>
+      </p:par>
+    </p:tnLst>
+  </p:timing>
+</p:sld>
+</file>
+
+<file path=ppt/slides/slide11.xml><?xml version="1.0" encoding="utf-8"?>
 <p:sld xmlns:a="http://schemas.openxmlformats.org/drawingml/2006/main" xmlns:r="http://schemas.openxmlformats.org/officeDocument/2006/relationships" xmlns:p="http://schemas.openxmlformats.org/presentationml/2006/main" show="0">
   <p:cSld>
     <p:spTree>
@@ -4475,18 +5486,25 @@
   <p:clrMapOvr>
     <a:masterClrMapping/>
   </p:clrMapOvr>
-  <mc:AlternateContent xmlns:mc="http://schemas.openxmlformats.org/markup-compatibility/2006">
-    <mc:Choice xmlns:p14="http://schemas.microsoft.com/office/powerpoint/2010/main" Requires="p14">
+  <mc:AlternateContent xmlns:mc="http://schemas.openxmlformats.org/markup-compatibility/2006" xmlns:p14="http://schemas.microsoft.com/office/powerpoint/2010/main">
+    <mc:Choice Requires="p14">
       <p:transition spd="slow" p14:dur="2000"/>
     </mc:Choice>
-    <mc:Fallback>
+    <mc:Fallback xmlns="">
       <p:transition spd="slow"/>
     </mc:Fallback>
   </mc:AlternateContent>
+  <p:timing>
+    <p:tnLst>
+      <p:par>
+        <p:cTn id="1" dur="indefinite" restart="never" nodeType="tmRoot"/>
+      </p:par>
+    </p:tnLst>
+  </p:timing>
 </p:sld>
 </file>
 
-<file path=ppt/slides/slide11.xml><?xml version="1.0" encoding="utf-8"?>
+<file path=ppt/slides/slide12.xml><?xml version="1.0" encoding="utf-8"?>
 <p:sld xmlns:a="http://schemas.openxmlformats.org/drawingml/2006/main" xmlns:r="http://schemas.openxmlformats.org/officeDocument/2006/relationships" xmlns:p="http://schemas.openxmlformats.org/presentationml/2006/main" show="0">
   <p:cSld>
     <p:spTree>
@@ -4806,18 +5824,18 @@
   <p:clrMapOvr>
     <a:masterClrMapping/>
   </p:clrMapOvr>
-  <mc:AlternateContent xmlns:mc="http://schemas.openxmlformats.org/markup-compatibility/2006">
-    <mc:Choice xmlns:p14="http://schemas.microsoft.com/office/powerpoint/2010/main" Requires="p14">
+  <mc:AlternateContent xmlns:mc="http://schemas.openxmlformats.org/markup-compatibility/2006" xmlns:p14="http://schemas.microsoft.com/office/powerpoint/2010/main">
+    <mc:Choice Requires="p14">
       <p:transition spd="slow" p14:dur="2000"/>
     </mc:Choice>
-    <mc:Fallback>
+    <mc:Fallback xmlns="">
       <p:transition spd="slow"/>
     </mc:Fallback>
   </mc:AlternateContent>
 </p:sld>
 </file>
 
-<file path=ppt/slides/slide12.xml><?xml version="1.0" encoding="utf-8"?>
+<file path=ppt/slides/slide13.xml><?xml version="1.0" encoding="utf-8"?>
 <p:sld xmlns:a="http://schemas.openxmlformats.org/drawingml/2006/main" xmlns:r="http://schemas.openxmlformats.org/officeDocument/2006/relationships" xmlns:p="http://schemas.openxmlformats.org/presentationml/2006/main" show="0">
   <p:cSld>
     <p:spTree>
@@ -6471,11 +7489,11 @@
   <p:clrMapOvr>
     <a:masterClrMapping/>
   </p:clrMapOvr>
-  <mc:AlternateContent xmlns:mc="http://schemas.openxmlformats.org/markup-compatibility/2006">
-    <mc:Choice xmlns:p14="http://schemas.microsoft.com/office/powerpoint/2010/main" Requires="p14">
+  <mc:AlternateContent xmlns:mc="http://schemas.openxmlformats.org/markup-compatibility/2006" xmlns:p14="http://schemas.microsoft.com/office/powerpoint/2010/main">
+    <mc:Choice Requires="p14">
       <p:transition spd="slow" p14:dur="2000"/>
     </mc:Choice>
-    <mc:Fallback>
+    <mc:Fallback xmlns="">
       <p:transition spd="slow"/>
     </mc:Fallback>
   </mc:AlternateContent>
@@ -6534,7 +7552,7 @@
         <p:spPr>
           <a:xfrm>
             <a:off x="838200" y="1825625"/>
-            <a:ext cx="10515600" cy="4028282"/>
+            <a:ext cx="10515600" cy="4803879"/>
           </a:xfrm>
           <a:prstGeom prst="rect">
             <a:avLst/>
@@ -6563,8 +7581,13 @@
             <a:pPr lvl="1"/>
             <a:r>
               <a:rPr lang="de-DE" sz="2000" dirty="0"/>
-              <a:t>	Spielobjekt möglichst schnell in markiertes Ziel befördern</a:t>
-            </a:r>
+              <a:t>	Spielobjekt möglichst schnell in markiertes Ziel </a:t>
+            </a:r>
+            <a:r>
+              <a:rPr lang="de-DE" sz="2000" dirty="0" smtClean="0"/>
+              <a:t>befördern, indem man Werkzeuge aus einer      	Toolkiste richtig platziert.</a:t>
+            </a:r>
+            <a:endParaRPr lang="de-DE" sz="1600" dirty="0"/>
           </a:p>
           <a:p>
             <a:endParaRPr lang="de-DE" sz="2400" dirty="0"/>
@@ -6589,8 +7612,20 @@
             <a:pPr lvl="1"/>
             <a:r>
               <a:rPr lang="de-DE" sz="2000" dirty="0"/>
-              <a:t>	schwere Level: mit extra Hindernissen</a:t>
-            </a:r>
+              <a:t>	schwere Level: mit extra </a:t>
+            </a:r>
+            <a:r>
+              <a:rPr lang="de-DE" sz="2000" dirty="0" smtClean="0"/>
+              <a:t>Hindernissen</a:t>
+            </a:r>
+          </a:p>
+          <a:p>
+            <a:pPr lvl="1"/>
+            <a:r>
+              <a:rPr lang="de-DE" sz="2000" dirty="0" smtClean="0"/>
+              <a:t>    Level werden nach und nach freigeschalten</a:t>
+            </a:r>
+            <a:endParaRPr lang="de-DE" sz="1600" dirty="0"/>
           </a:p>
           <a:p>
             <a:pPr lvl="1"/>
@@ -6610,8 +7645,29 @@
             <a:pPr lvl="1"/>
             <a:r>
               <a:rPr lang="de-DE" sz="2000" dirty="0"/>
-              <a:t>	auf „Go“ geht’s los-&gt;Ball bewegt sich je nach physikalischen Beschaffenheit</a:t>
-            </a:r>
+              <a:t>	auf </a:t>
+            </a:r>
+            <a:r>
+              <a:rPr lang="de-DE" sz="2000" dirty="0" smtClean="0"/>
+              <a:t>„</a:t>
+            </a:r>
+            <a:r>
+              <a:rPr lang="de-DE" sz="2000" dirty="0" smtClean="0"/>
+              <a:t>Start</a:t>
+            </a:r>
+            <a:r>
+              <a:rPr lang="de-DE" sz="2000" dirty="0" smtClean="0"/>
+              <a:t>“ </a:t>
+            </a:r>
+            <a:r>
+              <a:rPr lang="de-DE" sz="2000" dirty="0"/>
+              <a:t>geht’s los-&gt;Ball bewegt sich je nach physikalischen </a:t>
+            </a:r>
+            <a:r>
+              <a:rPr lang="de-DE" sz="2000" dirty="0" smtClean="0"/>
+              <a:t>Beschaffenheit, der  	Werkzeuge</a:t>
+            </a:r>
+            <a:endParaRPr lang="de-DE" sz="2000" dirty="0"/>
           </a:p>
           <a:p>
             <a:endParaRPr lang="de-DE" dirty="0"/>
@@ -6628,10 +7684,109 @@
   <p:clrMapOvr>
     <a:masterClrMapping/>
   </p:clrMapOvr>
+  <p:timing>
+    <p:tnLst>
+      <p:par>
+        <p:cTn id="1" dur="indefinite" restart="never" nodeType="tmRoot"/>
+      </p:par>
+    </p:tnLst>
+  </p:timing>
 </p:sld>
 </file>
 
 <file path=ppt/slides/slide3.xml><?xml version="1.0" encoding="utf-8"?>
+<p:sld xmlns:a="http://schemas.openxmlformats.org/drawingml/2006/main" xmlns:r="http://schemas.openxmlformats.org/officeDocument/2006/relationships" xmlns:p="http://schemas.openxmlformats.org/presentationml/2006/main">
+  <p:cSld>
+    <p:spTree>
+      <p:nvGrpSpPr>
+        <p:cNvPr id="1" name=""/>
+        <p:cNvGrpSpPr/>
+        <p:nvPr/>
+      </p:nvGrpSpPr>
+      <p:grpSpPr>
+        <a:xfrm>
+          <a:off x="0" y="0"/>
+          <a:ext cx="0" cy="0"/>
+          <a:chOff x="0" y="0"/>
+          <a:chExt cx="0" cy="0"/>
+        </a:xfrm>
+      </p:grpSpPr>
+      <p:sp>
+        <p:nvSpPr>
+          <p:cNvPr id="3" name="Untertitel 2"/>
+          <p:cNvSpPr>
+            <a:spLocks noGrp="1"/>
+          </p:cNvSpPr>
+          <p:nvPr>
+            <p:ph type="subTitle" idx="1"/>
+          </p:nvPr>
+        </p:nvSpPr>
+        <p:spPr/>
+        <p:txBody>
+          <a:bodyPr/>
+          <a:lstStyle/>
+          <a:p>
+            <a:r>
+              <a:rPr lang="de-DE" dirty="0">
+                <a:solidFill>
+                  <a:schemeClr val="bg1"/>
+                </a:solidFill>
+              </a:rPr>
+              <a:t>Von Victoria, Florian, Alexander, Jonas und Maximilian</a:t>
+            </a:r>
+          </a:p>
+        </p:txBody>
+      </p:sp>
+      <p:pic>
+        <p:nvPicPr>
+          <p:cNvPr id="6" name="Grafik 5"/>
+          <p:cNvPicPr>
+            <a:picLocks noChangeAspect="1"/>
+          </p:cNvPicPr>
+          <p:nvPr/>
+        </p:nvPicPr>
+        <p:blipFill rotWithShape="1">
+          <a:blip r:embed="rId3">
+            <a:extLst>
+              <a:ext uri="{28A0092B-C50C-407E-A947-70E740481C1C}">
+                <a14:useLocalDpi xmlns:a14="http://schemas.microsoft.com/office/drawing/2010/main" val="0"/>
+              </a:ext>
+            </a:extLst>
+          </a:blip>
+          <a:srcRect l="9295" t="268" r="11859" b="33013"/>
+          <a:stretch/>
+        </p:blipFill>
+        <p:spPr>
+          <a:xfrm>
+            <a:off x="0" y="0"/>
+            <a:ext cx="12192000" cy="6884677"/>
+          </a:xfrm>
+          <a:prstGeom prst="rect">
+            <a:avLst/>
+          </a:prstGeom>
+        </p:spPr>
+      </p:pic>
+    </p:spTree>
+    <p:extLst>
+      <p:ext uri="{BB962C8B-B14F-4D97-AF65-F5344CB8AC3E}">
+        <p14:creationId xmlns:p14="http://schemas.microsoft.com/office/powerpoint/2010/main" val="1701245333"/>
+      </p:ext>
+    </p:extLst>
+  </p:cSld>
+  <p:clrMapOvr>
+    <a:masterClrMapping/>
+  </p:clrMapOvr>
+  <p:timing>
+    <p:tnLst>
+      <p:par>
+        <p:cTn id="1" dur="indefinite" restart="never" nodeType="tmRoot"/>
+      </p:par>
+    </p:tnLst>
+  </p:timing>
+</p:sld>
+</file>
+
+<file path=ppt/slides/slide4.xml><?xml version="1.0" encoding="utf-8"?>
 <p:sld xmlns:a="http://schemas.openxmlformats.org/drawingml/2006/main" xmlns:r="http://schemas.openxmlformats.org/officeDocument/2006/relationships" xmlns:p="http://schemas.openxmlformats.org/presentationml/2006/main">
   <p:cSld>
     <p:spTree>
@@ -6780,7 +7935,7 @@
         </p:blipFill>
         <p:spPr>
           <a:xfrm>
-            <a:off x="4344415" y="1502269"/>
+            <a:off x="4322113" y="1502269"/>
             <a:ext cx="3400883" cy="3788089"/>
           </a:xfrm>
           <a:prstGeom prst="rect">
@@ -6788,6 +7943,114 @@
           </a:prstGeom>
         </p:spPr>
       </p:pic>
+      <p:sp>
+        <p:nvSpPr>
+          <p:cNvPr id="8" name="Rechteck 7"/>
+          <p:cNvSpPr/>
+          <p:nvPr/>
+        </p:nvSpPr>
+        <p:spPr>
+          <a:xfrm>
+            <a:off x="11439761" y="2177170"/>
+            <a:ext cx="614705" cy="179435"/>
+          </a:xfrm>
+          <a:prstGeom prst="rect">
+            <a:avLst/>
+          </a:prstGeom>
+          <a:solidFill>
+            <a:schemeClr val="accent2">
+              <a:lumMod val="50000"/>
+            </a:schemeClr>
+          </a:solidFill>
+          <a:ln>
+            <a:solidFill>
+              <a:schemeClr val="tx1"/>
+            </a:solidFill>
+          </a:ln>
+        </p:spPr>
+        <p:style>
+          <a:lnRef idx="2">
+            <a:schemeClr val="accent1">
+              <a:shade val="50000"/>
+            </a:schemeClr>
+          </a:lnRef>
+          <a:fillRef idx="1">
+            <a:schemeClr val="accent1"/>
+          </a:fillRef>
+          <a:effectRef idx="0">
+            <a:schemeClr val="accent1"/>
+          </a:effectRef>
+          <a:fontRef idx="minor">
+            <a:schemeClr val="lt1"/>
+          </a:fontRef>
+        </p:style>
+        <p:txBody>
+          <a:bodyPr rtlCol="0" anchor="ctr"/>
+          <a:lstStyle/>
+          <a:p>
+            <a:pPr algn="ctr"/>
+            <a:r>
+              <a:rPr lang="de-DE" sz="1200" dirty="0" smtClean="0"/>
+              <a:t>Start</a:t>
+            </a:r>
+            <a:endParaRPr lang="de-DE" sz="1200" dirty="0"/>
+          </a:p>
+        </p:txBody>
+      </p:sp>
+      <p:sp>
+        <p:nvSpPr>
+          <p:cNvPr id="9" name="Rechteck 8"/>
+          <p:cNvSpPr/>
+          <p:nvPr/>
+        </p:nvSpPr>
+        <p:spPr>
+          <a:xfrm>
+            <a:off x="11439762" y="2454284"/>
+            <a:ext cx="614705" cy="177523"/>
+          </a:xfrm>
+          <a:prstGeom prst="rect">
+            <a:avLst/>
+          </a:prstGeom>
+          <a:solidFill>
+            <a:schemeClr val="accent2">
+              <a:lumMod val="50000"/>
+            </a:schemeClr>
+          </a:solidFill>
+          <a:ln>
+            <a:solidFill>
+              <a:schemeClr val="tx1"/>
+            </a:solidFill>
+          </a:ln>
+        </p:spPr>
+        <p:style>
+          <a:lnRef idx="2">
+            <a:schemeClr val="accent1">
+              <a:shade val="50000"/>
+            </a:schemeClr>
+          </a:lnRef>
+          <a:fillRef idx="1">
+            <a:schemeClr val="accent1"/>
+          </a:fillRef>
+          <a:effectRef idx="0">
+            <a:schemeClr val="accent1"/>
+          </a:effectRef>
+          <a:fontRef idx="minor">
+            <a:schemeClr val="lt1"/>
+          </a:fontRef>
+        </p:style>
+        <p:txBody>
+          <a:bodyPr rtlCol="0" anchor="ctr"/>
+          <a:lstStyle/>
+          <a:p>
+            <a:pPr algn="ctr"/>
+            <a:r>
+              <a:rPr lang="de-DE" sz="1200" dirty="0" err="1" smtClean="0"/>
+              <a:t>Reset</a:t>
+            </a:r>
+            <a:endParaRPr lang="de-DE" sz="1200" dirty="0"/>
+          </a:p>
+        </p:txBody>
+      </p:sp>
     </p:spTree>
     <p:extLst>
       <p:ext uri="{BB962C8B-B14F-4D97-AF65-F5344CB8AC3E}">
@@ -6798,10 +8061,17 @@
   <p:clrMapOvr>
     <a:masterClrMapping/>
   </p:clrMapOvr>
+  <p:timing>
+    <p:tnLst>
+      <p:par>
+        <p:cTn id="1" dur="indefinite" restart="never" nodeType="tmRoot"/>
+      </p:par>
+    </p:tnLst>
+  </p:timing>
 </p:sld>
 </file>
 
-<file path=ppt/slides/slide4.xml><?xml version="1.0" encoding="utf-8"?>
+<file path=ppt/slides/slide5.xml><?xml version="1.0" encoding="utf-8"?>
 <p:sld xmlns:a="http://schemas.openxmlformats.org/drawingml/2006/main" xmlns:r="http://schemas.openxmlformats.org/officeDocument/2006/relationships" xmlns:p="http://schemas.openxmlformats.org/presentationml/2006/main" show="0">
   <p:cSld>
     <p:spTree>
@@ -6852,18 +8122,25 @@
   <p:clrMapOvr>
     <a:masterClrMapping/>
   </p:clrMapOvr>
-  <mc:AlternateContent xmlns:mc="http://schemas.openxmlformats.org/markup-compatibility/2006">
-    <mc:Choice xmlns:p14="http://schemas.microsoft.com/office/powerpoint/2010/main" Requires="p14">
+  <mc:AlternateContent xmlns:mc="http://schemas.openxmlformats.org/markup-compatibility/2006" xmlns:p14="http://schemas.microsoft.com/office/powerpoint/2010/main">
+    <mc:Choice Requires="p14">
       <p:transition spd="slow" p14:dur="2000"/>
     </mc:Choice>
-    <mc:Fallback>
+    <mc:Fallback xmlns="">
       <p:transition spd="slow"/>
     </mc:Fallback>
   </mc:AlternateContent>
+  <p:timing>
+    <p:tnLst>
+      <p:par>
+        <p:cTn id="1" dur="indefinite" restart="never" nodeType="tmRoot"/>
+      </p:par>
+    </p:tnLst>
+  </p:timing>
 </p:sld>
 </file>
 
-<file path=ppt/slides/slide5.xml><?xml version="1.0" encoding="utf-8"?>
+<file path=ppt/slides/slide6.xml><?xml version="1.0" encoding="utf-8"?>
 <p:sld xmlns:a="http://schemas.openxmlformats.org/drawingml/2006/main" xmlns:r="http://schemas.openxmlformats.org/officeDocument/2006/relationships" xmlns:p="http://schemas.openxmlformats.org/presentationml/2006/main">
   <p:cSld>
     <p:spTree>
@@ -8317,10 +9594,17 @@
   <p:clrMapOvr>
     <a:masterClrMapping/>
   </p:clrMapOvr>
+  <p:timing>
+    <p:tnLst>
+      <p:par>
+        <p:cTn id="1" dur="indefinite" restart="never" nodeType="tmRoot"/>
+      </p:par>
+    </p:tnLst>
+  </p:timing>
 </p:sld>
 </file>
 
-<file path=ppt/slides/slide6.xml><?xml version="1.0" encoding="utf-8"?>
+<file path=ppt/slides/slide7.xml><?xml version="1.0" encoding="utf-8"?>
 <p:sld xmlns:a="http://schemas.openxmlformats.org/drawingml/2006/main" xmlns:r="http://schemas.openxmlformats.org/officeDocument/2006/relationships" xmlns:p="http://schemas.openxmlformats.org/presentationml/2006/main">
   <p:cSld>
     <p:spTree>
@@ -8661,10 +9945,17 @@
   <p:clrMapOvr>
     <a:masterClrMapping/>
   </p:clrMapOvr>
+  <p:timing>
+    <p:tnLst>
+      <p:par>
+        <p:cTn id="1" dur="indefinite" restart="never" nodeType="tmRoot"/>
+      </p:par>
+    </p:tnLst>
+  </p:timing>
 </p:sld>
 </file>
 
-<file path=ppt/slides/slide7.xml><?xml version="1.0" encoding="utf-8"?>
+<file path=ppt/slides/slide8.xml><?xml version="1.0" encoding="utf-8"?>
 <p:sld xmlns:a="http://schemas.openxmlformats.org/drawingml/2006/main" xmlns:r="http://schemas.openxmlformats.org/officeDocument/2006/relationships" xmlns:p="http://schemas.openxmlformats.org/presentationml/2006/main">
   <p:cSld>
     <p:spTree>
@@ -9561,10 +10852,17 @@
   <p:clrMapOvr>
     <a:masterClrMapping/>
   </p:clrMapOvr>
+  <p:timing>
+    <p:tnLst>
+      <p:par>
+        <p:cTn id="1" dur="indefinite" restart="never" nodeType="tmRoot"/>
+      </p:par>
+    </p:tnLst>
+  </p:timing>
 </p:sld>
 </file>
 
-<file path=ppt/slides/slide8.xml><?xml version="1.0" encoding="utf-8"?>
+<file path=ppt/slides/slide9.xml><?xml version="1.0" encoding="utf-8"?>
 <p:sld xmlns:a="http://schemas.openxmlformats.org/drawingml/2006/main" xmlns:r="http://schemas.openxmlformats.org/officeDocument/2006/relationships" xmlns:p="http://schemas.openxmlformats.org/presentationml/2006/main">
   <p:cSld>
     <p:spTree>
@@ -10041,7 +11339,7 @@
           <p:nvPr>
             <p:extLst>
               <p:ext uri="{D42A27DB-BD31-4B8C-83A1-F6EECF244321}">
-                <p14:modId xmlns:p14="http://schemas.microsoft.com/office/powerpoint/2010/main" val="854975008"/>
+                <p14:modId xmlns:p14="http://schemas.microsoft.com/office/powerpoint/2010/main" val="1429706651"/>
               </p:ext>
             </p:extLst>
           </p:nvPr>
@@ -10137,12 +11435,12 @@
                     </a:p>
                     <a:p>
                       <a:r>
-                        <a:rPr lang="de-DE" dirty="0"/>
-                        <a:t>-</a:t>
-                      </a:r>
-                      <a:r>
-                        <a:rPr lang="de-DE" dirty="0" err="1"/>
-                        <a:t>alignment</a:t>
+                        <a:rPr lang="de-DE" dirty="0" smtClean="0"/>
+                        <a:t>+</a:t>
+                      </a:r>
+                      <a:r>
+                        <a:rPr lang="de-DE" dirty="0" err="1" smtClean="0"/>
+                        <a:t>koordinaten</a:t>
                       </a:r>
                       <a:endParaRPr lang="de-DE" dirty="0"/>
                     </a:p>
@@ -10300,962 +11598,13 @@
   <p:clrMapOvr>
     <a:masterClrMapping/>
   </p:clrMapOvr>
-</p:sld>
-</file>
-
-<file path=ppt/slides/slide9.xml><?xml version="1.0" encoding="utf-8"?>
-<p:sld xmlns:a="http://schemas.openxmlformats.org/drawingml/2006/main" xmlns:r="http://schemas.openxmlformats.org/officeDocument/2006/relationships" xmlns:p="http://schemas.openxmlformats.org/presentationml/2006/main">
-  <p:cSld>
-    <p:spTree>
-      <p:nvGrpSpPr>
-        <p:cNvPr id="1" name=""/>
-        <p:cNvGrpSpPr/>
-        <p:nvPr/>
-      </p:nvGrpSpPr>
-      <p:grpSpPr>
-        <a:xfrm>
-          <a:off x="0" y="0"/>
-          <a:ext cx="0" cy="0"/>
-          <a:chOff x="0" y="0"/>
-          <a:chExt cx="0" cy="0"/>
-        </a:xfrm>
-      </p:grpSpPr>
-      <p:graphicFrame>
-        <p:nvGraphicFramePr>
-          <p:cNvPr id="4" name="Inhaltsplatzhalter 1"/>
-          <p:cNvGraphicFramePr>
-            <a:graphicFrameLocks/>
-          </p:cNvGraphicFramePr>
-          <p:nvPr>
-            <p:extLst>
-              <p:ext uri="{D42A27DB-BD31-4B8C-83A1-F6EECF244321}">
-                <p14:modId xmlns:p14="http://schemas.microsoft.com/office/powerpoint/2010/main" val="531914168"/>
-              </p:ext>
-            </p:extLst>
-          </p:nvPr>
-        </p:nvGraphicFramePr>
-        <p:xfrm>
-          <a:off x="2470407" y="3077022"/>
-          <a:ext cx="2469357" cy="2464594"/>
-        </p:xfrm>
-        <a:graphic>
-          <a:graphicData uri="http://schemas.openxmlformats.org/drawingml/2006/table">
-            <a:tbl>
-              <a:tblPr firstRow="1" bandRow="1">
-                <a:tableStyleId>{5940675A-B579-460E-94D1-54222C63F5DA}</a:tableStyleId>
-              </a:tblPr>
-              <a:tblGrid>
-                <a:gridCol w="2469357">
-                  <a:extLst>
-                    <a:ext uri="{9D8B030D-6E8A-4147-A177-3AD203B41FA5}">
-                      <a16:colId xmlns:a16="http://schemas.microsoft.com/office/drawing/2014/main" val="1293918394"/>
-                    </a:ext>
-                  </a:extLst>
-                </a:gridCol>
-              </a:tblGrid>
-              <a:tr h="392906">
-                <a:tc>
-                  <a:txBody>
-                    <a:bodyPr/>
-                    <a:lstStyle/>
-                    <a:p>
-                      <a:r>
-                        <a:rPr lang="de-DE" dirty="0"/>
-                        <a:t>Hindernisse</a:t>
-                      </a:r>
-                    </a:p>
-                  </a:txBody>
-                  <a:tcPr/>
-                </a:tc>
-                <a:extLst>
-                  <a:ext uri="{0D108BD9-81ED-4DB2-BD59-A6C34878D82A}">
-                    <a16:rowId xmlns:a16="http://schemas.microsoft.com/office/drawing/2014/main" val="424887423"/>
-                  </a:ext>
-                </a:extLst>
-              </a:tr>
-              <a:tr h="778669">
-                <a:tc>
-                  <a:txBody>
-                    <a:bodyPr/>
-                    <a:lstStyle/>
-                    <a:p>
-                      <a:endParaRPr lang="de-DE" dirty="0"/>
-                    </a:p>
-                  </a:txBody>
-                  <a:tcPr/>
-                </a:tc>
-                <a:extLst>
-                  <a:ext uri="{0D108BD9-81ED-4DB2-BD59-A6C34878D82A}">
-                    <a16:rowId xmlns:a16="http://schemas.microsoft.com/office/drawing/2014/main" val="1445048750"/>
-                  </a:ext>
-                </a:extLst>
-              </a:tr>
-              <a:tr h="1293019">
-                <a:tc>
-                  <a:txBody>
-                    <a:bodyPr/>
-                    <a:lstStyle/>
-                    <a:p>
-                      <a:r>
-                        <a:rPr lang="de-DE" dirty="0"/>
-                        <a:t>-</a:t>
-                      </a:r>
-                      <a:r>
-                        <a:rPr lang="de-DE" dirty="0" err="1"/>
-                        <a:t>setHindernisse</a:t>
-                      </a:r>
-                      <a:r>
-                        <a:rPr lang="de-DE" dirty="0"/>
-                        <a:t>(</a:t>
-                      </a:r>
-                      <a:r>
-                        <a:rPr lang="de-DE" dirty="0" err="1"/>
-                        <a:t>object</a:t>
-                      </a:r>
-                      <a:r>
-                        <a:rPr lang="de-DE" dirty="0"/>
-                        <a:t>)</a:t>
-                      </a:r>
-                    </a:p>
-                    <a:p>
-                      <a:r>
-                        <a:rPr lang="de-DE" dirty="0"/>
-                        <a:t>-</a:t>
-                      </a:r>
-                      <a:r>
-                        <a:rPr lang="de-DE" dirty="0" err="1"/>
-                        <a:t>getHindernisse</a:t>
-                      </a:r>
-                      <a:r>
-                        <a:rPr lang="de-DE" dirty="0"/>
-                        <a:t>(</a:t>
-                      </a:r>
-                      <a:r>
-                        <a:rPr lang="de-DE" dirty="0" err="1"/>
-                        <a:t>void</a:t>
-                      </a:r>
-                      <a:r>
-                        <a:rPr lang="de-DE" dirty="0"/>
-                        <a:t>)</a:t>
-                      </a:r>
-                    </a:p>
-                  </a:txBody>
-                  <a:tcPr/>
-                </a:tc>
-                <a:extLst>
-                  <a:ext uri="{0D108BD9-81ED-4DB2-BD59-A6C34878D82A}">
-                    <a16:rowId xmlns:a16="http://schemas.microsoft.com/office/drawing/2014/main" val="475748216"/>
-                  </a:ext>
-                </a:extLst>
-              </a:tr>
-            </a:tbl>
-          </a:graphicData>
-        </a:graphic>
-      </p:graphicFrame>
-      <p:graphicFrame>
-        <p:nvGraphicFramePr>
-          <p:cNvPr id="5" name="Inhaltsplatzhalter 1"/>
-          <p:cNvGraphicFramePr>
-            <a:graphicFrameLocks/>
-          </p:cNvGraphicFramePr>
-          <p:nvPr>
-            <p:extLst>
-              <p:ext uri="{D42A27DB-BD31-4B8C-83A1-F6EECF244321}">
-                <p14:modId xmlns:p14="http://schemas.microsoft.com/office/powerpoint/2010/main" val="4188968316"/>
-              </p:ext>
-            </p:extLst>
-          </p:nvPr>
-        </p:nvGraphicFramePr>
-        <p:xfrm>
-          <a:off x="5715000" y="523874"/>
-          <a:ext cx="2147888" cy="365760"/>
-        </p:xfrm>
-        <a:graphic>
-          <a:graphicData uri="http://schemas.openxmlformats.org/drawingml/2006/table">
-            <a:tbl>
-              <a:tblPr firstRow="1" bandRow="1">
-                <a:tableStyleId>{5940675A-B579-460E-94D1-54222C63F5DA}</a:tableStyleId>
-              </a:tblPr>
-              <a:tblGrid>
-                <a:gridCol w="2147888">
-                  <a:extLst>
-                    <a:ext uri="{9D8B030D-6E8A-4147-A177-3AD203B41FA5}">
-                      <a16:colId xmlns:a16="http://schemas.microsoft.com/office/drawing/2014/main" val="1293918394"/>
-                    </a:ext>
-                  </a:extLst>
-                </a:gridCol>
-              </a:tblGrid>
-              <a:tr h="306850">
-                <a:tc>
-                  <a:txBody>
-                    <a:bodyPr/>
-                    <a:lstStyle/>
-                    <a:p>
-                      <a:r>
-                        <a:rPr lang="de-DE" dirty="0"/>
-                        <a:t>Objekte</a:t>
-                      </a:r>
-                    </a:p>
-                  </a:txBody>
-                  <a:tcPr/>
-                </a:tc>
-                <a:extLst>
-                  <a:ext uri="{0D108BD9-81ED-4DB2-BD59-A6C34878D82A}">
-                    <a16:rowId xmlns:a16="http://schemas.microsoft.com/office/drawing/2014/main" val="424887423"/>
-                  </a:ext>
-                </a:extLst>
-              </a:tr>
-            </a:tbl>
-          </a:graphicData>
-        </a:graphic>
-      </p:graphicFrame>
-      <p:graphicFrame>
-        <p:nvGraphicFramePr>
-          <p:cNvPr id="6" name="Inhaltsplatzhalter 1"/>
-          <p:cNvGraphicFramePr>
-            <a:graphicFrameLocks/>
-          </p:cNvGraphicFramePr>
-          <p:nvPr>
-            <p:extLst>
-              <p:ext uri="{D42A27DB-BD31-4B8C-83A1-F6EECF244321}">
-                <p14:modId xmlns:p14="http://schemas.microsoft.com/office/powerpoint/2010/main" val="3900777798"/>
-              </p:ext>
-            </p:extLst>
-          </p:nvPr>
-        </p:nvGraphicFramePr>
-        <p:xfrm>
-          <a:off x="9469056" y="2611891"/>
-          <a:ext cx="2447926" cy="2514601"/>
-        </p:xfrm>
-        <a:graphic>
-          <a:graphicData uri="http://schemas.openxmlformats.org/drawingml/2006/table">
-            <a:tbl>
-              <a:tblPr firstRow="1" bandRow="1">
-                <a:tableStyleId>{5940675A-B579-460E-94D1-54222C63F5DA}</a:tableStyleId>
-              </a:tblPr>
-              <a:tblGrid>
-                <a:gridCol w="2447926">
-                  <a:extLst>
-                    <a:ext uri="{9D8B030D-6E8A-4147-A177-3AD203B41FA5}">
-                      <a16:colId xmlns:a16="http://schemas.microsoft.com/office/drawing/2014/main" val="1293918394"/>
-                    </a:ext>
-                  </a:extLst>
-                </a:gridCol>
-              </a:tblGrid>
-              <a:tr h="386321">
-                <a:tc>
-                  <a:txBody>
-                    <a:bodyPr/>
-                    <a:lstStyle/>
-                    <a:p>
-                      <a:r>
-                        <a:rPr lang="de-DE" dirty="0"/>
-                        <a:t>Tools</a:t>
-                      </a:r>
-                    </a:p>
-                  </a:txBody>
-                  <a:tcPr/>
-                </a:tc>
-                <a:extLst>
-                  <a:ext uri="{0D108BD9-81ED-4DB2-BD59-A6C34878D82A}">
-                    <a16:rowId xmlns:a16="http://schemas.microsoft.com/office/drawing/2014/main" val="424887423"/>
-                  </a:ext>
-                </a:extLst>
-              </a:tr>
-              <a:tr h="856931">
-                <a:tc>
-                  <a:txBody>
-                    <a:bodyPr/>
-                    <a:lstStyle/>
-                    <a:p>
-                      <a:r>
-                        <a:rPr lang="de-DE" dirty="0"/>
-                        <a:t>-</a:t>
-                      </a:r>
-                      <a:r>
-                        <a:rPr lang="de-DE" dirty="0" err="1"/>
-                        <a:t>availible:bool</a:t>
-                      </a:r>
-                      <a:endParaRPr lang="de-DE" dirty="0"/>
-                    </a:p>
-                  </a:txBody>
-                  <a:tcPr/>
-                </a:tc>
-                <a:extLst>
-                  <a:ext uri="{0D108BD9-81ED-4DB2-BD59-A6C34878D82A}">
-                    <a16:rowId xmlns:a16="http://schemas.microsoft.com/office/drawing/2014/main" val="1445048750"/>
-                  </a:ext>
-                </a:extLst>
-              </a:tr>
-              <a:tr h="1271349">
-                <a:tc>
-                  <a:txBody>
-                    <a:bodyPr/>
-                    <a:lstStyle/>
-                    <a:p>
-                      <a:r>
-                        <a:rPr lang="de-DE" dirty="0"/>
-                        <a:t>-</a:t>
-                      </a:r>
-                      <a:r>
-                        <a:rPr lang="de-DE" dirty="0" err="1"/>
-                        <a:t>setWegObjekte</a:t>
-                      </a:r>
-                      <a:r>
-                        <a:rPr lang="de-DE" dirty="0"/>
-                        <a:t>(</a:t>
-                      </a:r>
-                      <a:r>
-                        <a:rPr lang="de-DE" dirty="0" err="1"/>
-                        <a:t>object</a:t>
-                      </a:r>
-                      <a:r>
-                        <a:rPr lang="de-DE" dirty="0"/>
-                        <a:t>)</a:t>
-                      </a:r>
-                    </a:p>
-                    <a:p>
-                      <a:r>
-                        <a:rPr lang="de-DE" dirty="0"/>
-                        <a:t>-</a:t>
-                      </a:r>
-                      <a:r>
-                        <a:rPr lang="de-DE" dirty="0" err="1"/>
-                        <a:t>getWegObjekte</a:t>
-                      </a:r>
-                      <a:r>
-                        <a:rPr lang="de-DE" dirty="0"/>
-                        <a:t>(</a:t>
-                      </a:r>
-                      <a:r>
-                        <a:rPr lang="de-DE" dirty="0" err="1"/>
-                        <a:t>void</a:t>
-                      </a:r>
-                      <a:r>
-                        <a:rPr lang="de-DE" dirty="0"/>
-                        <a:t>)</a:t>
-                      </a:r>
-                    </a:p>
-                    <a:p>
-                      <a:endParaRPr lang="de-DE" dirty="0"/>
-                    </a:p>
-                  </a:txBody>
-                  <a:tcPr/>
-                </a:tc>
-                <a:extLst>
-                  <a:ext uri="{0D108BD9-81ED-4DB2-BD59-A6C34878D82A}">
-                    <a16:rowId xmlns:a16="http://schemas.microsoft.com/office/drawing/2014/main" val="916365280"/>
-                  </a:ext>
-                </a:extLst>
-              </a:tr>
-            </a:tbl>
-          </a:graphicData>
-        </a:graphic>
-      </p:graphicFrame>
-      <p:cxnSp>
-        <p:nvCxnSpPr>
-          <p:cNvPr id="7" name="Gerade Verbindung mit Pfeil 6"/>
-          <p:cNvCxnSpPr>
-            <a:stCxn id="4" idx="0"/>
-            <a:endCxn id="25" idx="1"/>
-          </p:cNvCxnSpPr>
-          <p:nvPr/>
-        </p:nvCxnSpPr>
-        <p:spPr>
-          <a:xfrm flipV="1">
-            <a:off x="3705085" y="2360932"/>
-            <a:ext cx="1957396" cy="716090"/>
-          </a:xfrm>
-          <a:prstGeom prst="straightConnector1">
-            <a:avLst/>
-          </a:prstGeom>
-          <a:ln>
-            <a:tailEnd type="triangle"/>
-          </a:ln>
-        </p:spPr>
-        <p:style>
-          <a:lnRef idx="1">
-            <a:schemeClr val="accent1"/>
-          </a:lnRef>
-          <a:fillRef idx="0">
-            <a:schemeClr val="accent1"/>
-          </a:fillRef>
-          <a:effectRef idx="0">
-            <a:schemeClr val="accent1"/>
-          </a:effectRef>
-          <a:fontRef idx="minor">
-            <a:schemeClr val="tx1"/>
-          </a:fontRef>
-        </p:style>
-      </p:cxnSp>
-      <p:cxnSp>
-        <p:nvCxnSpPr>
-          <p:cNvPr id="8" name="Gerade Verbindung mit Pfeil 7"/>
-          <p:cNvCxnSpPr>
-            <a:stCxn id="6" idx="0"/>
-            <a:endCxn id="25" idx="3"/>
-          </p:cNvCxnSpPr>
-          <p:nvPr/>
-        </p:nvCxnSpPr>
-        <p:spPr>
-          <a:xfrm flipH="1" flipV="1">
-            <a:off x="8023623" y="2360932"/>
-            <a:ext cx="2669396" cy="250959"/>
-          </a:xfrm>
-          <a:prstGeom prst="straightConnector1">
-            <a:avLst/>
-          </a:prstGeom>
-          <a:ln>
-            <a:tailEnd type="triangle"/>
-          </a:ln>
-        </p:spPr>
-        <p:style>
-          <a:lnRef idx="1">
-            <a:schemeClr val="accent1"/>
-          </a:lnRef>
-          <a:fillRef idx="0">
-            <a:schemeClr val="accent1"/>
-          </a:fillRef>
-          <a:effectRef idx="0">
-            <a:schemeClr val="accent1"/>
-          </a:effectRef>
-          <a:fontRef idx="minor">
-            <a:schemeClr val="tx1"/>
-          </a:fontRef>
-        </p:style>
-      </p:cxnSp>
-      <p:graphicFrame>
-        <p:nvGraphicFramePr>
-          <p:cNvPr id="9" name="Inhaltsplatzhalter 1"/>
-          <p:cNvGraphicFramePr>
-            <a:graphicFrameLocks/>
-          </p:cNvGraphicFramePr>
-          <p:nvPr>
-            <p:extLst>
-              <p:ext uri="{D42A27DB-BD31-4B8C-83A1-F6EECF244321}">
-                <p14:modId xmlns:p14="http://schemas.microsoft.com/office/powerpoint/2010/main" val="257435255"/>
-              </p:ext>
-            </p:extLst>
-          </p:nvPr>
-        </p:nvGraphicFramePr>
-        <p:xfrm>
-          <a:off x="6385198" y="4592277"/>
-          <a:ext cx="2361142" cy="2265723"/>
-        </p:xfrm>
-        <a:graphic>
-          <a:graphicData uri="http://schemas.openxmlformats.org/drawingml/2006/table">
-            <a:tbl>
-              <a:tblPr firstRow="1" bandRow="1">
-                <a:tableStyleId>{5940675A-B579-460E-94D1-54222C63F5DA}</a:tableStyleId>
-              </a:tblPr>
-              <a:tblGrid>
-                <a:gridCol w="2361142">
-                  <a:extLst>
-                    <a:ext uri="{9D8B030D-6E8A-4147-A177-3AD203B41FA5}">
-                      <a16:colId xmlns:a16="http://schemas.microsoft.com/office/drawing/2014/main" val="1293918394"/>
-                    </a:ext>
-                  </a:extLst>
-                </a:gridCol>
-              </a:tblGrid>
-              <a:tr h="320642">
-                <a:tc>
-                  <a:txBody>
-                    <a:bodyPr/>
-                    <a:lstStyle/>
-                    <a:p>
-                      <a:r>
-                        <a:rPr lang="de-DE" dirty="0"/>
-                        <a:t>Form</a:t>
-                      </a:r>
-                    </a:p>
-                  </a:txBody>
-                  <a:tcPr/>
-                </a:tc>
-                <a:extLst>
-                  <a:ext uri="{0D108BD9-81ED-4DB2-BD59-A6C34878D82A}">
-                    <a16:rowId xmlns:a16="http://schemas.microsoft.com/office/drawing/2014/main" val="424887423"/>
-                  </a:ext>
-                </a:extLst>
-              </a:tr>
-              <a:tr h="711243">
-                <a:tc>
-                  <a:txBody>
-                    <a:bodyPr/>
-                    <a:lstStyle/>
-                    <a:p>
-                      <a:r>
-                        <a:rPr lang="de-DE" dirty="0"/>
-                        <a:t>-size</a:t>
-                      </a:r>
-                    </a:p>
-                  </a:txBody>
-                  <a:tcPr/>
-                </a:tc>
-                <a:extLst>
-                  <a:ext uri="{0D108BD9-81ED-4DB2-BD59-A6C34878D82A}">
-                    <a16:rowId xmlns:a16="http://schemas.microsoft.com/office/drawing/2014/main" val="1445048750"/>
-                  </a:ext>
-                </a:extLst>
-              </a:tr>
-              <a:tr h="1055205">
-                <a:tc>
-                  <a:txBody>
-                    <a:bodyPr/>
-                    <a:lstStyle/>
-                    <a:p>
-                      <a:r>
-                        <a:rPr lang="de-DE" dirty="0"/>
-                        <a:t>-</a:t>
-                      </a:r>
-                      <a:r>
-                        <a:rPr lang="de-DE" dirty="0" err="1"/>
-                        <a:t>getKugel</a:t>
-                      </a:r>
-                      <a:r>
-                        <a:rPr lang="de-DE" dirty="0"/>
-                        <a:t>()</a:t>
-                      </a:r>
-                    </a:p>
-                    <a:p>
-                      <a:r>
-                        <a:rPr lang="de-DE" dirty="0"/>
-                        <a:t>-</a:t>
-                      </a:r>
-                      <a:r>
-                        <a:rPr lang="de-DE" dirty="0" err="1"/>
-                        <a:t>getLaufband</a:t>
-                      </a:r>
-                      <a:r>
-                        <a:rPr lang="de-DE" dirty="0"/>
-                        <a:t>()</a:t>
-                      </a:r>
-                    </a:p>
-                    <a:p>
-                      <a:r>
-                        <a:rPr lang="de-DE" dirty="0"/>
-                        <a:t>-</a:t>
-                      </a:r>
-                      <a:r>
-                        <a:rPr lang="de-DE" dirty="0" err="1"/>
-                        <a:t>getXXX</a:t>
-                      </a:r>
-                      <a:r>
-                        <a:rPr lang="de-DE" dirty="0"/>
-                        <a:t>()</a:t>
-                      </a:r>
-                    </a:p>
-                    <a:p>
-                      <a:endParaRPr lang="de-DE" dirty="0"/>
-                    </a:p>
-                  </a:txBody>
-                  <a:tcPr/>
-                </a:tc>
-                <a:extLst>
-                  <a:ext uri="{0D108BD9-81ED-4DB2-BD59-A6C34878D82A}">
-                    <a16:rowId xmlns:a16="http://schemas.microsoft.com/office/drawing/2014/main" val="916365280"/>
-                  </a:ext>
-                </a:extLst>
-              </a:tr>
-            </a:tbl>
-          </a:graphicData>
-        </a:graphic>
-      </p:graphicFrame>
-      <p:cxnSp>
-        <p:nvCxnSpPr>
-          <p:cNvPr id="11" name="Gerade Verbindung mit Pfeil 10"/>
-          <p:cNvCxnSpPr>
-            <a:stCxn id="14" idx="3"/>
-            <a:endCxn id="25" idx="1"/>
-          </p:cNvCxnSpPr>
-          <p:nvPr/>
-        </p:nvCxnSpPr>
-        <p:spPr>
-          <a:xfrm>
-            <a:off x="2880846" y="1919161"/>
-            <a:ext cx="2781635" cy="441771"/>
-          </a:xfrm>
-          <a:prstGeom prst="straightConnector1">
-            <a:avLst/>
-          </a:prstGeom>
-          <a:ln>
-            <a:tailEnd type="triangle"/>
-          </a:ln>
-        </p:spPr>
-        <p:style>
-          <a:lnRef idx="1">
-            <a:schemeClr val="accent1"/>
-          </a:lnRef>
-          <a:fillRef idx="0">
-            <a:schemeClr val="accent1"/>
-          </a:fillRef>
-          <a:effectRef idx="0">
-            <a:schemeClr val="accent1"/>
-          </a:effectRef>
-          <a:fontRef idx="minor">
-            <a:schemeClr val="tx1"/>
-          </a:fontRef>
-        </p:style>
-      </p:cxnSp>
-      <p:cxnSp>
-        <p:nvCxnSpPr>
-          <p:cNvPr id="13" name="Gewinkelter Verbinder 12"/>
-          <p:cNvCxnSpPr>
-            <a:stCxn id="9" idx="3"/>
-            <a:endCxn id="6" idx="2"/>
-          </p:cNvCxnSpPr>
-          <p:nvPr/>
-        </p:nvCxnSpPr>
-        <p:spPr>
-          <a:xfrm flipV="1">
-            <a:off x="8746340" y="5126492"/>
-            <a:ext cx="1946679" cy="598646"/>
-          </a:xfrm>
-          <a:prstGeom prst="bentConnector2">
-            <a:avLst/>
-          </a:prstGeom>
-          <a:ln>
-            <a:tailEnd type="triangle"/>
-          </a:ln>
-        </p:spPr>
-        <p:style>
-          <a:lnRef idx="1">
-            <a:schemeClr val="accent1"/>
-          </a:lnRef>
-          <a:fillRef idx="0">
-            <a:schemeClr val="accent1"/>
-          </a:fillRef>
-          <a:effectRef idx="0">
-            <a:schemeClr val="accent1"/>
-          </a:effectRef>
-          <a:fontRef idx="minor">
-            <a:schemeClr val="tx1"/>
-          </a:fontRef>
-        </p:style>
-      </p:cxnSp>
-      <p:graphicFrame>
-        <p:nvGraphicFramePr>
-          <p:cNvPr id="14" name="Inhaltsplatzhalter 1"/>
-          <p:cNvGraphicFramePr>
-            <a:graphicFrameLocks/>
-          </p:cNvGraphicFramePr>
-          <p:nvPr>
-            <p:extLst>
-              <p:ext uri="{D42A27DB-BD31-4B8C-83A1-F6EECF244321}">
-                <p14:modId xmlns:p14="http://schemas.microsoft.com/office/powerpoint/2010/main" val="2247966361"/>
-              </p:ext>
-            </p:extLst>
-          </p:nvPr>
-        </p:nvGraphicFramePr>
-        <p:xfrm>
-          <a:off x="519704" y="1035620"/>
-          <a:ext cx="2361142" cy="1767082"/>
-        </p:xfrm>
-        <a:graphic>
-          <a:graphicData uri="http://schemas.openxmlformats.org/drawingml/2006/table">
-            <a:tbl>
-              <a:tblPr firstRow="1" bandRow="1">
-                <a:tableStyleId>{5940675A-B579-460E-94D1-54222C63F5DA}</a:tableStyleId>
-              </a:tblPr>
-              <a:tblGrid>
-                <a:gridCol w="2361142">
-                  <a:extLst>
-                    <a:ext uri="{9D8B030D-6E8A-4147-A177-3AD203B41FA5}">
-                      <a16:colId xmlns:a16="http://schemas.microsoft.com/office/drawing/2014/main" val="1293918394"/>
-                    </a:ext>
-                  </a:extLst>
-                </a:gridCol>
-              </a:tblGrid>
-              <a:tr h="256152">
-                <a:tc>
-                  <a:txBody>
-                    <a:bodyPr/>
-                    <a:lstStyle/>
-                    <a:p>
-                      <a:r>
-                        <a:rPr lang="de-DE" dirty="0" err="1" smtClean="0"/>
-                        <a:t>Papierkneul</a:t>
-                      </a:r>
-                      <a:endParaRPr lang="de-DE" dirty="0"/>
-                    </a:p>
-                  </a:txBody>
-                  <a:tcPr/>
-                </a:tc>
-                <a:extLst>
-                  <a:ext uri="{0D108BD9-81ED-4DB2-BD59-A6C34878D82A}">
-                    <a16:rowId xmlns:a16="http://schemas.microsoft.com/office/drawing/2014/main" val="424887423"/>
-                  </a:ext>
-                </a:extLst>
-              </a:tr>
-              <a:tr h="448266">
-                <a:tc>
-                  <a:txBody>
-                    <a:bodyPr/>
-                    <a:lstStyle/>
-                    <a:p>
-                      <a:r>
-                        <a:rPr lang="de-DE" dirty="0"/>
-                        <a:t>-size</a:t>
-                      </a:r>
-                    </a:p>
-                    <a:p>
-                      <a:endParaRPr lang="de-DE" dirty="0"/>
-                    </a:p>
-                  </a:txBody>
-                  <a:tcPr/>
-                </a:tc>
-                <a:extLst>
-                  <a:ext uri="{0D108BD9-81ED-4DB2-BD59-A6C34878D82A}">
-                    <a16:rowId xmlns:a16="http://schemas.microsoft.com/office/drawing/2014/main" val="1445048750"/>
-                  </a:ext>
-                </a:extLst>
-              </a:tr>
-              <a:tr h="761242">
-                <a:tc>
-                  <a:txBody>
-                    <a:bodyPr/>
-                    <a:lstStyle/>
-                    <a:p>
-                      <a:r>
-                        <a:rPr lang="de-DE" dirty="0"/>
-                        <a:t>+</a:t>
-                      </a:r>
-                      <a:r>
-                        <a:rPr lang="de-DE" dirty="0" err="1"/>
-                        <a:t>getBall</a:t>
-                      </a:r>
-                      <a:r>
-                        <a:rPr lang="de-DE" dirty="0"/>
-                        <a:t>()</a:t>
-                      </a:r>
-                    </a:p>
-                    <a:p>
-                      <a:endParaRPr lang="de-DE" dirty="0"/>
-                    </a:p>
-                  </a:txBody>
-                  <a:tcPr/>
-                </a:tc>
-                <a:extLst>
-                  <a:ext uri="{0D108BD9-81ED-4DB2-BD59-A6C34878D82A}">
-                    <a16:rowId xmlns:a16="http://schemas.microsoft.com/office/drawing/2014/main" val="916365280"/>
-                  </a:ext>
-                </a:extLst>
-              </a:tr>
-            </a:tbl>
-          </a:graphicData>
-        </a:graphic>
-      </p:graphicFrame>
-      <p:cxnSp>
-        <p:nvCxnSpPr>
-          <p:cNvPr id="20" name="Gerade Verbindung mit Pfeil 19"/>
-          <p:cNvCxnSpPr>
-            <a:stCxn id="9" idx="1"/>
-            <a:endCxn id="4" idx="2"/>
-          </p:cNvCxnSpPr>
-          <p:nvPr/>
-        </p:nvCxnSpPr>
-        <p:spPr>
-          <a:xfrm flipH="1" flipV="1">
-            <a:off x="3705085" y="5541616"/>
-            <a:ext cx="2680113" cy="183522"/>
-          </a:xfrm>
-          <a:prstGeom prst="straightConnector1">
-            <a:avLst/>
-          </a:prstGeom>
-          <a:ln>
-            <a:tailEnd type="triangle"/>
-          </a:ln>
-        </p:spPr>
-        <p:style>
-          <a:lnRef idx="1">
-            <a:schemeClr val="accent1"/>
-          </a:lnRef>
-          <a:fillRef idx="0">
-            <a:schemeClr val="accent1"/>
-          </a:fillRef>
-          <a:effectRef idx="0">
-            <a:schemeClr val="accent1"/>
-          </a:effectRef>
-          <a:fontRef idx="minor">
-            <a:schemeClr val="tx1"/>
-          </a:fontRef>
-        </p:style>
-      </p:cxnSp>
-      <p:graphicFrame>
-        <p:nvGraphicFramePr>
-          <p:cNvPr id="25" name="Inhaltsplatzhalter 1"/>
-          <p:cNvGraphicFramePr>
-            <a:graphicFrameLocks/>
-          </p:cNvGraphicFramePr>
-          <p:nvPr>
-            <p:extLst>
-              <p:ext uri="{D42A27DB-BD31-4B8C-83A1-F6EECF244321}">
-                <p14:modId xmlns:p14="http://schemas.microsoft.com/office/powerpoint/2010/main" val="550897886"/>
-              </p:ext>
-            </p:extLst>
-          </p:nvPr>
-        </p:nvGraphicFramePr>
-        <p:xfrm>
-          <a:off x="5662481" y="1203071"/>
-          <a:ext cx="2361142" cy="2315722"/>
-        </p:xfrm>
-        <a:graphic>
-          <a:graphicData uri="http://schemas.openxmlformats.org/drawingml/2006/table">
-            <a:tbl>
-              <a:tblPr firstRow="1" bandRow="1">
-                <a:tableStyleId>{5940675A-B579-460E-94D1-54222C63F5DA}</a:tableStyleId>
-              </a:tblPr>
-              <a:tblGrid>
-                <a:gridCol w="2361142">
-                  <a:extLst>
-                    <a:ext uri="{9D8B030D-6E8A-4147-A177-3AD203B41FA5}">
-                      <a16:colId xmlns:a16="http://schemas.microsoft.com/office/drawing/2014/main" val="1293918394"/>
-                    </a:ext>
-                  </a:extLst>
-                </a:gridCol>
-              </a:tblGrid>
-              <a:tr h="256152">
-                <a:tc>
-                  <a:txBody>
-                    <a:bodyPr/>
-                    <a:lstStyle/>
-                    <a:p>
-                      <a:r>
-                        <a:rPr lang="de-DE" dirty="0"/>
-                        <a:t>Physik</a:t>
-                      </a:r>
-                    </a:p>
-                  </a:txBody>
-                  <a:tcPr/>
-                </a:tc>
-                <a:extLst>
-                  <a:ext uri="{0D108BD9-81ED-4DB2-BD59-A6C34878D82A}">
-                    <a16:rowId xmlns:a16="http://schemas.microsoft.com/office/drawing/2014/main" val="424887423"/>
-                  </a:ext>
-                </a:extLst>
-              </a:tr>
-              <a:tr h="448266">
-                <a:tc>
-                  <a:txBody>
-                    <a:bodyPr/>
-                    <a:lstStyle/>
-                    <a:p>
-                      <a:r>
-                        <a:rPr lang="de-DE" dirty="0"/>
-                        <a:t>-reibung</a:t>
-                      </a:r>
-                    </a:p>
-                    <a:p>
-                      <a:r>
-                        <a:rPr lang="de-DE" dirty="0"/>
-                        <a:t>-schwerkraft</a:t>
-                      </a:r>
-                    </a:p>
-                    <a:p>
-                      <a:endParaRPr lang="de-DE" dirty="0"/>
-                    </a:p>
-                    <a:p>
-                      <a:endParaRPr lang="de-DE" dirty="0"/>
-                    </a:p>
-                  </a:txBody>
-                  <a:tcPr/>
-                </a:tc>
-                <a:extLst>
-                  <a:ext uri="{0D108BD9-81ED-4DB2-BD59-A6C34878D82A}">
-                    <a16:rowId xmlns:a16="http://schemas.microsoft.com/office/drawing/2014/main" val="1445048750"/>
-                  </a:ext>
-                </a:extLst>
-              </a:tr>
-              <a:tr h="761242">
-                <a:tc>
-                  <a:txBody>
-                    <a:bodyPr/>
-                    <a:lstStyle/>
-                    <a:p>
-                      <a:r>
-                        <a:rPr lang="de-DE" dirty="0"/>
-                        <a:t>+</a:t>
-                      </a:r>
-                      <a:r>
-                        <a:rPr lang="de-DE" dirty="0" err="1"/>
-                        <a:t>getSpeed</a:t>
-                      </a:r>
-                      <a:r>
-                        <a:rPr lang="de-DE" dirty="0"/>
-                        <a:t>()</a:t>
-                      </a:r>
-                    </a:p>
-                    <a:p>
-                      <a:r>
-                        <a:rPr lang="de-DE" dirty="0"/>
-                        <a:t>+</a:t>
-                      </a:r>
-                      <a:r>
-                        <a:rPr lang="de-DE" dirty="0" err="1"/>
-                        <a:t>getGravity</a:t>
-                      </a:r>
-                      <a:r>
-                        <a:rPr lang="de-DE" dirty="0"/>
-                        <a:t>()</a:t>
-                      </a:r>
-                    </a:p>
-                  </a:txBody>
-                  <a:tcPr/>
-                </a:tc>
-                <a:extLst>
-                  <a:ext uri="{0D108BD9-81ED-4DB2-BD59-A6C34878D82A}">
-                    <a16:rowId xmlns:a16="http://schemas.microsoft.com/office/drawing/2014/main" val="916365280"/>
-                  </a:ext>
-                </a:extLst>
-              </a:tr>
-            </a:tbl>
-          </a:graphicData>
-        </a:graphic>
-      </p:graphicFrame>
-      <p:cxnSp>
-        <p:nvCxnSpPr>
-          <p:cNvPr id="39" name="Gerade Verbindung mit Pfeil 38"/>
-          <p:cNvCxnSpPr>
-            <a:endCxn id="5" idx="2"/>
-          </p:cNvCxnSpPr>
-          <p:nvPr/>
-        </p:nvCxnSpPr>
-        <p:spPr>
-          <a:xfrm flipV="1">
-            <a:off x="6788944" y="889634"/>
-            <a:ext cx="0" cy="313437"/>
-          </a:xfrm>
-          <a:prstGeom prst="straightConnector1">
-            <a:avLst/>
-          </a:prstGeom>
-          <a:ln>
-            <a:tailEnd type="triangle"/>
-          </a:ln>
-        </p:spPr>
-        <p:style>
-          <a:lnRef idx="1">
-            <a:schemeClr val="accent1"/>
-          </a:lnRef>
-          <a:fillRef idx="0">
-            <a:schemeClr val="accent1"/>
-          </a:fillRef>
-          <a:effectRef idx="0">
-            <a:schemeClr val="accent1"/>
-          </a:effectRef>
-          <a:fontRef idx="minor">
-            <a:schemeClr val="tx1"/>
-          </a:fontRef>
-        </p:style>
-      </p:cxnSp>
-    </p:spTree>
-    <p:extLst>
-      <p:ext uri="{BB962C8B-B14F-4D97-AF65-F5344CB8AC3E}">
-        <p14:creationId xmlns:p14="http://schemas.microsoft.com/office/powerpoint/2010/main" val="3150719221"/>
-      </p:ext>
-    </p:extLst>
-  </p:cSld>
-  <p:clrMapOvr>
-    <a:masterClrMapping/>
-  </p:clrMapOvr>
+  <p:timing>
+    <p:tnLst>
+      <p:par>
+        <p:cTn id="1" dur="indefinite" restart="never" nodeType="tmRoot"/>
+      </p:par>
+    </p:tnLst>
+  </p:timing>
 </p:sld>
 </file>
 

--- a/BallFall.pptx
+++ b/BallFall.pptx
@@ -4227,8 +4227,8 @@
         </p:nvSpPr>
         <p:spPr>
           <a:xfrm>
-            <a:off x="2977375" y="2018371"/>
-            <a:ext cx="6394251" cy="2831544"/>
+            <a:off x="2535844" y="881511"/>
+            <a:ext cx="6552115" cy="5878532"/>
           </a:xfrm>
           <a:prstGeom prst="rect">
             <a:avLst/>
@@ -4260,6 +4260,66 @@
               <a:rPr lang="de-DE" dirty="0"/>
               <a:t>Maximilian, Jonas, Alexander, Florian, Victoria </a:t>
             </a:r>
+            <a:endParaRPr lang="de-DE" dirty="0" smtClean="0"/>
+          </a:p>
+          <a:p>
+            <a:endParaRPr lang="de-DE" dirty="0"/>
+          </a:p>
+          <a:p>
+            <a:r>
+              <a:rPr lang="de-DE" dirty="0" smtClean="0"/>
+              <a:t>Feedback:</a:t>
+            </a:r>
+          </a:p>
+          <a:p>
+            <a:endParaRPr lang="de-DE" dirty="0"/>
+          </a:p>
+          <a:p>
+            <a:r>
+              <a:rPr lang="de-DE" dirty="0" smtClean="0"/>
+              <a:t>Grafik schön, bitte beibehalten, </a:t>
+            </a:r>
+            <a:r>
+              <a:rPr lang="de-DE" dirty="0" err="1" smtClean="0"/>
+              <a:t>evt</a:t>
+            </a:r>
+            <a:r>
+              <a:rPr lang="de-DE" dirty="0" smtClean="0"/>
+              <a:t>. schwierig in der Einbettung.</a:t>
+            </a:r>
+          </a:p>
+          <a:p>
+            <a:r>
+              <a:rPr lang="de-DE" dirty="0" smtClean="0"/>
+              <a:t>Lieber wenige Elemente, wäre überhaupt kein Nachteil. Die sollen </a:t>
+            </a:r>
+          </a:p>
+          <a:p>
+            <a:r>
+              <a:rPr lang="de-DE" dirty="0" smtClean="0"/>
+              <a:t>dann aber funktionieren und einen flüssigen Spielfluss ermöglichen.</a:t>
+            </a:r>
+          </a:p>
+          <a:p>
+            <a:endParaRPr lang="de-DE" dirty="0"/>
+          </a:p>
+          <a:p>
+            <a:r>
+              <a:rPr lang="de-DE" dirty="0" smtClean="0"/>
+              <a:t>Schön wäre, wenn wir eigene Physik implementieren. </a:t>
+            </a:r>
+          </a:p>
+          <a:p>
+            <a:endParaRPr lang="de-DE" dirty="0" smtClean="0"/>
+          </a:p>
+          <a:p>
+            <a:r>
+              <a:rPr lang="de-DE" dirty="0" smtClean="0"/>
+              <a:t> </a:t>
+            </a:r>
+          </a:p>
+          <a:p>
+            <a:endParaRPr lang="de-DE" dirty="0"/>
           </a:p>
           <a:p>
             <a:endParaRPr lang="de-DE" dirty="0" smtClean="0"/>

--- a/BallFall.pptx
+++ b/BallFall.pptx
@@ -7995,7 +7995,7 @@
         </p:blipFill>
         <p:spPr>
           <a:xfrm>
-            <a:off x="4322113" y="1502269"/>
+            <a:off x="4322113" y="1513420"/>
             <a:ext cx="3400883" cy="3788089"/>
           </a:xfrm>
           <a:prstGeom prst="rect">
